--- a/Presentasi.pptx
+++ b/Presentasi.pptx
@@ -8,40 +8,41 @@
     <p:sldId id="256" r:id="rId2"/>
     <p:sldId id="300" r:id="rId3"/>
     <p:sldId id="355" r:id="rId4"/>
-    <p:sldId id="358" r:id="rId5"/>
-    <p:sldId id="361" r:id="rId6"/>
-    <p:sldId id="360" r:id="rId7"/>
-    <p:sldId id="359" r:id="rId8"/>
-    <p:sldId id="357" r:id="rId9"/>
-    <p:sldId id="305" r:id="rId10"/>
-    <p:sldId id="308" r:id="rId11"/>
-    <p:sldId id="309" r:id="rId12"/>
-    <p:sldId id="310" r:id="rId13"/>
-    <p:sldId id="311" r:id="rId14"/>
-    <p:sldId id="314" r:id="rId15"/>
-    <p:sldId id="312" r:id="rId16"/>
-    <p:sldId id="313" r:id="rId17"/>
-    <p:sldId id="315" r:id="rId18"/>
-    <p:sldId id="316" r:id="rId19"/>
-    <p:sldId id="317" r:id="rId20"/>
-    <p:sldId id="318" r:id="rId21"/>
-    <p:sldId id="319" r:id="rId22"/>
-    <p:sldId id="320" r:id="rId23"/>
-    <p:sldId id="323" r:id="rId24"/>
-    <p:sldId id="324" r:id="rId25"/>
-    <p:sldId id="325" r:id="rId26"/>
-    <p:sldId id="354" r:id="rId27"/>
-    <p:sldId id="326" r:id="rId28"/>
-    <p:sldId id="327" r:id="rId29"/>
-    <p:sldId id="356" r:id="rId30"/>
-    <p:sldId id="363" r:id="rId31"/>
-    <p:sldId id="362" r:id="rId32"/>
-    <p:sldId id="364" r:id="rId33"/>
-    <p:sldId id="365" r:id="rId34"/>
-    <p:sldId id="352" r:id="rId35"/>
-    <p:sldId id="332" r:id="rId36"/>
-    <p:sldId id="350" r:id="rId37"/>
-    <p:sldId id="351" r:id="rId38"/>
+    <p:sldId id="366" r:id="rId5"/>
+    <p:sldId id="358" r:id="rId6"/>
+    <p:sldId id="361" r:id="rId7"/>
+    <p:sldId id="360" r:id="rId8"/>
+    <p:sldId id="359" r:id="rId9"/>
+    <p:sldId id="357" r:id="rId10"/>
+    <p:sldId id="305" r:id="rId11"/>
+    <p:sldId id="308" r:id="rId12"/>
+    <p:sldId id="309" r:id="rId13"/>
+    <p:sldId id="310" r:id="rId14"/>
+    <p:sldId id="311" r:id="rId15"/>
+    <p:sldId id="314" r:id="rId16"/>
+    <p:sldId id="312" r:id="rId17"/>
+    <p:sldId id="313" r:id="rId18"/>
+    <p:sldId id="315" r:id="rId19"/>
+    <p:sldId id="316" r:id="rId20"/>
+    <p:sldId id="317" r:id="rId21"/>
+    <p:sldId id="318" r:id="rId22"/>
+    <p:sldId id="319" r:id="rId23"/>
+    <p:sldId id="320" r:id="rId24"/>
+    <p:sldId id="323" r:id="rId25"/>
+    <p:sldId id="324" r:id="rId26"/>
+    <p:sldId id="325" r:id="rId27"/>
+    <p:sldId id="354" r:id="rId28"/>
+    <p:sldId id="326" r:id="rId29"/>
+    <p:sldId id="327" r:id="rId30"/>
+    <p:sldId id="356" r:id="rId31"/>
+    <p:sldId id="363" r:id="rId32"/>
+    <p:sldId id="362" r:id="rId33"/>
+    <p:sldId id="364" r:id="rId34"/>
+    <p:sldId id="365" r:id="rId35"/>
+    <p:sldId id="352" r:id="rId36"/>
+    <p:sldId id="332" r:id="rId37"/>
+    <p:sldId id="350" r:id="rId38"/>
+    <p:sldId id="351" r:id="rId39"/>
   </p:sldIdLst>
   <p:sldSz cx="12192000" cy="6858000"/>
   <p:notesSz cx="6858000" cy="9144000"/>
@@ -3695,6 +3696,164 @@
           <p:cNvPr id="2" name="Title 1">
             <a:extLst>
               <a:ext uri="{FF2B5EF4-FFF2-40B4-BE49-F238E27FC236}">
+                <a16:creationId xmlns:a16="http://schemas.microsoft.com/office/drawing/2014/main" id="{9BB7E845-AA75-454C-BC6B-B017BD2048AE}"/>
+              </a:ext>
+            </a:extLst>
+          </p:cNvPr>
+          <p:cNvSpPr>
+            <a:spLocks noGrp="1"/>
+          </p:cNvSpPr>
+          <p:nvPr>
+            <p:ph type="title"/>
+          </p:nvPr>
+        </p:nvSpPr>
+        <p:spPr>
+          <a:xfrm>
+            <a:off x="29307" y="0"/>
+            <a:ext cx="10515600" cy="1325563"/>
+          </a:xfrm>
+        </p:spPr>
+        <p:txBody>
+          <a:bodyPr/>
+          <a:lstStyle/>
+          <a:p>
+            <a:r>
+              <a:rPr lang="en-US" dirty="0"/>
+              <a:t>Today Workshop Project with PyQt5</a:t>
+            </a:r>
+          </a:p>
+        </p:txBody>
+      </p:sp>
+      <p:pic>
+        <p:nvPicPr>
+          <p:cNvPr id="4" name="Picture 3">
+            <a:extLst>
+              <a:ext uri="{FF2B5EF4-FFF2-40B4-BE49-F238E27FC236}">
+                <a16:creationId xmlns:a16="http://schemas.microsoft.com/office/drawing/2014/main" id="{E516324D-4303-4AE2-A3BA-0A42B276ACE1}"/>
+              </a:ext>
+            </a:extLst>
+          </p:cNvPr>
+          <p:cNvPicPr>
+            <a:picLocks noChangeAspect="1"/>
+          </p:cNvPicPr>
+          <p:nvPr/>
+        </p:nvPicPr>
+        <p:blipFill>
+          <a:blip r:embed="rId2"/>
+          <a:stretch>
+            <a:fillRect/>
+          </a:stretch>
+        </p:blipFill>
+        <p:spPr>
+          <a:xfrm>
+            <a:off x="5441429" y="4107305"/>
+            <a:ext cx="6711239" cy="2750695"/>
+          </a:xfrm>
+          <a:prstGeom prst="rect">
+            <a:avLst/>
+          </a:prstGeom>
+        </p:spPr>
+      </p:pic>
+      <p:pic>
+        <p:nvPicPr>
+          <p:cNvPr id="5" name="Picture 4">
+            <a:extLst>
+              <a:ext uri="{FF2B5EF4-FFF2-40B4-BE49-F238E27FC236}">
+                <a16:creationId xmlns:a16="http://schemas.microsoft.com/office/drawing/2014/main" id="{978839AF-A4AC-495F-A040-B0EA48A6FEDA}"/>
+              </a:ext>
+            </a:extLst>
+          </p:cNvPr>
+          <p:cNvPicPr>
+            <a:picLocks noChangeAspect="1"/>
+          </p:cNvPicPr>
+          <p:nvPr/>
+        </p:nvPicPr>
+        <p:blipFill>
+          <a:blip r:embed="rId3"/>
+          <a:stretch>
+            <a:fillRect/>
+          </a:stretch>
+        </p:blipFill>
+        <p:spPr>
+          <a:xfrm>
+            <a:off x="29307" y="973628"/>
+            <a:ext cx="5336720" cy="3358529"/>
+          </a:xfrm>
+          <a:prstGeom prst="rect">
+            <a:avLst/>
+          </a:prstGeom>
+        </p:spPr>
+      </p:pic>
+      <p:sp>
+        <p:nvSpPr>
+          <p:cNvPr id="6" name="TextBox 5">
+            <a:extLst>
+              <a:ext uri="{FF2B5EF4-FFF2-40B4-BE49-F238E27FC236}">
+                <a16:creationId xmlns:a16="http://schemas.microsoft.com/office/drawing/2014/main" id="{8C780E7C-A188-4F27-B10C-3E9E97F62427}"/>
+              </a:ext>
+            </a:extLst>
+          </p:cNvPr>
+          <p:cNvSpPr txBox="1"/>
+          <p:nvPr/>
+        </p:nvSpPr>
+        <p:spPr>
+          <a:xfrm>
+            <a:off x="5366027" y="3737973"/>
+            <a:ext cx="6205926" cy="369332"/>
+          </a:xfrm>
+          <a:prstGeom prst="rect">
+            <a:avLst/>
+          </a:prstGeom>
+          <a:noFill/>
+        </p:spPr>
+        <p:txBody>
+          <a:bodyPr wrap="square">
+            <a:spAutoFit/>
+          </a:bodyPr>
+          <a:lstStyle/>
+          <a:p>
+            <a:r>
+              <a:rPr lang="en-US" dirty="0"/>
+              <a:t>https://wokwi.com/projects/345223004701065810</a:t>
+            </a:r>
+          </a:p>
+        </p:txBody>
+      </p:sp>
+    </p:spTree>
+    <p:extLst>
+      <p:ext uri="{BB962C8B-B14F-4D97-AF65-F5344CB8AC3E}">
+        <p14:creationId xmlns:p14="http://schemas.microsoft.com/office/powerpoint/2010/main" val="154114275"/>
+      </p:ext>
+    </p:extLst>
+  </p:cSld>
+  <p:clrMapOvr>
+    <a:masterClrMapping/>
+  </p:clrMapOvr>
+</p:sld>
+</file>
+
+<file path=ppt/slides/slide11.xml><?xml version="1.0" encoding="utf-8"?>
+<p:sld xmlns:a="http://schemas.openxmlformats.org/drawingml/2006/main" xmlns:r="http://schemas.openxmlformats.org/officeDocument/2006/relationships" xmlns:p="http://schemas.openxmlformats.org/presentationml/2006/main">
+  <p:cSld>
+    <p:spTree>
+      <p:nvGrpSpPr>
+        <p:cNvPr id="1" name=""/>
+        <p:cNvGrpSpPr/>
+        <p:nvPr/>
+      </p:nvGrpSpPr>
+      <p:grpSpPr>
+        <a:xfrm>
+          <a:off x="0" y="0"/>
+          <a:ext cx="0" cy="0"/>
+          <a:chOff x="0" y="0"/>
+          <a:chExt cx="0" cy="0"/>
+        </a:xfrm>
+      </p:grpSpPr>
+      <p:sp>
+        <p:nvSpPr>
+          <p:cNvPr id="2" name="Title 1">
+            <a:extLst>
+              <a:ext uri="{FF2B5EF4-FFF2-40B4-BE49-F238E27FC236}">
                 <a16:creationId xmlns:a16="http://schemas.microsoft.com/office/drawing/2014/main" id="{1628637C-528C-418A-A756-CF0E6D7CF834}"/>
               </a:ext>
             </a:extLst>
@@ -3851,7 +4010,7 @@
 </p:sld>
 </file>
 
-<file path=ppt/slides/slide11.xml><?xml version="1.0" encoding="utf-8"?>
+<file path=ppt/slides/slide12.xml><?xml version="1.0" encoding="utf-8"?>
 <p:sld xmlns:a="http://schemas.openxmlformats.org/drawingml/2006/main" xmlns:r="http://schemas.openxmlformats.org/officeDocument/2006/relationships" xmlns:p="http://schemas.openxmlformats.org/presentationml/2006/main">
   <p:cSld>
     <p:spTree>
@@ -3939,7 +4098,7 @@
 </p:sld>
 </file>
 
-<file path=ppt/slides/slide12.xml><?xml version="1.0" encoding="utf-8"?>
+<file path=ppt/slides/slide13.xml><?xml version="1.0" encoding="utf-8"?>
 <p:sld xmlns:a="http://schemas.openxmlformats.org/drawingml/2006/main" xmlns:r="http://schemas.openxmlformats.org/officeDocument/2006/relationships" xmlns:p="http://schemas.openxmlformats.org/presentationml/2006/main">
   <p:cSld>
     <p:spTree>
@@ -4470,7 +4629,7 @@
 </p:sld>
 </file>
 
-<file path=ppt/slides/slide13.xml><?xml version="1.0" encoding="utf-8"?>
+<file path=ppt/slides/slide14.xml><?xml version="1.0" encoding="utf-8"?>
 <p:sld xmlns:a="http://schemas.openxmlformats.org/drawingml/2006/main" xmlns:r="http://schemas.openxmlformats.org/officeDocument/2006/relationships" xmlns:p="http://schemas.openxmlformats.org/presentationml/2006/main">
   <p:cSld>
     <p:spTree>
@@ -5033,7 +5192,7 @@
 </p:sld>
 </file>
 
-<file path=ppt/slides/slide14.xml><?xml version="1.0" encoding="utf-8"?>
+<file path=ppt/slides/slide15.xml><?xml version="1.0" encoding="utf-8"?>
 <p:sld xmlns:a="http://schemas.openxmlformats.org/drawingml/2006/main" xmlns:r="http://schemas.openxmlformats.org/officeDocument/2006/relationships" xmlns:p="http://schemas.openxmlformats.org/presentationml/2006/main">
   <p:cSld>
     <p:spTree>
@@ -5180,374 +5339,6 @@
 </p:sld>
 </file>
 
-<file path=ppt/slides/slide15.xml><?xml version="1.0" encoding="utf-8"?>
-<p:sld xmlns:a="http://schemas.openxmlformats.org/drawingml/2006/main" xmlns:r="http://schemas.openxmlformats.org/officeDocument/2006/relationships" xmlns:p="http://schemas.openxmlformats.org/presentationml/2006/main">
-  <p:cSld>
-    <p:spTree>
-      <p:nvGrpSpPr>
-        <p:cNvPr id="1" name=""/>
-        <p:cNvGrpSpPr/>
-        <p:nvPr/>
-      </p:nvGrpSpPr>
-      <p:grpSpPr>
-        <a:xfrm>
-          <a:off x="0" y="0"/>
-          <a:ext cx="0" cy="0"/>
-          <a:chOff x="0" y="0"/>
-          <a:chExt cx="0" cy="0"/>
-        </a:xfrm>
-      </p:grpSpPr>
-      <p:sp>
-        <p:nvSpPr>
-          <p:cNvPr id="2" name="Title 1">
-            <a:extLst>
-              <a:ext uri="{FF2B5EF4-FFF2-40B4-BE49-F238E27FC236}">
-                <a16:creationId xmlns:a16="http://schemas.microsoft.com/office/drawing/2014/main" id="{E6A46310-5501-4904-A60E-6158D3AC0704}"/>
-              </a:ext>
-            </a:extLst>
-          </p:cNvPr>
-          <p:cNvSpPr>
-            <a:spLocks noGrp="1"/>
-          </p:cNvSpPr>
-          <p:nvPr>
-            <p:ph type="title"/>
-          </p:nvPr>
-        </p:nvSpPr>
-        <p:spPr>
-          <a:xfrm>
-            <a:off x="838200" y="365126"/>
-            <a:ext cx="10515600" cy="704019"/>
-          </a:xfrm>
-        </p:spPr>
-        <p:txBody>
-          <a:bodyPr/>
-          <a:lstStyle/>
-          <a:p>
-            <a:r>
-              <a:rPr lang="en-US" dirty="0"/>
-              <a:t>Python base code</a:t>
-            </a:r>
-          </a:p>
-        </p:txBody>
-      </p:sp>
-      <p:sp>
-        <p:nvSpPr>
-          <p:cNvPr id="3" name="Content Placeholder 2">
-            <a:extLst>
-              <a:ext uri="{FF2B5EF4-FFF2-40B4-BE49-F238E27FC236}">
-                <a16:creationId xmlns:a16="http://schemas.microsoft.com/office/drawing/2014/main" id="{A14155E4-1E6D-4BE0-806C-B01FDC22631F}"/>
-              </a:ext>
-            </a:extLst>
-          </p:cNvPr>
-          <p:cNvSpPr>
-            <a:spLocks noGrp="1"/>
-          </p:cNvSpPr>
-          <p:nvPr>
-            <p:ph idx="1"/>
-          </p:nvPr>
-        </p:nvSpPr>
-        <p:spPr>
-          <a:xfrm>
-            <a:off x="838200" y="1237956"/>
-            <a:ext cx="10515600" cy="5514535"/>
-          </a:xfrm>
-        </p:spPr>
-        <p:txBody>
-          <a:bodyPr>
-            <a:normAutofit fontScale="55000" lnSpcReduction="20000"/>
-          </a:bodyPr>
-          <a:lstStyle/>
-          <a:p>
-            <a:pPr marL="0" indent="0">
-              <a:buNone/>
-            </a:pPr>
-            <a:r>
-              <a:rPr lang="en-US" dirty="0"/>
-              <a:t>from PyQt5.QtCore import * </a:t>
-            </a:r>
-          </a:p>
-          <a:p>
-            <a:pPr marL="0" indent="0">
-              <a:buNone/>
-            </a:pPr>
-            <a:r>
-              <a:rPr lang="en-US" dirty="0"/>
-              <a:t>from PyQt5.QtGui import * </a:t>
-            </a:r>
-          </a:p>
-          <a:p>
-            <a:pPr marL="0" indent="0">
-              <a:buNone/>
-            </a:pPr>
-            <a:r>
-              <a:rPr lang="en-US" dirty="0"/>
-              <a:t>from PyQt5.QtQml import * </a:t>
-            </a:r>
-          </a:p>
-          <a:p>
-            <a:pPr marL="0" indent="0">
-              <a:buNone/>
-            </a:pPr>
-            <a:r>
-              <a:rPr lang="en-US" dirty="0"/>
-              <a:t>from PyQt5.QtWidgets import *</a:t>
-            </a:r>
-          </a:p>
-          <a:p>
-            <a:pPr marL="0" indent="0">
-              <a:buNone/>
-            </a:pPr>
-            <a:r>
-              <a:rPr lang="en-US" dirty="0"/>
-              <a:t>from PyQt5.QtQuick import *  </a:t>
-            </a:r>
-          </a:p>
-          <a:p>
-            <a:pPr marL="0" indent="0">
-              <a:buNone/>
-            </a:pPr>
-            <a:r>
-              <a:rPr lang="en-US" dirty="0"/>
-              <a:t>import sys</a:t>
-            </a:r>
-          </a:p>
-          <a:p>
-            <a:pPr marL="0" indent="0">
-              <a:buNone/>
-            </a:pPr>
-            <a:endParaRPr lang="en-US" dirty="0"/>
-          </a:p>
-          <a:p>
-            <a:pPr marL="0" indent="0">
-              <a:buNone/>
-            </a:pPr>
-            <a:r>
-              <a:rPr lang="en-US" dirty="0"/>
-              <a:t>class table(</a:t>
-            </a:r>
-            <a:r>
-              <a:rPr lang="en-US" dirty="0" err="1"/>
-              <a:t>QObject</a:t>
-            </a:r>
-            <a:r>
-              <a:rPr lang="en-US" dirty="0"/>
-              <a:t>):    </a:t>
-            </a:r>
-          </a:p>
-          <a:p>
-            <a:pPr marL="0" indent="0">
-              <a:buNone/>
-            </a:pPr>
-            <a:r>
-              <a:rPr lang="en-US" dirty="0"/>
-              <a:t>    def __</a:t>
-            </a:r>
-            <a:r>
-              <a:rPr lang="en-US" dirty="0" err="1"/>
-              <a:t>init</a:t>
-            </a:r>
-            <a:r>
-              <a:rPr lang="en-US" dirty="0"/>
-              <a:t>__(self, parent = None):</a:t>
-            </a:r>
-          </a:p>
-          <a:p>
-            <a:pPr marL="0" indent="0">
-              <a:buNone/>
-            </a:pPr>
-            <a:r>
-              <a:rPr lang="en-US" dirty="0"/>
-              <a:t>        super().__</a:t>
-            </a:r>
-            <a:r>
-              <a:rPr lang="en-US" dirty="0" err="1"/>
-              <a:t>init</a:t>
-            </a:r>
-            <a:r>
-              <a:rPr lang="en-US" dirty="0"/>
-              <a:t>__(parent)</a:t>
-            </a:r>
-          </a:p>
-          <a:p>
-            <a:pPr marL="0" indent="0">
-              <a:buNone/>
-            </a:pPr>
-            <a:r>
-              <a:rPr lang="en-US" dirty="0"/>
-              <a:t>        </a:t>
-            </a:r>
-            <a:r>
-              <a:rPr lang="en-US" dirty="0" err="1"/>
-              <a:t>self.app</a:t>
-            </a:r>
-            <a:r>
-              <a:rPr lang="en-US" dirty="0"/>
-              <a:t> = </a:t>
-            </a:r>
-            <a:r>
-              <a:rPr lang="en-US" dirty="0" err="1"/>
-              <a:t>QApplication</a:t>
-            </a:r>
-            <a:r>
-              <a:rPr lang="en-US" dirty="0"/>
-              <a:t>(</a:t>
-            </a:r>
-            <a:r>
-              <a:rPr lang="en-US" dirty="0" err="1"/>
-              <a:t>sys.argv</a:t>
-            </a:r>
-            <a:r>
-              <a:rPr lang="en-US" dirty="0"/>
-              <a:t>)</a:t>
-            </a:r>
-          </a:p>
-          <a:p>
-            <a:pPr marL="0" indent="0">
-              <a:buNone/>
-            </a:pPr>
-            <a:r>
-              <a:rPr lang="en-US" dirty="0"/>
-              <a:t>        </a:t>
-            </a:r>
-            <a:r>
-              <a:rPr lang="en-US" dirty="0" err="1"/>
-              <a:t>self.engine</a:t>
-            </a:r>
-            <a:r>
-              <a:rPr lang="en-US" dirty="0"/>
-              <a:t> = </a:t>
-            </a:r>
-            <a:r>
-              <a:rPr lang="en-US" dirty="0" err="1"/>
-              <a:t>QQmlApplicationEngine</a:t>
-            </a:r>
-            <a:r>
-              <a:rPr lang="en-US" dirty="0"/>
-              <a:t>(self)</a:t>
-            </a:r>
-          </a:p>
-          <a:p>
-            <a:pPr marL="0" indent="0">
-              <a:buNone/>
-            </a:pPr>
-            <a:r>
-              <a:rPr lang="en-US" dirty="0"/>
-              <a:t>        </a:t>
-            </a:r>
-            <a:r>
-              <a:rPr lang="en-US" dirty="0" err="1"/>
-              <a:t>self.engine.rootContext</a:t>
-            </a:r>
-            <a:r>
-              <a:rPr lang="en-US" dirty="0"/>
-              <a:t>().</a:t>
-            </a:r>
-            <a:r>
-              <a:rPr lang="en-US" dirty="0" err="1"/>
-              <a:t>setContextProperty</a:t>
-            </a:r>
-            <a:r>
-              <a:rPr lang="en-US" dirty="0"/>
-              <a:t>("backend", self)    </a:t>
-            </a:r>
-          </a:p>
-          <a:p>
-            <a:pPr marL="0" indent="0">
-              <a:buNone/>
-            </a:pPr>
-            <a:r>
-              <a:rPr lang="en-US" dirty="0"/>
-              <a:t>        </a:t>
-            </a:r>
-            <a:r>
-              <a:rPr lang="en-US" dirty="0" err="1"/>
-              <a:t>self.engine.load</a:t>
-            </a:r>
-            <a:r>
-              <a:rPr lang="en-US" dirty="0"/>
-              <a:t>(</a:t>
-            </a:r>
-            <a:r>
-              <a:rPr lang="en-US" dirty="0" err="1"/>
-              <a:t>QUrl</a:t>
-            </a:r>
-            <a:r>
-              <a:rPr lang="en-US" dirty="0"/>
-              <a:t>("</a:t>
-            </a:r>
-            <a:r>
-              <a:rPr lang="en-US" dirty="0" err="1"/>
-              <a:t>main.qml</a:t>
-            </a:r>
-            <a:r>
-              <a:rPr lang="en-US" dirty="0"/>
-              <a:t>"))</a:t>
-            </a:r>
-          </a:p>
-          <a:p>
-            <a:pPr marL="0" indent="0">
-              <a:buNone/>
-            </a:pPr>
-            <a:r>
-              <a:rPr lang="en-US" dirty="0"/>
-              <a:t>        </a:t>
-            </a:r>
-            <a:r>
-              <a:rPr lang="en-US" dirty="0" err="1"/>
-              <a:t>sys.exit</a:t>
-            </a:r>
-            <a:r>
-              <a:rPr lang="en-US" dirty="0"/>
-              <a:t>(</a:t>
-            </a:r>
-            <a:r>
-              <a:rPr lang="en-US" dirty="0" err="1"/>
-              <a:t>self.app.exec</a:t>
-            </a:r>
-            <a:r>
-              <a:rPr lang="en-US" dirty="0"/>
-              <a:t>_())</a:t>
-            </a:r>
-          </a:p>
-          <a:p>
-            <a:pPr marL="0" indent="0">
-              <a:buNone/>
-            </a:pPr>
-            <a:endParaRPr lang="en-US" dirty="0"/>
-          </a:p>
-          <a:p>
-            <a:pPr marL="0" indent="0">
-              <a:buNone/>
-            </a:pPr>
-            <a:r>
-              <a:rPr lang="en-US" dirty="0"/>
-              <a:t>if __name__ == "__main__":</a:t>
-            </a:r>
-          </a:p>
-          <a:p>
-            <a:pPr marL="0" indent="0">
-              <a:buNone/>
-            </a:pPr>
-            <a:r>
-              <a:rPr lang="en-US" dirty="0"/>
-              <a:t>    main = table()</a:t>
-            </a:r>
-          </a:p>
-        </p:txBody>
-      </p:sp>
-    </p:spTree>
-    <p:extLst>
-      <p:ext uri="{BB962C8B-B14F-4D97-AF65-F5344CB8AC3E}">
-        <p14:creationId xmlns:p14="http://schemas.microsoft.com/office/powerpoint/2010/main" val="2234570661"/>
-      </p:ext>
-    </p:extLst>
-  </p:cSld>
-  <p:clrMapOvr>
-    <a:masterClrMapping/>
-  </p:clrMapOvr>
-</p:sld>
-</file>
-
 <file path=ppt/slides/slide16.xml><?xml version="1.0" encoding="utf-8"?>
 <p:sld xmlns:a="http://schemas.openxmlformats.org/drawingml/2006/main" xmlns:r="http://schemas.openxmlformats.org/officeDocument/2006/relationships" xmlns:p="http://schemas.openxmlformats.org/presentationml/2006/main">
   <p:cSld>
@@ -5570,7 +5361,7 @@
           <p:cNvPr id="2" name="Title 1">
             <a:extLst>
               <a:ext uri="{FF2B5EF4-FFF2-40B4-BE49-F238E27FC236}">
-                <a16:creationId xmlns:a16="http://schemas.microsoft.com/office/drawing/2014/main" id="{1F5B5A94-21DF-44CF-A8EF-0F28CC9CA421}"/>
+                <a16:creationId xmlns:a16="http://schemas.microsoft.com/office/drawing/2014/main" id="{E6A46310-5501-4904-A60E-6158D3AC0704}"/>
               </a:ext>
             </a:extLst>
           </p:cNvPr>
@@ -5583,8 +5374,8 @@
         </p:nvSpPr>
         <p:spPr>
           <a:xfrm>
-            <a:off x="838200" y="365125"/>
-            <a:ext cx="10515600" cy="816561"/>
+            <a:off x="838200" y="365126"/>
+            <a:ext cx="10515600" cy="704019"/>
           </a:xfrm>
         </p:spPr>
         <p:txBody>
@@ -5592,12 +5383,8 @@
           <a:lstStyle/>
           <a:p>
             <a:r>
-              <a:rPr lang="en-US" dirty="0" err="1"/>
-              <a:t>Qml</a:t>
-            </a:r>
-            <a:r>
-              <a:rPr lang="en-US" dirty="0"/>
-              <a:t> base code</a:t>
+              <a:rPr lang="en-US" dirty="0"/>
+              <a:t>Python base code</a:t>
             </a:r>
           </a:p>
         </p:txBody>
@@ -5607,7 +5394,7 @@
           <p:cNvPr id="3" name="Content Placeholder 2">
             <a:extLst>
               <a:ext uri="{FF2B5EF4-FFF2-40B4-BE49-F238E27FC236}">
-                <a16:creationId xmlns:a16="http://schemas.microsoft.com/office/drawing/2014/main" id="{9D4E04F6-5B08-4904-B97B-A37AD4A5FB04}"/>
+                <a16:creationId xmlns:a16="http://schemas.microsoft.com/office/drawing/2014/main" id="{A14155E4-1E6D-4BE0-806C-B01FDC22631F}"/>
               </a:ext>
             </a:extLst>
           </p:cNvPr>
@@ -5620,13 +5407,13 @@
         </p:nvSpPr>
         <p:spPr>
           <a:xfrm>
-            <a:off x="838200" y="1308295"/>
-            <a:ext cx="5042095" cy="4868668"/>
+            <a:off x="838200" y="1237956"/>
+            <a:ext cx="10515600" cy="5514535"/>
           </a:xfrm>
         </p:spPr>
         <p:txBody>
           <a:bodyPr>
-            <a:normAutofit fontScale="62500" lnSpcReduction="20000"/>
+            <a:normAutofit fontScale="55000" lnSpcReduction="20000"/>
           </a:bodyPr>
           <a:lstStyle/>
           <a:p>
@@ -5635,193 +5422,58 @@
             </a:pPr>
             <a:r>
               <a:rPr lang="en-US" dirty="0"/>
-              <a:t>import </a:t>
-            </a:r>
-            <a:r>
-              <a:rPr lang="en-US" dirty="0" err="1"/>
-              <a:t>QtQuick</a:t>
-            </a:r>
-            <a:r>
-              <a:rPr lang="en-US" dirty="0"/>
-              <a:t> 2.12</a:t>
-            </a:r>
-          </a:p>
-          <a:p>
-            <a:pPr marL="0" indent="0">
-              <a:buNone/>
-            </a:pPr>
-            <a:r>
-              <a:rPr lang="en-US" dirty="0"/>
-              <a:t>import </a:t>
-            </a:r>
-            <a:r>
-              <a:rPr lang="en-US" dirty="0" err="1"/>
-              <a:t>QtQuick.Window</a:t>
-            </a:r>
-            <a:r>
-              <a:rPr lang="en-US" dirty="0"/>
-              <a:t> 2.13</a:t>
-            </a:r>
-          </a:p>
-          <a:p>
-            <a:pPr marL="0" indent="0">
-              <a:buNone/>
-            </a:pPr>
-            <a:r>
-              <a:rPr lang="en-US" dirty="0"/>
-              <a:t>import </a:t>
-            </a:r>
-            <a:r>
-              <a:rPr lang="en-US" dirty="0" err="1"/>
-              <a:t>QtQuick.Controls</a:t>
-            </a:r>
-            <a:r>
-              <a:rPr lang="en-US" dirty="0"/>
-              <a:t> 2.0</a:t>
-            </a:r>
-          </a:p>
-          <a:p>
-            <a:pPr marL="0" indent="0">
-              <a:buNone/>
-            </a:pPr>
-            <a:r>
-              <a:rPr lang="en-US" dirty="0"/>
-              <a:t>import </a:t>
-            </a:r>
-            <a:r>
-              <a:rPr lang="en-US" dirty="0" err="1"/>
-              <a:t>QtQuick.Controls.Styles</a:t>
-            </a:r>
-            <a:r>
-              <a:rPr lang="en-US" dirty="0"/>
-              <a:t> 1.4</a:t>
-            </a:r>
-          </a:p>
-          <a:p>
-            <a:pPr marL="0" indent="0">
-              <a:buNone/>
-            </a:pPr>
-            <a:r>
-              <a:rPr lang="en-US" dirty="0"/>
-              <a:t>import </a:t>
-            </a:r>
-            <a:r>
-              <a:rPr lang="en-US" dirty="0" err="1"/>
-              <a:t>QtQuick.Extras</a:t>
-            </a:r>
-            <a:r>
-              <a:rPr lang="en-US" dirty="0"/>
-              <a:t> 1.4</a:t>
-            </a:r>
-          </a:p>
-          <a:p>
-            <a:pPr marL="0" indent="0">
-              <a:buNone/>
-            </a:pPr>
-            <a:r>
-              <a:rPr lang="en-US" dirty="0"/>
-              <a:t>import </a:t>
-            </a:r>
-            <a:r>
-              <a:rPr lang="en-US" dirty="0" err="1"/>
-              <a:t>QtQuick.Extras.Private</a:t>
-            </a:r>
-            <a:r>
-              <a:rPr lang="en-US" dirty="0"/>
-              <a:t> 1.0</a:t>
-            </a:r>
-          </a:p>
-          <a:p>
-            <a:pPr marL="0" indent="0">
-              <a:buNone/>
-            </a:pPr>
-            <a:r>
-              <a:rPr lang="en-US" dirty="0"/>
-              <a:t>Window {</a:t>
-            </a:r>
-          </a:p>
-          <a:p>
-            <a:pPr marL="0" indent="0">
-              <a:buNone/>
-            </a:pPr>
-            <a:r>
-              <a:rPr lang="en-US" dirty="0"/>
-              <a:t>	id : root</a:t>
-            </a:r>
-          </a:p>
-          <a:p>
-            <a:pPr marL="0" indent="0">
-              <a:buNone/>
-            </a:pPr>
-            <a:r>
-              <a:rPr lang="en-US" dirty="0"/>
-              <a:t>	width: 400</a:t>
-            </a:r>
-          </a:p>
-          <a:p>
-            <a:pPr marL="0" indent="0">
-              <a:buNone/>
-            </a:pPr>
-            <a:r>
-              <a:rPr lang="en-US" dirty="0"/>
-              <a:t>	height: 400</a:t>
-            </a:r>
-          </a:p>
-          <a:p>
-            <a:pPr marL="0" indent="0">
-              <a:buNone/>
-            </a:pPr>
-            <a:r>
-              <a:rPr lang="en-US" dirty="0"/>
-              <a:t>	title:"</a:t>
-            </a:r>
-            <a:r>
-              <a:rPr lang="en-US" dirty="0" err="1"/>
-              <a:t>membuat</a:t>
-            </a:r>
-            <a:r>
-              <a:rPr lang="en-US" dirty="0"/>
-              <a:t> windows"</a:t>
-            </a:r>
-          </a:p>
-          <a:p>
-            <a:pPr marL="0" indent="0">
-              <a:buNone/>
-            </a:pPr>
-            <a:r>
-              <a:rPr lang="en-US" dirty="0"/>
-              <a:t>	color : "pink"</a:t>
-            </a:r>
-          </a:p>
-          <a:p>
-            <a:pPr marL="0" indent="0">
-              <a:buNone/>
-            </a:pPr>
-            <a:r>
-              <a:rPr lang="en-US" dirty="0"/>
-              <a:t>    	visible: true</a:t>
-            </a:r>
-          </a:p>
-          <a:p>
-            <a:pPr marL="0" indent="0">
-              <a:buNone/>
-            </a:pPr>
-            <a:r>
-              <a:rPr lang="en-US" dirty="0"/>
-              <a:t>    	//flags: </a:t>
-            </a:r>
-            <a:r>
-              <a:rPr lang="en-US" dirty="0" err="1"/>
-              <a:t>Qt.WindowMaximized</a:t>
-            </a:r>
-            <a:r>
-              <a:rPr lang="en-US" dirty="0"/>
-              <a:t> //</a:t>
-            </a:r>
-            <a:r>
-              <a:rPr lang="en-US" dirty="0" err="1"/>
-              <a:t>Qt.Dialog</a:t>
-            </a:r>
+              <a:t>from PyQt5.QtCore import * </a:t>
+            </a:r>
+          </a:p>
+          <a:p>
+            <a:pPr marL="0" indent="0">
+              <a:buNone/>
+            </a:pPr>
+            <a:r>
+              <a:rPr lang="en-US" dirty="0"/>
+              <a:t>from PyQt5.QtGui import * </a:t>
+            </a:r>
+          </a:p>
+          <a:p>
+            <a:pPr marL="0" indent="0">
+              <a:buNone/>
+            </a:pPr>
+            <a:r>
+              <a:rPr lang="en-US" dirty="0"/>
+              <a:t>from PyQt5.QtQml import * </a:t>
+            </a:r>
+          </a:p>
+          <a:p>
+            <a:pPr marL="0" indent="0">
+              <a:buNone/>
+            </a:pPr>
+            <a:r>
+              <a:rPr lang="en-US" dirty="0"/>
+              <a:t>from PyQt5.QtWidgets import *</a:t>
+            </a:r>
+          </a:p>
+          <a:p>
+            <a:pPr marL="0" indent="0">
+              <a:buNone/>
+            </a:pPr>
+            <a:r>
+              <a:rPr lang="en-US" dirty="0"/>
+              <a:t>from PyQt5.QtQuick import *  </a:t>
+            </a:r>
+          </a:p>
+          <a:p>
+            <a:pPr marL="0" indent="0">
+              <a:buNone/>
+            </a:pPr>
+            <a:r>
+              <a:rPr lang="en-US" dirty="0"/>
+              <a:t>import sys</a:t>
+            </a:r>
+          </a:p>
+          <a:p>
+            <a:pPr marL="0" indent="0">
+              <a:buNone/>
+            </a:pPr>
             <a:endParaRPr lang="en-US" dirty="0"/>
           </a:p>
           <a:p>
@@ -5830,7 +5482,214 @@
             </a:pPr>
             <a:r>
               <a:rPr lang="en-US" dirty="0"/>
-              <a:t>}</a:t>
+              <a:t>class table(</a:t>
+            </a:r>
+            <a:r>
+              <a:rPr lang="en-US" dirty="0" err="1"/>
+              <a:t>QObject</a:t>
+            </a:r>
+            <a:r>
+              <a:rPr lang="en-US" dirty="0"/>
+              <a:t>):    </a:t>
+            </a:r>
+          </a:p>
+          <a:p>
+            <a:pPr marL="0" indent="0">
+              <a:buNone/>
+            </a:pPr>
+            <a:r>
+              <a:rPr lang="en-US" dirty="0"/>
+              <a:t>    def __</a:t>
+            </a:r>
+            <a:r>
+              <a:rPr lang="en-US" dirty="0" err="1"/>
+              <a:t>init</a:t>
+            </a:r>
+            <a:r>
+              <a:rPr lang="en-US" dirty="0"/>
+              <a:t>__(self, parent = None):</a:t>
+            </a:r>
+          </a:p>
+          <a:p>
+            <a:pPr marL="0" indent="0">
+              <a:buNone/>
+            </a:pPr>
+            <a:r>
+              <a:rPr lang="en-US" dirty="0"/>
+              <a:t>        super().__</a:t>
+            </a:r>
+            <a:r>
+              <a:rPr lang="en-US" dirty="0" err="1"/>
+              <a:t>init</a:t>
+            </a:r>
+            <a:r>
+              <a:rPr lang="en-US" dirty="0"/>
+              <a:t>__(parent)</a:t>
+            </a:r>
+          </a:p>
+          <a:p>
+            <a:pPr marL="0" indent="0">
+              <a:buNone/>
+            </a:pPr>
+            <a:r>
+              <a:rPr lang="en-US" dirty="0"/>
+              <a:t>        </a:t>
+            </a:r>
+            <a:r>
+              <a:rPr lang="en-US" dirty="0" err="1"/>
+              <a:t>self.app</a:t>
+            </a:r>
+            <a:r>
+              <a:rPr lang="en-US" dirty="0"/>
+              <a:t> = </a:t>
+            </a:r>
+            <a:r>
+              <a:rPr lang="en-US" dirty="0" err="1"/>
+              <a:t>QApplication</a:t>
+            </a:r>
+            <a:r>
+              <a:rPr lang="en-US" dirty="0"/>
+              <a:t>(</a:t>
+            </a:r>
+            <a:r>
+              <a:rPr lang="en-US" dirty="0" err="1"/>
+              <a:t>sys.argv</a:t>
+            </a:r>
+            <a:r>
+              <a:rPr lang="en-US" dirty="0"/>
+              <a:t>)</a:t>
+            </a:r>
+          </a:p>
+          <a:p>
+            <a:pPr marL="0" indent="0">
+              <a:buNone/>
+            </a:pPr>
+            <a:r>
+              <a:rPr lang="en-US" dirty="0"/>
+              <a:t>        </a:t>
+            </a:r>
+            <a:r>
+              <a:rPr lang="en-US" dirty="0" err="1"/>
+              <a:t>self.engine</a:t>
+            </a:r>
+            <a:r>
+              <a:rPr lang="en-US" dirty="0"/>
+              <a:t> = </a:t>
+            </a:r>
+            <a:r>
+              <a:rPr lang="en-US" dirty="0" err="1"/>
+              <a:t>QQmlApplicationEngine</a:t>
+            </a:r>
+            <a:r>
+              <a:rPr lang="en-US" dirty="0"/>
+              <a:t>(self)</a:t>
+            </a:r>
+          </a:p>
+          <a:p>
+            <a:pPr marL="0" indent="0">
+              <a:buNone/>
+            </a:pPr>
+            <a:r>
+              <a:rPr lang="en-US" dirty="0"/>
+              <a:t>        </a:t>
+            </a:r>
+            <a:r>
+              <a:rPr lang="en-US" dirty="0" err="1"/>
+              <a:t>self.engine.rootContext</a:t>
+            </a:r>
+            <a:r>
+              <a:rPr lang="en-US" dirty="0"/>
+              <a:t>().</a:t>
+            </a:r>
+            <a:r>
+              <a:rPr lang="en-US" dirty="0" err="1"/>
+              <a:t>setContextProperty</a:t>
+            </a:r>
+            <a:r>
+              <a:rPr lang="en-US" dirty="0"/>
+              <a:t>("backend", self)    </a:t>
+            </a:r>
+          </a:p>
+          <a:p>
+            <a:pPr marL="0" indent="0">
+              <a:buNone/>
+            </a:pPr>
+            <a:r>
+              <a:rPr lang="en-US" dirty="0"/>
+              <a:t>        </a:t>
+            </a:r>
+            <a:r>
+              <a:rPr lang="en-US" dirty="0" err="1"/>
+              <a:t>self.engine.load</a:t>
+            </a:r>
+            <a:r>
+              <a:rPr lang="en-US" dirty="0"/>
+              <a:t>(</a:t>
+            </a:r>
+            <a:r>
+              <a:rPr lang="en-US" dirty="0" err="1"/>
+              <a:t>QUrl</a:t>
+            </a:r>
+            <a:r>
+              <a:rPr lang="en-US" dirty="0"/>
+              <a:t>("</a:t>
+            </a:r>
+            <a:r>
+              <a:rPr lang="en-US" dirty="0" err="1"/>
+              <a:t>main.qml</a:t>
+            </a:r>
+            <a:r>
+              <a:rPr lang="en-US" dirty="0"/>
+              <a:t>"))</a:t>
+            </a:r>
+          </a:p>
+          <a:p>
+            <a:pPr marL="0" indent="0">
+              <a:buNone/>
+            </a:pPr>
+            <a:r>
+              <a:rPr lang="en-US" dirty="0"/>
+              <a:t>        </a:t>
+            </a:r>
+            <a:r>
+              <a:rPr lang="en-US" dirty="0" err="1"/>
+              <a:t>sys.exit</a:t>
+            </a:r>
+            <a:r>
+              <a:rPr lang="en-US" dirty="0"/>
+              <a:t>(</a:t>
+            </a:r>
+            <a:r>
+              <a:rPr lang="en-US" dirty="0" err="1"/>
+              <a:t>self.app.exec</a:t>
+            </a:r>
+            <a:r>
+              <a:rPr lang="en-US" dirty="0"/>
+              <a:t>_())</a:t>
+            </a:r>
+          </a:p>
+          <a:p>
+            <a:pPr marL="0" indent="0">
+              <a:buNone/>
+            </a:pPr>
+            <a:endParaRPr lang="en-US" dirty="0"/>
+          </a:p>
+          <a:p>
+            <a:pPr marL="0" indent="0">
+              <a:buNone/>
+            </a:pPr>
+            <a:r>
+              <a:rPr lang="en-US" dirty="0"/>
+              <a:t>if __name__ == "__main__":</a:t>
+            </a:r>
+          </a:p>
+          <a:p>
+            <a:pPr marL="0" indent="0">
+              <a:buNone/>
+            </a:pPr>
+            <a:r>
+              <a:rPr lang="en-US" dirty="0"/>
+              <a:t>    main = table()</a:t>
             </a:r>
           </a:p>
         </p:txBody>
@@ -5838,7 +5697,7 @@
     </p:spTree>
     <p:extLst>
       <p:ext uri="{BB962C8B-B14F-4D97-AF65-F5344CB8AC3E}">
-        <p14:creationId xmlns:p14="http://schemas.microsoft.com/office/powerpoint/2010/main" val="427793397"/>
+        <p14:creationId xmlns:p14="http://schemas.microsoft.com/office/powerpoint/2010/main" val="2234570661"/>
       </p:ext>
     </p:extLst>
   </p:cSld>
@@ -5870,7 +5729,7 @@
           <p:cNvPr id="2" name="Title 1">
             <a:extLst>
               <a:ext uri="{FF2B5EF4-FFF2-40B4-BE49-F238E27FC236}">
-                <a16:creationId xmlns:a16="http://schemas.microsoft.com/office/drawing/2014/main" id="{28243225-0724-4A13-9746-C3B70F8D480B}"/>
+                <a16:creationId xmlns:a16="http://schemas.microsoft.com/office/drawing/2014/main" id="{1F5B5A94-21DF-44CF-A8EF-0F28CC9CA421}"/>
               </a:ext>
             </a:extLst>
           </p:cNvPr>
@@ -5881,14 +5740,23 @@
             <p:ph type="title"/>
           </p:nvPr>
         </p:nvSpPr>
-        <p:spPr/>
+        <p:spPr>
+          <a:xfrm>
+            <a:off x="838200" y="365125"/>
+            <a:ext cx="10515600" cy="816561"/>
+          </a:xfrm>
+        </p:spPr>
         <p:txBody>
           <a:bodyPr/>
           <a:lstStyle/>
           <a:p>
             <a:r>
-              <a:rPr lang="en-US" dirty="0"/>
-              <a:t>Experiment </a:t>
+              <a:rPr lang="en-US" dirty="0" err="1"/>
+              <a:t>Qml</a:t>
+            </a:r>
+            <a:r>
+              <a:rPr lang="en-US" dirty="0"/>
+              <a:t> base code</a:t>
             </a:r>
           </a:p>
         </p:txBody>
@@ -5898,7 +5766,7 @@
           <p:cNvPr id="3" name="Content Placeholder 2">
             <a:extLst>
               <a:ext uri="{FF2B5EF4-FFF2-40B4-BE49-F238E27FC236}">
-                <a16:creationId xmlns:a16="http://schemas.microsoft.com/office/drawing/2014/main" id="{599A20BE-790C-42F4-A2FC-EA1EE5FBD13D}"/>
+                <a16:creationId xmlns:a16="http://schemas.microsoft.com/office/drawing/2014/main" id="{9D4E04F6-5B08-4904-B97B-A37AD4A5FB04}"/>
               </a:ext>
             </a:extLst>
           </p:cNvPr>
@@ -5909,32 +5777,227 @@
             <p:ph idx="1"/>
           </p:nvPr>
         </p:nvSpPr>
-        <p:spPr/>
-        <p:txBody>
-          <a:bodyPr/>
+        <p:spPr>
+          <a:xfrm>
+            <a:off x="838200" y="1308295"/>
+            <a:ext cx="5042095" cy="4868668"/>
+          </a:xfrm>
+        </p:spPr>
+        <p:txBody>
+          <a:bodyPr>
+            <a:normAutofit fontScale="62500" lnSpcReduction="20000"/>
+          </a:bodyPr>
           <a:lstStyle/>
           <a:p>
-            <a:pPr marL="0" indent="0" algn="ctr">
-              <a:buNone/>
-            </a:pPr>
-            <a:r>
-              <a:rPr lang="en-US" dirty="0"/>
-              <a:t>Make your windows with your favorite color </a:t>
-            </a:r>
-            <a:r>
-              <a:rPr lang="en-US" dirty="0">
-                <a:sym typeface="Wingdings" panose="05000000000000000000" pitchFamily="2" charset="2"/>
-              </a:rPr>
-              <a:t></a:t>
+            <a:pPr marL="0" indent="0">
+              <a:buNone/>
+            </a:pPr>
+            <a:r>
+              <a:rPr lang="en-US" dirty="0"/>
+              <a:t>import </a:t>
+            </a:r>
+            <a:r>
+              <a:rPr lang="en-US" dirty="0" err="1"/>
+              <a:t>QtQuick</a:t>
+            </a:r>
+            <a:r>
+              <a:rPr lang="en-US" dirty="0"/>
+              <a:t> 2.12</a:t>
+            </a:r>
+          </a:p>
+          <a:p>
+            <a:pPr marL="0" indent="0">
+              <a:buNone/>
+            </a:pPr>
+            <a:r>
+              <a:rPr lang="en-US" dirty="0"/>
+              <a:t>import </a:t>
+            </a:r>
+            <a:r>
+              <a:rPr lang="en-US" dirty="0" err="1"/>
+              <a:t>QtQuick.Window</a:t>
+            </a:r>
+            <a:r>
+              <a:rPr lang="en-US" dirty="0"/>
+              <a:t> 2.13</a:t>
+            </a:r>
+          </a:p>
+          <a:p>
+            <a:pPr marL="0" indent="0">
+              <a:buNone/>
+            </a:pPr>
+            <a:r>
+              <a:rPr lang="en-US" dirty="0"/>
+              <a:t>import </a:t>
+            </a:r>
+            <a:r>
+              <a:rPr lang="en-US" dirty="0" err="1"/>
+              <a:t>QtQuick.Controls</a:t>
+            </a:r>
+            <a:r>
+              <a:rPr lang="en-US" dirty="0"/>
+              <a:t> 2.0</a:t>
+            </a:r>
+          </a:p>
+          <a:p>
+            <a:pPr marL="0" indent="0">
+              <a:buNone/>
+            </a:pPr>
+            <a:r>
+              <a:rPr lang="en-US" dirty="0"/>
+              <a:t>import </a:t>
+            </a:r>
+            <a:r>
+              <a:rPr lang="en-US" dirty="0" err="1"/>
+              <a:t>QtQuick.Controls.Styles</a:t>
+            </a:r>
+            <a:r>
+              <a:rPr lang="en-US" dirty="0"/>
+              <a:t> 1.4</a:t>
+            </a:r>
+          </a:p>
+          <a:p>
+            <a:pPr marL="0" indent="0">
+              <a:buNone/>
+            </a:pPr>
+            <a:r>
+              <a:rPr lang="en-US" dirty="0"/>
+              <a:t>import </a:t>
+            </a:r>
+            <a:r>
+              <a:rPr lang="en-US" dirty="0" err="1"/>
+              <a:t>QtQuick.Extras</a:t>
+            </a:r>
+            <a:r>
+              <a:rPr lang="en-US" dirty="0"/>
+              <a:t> 1.4</a:t>
+            </a:r>
+          </a:p>
+          <a:p>
+            <a:pPr marL="0" indent="0">
+              <a:buNone/>
+            </a:pPr>
+            <a:r>
+              <a:rPr lang="en-US" dirty="0"/>
+              <a:t>import </a:t>
+            </a:r>
+            <a:r>
+              <a:rPr lang="en-US" dirty="0" err="1"/>
+              <a:t>QtQuick.Extras.Private</a:t>
+            </a:r>
+            <a:r>
+              <a:rPr lang="en-US" dirty="0"/>
+              <a:t> 1.0</a:t>
+            </a:r>
+          </a:p>
+          <a:p>
+            <a:pPr marL="0" indent="0">
+              <a:buNone/>
+            </a:pPr>
+            <a:r>
+              <a:rPr lang="en-US" dirty="0"/>
+              <a:t>Window {</a:t>
+            </a:r>
+          </a:p>
+          <a:p>
+            <a:pPr marL="0" indent="0">
+              <a:buNone/>
+            </a:pPr>
+            <a:r>
+              <a:rPr lang="en-US" dirty="0"/>
+              <a:t>	id : root</a:t>
+            </a:r>
+          </a:p>
+          <a:p>
+            <a:pPr marL="0" indent="0">
+              <a:buNone/>
+            </a:pPr>
+            <a:r>
+              <a:rPr lang="en-US" dirty="0"/>
+              <a:t>	width: 400</a:t>
+            </a:r>
+          </a:p>
+          <a:p>
+            <a:pPr marL="0" indent="0">
+              <a:buNone/>
+            </a:pPr>
+            <a:r>
+              <a:rPr lang="en-US" dirty="0"/>
+              <a:t>	height: 400</a:t>
+            </a:r>
+          </a:p>
+          <a:p>
+            <a:pPr marL="0" indent="0">
+              <a:buNone/>
+            </a:pPr>
+            <a:r>
+              <a:rPr lang="en-US" dirty="0"/>
+              <a:t>	title:"</a:t>
+            </a:r>
+            <a:r>
+              <a:rPr lang="en-US" dirty="0" err="1"/>
+              <a:t>membuat</a:t>
+            </a:r>
+            <a:r>
+              <a:rPr lang="en-US" dirty="0"/>
+              <a:t> windows"</a:t>
+            </a:r>
+          </a:p>
+          <a:p>
+            <a:pPr marL="0" indent="0">
+              <a:buNone/>
+            </a:pPr>
+            <a:r>
+              <a:rPr lang="en-US" dirty="0"/>
+              <a:t>	color : "pink"</a:t>
+            </a:r>
+          </a:p>
+          <a:p>
+            <a:pPr marL="0" indent="0">
+              <a:buNone/>
+            </a:pPr>
+            <a:r>
+              <a:rPr lang="en-US" dirty="0"/>
+              <a:t>    	visible: true</a:t>
+            </a:r>
+          </a:p>
+          <a:p>
+            <a:pPr marL="0" indent="0">
+              <a:buNone/>
+            </a:pPr>
+            <a:r>
+              <a:rPr lang="en-US" dirty="0"/>
+              <a:t>    	//flags: </a:t>
+            </a:r>
+            <a:r>
+              <a:rPr lang="en-US" dirty="0" err="1"/>
+              <a:t>Qt.WindowMaximized</a:t>
+            </a:r>
+            <a:r>
+              <a:rPr lang="en-US" dirty="0"/>
+              <a:t> //</a:t>
+            </a:r>
+            <a:r>
+              <a:rPr lang="en-US" dirty="0" err="1"/>
+              <a:t>Qt.Dialog</a:t>
             </a:r>
             <a:endParaRPr lang="en-US" dirty="0"/>
+          </a:p>
+          <a:p>
+            <a:pPr marL="0" indent="0">
+              <a:buNone/>
+            </a:pPr>
+            <a:r>
+              <a:rPr lang="en-US" dirty="0"/>
+              <a:t>}</a:t>
+            </a:r>
           </a:p>
         </p:txBody>
       </p:sp>
     </p:spTree>
     <p:extLst>
       <p:ext uri="{BB962C8B-B14F-4D97-AF65-F5344CB8AC3E}">
-        <p14:creationId xmlns:p14="http://schemas.microsoft.com/office/powerpoint/2010/main" val="383370706"/>
+        <p14:creationId xmlns:p14="http://schemas.microsoft.com/office/powerpoint/2010/main" val="427793397"/>
       </p:ext>
     </p:extLst>
   </p:cSld>
@@ -5966,7 +6029,7 @@
           <p:cNvPr id="2" name="Title 1">
             <a:extLst>
               <a:ext uri="{FF2B5EF4-FFF2-40B4-BE49-F238E27FC236}">
-                <a16:creationId xmlns:a16="http://schemas.microsoft.com/office/drawing/2014/main" id="{1F5662B5-7664-42EB-8AD1-54A8247D26DC}"/>
+                <a16:creationId xmlns:a16="http://schemas.microsoft.com/office/drawing/2014/main" id="{28243225-0724-4A13-9746-C3B70F8D480B}"/>
               </a:ext>
             </a:extLst>
           </p:cNvPr>
@@ -5984,99 +6047,53 @@
           <a:p>
             <a:r>
               <a:rPr lang="en-US" dirty="0"/>
-              <a:t>Little tricks =&gt; color </a:t>
-            </a:r>
-            <a:r>
-              <a:rPr lang="en-US" dirty="0" err="1"/>
-              <a:t>pallete</a:t>
+              <a:t>Experiment </a:t>
+            </a:r>
+          </a:p>
+        </p:txBody>
+      </p:sp>
+      <p:sp>
+        <p:nvSpPr>
+          <p:cNvPr id="3" name="Content Placeholder 2">
+            <a:extLst>
+              <a:ext uri="{FF2B5EF4-FFF2-40B4-BE49-F238E27FC236}">
+                <a16:creationId xmlns:a16="http://schemas.microsoft.com/office/drawing/2014/main" id="{599A20BE-790C-42F4-A2FC-EA1EE5FBD13D}"/>
+              </a:ext>
+            </a:extLst>
+          </p:cNvPr>
+          <p:cNvSpPr>
+            <a:spLocks noGrp="1"/>
+          </p:cNvSpPr>
+          <p:nvPr>
+            <p:ph idx="1"/>
+          </p:nvPr>
+        </p:nvSpPr>
+        <p:spPr/>
+        <p:txBody>
+          <a:bodyPr/>
+          <a:lstStyle/>
+          <a:p>
+            <a:pPr marL="0" indent="0" algn="ctr">
+              <a:buNone/>
+            </a:pPr>
+            <a:r>
+              <a:rPr lang="en-US" dirty="0"/>
+              <a:t>Make your windows with your favorite color </a:t>
+            </a:r>
+            <a:r>
+              <a:rPr lang="en-US" dirty="0">
+                <a:sym typeface="Wingdings" panose="05000000000000000000" pitchFamily="2" charset="2"/>
+              </a:rPr>
+              <a:t></a:t>
             </a:r>
             <a:endParaRPr lang="en-US" dirty="0"/>
-          </a:p>
-        </p:txBody>
-      </p:sp>
-      <p:pic>
-        <p:nvPicPr>
-          <p:cNvPr id="1026" name="Picture 2" descr="Color Palettes for Web, Digital, Blog &amp; Graphic Design with Hexadecimal  Codes - Wondernote">
-            <a:extLst>
-              <a:ext uri="{FF2B5EF4-FFF2-40B4-BE49-F238E27FC236}">
-                <a16:creationId xmlns:a16="http://schemas.microsoft.com/office/drawing/2014/main" id="{A1F4B965-23BF-4791-9B52-F6BA26A6E74F}"/>
-              </a:ext>
-            </a:extLst>
-          </p:cNvPr>
-          <p:cNvPicPr>
-            <a:picLocks noChangeAspect="1" noChangeArrowheads="1"/>
-          </p:cNvPicPr>
-          <p:nvPr/>
-        </p:nvPicPr>
-        <p:blipFill rotWithShape="1">
-          <a:blip r:embed="rId2">
-            <a:extLst>
-              <a:ext uri="{28A0092B-C50C-407E-A947-70E740481C1C}">
-                <a14:useLocalDpi xmlns:a14="http://schemas.microsoft.com/office/drawing/2010/main" val="0"/>
-              </a:ext>
-            </a:extLst>
-          </a:blip>
-          <a:srcRect b="18968"/>
-          <a:stretch/>
-        </p:blipFill>
-        <p:spPr bwMode="auto">
-          <a:xfrm>
-            <a:off x="1390356" y="1406769"/>
-            <a:ext cx="4349261" cy="5286457"/>
-          </a:xfrm>
-          <a:prstGeom prst="rect">
-            <a:avLst/>
-          </a:prstGeom>
-          <a:noFill/>
-          <a:extLst>
-            <a:ext uri="{909E8E84-426E-40DD-AFC4-6F175D3DCCD1}">
-              <a14:hiddenFill xmlns:a14="http://schemas.microsoft.com/office/drawing/2010/main">
-                <a:solidFill>
-                  <a:srgbClr val="FFFFFF"/>
-                </a:solidFill>
-              </a14:hiddenFill>
-            </a:ext>
-          </a:extLst>
-        </p:spPr>
-      </p:pic>
-      <p:sp>
-        <p:nvSpPr>
-          <p:cNvPr id="4" name="Rectangle 3">
-            <a:extLst>
-              <a:ext uri="{FF2B5EF4-FFF2-40B4-BE49-F238E27FC236}">
-                <a16:creationId xmlns:a16="http://schemas.microsoft.com/office/drawing/2014/main" id="{86F69EA1-7D9D-4EEC-86CF-12701FC5CF0A}"/>
-              </a:ext>
-            </a:extLst>
-          </p:cNvPr>
-          <p:cNvSpPr/>
-          <p:nvPr/>
-        </p:nvSpPr>
-        <p:spPr>
-          <a:xfrm>
-            <a:off x="6951391" y="3751124"/>
-            <a:ext cx="2722477" cy="523220"/>
-          </a:xfrm>
-          <a:prstGeom prst="rect">
-            <a:avLst/>
-          </a:prstGeom>
-        </p:spPr>
-        <p:txBody>
-          <a:bodyPr wrap="none">
-            <a:spAutoFit/>
-          </a:bodyPr>
-          <a:lstStyle/>
-          <a:p>
-            <a:r>
-              <a:rPr lang="en-US" sz="2800" dirty="0"/>
-              <a:t>color : “#FF96C5"</a:t>
-            </a:r>
           </a:p>
         </p:txBody>
       </p:sp>
     </p:spTree>
     <p:extLst>
       <p:ext uri="{BB962C8B-B14F-4D97-AF65-F5344CB8AC3E}">
-        <p14:creationId xmlns:p14="http://schemas.microsoft.com/office/powerpoint/2010/main" val="3915875222"/>
+        <p14:creationId xmlns:p14="http://schemas.microsoft.com/office/powerpoint/2010/main" val="383370706"/>
       </p:ext>
     </p:extLst>
   </p:cSld>
@@ -6108,7 +6125,7 @@
           <p:cNvPr id="2" name="Title 1">
             <a:extLst>
               <a:ext uri="{FF2B5EF4-FFF2-40B4-BE49-F238E27FC236}">
-                <a16:creationId xmlns:a16="http://schemas.microsoft.com/office/drawing/2014/main" id="{BEF00A21-8F01-4C6C-A233-F5DF655A5638}"/>
+                <a16:creationId xmlns:a16="http://schemas.microsoft.com/office/drawing/2014/main" id="{1F5662B5-7664-42EB-8AD1-54A8247D26DC}"/>
               </a:ext>
             </a:extLst>
           </p:cNvPr>
@@ -6126,193 +6143,91 @@
           <a:p>
             <a:r>
               <a:rPr lang="en-US" dirty="0"/>
-              <a:t>Add some text on your window </a:t>
-            </a:r>
-          </a:p>
-        </p:txBody>
-      </p:sp>
-      <p:sp>
-        <p:nvSpPr>
-          <p:cNvPr id="3" name="Content Placeholder 2">
-            <a:extLst>
-              <a:ext uri="{FF2B5EF4-FFF2-40B4-BE49-F238E27FC236}">
-                <a16:creationId xmlns:a16="http://schemas.microsoft.com/office/drawing/2014/main" id="{35FBE690-0A74-4EA0-B7DA-AD9589CBE3C7}"/>
-              </a:ext>
-            </a:extLst>
-          </p:cNvPr>
-          <p:cNvSpPr>
-            <a:spLocks noGrp="1"/>
-          </p:cNvSpPr>
-          <p:nvPr>
-            <p:ph idx="1"/>
-          </p:nvPr>
-        </p:nvSpPr>
-        <p:spPr>
+              <a:t>Little tricks =&gt; color </a:t>
+            </a:r>
+            <a:r>
+              <a:rPr lang="en-US" dirty="0" err="1"/>
+              <a:t>pallete</a:t>
+            </a:r>
+            <a:endParaRPr lang="en-US" dirty="0"/>
+          </a:p>
+        </p:txBody>
+      </p:sp>
+      <p:pic>
+        <p:nvPicPr>
+          <p:cNvPr id="1026" name="Picture 2" descr="Color Palettes for Web, Digital, Blog &amp; Graphic Design with Hexadecimal  Codes - Wondernote">
+            <a:extLst>
+              <a:ext uri="{FF2B5EF4-FFF2-40B4-BE49-F238E27FC236}">
+                <a16:creationId xmlns:a16="http://schemas.microsoft.com/office/drawing/2014/main" id="{A1F4B965-23BF-4791-9B52-F6BA26A6E74F}"/>
+              </a:ext>
+            </a:extLst>
+          </p:cNvPr>
+          <p:cNvPicPr>
+            <a:picLocks noChangeAspect="1" noChangeArrowheads="1"/>
+          </p:cNvPicPr>
+          <p:nvPr/>
+        </p:nvPicPr>
+        <p:blipFill rotWithShape="1">
+          <a:blip r:embed="rId2">
+            <a:extLst>
+              <a:ext uri="{28A0092B-C50C-407E-A947-70E740481C1C}">
+                <a14:useLocalDpi xmlns:a14="http://schemas.microsoft.com/office/drawing/2010/main" val="0"/>
+              </a:ext>
+            </a:extLst>
+          </a:blip>
+          <a:srcRect b="18968"/>
+          <a:stretch/>
+        </p:blipFill>
+        <p:spPr bwMode="auto">
           <a:xfrm>
-            <a:off x="838200" y="1825625"/>
-            <a:ext cx="10515600" cy="4096873"/>
-          </a:xfrm>
-        </p:spPr>
-        <p:txBody>
-          <a:bodyPr>
-            <a:normAutofit fontScale="92500" lnSpcReduction="20000"/>
-          </a:bodyPr>
-          <a:lstStyle/>
-          <a:p>
-            <a:pPr marL="0" indent="0">
-              <a:buNone/>
-            </a:pPr>
-            <a:r>
-              <a:rPr lang="en-US" dirty="0"/>
-              <a:t>Text{</a:t>
-            </a:r>
-          </a:p>
-          <a:p>
-            <a:pPr marL="0" indent="0">
-              <a:buNone/>
-            </a:pPr>
-            <a:r>
-              <a:rPr lang="en-US" dirty="0"/>
-              <a:t>	id : text1</a:t>
-            </a:r>
-          </a:p>
-          <a:p>
-            <a:pPr marL="0" indent="0">
-              <a:buNone/>
-            </a:pPr>
-            <a:r>
-              <a:rPr lang="en-US" dirty="0"/>
-              <a:t>	x:100</a:t>
-            </a:r>
-          </a:p>
-          <a:p>
-            <a:pPr marL="0" indent="0">
-              <a:buNone/>
-            </a:pPr>
-            <a:r>
-              <a:rPr lang="en-US" dirty="0"/>
-              <a:t>	y:200</a:t>
-            </a:r>
-          </a:p>
-          <a:p>
-            <a:pPr marL="0" indent="0">
-              <a:buNone/>
-            </a:pPr>
-            <a:r>
-              <a:rPr lang="en-US" dirty="0"/>
-              <a:t>	</a:t>
-            </a:r>
-            <a:r>
-              <a:rPr lang="en-US" dirty="0" err="1"/>
-              <a:t>text:"Hello</a:t>
-            </a:r>
-            <a:r>
-              <a:rPr lang="en-US" dirty="0"/>
-              <a:t> World"</a:t>
-            </a:r>
-          </a:p>
-          <a:p>
-            <a:pPr marL="0" indent="0">
-              <a:buNone/>
-            </a:pPr>
-            <a:r>
-              <a:rPr lang="en-US" dirty="0"/>
-              <a:t>	color: "#00FF00"</a:t>
-            </a:r>
-          </a:p>
-          <a:p>
-            <a:pPr marL="0" indent="0">
-              <a:buNone/>
-            </a:pPr>
-            <a:r>
-              <a:rPr lang="en-US" dirty="0"/>
-              <a:t>	</a:t>
-            </a:r>
-            <a:r>
-              <a:rPr lang="en-US" dirty="0" err="1"/>
-              <a:t>font.family</a:t>
-            </a:r>
-            <a:r>
-              <a:rPr lang="en-US" dirty="0"/>
-              <a:t>  : "Comic Sans MS"</a:t>
-            </a:r>
-          </a:p>
-          <a:p>
-            <a:pPr marL="0" indent="0">
-              <a:buNone/>
-            </a:pPr>
-            <a:r>
-              <a:rPr lang="en-US" dirty="0"/>
-              <a:t>	</a:t>
-            </a:r>
-            <a:r>
-              <a:rPr lang="en-US" dirty="0" err="1"/>
-              <a:t>font.pixelSize</a:t>
-            </a:r>
-            <a:r>
-              <a:rPr lang="en-US" dirty="0"/>
-              <a:t>: 35</a:t>
-            </a:r>
-          </a:p>
-          <a:p>
-            <a:pPr marL="0" indent="0">
-              <a:buNone/>
-            </a:pPr>
-            <a:r>
-              <a:rPr lang="en-US" dirty="0"/>
-              <a:t>	</a:t>
-            </a:r>
-            <a:r>
-              <a:rPr lang="en-US" dirty="0" err="1"/>
-              <a:t>font.bold</a:t>
-            </a:r>
-            <a:r>
-              <a:rPr lang="en-US" dirty="0"/>
-              <a:t> : true	</a:t>
-            </a:r>
-          </a:p>
-          <a:p>
-            <a:pPr marL="0" indent="0">
-              <a:buNone/>
-            </a:pPr>
-            <a:r>
-              <a:rPr lang="en-US" dirty="0"/>
-              <a:t>	}</a:t>
-            </a:r>
-          </a:p>
-        </p:txBody>
-      </p:sp>
-      <p:sp>
-        <p:nvSpPr>
-          <p:cNvPr id="4" name="TextBox 3">
-            <a:extLst>
-              <a:ext uri="{FF2B5EF4-FFF2-40B4-BE49-F238E27FC236}">
-                <a16:creationId xmlns:a16="http://schemas.microsoft.com/office/drawing/2014/main" id="{DDC4EFAC-813C-4E25-BAC5-7AA0E3E5FA5C}"/>
-              </a:ext>
-            </a:extLst>
-          </p:cNvPr>
-          <p:cNvSpPr txBox="1"/>
-          <p:nvPr/>
-        </p:nvSpPr>
-        <p:spPr>
-          <a:xfrm>
-            <a:off x="6925994" y="6262042"/>
-            <a:ext cx="5158154" cy="461665"/>
+            <a:off x="1390356" y="1406769"/>
+            <a:ext cx="4349261" cy="5286457"/>
           </a:xfrm>
           <a:prstGeom prst="rect">
             <a:avLst/>
           </a:prstGeom>
           <a:noFill/>
+          <a:extLst>
+            <a:ext uri="{909E8E84-426E-40DD-AFC4-6F175D3DCCD1}">
+              <a14:hiddenFill xmlns:a14="http://schemas.microsoft.com/office/drawing/2010/main">
+                <a:solidFill>
+                  <a:srgbClr val="FFFFFF"/>
+                </a:solidFill>
+              </a14:hiddenFill>
+            </a:ext>
+          </a:extLst>
         </p:spPr>
-        <p:txBody>
-          <a:bodyPr wrap="square" rtlCol="0">
+      </p:pic>
+      <p:sp>
+        <p:nvSpPr>
+          <p:cNvPr id="4" name="Rectangle 3">
+            <a:extLst>
+              <a:ext uri="{FF2B5EF4-FFF2-40B4-BE49-F238E27FC236}">
+                <a16:creationId xmlns:a16="http://schemas.microsoft.com/office/drawing/2014/main" id="{86F69EA1-7D9D-4EEC-86CF-12701FC5CF0A}"/>
+              </a:ext>
+            </a:extLst>
+          </p:cNvPr>
+          <p:cNvSpPr/>
+          <p:nvPr/>
+        </p:nvSpPr>
+        <p:spPr>
+          <a:xfrm>
+            <a:off x="6951391" y="3751124"/>
+            <a:ext cx="2722477" cy="523220"/>
+          </a:xfrm>
+          <a:prstGeom prst="rect">
+            <a:avLst/>
+          </a:prstGeom>
+        </p:spPr>
+        <p:txBody>
+          <a:bodyPr wrap="none">
             <a:spAutoFit/>
           </a:bodyPr>
           <a:lstStyle/>
           <a:p>
             <a:r>
-              <a:rPr lang="en-US" sz="2400" dirty="0"/>
-              <a:t>WRITE YOUR NAME ON YOUR WINDOW</a:t>
+              <a:rPr lang="en-US" sz="2800" dirty="0"/>
+              <a:t>color : “#FF96C5"</a:t>
             </a:r>
           </a:p>
         </p:txBody>
@@ -6320,7 +6235,7 @@
     </p:spTree>
     <p:extLst>
       <p:ext uri="{BB962C8B-B14F-4D97-AF65-F5344CB8AC3E}">
-        <p14:creationId xmlns:p14="http://schemas.microsoft.com/office/powerpoint/2010/main" val="411909881"/>
+        <p14:creationId xmlns:p14="http://schemas.microsoft.com/office/powerpoint/2010/main" val="3915875222"/>
       </p:ext>
     </p:extLst>
   </p:cSld>
@@ -6630,6 +6545,250 @@
           <p:cNvPr id="2" name="Title 1">
             <a:extLst>
               <a:ext uri="{FF2B5EF4-FFF2-40B4-BE49-F238E27FC236}">
+                <a16:creationId xmlns:a16="http://schemas.microsoft.com/office/drawing/2014/main" id="{BEF00A21-8F01-4C6C-A233-F5DF655A5638}"/>
+              </a:ext>
+            </a:extLst>
+          </p:cNvPr>
+          <p:cNvSpPr>
+            <a:spLocks noGrp="1"/>
+          </p:cNvSpPr>
+          <p:nvPr>
+            <p:ph type="title"/>
+          </p:nvPr>
+        </p:nvSpPr>
+        <p:spPr/>
+        <p:txBody>
+          <a:bodyPr/>
+          <a:lstStyle/>
+          <a:p>
+            <a:r>
+              <a:rPr lang="en-US" dirty="0"/>
+              <a:t>Add some text on your window </a:t>
+            </a:r>
+          </a:p>
+        </p:txBody>
+      </p:sp>
+      <p:sp>
+        <p:nvSpPr>
+          <p:cNvPr id="3" name="Content Placeholder 2">
+            <a:extLst>
+              <a:ext uri="{FF2B5EF4-FFF2-40B4-BE49-F238E27FC236}">
+                <a16:creationId xmlns:a16="http://schemas.microsoft.com/office/drawing/2014/main" id="{35FBE690-0A74-4EA0-B7DA-AD9589CBE3C7}"/>
+              </a:ext>
+            </a:extLst>
+          </p:cNvPr>
+          <p:cNvSpPr>
+            <a:spLocks noGrp="1"/>
+          </p:cNvSpPr>
+          <p:nvPr>
+            <p:ph idx="1"/>
+          </p:nvPr>
+        </p:nvSpPr>
+        <p:spPr>
+          <a:xfrm>
+            <a:off x="838200" y="1825625"/>
+            <a:ext cx="10515600" cy="4096873"/>
+          </a:xfrm>
+        </p:spPr>
+        <p:txBody>
+          <a:bodyPr>
+            <a:normAutofit fontScale="92500" lnSpcReduction="20000"/>
+          </a:bodyPr>
+          <a:lstStyle/>
+          <a:p>
+            <a:pPr marL="0" indent="0">
+              <a:buNone/>
+            </a:pPr>
+            <a:r>
+              <a:rPr lang="en-US" dirty="0"/>
+              <a:t>Text{</a:t>
+            </a:r>
+          </a:p>
+          <a:p>
+            <a:pPr marL="0" indent="0">
+              <a:buNone/>
+            </a:pPr>
+            <a:r>
+              <a:rPr lang="en-US" dirty="0"/>
+              <a:t>	id : text1</a:t>
+            </a:r>
+          </a:p>
+          <a:p>
+            <a:pPr marL="0" indent="0">
+              <a:buNone/>
+            </a:pPr>
+            <a:r>
+              <a:rPr lang="en-US" dirty="0"/>
+              <a:t>	x:100</a:t>
+            </a:r>
+          </a:p>
+          <a:p>
+            <a:pPr marL="0" indent="0">
+              <a:buNone/>
+            </a:pPr>
+            <a:r>
+              <a:rPr lang="en-US" dirty="0"/>
+              <a:t>	y:200</a:t>
+            </a:r>
+          </a:p>
+          <a:p>
+            <a:pPr marL="0" indent="0">
+              <a:buNone/>
+            </a:pPr>
+            <a:r>
+              <a:rPr lang="en-US" dirty="0"/>
+              <a:t>	</a:t>
+            </a:r>
+            <a:r>
+              <a:rPr lang="en-US" dirty="0" err="1"/>
+              <a:t>text:"Hello</a:t>
+            </a:r>
+            <a:r>
+              <a:rPr lang="en-US" dirty="0"/>
+              <a:t> World"</a:t>
+            </a:r>
+          </a:p>
+          <a:p>
+            <a:pPr marL="0" indent="0">
+              <a:buNone/>
+            </a:pPr>
+            <a:r>
+              <a:rPr lang="en-US" dirty="0"/>
+              <a:t>	color: "#00FF00"</a:t>
+            </a:r>
+          </a:p>
+          <a:p>
+            <a:pPr marL="0" indent="0">
+              <a:buNone/>
+            </a:pPr>
+            <a:r>
+              <a:rPr lang="en-US" dirty="0"/>
+              <a:t>	</a:t>
+            </a:r>
+            <a:r>
+              <a:rPr lang="en-US" dirty="0" err="1"/>
+              <a:t>font.family</a:t>
+            </a:r>
+            <a:r>
+              <a:rPr lang="en-US" dirty="0"/>
+              <a:t>  : "Comic Sans MS"</a:t>
+            </a:r>
+          </a:p>
+          <a:p>
+            <a:pPr marL="0" indent="0">
+              <a:buNone/>
+            </a:pPr>
+            <a:r>
+              <a:rPr lang="en-US" dirty="0"/>
+              <a:t>	</a:t>
+            </a:r>
+            <a:r>
+              <a:rPr lang="en-US" dirty="0" err="1"/>
+              <a:t>font.pixelSize</a:t>
+            </a:r>
+            <a:r>
+              <a:rPr lang="en-US" dirty="0"/>
+              <a:t>: 35</a:t>
+            </a:r>
+          </a:p>
+          <a:p>
+            <a:pPr marL="0" indent="0">
+              <a:buNone/>
+            </a:pPr>
+            <a:r>
+              <a:rPr lang="en-US" dirty="0"/>
+              <a:t>	</a:t>
+            </a:r>
+            <a:r>
+              <a:rPr lang="en-US" dirty="0" err="1"/>
+              <a:t>font.bold</a:t>
+            </a:r>
+            <a:r>
+              <a:rPr lang="en-US" dirty="0"/>
+              <a:t> : true	</a:t>
+            </a:r>
+          </a:p>
+          <a:p>
+            <a:pPr marL="0" indent="0">
+              <a:buNone/>
+            </a:pPr>
+            <a:r>
+              <a:rPr lang="en-US" dirty="0"/>
+              <a:t>	}</a:t>
+            </a:r>
+          </a:p>
+        </p:txBody>
+      </p:sp>
+      <p:sp>
+        <p:nvSpPr>
+          <p:cNvPr id="4" name="TextBox 3">
+            <a:extLst>
+              <a:ext uri="{FF2B5EF4-FFF2-40B4-BE49-F238E27FC236}">
+                <a16:creationId xmlns:a16="http://schemas.microsoft.com/office/drawing/2014/main" id="{DDC4EFAC-813C-4E25-BAC5-7AA0E3E5FA5C}"/>
+              </a:ext>
+            </a:extLst>
+          </p:cNvPr>
+          <p:cNvSpPr txBox="1"/>
+          <p:nvPr/>
+        </p:nvSpPr>
+        <p:spPr>
+          <a:xfrm>
+            <a:off x="6925994" y="6262042"/>
+            <a:ext cx="5158154" cy="461665"/>
+          </a:xfrm>
+          <a:prstGeom prst="rect">
+            <a:avLst/>
+          </a:prstGeom>
+          <a:noFill/>
+        </p:spPr>
+        <p:txBody>
+          <a:bodyPr wrap="square" rtlCol="0">
+            <a:spAutoFit/>
+          </a:bodyPr>
+          <a:lstStyle/>
+          <a:p>
+            <a:r>
+              <a:rPr lang="en-US" sz="2400" dirty="0"/>
+              <a:t>WRITE YOUR NAME ON YOUR WINDOW</a:t>
+            </a:r>
+          </a:p>
+        </p:txBody>
+      </p:sp>
+    </p:spTree>
+    <p:extLst>
+      <p:ext uri="{BB962C8B-B14F-4D97-AF65-F5344CB8AC3E}">
+        <p14:creationId xmlns:p14="http://schemas.microsoft.com/office/powerpoint/2010/main" val="411909881"/>
+      </p:ext>
+    </p:extLst>
+  </p:cSld>
+  <p:clrMapOvr>
+    <a:masterClrMapping/>
+  </p:clrMapOvr>
+</p:sld>
+</file>
+
+<file path=ppt/slides/slide21.xml><?xml version="1.0" encoding="utf-8"?>
+<p:sld xmlns:a="http://schemas.openxmlformats.org/drawingml/2006/main" xmlns:r="http://schemas.openxmlformats.org/officeDocument/2006/relationships" xmlns:p="http://schemas.openxmlformats.org/presentationml/2006/main">
+  <p:cSld>
+    <p:spTree>
+      <p:nvGrpSpPr>
+        <p:cNvPr id="1" name=""/>
+        <p:cNvGrpSpPr/>
+        <p:nvPr/>
+      </p:nvGrpSpPr>
+      <p:grpSpPr>
+        <a:xfrm>
+          <a:off x="0" y="0"/>
+          <a:ext cx="0" cy="0"/>
+          <a:chOff x="0" y="0"/>
+          <a:chExt cx="0" cy="0"/>
+        </a:xfrm>
+      </p:grpSpPr>
+      <p:sp>
+        <p:nvSpPr>
+          <p:cNvPr id="2" name="Title 1">
+            <a:extLst>
+              <a:ext uri="{FF2B5EF4-FFF2-40B4-BE49-F238E27FC236}">
                 <a16:creationId xmlns:a16="http://schemas.microsoft.com/office/drawing/2014/main" id="{D95385E2-E46E-4F4F-91F7-B98A4FFC1580}"/>
               </a:ext>
             </a:extLst>
@@ -6897,7 +7056,7 @@
 </p:sld>
 </file>
 
-<file path=ppt/slides/slide21.xml><?xml version="1.0" encoding="utf-8"?>
+<file path=ppt/slides/slide22.xml><?xml version="1.0" encoding="utf-8"?>
 <p:sld xmlns:a="http://schemas.openxmlformats.org/drawingml/2006/main" xmlns:r="http://schemas.openxmlformats.org/officeDocument/2006/relationships" xmlns:p="http://schemas.openxmlformats.org/presentationml/2006/main">
   <p:cSld>
     <p:spTree>
@@ -7107,7 +7266,7 @@
 </p:sld>
 </file>
 
-<file path=ppt/slides/slide22.xml><?xml version="1.0" encoding="utf-8"?>
+<file path=ppt/slides/slide23.xml><?xml version="1.0" encoding="utf-8"?>
 <p:sld xmlns:a="http://schemas.openxmlformats.org/drawingml/2006/main" xmlns:r="http://schemas.openxmlformats.org/officeDocument/2006/relationships" xmlns:p="http://schemas.openxmlformats.org/presentationml/2006/main">
   <p:cSld>
     <p:spTree>
@@ -7289,7 +7448,7 @@
 </p:sld>
 </file>
 
-<file path=ppt/slides/slide23.xml><?xml version="1.0" encoding="utf-8"?>
+<file path=ppt/slides/slide24.xml><?xml version="1.0" encoding="utf-8"?>
 <p:sld xmlns:a="http://schemas.openxmlformats.org/drawingml/2006/main" xmlns:r="http://schemas.openxmlformats.org/officeDocument/2006/relationships" xmlns:p="http://schemas.openxmlformats.org/presentationml/2006/main">
   <p:cSld>
     <p:spTree>
@@ -7566,7 +7725,7 @@
 </p:sld>
 </file>
 
-<file path=ppt/slides/slide24.xml><?xml version="1.0" encoding="utf-8"?>
+<file path=ppt/slides/slide25.xml><?xml version="1.0" encoding="utf-8"?>
 <p:sld xmlns:a="http://schemas.openxmlformats.org/drawingml/2006/main" xmlns:r="http://schemas.openxmlformats.org/officeDocument/2006/relationships" xmlns:p="http://schemas.openxmlformats.org/presentationml/2006/main">
   <p:cSld>
     <p:spTree>
@@ -7856,7 +8015,7 @@
 </p:sld>
 </file>
 
-<file path=ppt/slides/slide25.xml><?xml version="1.0" encoding="utf-8"?>
+<file path=ppt/slides/slide26.xml><?xml version="1.0" encoding="utf-8"?>
 <p:sld xmlns:a="http://schemas.openxmlformats.org/drawingml/2006/main" xmlns:r="http://schemas.openxmlformats.org/officeDocument/2006/relationships" xmlns:p="http://schemas.openxmlformats.org/presentationml/2006/main">
   <p:cSld>
     <p:spTree>
@@ -8110,7 +8269,7 @@
 </p:sld>
 </file>
 
-<file path=ppt/slides/slide26.xml><?xml version="1.0" encoding="utf-8"?>
+<file path=ppt/slides/slide27.xml><?xml version="1.0" encoding="utf-8"?>
 <p:sld xmlns:a="http://schemas.openxmlformats.org/drawingml/2006/main" xmlns:r="http://schemas.openxmlformats.org/officeDocument/2006/relationships" xmlns:p="http://schemas.openxmlformats.org/presentationml/2006/main">
   <p:cSld>
     <p:spTree>
@@ -8290,495 +8449,6 @@
 </p:sld>
 </file>
 
-<file path=ppt/slides/slide27.xml><?xml version="1.0" encoding="utf-8"?>
-<p:sld xmlns:a="http://schemas.openxmlformats.org/drawingml/2006/main" xmlns:r="http://schemas.openxmlformats.org/officeDocument/2006/relationships" xmlns:p="http://schemas.openxmlformats.org/presentationml/2006/main">
-  <p:cSld>
-    <p:spTree>
-      <p:nvGrpSpPr>
-        <p:cNvPr id="1" name=""/>
-        <p:cNvGrpSpPr/>
-        <p:nvPr/>
-      </p:nvGrpSpPr>
-      <p:grpSpPr>
-        <a:xfrm>
-          <a:off x="0" y="0"/>
-          <a:ext cx="0" cy="0"/>
-          <a:chOff x="0" y="0"/>
-          <a:chExt cx="0" cy="0"/>
-        </a:xfrm>
-      </p:grpSpPr>
-      <p:sp>
-        <p:nvSpPr>
-          <p:cNvPr id="2" name="Title 1">
-            <a:extLst>
-              <a:ext uri="{FF2B5EF4-FFF2-40B4-BE49-F238E27FC236}">
-                <a16:creationId xmlns:a16="http://schemas.microsoft.com/office/drawing/2014/main" id="{E28BD334-6775-4F22-9C61-81E21DEA7859}"/>
-              </a:ext>
-            </a:extLst>
-          </p:cNvPr>
-          <p:cNvSpPr>
-            <a:spLocks noGrp="1"/>
-          </p:cNvSpPr>
-          <p:nvPr>
-            <p:ph type="title"/>
-          </p:nvPr>
-        </p:nvSpPr>
-        <p:spPr/>
-        <p:txBody>
-          <a:bodyPr/>
-          <a:lstStyle/>
-          <a:p>
-            <a:r>
-              <a:rPr lang="en-US" dirty="0"/>
-              <a:t>Integrate python with </a:t>
-            </a:r>
-            <a:r>
-              <a:rPr lang="en-US" dirty="0" err="1"/>
-              <a:t>qml</a:t>
-            </a:r>
-            <a:endParaRPr lang="en-US" dirty="0"/>
-          </a:p>
-        </p:txBody>
-      </p:sp>
-      <p:sp>
-        <p:nvSpPr>
-          <p:cNvPr id="4" name="Rectangle 3">
-            <a:extLst>
-              <a:ext uri="{FF2B5EF4-FFF2-40B4-BE49-F238E27FC236}">
-                <a16:creationId xmlns:a16="http://schemas.microsoft.com/office/drawing/2014/main" id="{9A0808E9-4F53-4CA9-9449-BA68C83ED0A3}"/>
-              </a:ext>
-            </a:extLst>
-          </p:cNvPr>
-          <p:cNvSpPr/>
-          <p:nvPr/>
-        </p:nvSpPr>
-        <p:spPr>
-          <a:xfrm>
-            <a:off x="0" y="1843326"/>
-            <a:ext cx="6363286" cy="4801314"/>
-          </a:xfrm>
-          <a:prstGeom prst="rect">
-            <a:avLst/>
-          </a:prstGeom>
-        </p:spPr>
-        <p:txBody>
-          <a:bodyPr wrap="square">
-            <a:spAutoFit/>
-          </a:bodyPr>
-          <a:lstStyle/>
-          <a:p>
-            <a:r>
-              <a:rPr lang="en-US" dirty="0"/>
-              <a:t>class table(</a:t>
-            </a:r>
-            <a:r>
-              <a:rPr lang="en-US" dirty="0" err="1"/>
-              <a:t>QObject</a:t>
-            </a:r>
-            <a:r>
-              <a:rPr lang="en-US" dirty="0"/>
-              <a:t>):    </a:t>
-            </a:r>
-          </a:p>
-          <a:p>
-            <a:r>
-              <a:rPr lang="en-US" dirty="0"/>
-              <a:t>    def __</a:t>
-            </a:r>
-            <a:r>
-              <a:rPr lang="en-US" dirty="0" err="1"/>
-              <a:t>init</a:t>
-            </a:r>
-            <a:r>
-              <a:rPr lang="en-US" dirty="0"/>
-              <a:t>__(self, parent = None):</a:t>
-            </a:r>
-          </a:p>
-          <a:p>
-            <a:r>
-              <a:rPr lang="en-US" dirty="0"/>
-              <a:t>        super().__</a:t>
-            </a:r>
-            <a:r>
-              <a:rPr lang="en-US" dirty="0" err="1"/>
-              <a:t>init</a:t>
-            </a:r>
-            <a:r>
-              <a:rPr lang="en-US" dirty="0"/>
-              <a:t>__(parent)</a:t>
-            </a:r>
-          </a:p>
-          <a:p>
-            <a:r>
-              <a:rPr lang="en-US" dirty="0"/>
-              <a:t>        </a:t>
-            </a:r>
-            <a:r>
-              <a:rPr lang="en-US" dirty="0" err="1"/>
-              <a:t>self.app</a:t>
-            </a:r>
-            <a:r>
-              <a:rPr lang="en-US" dirty="0"/>
-              <a:t> = </a:t>
-            </a:r>
-            <a:r>
-              <a:rPr lang="en-US" dirty="0" err="1"/>
-              <a:t>QApplication</a:t>
-            </a:r>
-            <a:r>
-              <a:rPr lang="en-US" dirty="0"/>
-              <a:t>(</a:t>
-            </a:r>
-            <a:r>
-              <a:rPr lang="en-US" dirty="0" err="1"/>
-              <a:t>sys.argv</a:t>
-            </a:r>
-            <a:r>
-              <a:rPr lang="en-US" dirty="0"/>
-              <a:t>)</a:t>
-            </a:r>
-          </a:p>
-          <a:p>
-            <a:r>
-              <a:rPr lang="en-US" dirty="0"/>
-              <a:t>        </a:t>
-            </a:r>
-            <a:r>
-              <a:rPr lang="en-US" dirty="0" err="1"/>
-              <a:t>self.engine</a:t>
-            </a:r>
-            <a:r>
-              <a:rPr lang="en-US" dirty="0"/>
-              <a:t> = </a:t>
-            </a:r>
-            <a:r>
-              <a:rPr lang="en-US" dirty="0" err="1"/>
-              <a:t>QQmlApplicationEngine</a:t>
-            </a:r>
-            <a:r>
-              <a:rPr lang="en-US" dirty="0"/>
-              <a:t>(self)</a:t>
-            </a:r>
-          </a:p>
-          <a:p>
-            <a:r>
-              <a:rPr lang="en-US" dirty="0"/>
-              <a:t>        </a:t>
-            </a:r>
-            <a:r>
-              <a:rPr lang="en-US" dirty="0" err="1"/>
-              <a:t>self.engine.rootContext</a:t>
-            </a:r>
-            <a:r>
-              <a:rPr lang="en-US" dirty="0"/>
-              <a:t>().</a:t>
-            </a:r>
-            <a:r>
-              <a:rPr lang="en-US" dirty="0" err="1"/>
-              <a:t>setContextProperty</a:t>
-            </a:r>
-            <a:r>
-              <a:rPr lang="en-US" dirty="0"/>
-              <a:t>("backend", self)    </a:t>
-            </a:r>
-          </a:p>
-          <a:p>
-            <a:r>
-              <a:rPr lang="en-US" dirty="0"/>
-              <a:t>        </a:t>
-            </a:r>
-            <a:r>
-              <a:rPr lang="en-US" dirty="0" err="1"/>
-              <a:t>self.engine.load</a:t>
-            </a:r>
-            <a:r>
-              <a:rPr lang="en-US" dirty="0"/>
-              <a:t>(</a:t>
-            </a:r>
-            <a:r>
-              <a:rPr lang="en-US" dirty="0" err="1"/>
-              <a:t>QUrl</a:t>
-            </a:r>
-            <a:r>
-              <a:rPr lang="en-US" dirty="0"/>
-              <a:t>("</a:t>
-            </a:r>
-            <a:r>
-              <a:rPr lang="en-US" dirty="0" err="1"/>
-              <a:t>main.qml</a:t>
-            </a:r>
-            <a:r>
-              <a:rPr lang="en-US" dirty="0"/>
-              <a:t>"))</a:t>
-            </a:r>
-          </a:p>
-          <a:p>
-            <a:r>
-              <a:rPr lang="en-US" dirty="0"/>
-              <a:t>   </a:t>
-            </a:r>
-          </a:p>
-          <a:p>
-            <a:r>
-              <a:rPr lang="en-US" dirty="0"/>
-              <a:t>    ##############TOMBOL QML  KE PYTHON ##########</a:t>
-            </a:r>
-          </a:p>
-          <a:p>
-            <a:r>
-              <a:rPr lang="en-US" dirty="0"/>
-              <a:t>    @</a:t>
-            </a:r>
-            <a:r>
-              <a:rPr lang="en-US" dirty="0" err="1"/>
-              <a:t>pyqtSlot</a:t>
-            </a:r>
-            <a:r>
-              <a:rPr lang="en-US" dirty="0"/>
-              <a:t>(str)</a:t>
-            </a:r>
-          </a:p>
-          <a:p>
-            <a:r>
-              <a:rPr lang="en-US" dirty="0"/>
-              <a:t>    def button1(self, message):</a:t>
-            </a:r>
-          </a:p>
-          <a:p>
-            <a:r>
-              <a:rPr lang="en-US" dirty="0"/>
-              <a:t>        print(message)</a:t>
-            </a:r>
-          </a:p>
-          <a:p>
-            <a:r>
-              <a:rPr lang="en-US" dirty="0"/>
-              <a:t>    ##########SLIDER QML KE PYTHON###################</a:t>
-            </a:r>
-          </a:p>
-          <a:p>
-            <a:r>
-              <a:rPr lang="en-US" dirty="0"/>
-              <a:t>    @</a:t>
-            </a:r>
-            <a:r>
-              <a:rPr lang="en-US" dirty="0" err="1"/>
-              <a:t>pyqtSlot</a:t>
-            </a:r>
-            <a:r>
-              <a:rPr lang="en-US" dirty="0"/>
-              <a:t>(str)</a:t>
-            </a:r>
-          </a:p>
-          <a:p>
-            <a:r>
-              <a:rPr lang="en-US" dirty="0"/>
-              <a:t>    def </a:t>
-            </a:r>
-            <a:r>
-              <a:rPr lang="en-US" dirty="0" err="1"/>
-              <a:t>analog_output</a:t>
-            </a:r>
-            <a:r>
-              <a:rPr lang="en-US" dirty="0"/>
-              <a:t>(self, message):</a:t>
-            </a:r>
-          </a:p>
-          <a:p>
-            <a:r>
-              <a:rPr lang="en-US" dirty="0"/>
-              <a:t>        print(message)</a:t>
-            </a:r>
-          </a:p>
-          <a:p>
-            <a:endParaRPr lang="en-US" dirty="0"/>
-          </a:p>
-        </p:txBody>
-      </p:sp>
-      <p:sp>
-        <p:nvSpPr>
-          <p:cNvPr id="5" name="Rectangle 4">
-            <a:extLst>
-              <a:ext uri="{FF2B5EF4-FFF2-40B4-BE49-F238E27FC236}">
-                <a16:creationId xmlns:a16="http://schemas.microsoft.com/office/drawing/2014/main" id="{799D9FA0-9BAF-4B0D-B7DC-C9C603EC2255}"/>
-              </a:ext>
-            </a:extLst>
-          </p:cNvPr>
-          <p:cNvSpPr/>
-          <p:nvPr/>
-        </p:nvSpPr>
-        <p:spPr>
-          <a:xfrm>
-            <a:off x="7289410" y="2787968"/>
-            <a:ext cx="5005754" cy="2031325"/>
-          </a:xfrm>
-          <a:prstGeom prst="rect">
-            <a:avLst/>
-          </a:prstGeom>
-        </p:spPr>
-        <p:txBody>
-          <a:bodyPr wrap="square">
-            <a:spAutoFit/>
-          </a:bodyPr>
-          <a:lstStyle/>
-          <a:p>
-            <a:r>
-              <a:rPr lang="en-US" dirty="0"/>
-              <a:t>Button {</a:t>
-            </a:r>
-          </a:p>
-          <a:p>
-            <a:r>
-              <a:rPr lang="en-US" dirty="0"/>
-              <a:t>…….</a:t>
-            </a:r>
-          </a:p>
-          <a:p>
-            <a:r>
-              <a:rPr lang="en-US" dirty="0" err="1"/>
-              <a:t>onClicked</a:t>
-            </a:r>
-            <a:r>
-              <a:rPr lang="en-US" dirty="0"/>
-              <a:t>:{</a:t>
-            </a:r>
-          </a:p>
-          <a:p>
-            <a:r>
-              <a:rPr lang="en-US" dirty="0"/>
-              <a:t>						backend.button1("clicked")</a:t>
-            </a:r>
-          </a:p>
-          <a:p>
-            <a:r>
-              <a:rPr lang="en-US" dirty="0"/>
-              <a:t>	}</a:t>
-            </a:r>
-          </a:p>
-          <a:p>
-            <a:r>
-              <a:rPr lang="en-US" dirty="0"/>
-              <a:t>}</a:t>
-            </a:r>
-          </a:p>
-        </p:txBody>
-      </p:sp>
-      <p:sp>
-        <p:nvSpPr>
-          <p:cNvPr id="6" name="TextBox 5">
-            <a:extLst>
-              <a:ext uri="{FF2B5EF4-FFF2-40B4-BE49-F238E27FC236}">
-                <a16:creationId xmlns:a16="http://schemas.microsoft.com/office/drawing/2014/main" id="{A398516F-451E-4B42-B3CA-789E2751EBFA}"/>
-              </a:ext>
-            </a:extLst>
-          </p:cNvPr>
-          <p:cNvSpPr txBox="1"/>
-          <p:nvPr/>
-        </p:nvSpPr>
-        <p:spPr>
-          <a:xfrm>
-            <a:off x="4475870" y="1367522"/>
-            <a:ext cx="5627077" cy="646331"/>
-          </a:xfrm>
-          <a:prstGeom prst="rect">
-            <a:avLst/>
-          </a:prstGeom>
-          <a:noFill/>
-        </p:spPr>
-        <p:txBody>
-          <a:bodyPr wrap="square" rtlCol="0">
-            <a:spAutoFit/>
-          </a:bodyPr>
-          <a:lstStyle/>
-          <a:p>
-            <a:r>
-              <a:rPr lang="en-US" sz="3600" dirty="0"/>
-              <a:t>Python &lt;= QML</a:t>
-            </a:r>
-          </a:p>
-        </p:txBody>
-      </p:sp>
-      <p:sp>
-        <p:nvSpPr>
-          <p:cNvPr id="7" name="Rectangle 6">
-            <a:extLst>
-              <a:ext uri="{FF2B5EF4-FFF2-40B4-BE49-F238E27FC236}">
-                <a16:creationId xmlns:a16="http://schemas.microsoft.com/office/drawing/2014/main" id="{100BA234-DFBC-4BAE-A725-CAFE967C38E3}"/>
-              </a:ext>
-            </a:extLst>
-          </p:cNvPr>
-          <p:cNvSpPr/>
-          <p:nvPr/>
-        </p:nvSpPr>
-        <p:spPr>
-          <a:xfrm>
-            <a:off x="7289409" y="4900910"/>
-            <a:ext cx="5005754" cy="2031325"/>
-          </a:xfrm>
-          <a:prstGeom prst="rect">
-            <a:avLst/>
-          </a:prstGeom>
-        </p:spPr>
-        <p:txBody>
-          <a:bodyPr wrap="square">
-            <a:spAutoFit/>
-          </a:bodyPr>
-          <a:lstStyle/>
-          <a:p>
-            <a:r>
-              <a:rPr lang="en-US" dirty="0"/>
-              <a:t>Slider {</a:t>
-            </a:r>
-          </a:p>
-          <a:p>
-            <a:r>
-              <a:rPr lang="en-US" dirty="0"/>
-              <a:t>…….</a:t>
-            </a:r>
-          </a:p>
-          <a:p>
-            <a:r>
-              <a:rPr lang="en-US" dirty="0" err="1"/>
-              <a:t>onValueChanged</a:t>
-            </a:r>
-            <a:r>
-              <a:rPr lang="en-US" dirty="0"/>
-              <a:t>:{</a:t>
-            </a:r>
-          </a:p>
-          <a:p>
-            <a:r>
-              <a:rPr lang="en-US" dirty="0"/>
-              <a:t>						backend.button1("clicked")</a:t>
-            </a:r>
-          </a:p>
-          <a:p>
-            <a:r>
-              <a:rPr lang="en-US" dirty="0"/>
-              <a:t>	}</a:t>
-            </a:r>
-          </a:p>
-          <a:p>
-            <a:r>
-              <a:rPr lang="en-US" dirty="0"/>
-              <a:t>}</a:t>
-            </a:r>
-          </a:p>
-        </p:txBody>
-      </p:sp>
-    </p:spTree>
-    <p:extLst>
-      <p:ext uri="{BB962C8B-B14F-4D97-AF65-F5344CB8AC3E}">
-        <p14:creationId xmlns:p14="http://schemas.microsoft.com/office/powerpoint/2010/main" val="2309618137"/>
-      </p:ext>
-    </p:extLst>
-  </p:cSld>
-  <p:clrMapOvr>
-    <a:masterClrMapping/>
-  </p:clrMapOvr>
-</p:sld>
-</file>
-
 <file path=ppt/slides/slide28.xml><?xml version="1.0" encoding="utf-8"?>
 <p:sld xmlns:a="http://schemas.openxmlformats.org/drawingml/2006/main" xmlns:r="http://schemas.openxmlformats.org/officeDocument/2006/relationships" xmlns:p="http://schemas.openxmlformats.org/presentationml/2006/main">
   <p:cSld>
@@ -8801,6 +8471,495 @@
           <p:cNvPr id="2" name="Title 1">
             <a:extLst>
               <a:ext uri="{FF2B5EF4-FFF2-40B4-BE49-F238E27FC236}">
+                <a16:creationId xmlns:a16="http://schemas.microsoft.com/office/drawing/2014/main" id="{E28BD334-6775-4F22-9C61-81E21DEA7859}"/>
+              </a:ext>
+            </a:extLst>
+          </p:cNvPr>
+          <p:cNvSpPr>
+            <a:spLocks noGrp="1"/>
+          </p:cNvSpPr>
+          <p:nvPr>
+            <p:ph type="title"/>
+          </p:nvPr>
+        </p:nvSpPr>
+        <p:spPr/>
+        <p:txBody>
+          <a:bodyPr/>
+          <a:lstStyle/>
+          <a:p>
+            <a:r>
+              <a:rPr lang="en-US" dirty="0"/>
+              <a:t>Integrate python with </a:t>
+            </a:r>
+            <a:r>
+              <a:rPr lang="en-US" dirty="0" err="1"/>
+              <a:t>qml</a:t>
+            </a:r>
+            <a:endParaRPr lang="en-US" dirty="0"/>
+          </a:p>
+        </p:txBody>
+      </p:sp>
+      <p:sp>
+        <p:nvSpPr>
+          <p:cNvPr id="4" name="Rectangle 3">
+            <a:extLst>
+              <a:ext uri="{FF2B5EF4-FFF2-40B4-BE49-F238E27FC236}">
+                <a16:creationId xmlns:a16="http://schemas.microsoft.com/office/drawing/2014/main" id="{9A0808E9-4F53-4CA9-9449-BA68C83ED0A3}"/>
+              </a:ext>
+            </a:extLst>
+          </p:cNvPr>
+          <p:cNvSpPr/>
+          <p:nvPr/>
+        </p:nvSpPr>
+        <p:spPr>
+          <a:xfrm>
+            <a:off x="0" y="1843326"/>
+            <a:ext cx="6363286" cy="4801314"/>
+          </a:xfrm>
+          <a:prstGeom prst="rect">
+            <a:avLst/>
+          </a:prstGeom>
+        </p:spPr>
+        <p:txBody>
+          <a:bodyPr wrap="square">
+            <a:spAutoFit/>
+          </a:bodyPr>
+          <a:lstStyle/>
+          <a:p>
+            <a:r>
+              <a:rPr lang="en-US" dirty="0"/>
+              <a:t>class table(</a:t>
+            </a:r>
+            <a:r>
+              <a:rPr lang="en-US" dirty="0" err="1"/>
+              <a:t>QObject</a:t>
+            </a:r>
+            <a:r>
+              <a:rPr lang="en-US" dirty="0"/>
+              <a:t>):    </a:t>
+            </a:r>
+          </a:p>
+          <a:p>
+            <a:r>
+              <a:rPr lang="en-US" dirty="0"/>
+              <a:t>    def __</a:t>
+            </a:r>
+            <a:r>
+              <a:rPr lang="en-US" dirty="0" err="1"/>
+              <a:t>init</a:t>
+            </a:r>
+            <a:r>
+              <a:rPr lang="en-US" dirty="0"/>
+              <a:t>__(self, parent = None):</a:t>
+            </a:r>
+          </a:p>
+          <a:p>
+            <a:r>
+              <a:rPr lang="en-US" dirty="0"/>
+              <a:t>        super().__</a:t>
+            </a:r>
+            <a:r>
+              <a:rPr lang="en-US" dirty="0" err="1"/>
+              <a:t>init</a:t>
+            </a:r>
+            <a:r>
+              <a:rPr lang="en-US" dirty="0"/>
+              <a:t>__(parent)</a:t>
+            </a:r>
+          </a:p>
+          <a:p>
+            <a:r>
+              <a:rPr lang="en-US" dirty="0"/>
+              <a:t>        </a:t>
+            </a:r>
+            <a:r>
+              <a:rPr lang="en-US" dirty="0" err="1"/>
+              <a:t>self.app</a:t>
+            </a:r>
+            <a:r>
+              <a:rPr lang="en-US" dirty="0"/>
+              <a:t> = </a:t>
+            </a:r>
+            <a:r>
+              <a:rPr lang="en-US" dirty="0" err="1"/>
+              <a:t>QApplication</a:t>
+            </a:r>
+            <a:r>
+              <a:rPr lang="en-US" dirty="0"/>
+              <a:t>(</a:t>
+            </a:r>
+            <a:r>
+              <a:rPr lang="en-US" dirty="0" err="1"/>
+              <a:t>sys.argv</a:t>
+            </a:r>
+            <a:r>
+              <a:rPr lang="en-US" dirty="0"/>
+              <a:t>)</a:t>
+            </a:r>
+          </a:p>
+          <a:p>
+            <a:r>
+              <a:rPr lang="en-US" dirty="0"/>
+              <a:t>        </a:t>
+            </a:r>
+            <a:r>
+              <a:rPr lang="en-US" dirty="0" err="1"/>
+              <a:t>self.engine</a:t>
+            </a:r>
+            <a:r>
+              <a:rPr lang="en-US" dirty="0"/>
+              <a:t> = </a:t>
+            </a:r>
+            <a:r>
+              <a:rPr lang="en-US" dirty="0" err="1"/>
+              <a:t>QQmlApplicationEngine</a:t>
+            </a:r>
+            <a:r>
+              <a:rPr lang="en-US" dirty="0"/>
+              <a:t>(self)</a:t>
+            </a:r>
+          </a:p>
+          <a:p>
+            <a:r>
+              <a:rPr lang="en-US" dirty="0"/>
+              <a:t>        </a:t>
+            </a:r>
+            <a:r>
+              <a:rPr lang="en-US" dirty="0" err="1"/>
+              <a:t>self.engine.rootContext</a:t>
+            </a:r>
+            <a:r>
+              <a:rPr lang="en-US" dirty="0"/>
+              <a:t>().</a:t>
+            </a:r>
+            <a:r>
+              <a:rPr lang="en-US" dirty="0" err="1"/>
+              <a:t>setContextProperty</a:t>
+            </a:r>
+            <a:r>
+              <a:rPr lang="en-US" dirty="0"/>
+              <a:t>("backend", self)    </a:t>
+            </a:r>
+          </a:p>
+          <a:p>
+            <a:r>
+              <a:rPr lang="en-US" dirty="0"/>
+              <a:t>        </a:t>
+            </a:r>
+            <a:r>
+              <a:rPr lang="en-US" dirty="0" err="1"/>
+              <a:t>self.engine.load</a:t>
+            </a:r>
+            <a:r>
+              <a:rPr lang="en-US" dirty="0"/>
+              <a:t>(</a:t>
+            </a:r>
+            <a:r>
+              <a:rPr lang="en-US" dirty="0" err="1"/>
+              <a:t>QUrl</a:t>
+            </a:r>
+            <a:r>
+              <a:rPr lang="en-US" dirty="0"/>
+              <a:t>("</a:t>
+            </a:r>
+            <a:r>
+              <a:rPr lang="en-US" dirty="0" err="1"/>
+              <a:t>main.qml</a:t>
+            </a:r>
+            <a:r>
+              <a:rPr lang="en-US" dirty="0"/>
+              <a:t>"))</a:t>
+            </a:r>
+          </a:p>
+          <a:p>
+            <a:r>
+              <a:rPr lang="en-US" dirty="0"/>
+              <a:t>   </a:t>
+            </a:r>
+          </a:p>
+          <a:p>
+            <a:r>
+              <a:rPr lang="en-US" dirty="0"/>
+              <a:t>    ##############TOMBOL QML  KE PYTHON ##########</a:t>
+            </a:r>
+          </a:p>
+          <a:p>
+            <a:r>
+              <a:rPr lang="en-US" dirty="0"/>
+              <a:t>    @</a:t>
+            </a:r>
+            <a:r>
+              <a:rPr lang="en-US" dirty="0" err="1"/>
+              <a:t>pyqtSlot</a:t>
+            </a:r>
+            <a:r>
+              <a:rPr lang="en-US" dirty="0"/>
+              <a:t>(str)</a:t>
+            </a:r>
+          </a:p>
+          <a:p>
+            <a:r>
+              <a:rPr lang="en-US" dirty="0"/>
+              <a:t>    def button1(self, message):</a:t>
+            </a:r>
+          </a:p>
+          <a:p>
+            <a:r>
+              <a:rPr lang="en-US" dirty="0"/>
+              <a:t>        print(message)</a:t>
+            </a:r>
+          </a:p>
+          <a:p>
+            <a:r>
+              <a:rPr lang="en-US" dirty="0"/>
+              <a:t>    ##########SLIDER QML KE PYTHON###################</a:t>
+            </a:r>
+          </a:p>
+          <a:p>
+            <a:r>
+              <a:rPr lang="en-US" dirty="0"/>
+              <a:t>    @</a:t>
+            </a:r>
+            <a:r>
+              <a:rPr lang="en-US" dirty="0" err="1"/>
+              <a:t>pyqtSlot</a:t>
+            </a:r>
+            <a:r>
+              <a:rPr lang="en-US" dirty="0"/>
+              <a:t>(str)</a:t>
+            </a:r>
+          </a:p>
+          <a:p>
+            <a:r>
+              <a:rPr lang="en-US" dirty="0"/>
+              <a:t>    def </a:t>
+            </a:r>
+            <a:r>
+              <a:rPr lang="en-US" dirty="0" err="1"/>
+              <a:t>analog_output</a:t>
+            </a:r>
+            <a:r>
+              <a:rPr lang="en-US" dirty="0"/>
+              <a:t>(self, message):</a:t>
+            </a:r>
+          </a:p>
+          <a:p>
+            <a:r>
+              <a:rPr lang="en-US" dirty="0"/>
+              <a:t>        print(message)</a:t>
+            </a:r>
+          </a:p>
+          <a:p>
+            <a:endParaRPr lang="en-US" dirty="0"/>
+          </a:p>
+        </p:txBody>
+      </p:sp>
+      <p:sp>
+        <p:nvSpPr>
+          <p:cNvPr id="5" name="Rectangle 4">
+            <a:extLst>
+              <a:ext uri="{FF2B5EF4-FFF2-40B4-BE49-F238E27FC236}">
+                <a16:creationId xmlns:a16="http://schemas.microsoft.com/office/drawing/2014/main" id="{799D9FA0-9BAF-4B0D-B7DC-C9C603EC2255}"/>
+              </a:ext>
+            </a:extLst>
+          </p:cNvPr>
+          <p:cNvSpPr/>
+          <p:nvPr/>
+        </p:nvSpPr>
+        <p:spPr>
+          <a:xfrm>
+            <a:off x="7289410" y="2787968"/>
+            <a:ext cx="5005754" cy="2031325"/>
+          </a:xfrm>
+          <a:prstGeom prst="rect">
+            <a:avLst/>
+          </a:prstGeom>
+        </p:spPr>
+        <p:txBody>
+          <a:bodyPr wrap="square">
+            <a:spAutoFit/>
+          </a:bodyPr>
+          <a:lstStyle/>
+          <a:p>
+            <a:r>
+              <a:rPr lang="en-US" dirty="0"/>
+              <a:t>Button {</a:t>
+            </a:r>
+          </a:p>
+          <a:p>
+            <a:r>
+              <a:rPr lang="en-US" dirty="0"/>
+              <a:t>…….</a:t>
+            </a:r>
+          </a:p>
+          <a:p>
+            <a:r>
+              <a:rPr lang="en-US" dirty="0" err="1"/>
+              <a:t>onClicked</a:t>
+            </a:r>
+            <a:r>
+              <a:rPr lang="en-US" dirty="0"/>
+              <a:t>:{</a:t>
+            </a:r>
+          </a:p>
+          <a:p>
+            <a:r>
+              <a:rPr lang="en-US" dirty="0"/>
+              <a:t>						backend.button1("clicked")</a:t>
+            </a:r>
+          </a:p>
+          <a:p>
+            <a:r>
+              <a:rPr lang="en-US" dirty="0"/>
+              <a:t>	}</a:t>
+            </a:r>
+          </a:p>
+          <a:p>
+            <a:r>
+              <a:rPr lang="en-US" dirty="0"/>
+              <a:t>}</a:t>
+            </a:r>
+          </a:p>
+        </p:txBody>
+      </p:sp>
+      <p:sp>
+        <p:nvSpPr>
+          <p:cNvPr id="6" name="TextBox 5">
+            <a:extLst>
+              <a:ext uri="{FF2B5EF4-FFF2-40B4-BE49-F238E27FC236}">
+                <a16:creationId xmlns:a16="http://schemas.microsoft.com/office/drawing/2014/main" id="{A398516F-451E-4B42-B3CA-789E2751EBFA}"/>
+              </a:ext>
+            </a:extLst>
+          </p:cNvPr>
+          <p:cNvSpPr txBox="1"/>
+          <p:nvPr/>
+        </p:nvSpPr>
+        <p:spPr>
+          <a:xfrm>
+            <a:off x="4475870" y="1367522"/>
+            <a:ext cx="5627077" cy="646331"/>
+          </a:xfrm>
+          <a:prstGeom prst="rect">
+            <a:avLst/>
+          </a:prstGeom>
+          <a:noFill/>
+        </p:spPr>
+        <p:txBody>
+          <a:bodyPr wrap="square" rtlCol="0">
+            <a:spAutoFit/>
+          </a:bodyPr>
+          <a:lstStyle/>
+          <a:p>
+            <a:r>
+              <a:rPr lang="en-US" sz="3600" dirty="0"/>
+              <a:t>Python &lt;= QML</a:t>
+            </a:r>
+          </a:p>
+        </p:txBody>
+      </p:sp>
+      <p:sp>
+        <p:nvSpPr>
+          <p:cNvPr id="7" name="Rectangle 6">
+            <a:extLst>
+              <a:ext uri="{FF2B5EF4-FFF2-40B4-BE49-F238E27FC236}">
+                <a16:creationId xmlns:a16="http://schemas.microsoft.com/office/drawing/2014/main" id="{100BA234-DFBC-4BAE-A725-CAFE967C38E3}"/>
+              </a:ext>
+            </a:extLst>
+          </p:cNvPr>
+          <p:cNvSpPr/>
+          <p:nvPr/>
+        </p:nvSpPr>
+        <p:spPr>
+          <a:xfrm>
+            <a:off x="7289409" y="4900910"/>
+            <a:ext cx="5005754" cy="2031325"/>
+          </a:xfrm>
+          <a:prstGeom prst="rect">
+            <a:avLst/>
+          </a:prstGeom>
+        </p:spPr>
+        <p:txBody>
+          <a:bodyPr wrap="square">
+            <a:spAutoFit/>
+          </a:bodyPr>
+          <a:lstStyle/>
+          <a:p>
+            <a:r>
+              <a:rPr lang="en-US" dirty="0"/>
+              <a:t>Slider {</a:t>
+            </a:r>
+          </a:p>
+          <a:p>
+            <a:r>
+              <a:rPr lang="en-US" dirty="0"/>
+              <a:t>…….</a:t>
+            </a:r>
+          </a:p>
+          <a:p>
+            <a:r>
+              <a:rPr lang="en-US" dirty="0" err="1"/>
+              <a:t>onValueChanged</a:t>
+            </a:r>
+            <a:r>
+              <a:rPr lang="en-US" dirty="0"/>
+              <a:t>:{</a:t>
+            </a:r>
+          </a:p>
+          <a:p>
+            <a:r>
+              <a:rPr lang="en-US" dirty="0"/>
+              <a:t>						backend.button1("clicked")</a:t>
+            </a:r>
+          </a:p>
+          <a:p>
+            <a:r>
+              <a:rPr lang="en-US" dirty="0"/>
+              <a:t>	}</a:t>
+            </a:r>
+          </a:p>
+          <a:p>
+            <a:r>
+              <a:rPr lang="en-US" dirty="0"/>
+              <a:t>}</a:t>
+            </a:r>
+          </a:p>
+        </p:txBody>
+      </p:sp>
+    </p:spTree>
+    <p:extLst>
+      <p:ext uri="{BB962C8B-B14F-4D97-AF65-F5344CB8AC3E}">
+        <p14:creationId xmlns:p14="http://schemas.microsoft.com/office/powerpoint/2010/main" val="2309618137"/>
+      </p:ext>
+    </p:extLst>
+  </p:cSld>
+  <p:clrMapOvr>
+    <a:masterClrMapping/>
+  </p:clrMapOvr>
+</p:sld>
+</file>
+
+<file path=ppt/slides/slide29.xml><?xml version="1.0" encoding="utf-8"?>
+<p:sld xmlns:a="http://schemas.openxmlformats.org/drawingml/2006/main" xmlns:r="http://schemas.openxmlformats.org/officeDocument/2006/relationships" xmlns:p="http://schemas.openxmlformats.org/presentationml/2006/main">
+  <p:cSld>
+    <p:spTree>
+      <p:nvGrpSpPr>
+        <p:cNvPr id="1" name=""/>
+        <p:cNvGrpSpPr/>
+        <p:nvPr/>
+      </p:nvGrpSpPr>
+      <p:grpSpPr>
+        <a:xfrm>
+          <a:off x="0" y="0"/>
+          <a:ext cx="0" cy="0"/>
+          <a:chOff x="0" y="0"/>
+          <a:chExt cx="0" cy="0"/>
+        </a:xfrm>
+      </p:grpSpPr>
+      <p:sp>
+        <p:nvSpPr>
+          <p:cNvPr id="2" name="Title 1">
+            <a:extLst>
+              <a:ext uri="{FF2B5EF4-FFF2-40B4-BE49-F238E27FC236}">
                 <a16:creationId xmlns:a16="http://schemas.microsoft.com/office/drawing/2014/main" id="{D5308188-859F-4FE5-8630-A993D0DCC06F}"/>
               </a:ext>
             </a:extLst>
@@ -9050,7 +9209,125 @@
 </p:sld>
 </file>
 
-<file path=ppt/slides/slide29.xml><?xml version="1.0" encoding="utf-8"?>
+<file path=ppt/slides/slide3.xml><?xml version="1.0" encoding="utf-8"?>
+<p:sld xmlns:a="http://schemas.openxmlformats.org/drawingml/2006/main" xmlns:r="http://schemas.openxmlformats.org/officeDocument/2006/relationships" xmlns:p="http://schemas.openxmlformats.org/presentationml/2006/main">
+  <p:cSld>
+    <p:spTree>
+      <p:nvGrpSpPr>
+        <p:cNvPr id="1" name=""/>
+        <p:cNvGrpSpPr/>
+        <p:nvPr/>
+      </p:nvGrpSpPr>
+      <p:grpSpPr>
+        <a:xfrm>
+          <a:off x="0" y="0"/>
+          <a:ext cx="0" cy="0"/>
+          <a:chOff x="0" y="0"/>
+          <a:chExt cx="0" cy="0"/>
+        </a:xfrm>
+      </p:grpSpPr>
+      <p:sp>
+        <p:nvSpPr>
+          <p:cNvPr id="2" name="Title 1">
+            <a:extLst>
+              <a:ext uri="{FF2B5EF4-FFF2-40B4-BE49-F238E27FC236}">
+                <a16:creationId xmlns:a16="http://schemas.microsoft.com/office/drawing/2014/main" id="{8DFF2FCA-2331-4913-A68B-E230E51222B7}"/>
+              </a:ext>
+            </a:extLst>
+          </p:cNvPr>
+          <p:cNvSpPr>
+            <a:spLocks noGrp="1"/>
+          </p:cNvSpPr>
+          <p:nvPr>
+            <p:ph type="title"/>
+          </p:nvPr>
+        </p:nvSpPr>
+        <p:spPr/>
+        <p:txBody>
+          <a:bodyPr/>
+          <a:lstStyle/>
+          <a:p>
+            <a:r>
+              <a:rPr lang="en-US" dirty="0"/>
+              <a:t>What is MQTT</a:t>
+            </a:r>
+          </a:p>
+        </p:txBody>
+      </p:sp>
+      <p:sp>
+        <p:nvSpPr>
+          <p:cNvPr id="3" name="Content Placeholder 2">
+            <a:extLst>
+              <a:ext uri="{FF2B5EF4-FFF2-40B4-BE49-F238E27FC236}">
+                <a16:creationId xmlns:a16="http://schemas.microsoft.com/office/drawing/2014/main" id="{D7B2850B-989D-42F3-BE77-D3A70397E4CB}"/>
+              </a:ext>
+            </a:extLst>
+          </p:cNvPr>
+          <p:cNvSpPr>
+            <a:spLocks noGrp="1"/>
+          </p:cNvSpPr>
+          <p:nvPr>
+            <p:ph idx="1"/>
+          </p:nvPr>
+        </p:nvSpPr>
+        <p:spPr>
+          <a:xfrm>
+            <a:off x="838200" y="4351843"/>
+            <a:ext cx="10515600" cy="1825120"/>
+          </a:xfrm>
+        </p:spPr>
+        <p:txBody>
+          <a:bodyPr/>
+          <a:lstStyle/>
+          <a:p>
+            <a:endParaRPr lang="en-US"/>
+          </a:p>
+        </p:txBody>
+      </p:sp>
+      <p:pic>
+        <p:nvPicPr>
+          <p:cNvPr id="5" name="Picture 4">
+            <a:extLst>
+              <a:ext uri="{FF2B5EF4-FFF2-40B4-BE49-F238E27FC236}">
+                <a16:creationId xmlns:a16="http://schemas.microsoft.com/office/drawing/2014/main" id="{3DA605BC-9AA8-40E2-A3E5-B4E1F595C955}"/>
+              </a:ext>
+            </a:extLst>
+          </p:cNvPr>
+          <p:cNvPicPr>
+            <a:picLocks noChangeAspect="1"/>
+          </p:cNvPicPr>
+          <p:nvPr/>
+        </p:nvPicPr>
+        <p:blipFill>
+          <a:blip r:embed="rId2"/>
+          <a:stretch>
+            <a:fillRect/>
+          </a:stretch>
+        </p:blipFill>
+        <p:spPr>
+          <a:xfrm>
+            <a:off x="426164" y="1541422"/>
+            <a:ext cx="10797097" cy="2810421"/>
+          </a:xfrm>
+          <a:prstGeom prst="rect">
+            <a:avLst/>
+          </a:prstGeom>
+        </p:spPr>
+      </p:pic>
+    </p:spTree>
+    <p:extLst>
+      <p:ext uri="{BB962C8B-B14F-4D97-AF65-F5344CB8AC3E}">
+        <p14:creationId xmlns:p14="http://schemas.microsoft.com/office/powerpoint/2010/main" val="962380318"/>
+      </p:ext>
+    </p:extLst>
+  </p:cSld>
+  <p:clrMapOvr>
+    <a:masterClrMapping/>
+  </p:clrMapOvr>
+</p:sld>
+</file>
+
+<file path=ppt/slides/slide30.xml><?xml version="1.0" encoding="utf-8"?>
 <p:sld xmlns:a="http://schemas.openxmlformats.org/drawingml/2006/main" xmlns:r="http://schemas.openxmlformats.org/officeDocument/2006/relationships" xmlns:p="http://schemas.openxmlformats.org/presentationml/2006/main">
   <p:cSld>
     <p:spTree>
@@ -10024,125 +10301,7 @@
 </p:sld>
 </file>
 
-<file path=ppt/slides/slide3.xml><?xml version="1.0" encoding="utf-8"?>
-<p:sld xmlns:a="http://schemas.openxmlformats.org/drawingml/2006/main" xmlns:r="http://schemas.openxmlformats.org/officeDocument/2006/relationships" xmlns:p="http://schemas.openxmlformats.org/presentationml/2006/main">
-  <p:cSld>
-    <p:spTree>
-      <p:nvGrpSpPr>
-        <p:cNvPr id="1" name=""/>
-        <p:cNvGrpSpPr/>
-        <p:nvPr/>
-      </p:nvGrpSpPr>
-      <p:grpSpPr>
-        <a:xfrm>
-          <a:off x="0" y="0"/>
-          <a:ext cx="0" cy="0"/>
-          <a:chOff x="0" y="0"/>
-          <a:chExt cx="0" cy="0"/>
-        </a:xfrm>
-      </p:grpSpPr>
-      <p:sp>
-        <p:nvSpPr>
-          <p:cNvPr id="2" name="Title 1">
-            <a:extLst>
-              <a:ext uri="{FF2B5EF4-FFF2-40B4-BE49-F238E27FC236}">
-                <a16:creationId xmlns:a16="http://schemas.microsoft.com/office/drawing/2014/main" id="{8DFF2FCA-2331-4913-A68B-E230E51222B7}"/>
-              </a:ext>
-            </a:extLst>
-          </p:cNvPr>
-          <p:cNvSpPr>
-            <a:spLocks noGrp="1"/>
-          </p:cNvSpPr>
-          <p:nvPr>
-            <p:ph type="title"/>
-          </p:nvPr>
-        </p:nvSpPr>
-        <p:spPr/>
-        <p:txBody>
-          <a:bodyPr/>
-          <a:lstStyle/>
-          <a:p>
-            <a:r>
-              <a:rPr lang="en-US" dirty="0"/>
-              <a:t>What is MQTT</a:t>
-            </a:r>
-          </a:p>
-        </p:txBody>
-      </p:sp>
-      <p:sp>
-        <p:nvSpPr>
-          <p:cNvPr id="3" name="Content Placeholder 2">
-            <a:extLst>
-              <a:ext uri="{FF2B5EF4-FFF2-40B4-BE49-F238E27FC236}">
-                <a16:creationId xmlns:a16="http://schemas.microsoft.com/office/drawing/2014/main" id="{D7B2850B-989D-42F3-BE77-D3A70397E4CB}"/>
-              </a:ext>
-            </a:extLst>
-          </p:cNvPr>
-          <p:cNvSpPr>
-            <a:spLocks noGrp="1"/>
-          </p:cNvSpPr>
-          <p:nvPr>
-            <p:ph idx="1"/>
-          </p:nvPr>
-        </p:nvSpPr>
-        <p:spPr>
-          <a:xfrm>
-            <a:off x="838200" y="4351843"/>
-            <a:ext cx="10515600" cy="1825120"/>
-          </a:xfrm>
-        </p:spPr>
-        <p:txBody>
-          <a:bodyPr/>
-          <a:lstStyle/>
-          <a:p>
-            <a:endParaRPr lang="en-US"/>
-          </a:p>
-        </p:txBody>
-      </p:sp>
-      <p:pic>
-        <p:nvPicPr>
-          <p:cNvPr id="5" name="Picture 4">
-            <a:extLst>
-              <a:ext uri="{FF2B5EF4-FFF2-40B4-BE49-F238E27FC236}">
-                <a16:creationId xmlns:a16="http://schemas.microsoft.com/office/drawing/2014/main" id="{3DA605BC-9AA8-40E2-A3E5-B4E1F595C955}"/>
-              </a:ext>
-            </a:extLst>
-          </p:cNvPr>
-          <p:cNvPicPr>
-            <a:picLocks noChangeAspect="1"/>
-          </p:cNvPicPr>
-          <p:nvPr/>
-        </p:nvPicPr>
-        <p:blipFill>
-          <a:blip r:embed="rId2"/>
-          <a:stretch>
-            <a:fillRect/>
-          </a:stretch>
-        </p:blipFill>
-        <p:spPr>
-          <a:xfrm>
-            <a:off x="426164" y="1541422"/>
-            <a:ext cx="10797097" cy="2810421"/>
-          </a:xfrm>
-          <a:prstGeom prst="rect">
-            <a:avLst/>
-          </a:prstGeom>
-        </p:spPr>
-      </p:pic>
-    </p:spTree>
-    <p:extLst>
-      <p:ext uri="{BB962C8B-B14F-4D97-AF65-F5344CB8AC3E}">
-        <p14:creationId xmlns:p14="http://schemas.microsoft.com/office/powerpoint/2010/main" val="962380318"/>
-      </p:ext>
-    </p:extLst>
-  </p:cSld>
-  <p:clrMapOvr>
-    <a:masterClrMapping/>
-  </p:clrMapOvr>
-</p:sld>
-</file>
-
-<file path=ppt/slides/slide30.xml><?xml version="1.0" encoding="utf-8"?>
+<file path=ppt/slides/slide31.xml><?xml version="1.0" encoding="utf-8"?>
 <p:sld xmlns:a="http://schemas.openxmlformats.org/drawingml/2006/main" xmlns:r="http://schemas.openxmlformats.org/officeDocument/2006/relationships" xmlns:p="http://schemas.openxmlformats.org/presentationml/2006/main">
   <p:cSld>
     <p:spTree>
@@ -10770,7 +10929,7 @@
 </p:sld>
 </file>
 
-<file path=ppt/slides/slide31.xml><?xml version="1.0" encoding="utf-8"?>
+<file path=ppt/slides/slide32.xml><?xml version="1.0" encoding="utf-8"?>
 <p:sld xmlns:a="http://schemas.openxmlformats.org/drawingml/2006/main" xmlns:r="http://schemas.openxmlformats.org/officeDocument/2006/relationships" xmlns:p="http://schemas.openxmlformats.org/presentationml/2006/main">
   <p:cSld>
     <p:spTree>
@@ -11513,670 +11672,6 @@
 </p:sld>
 </file>
 
-<file path=ppt/slides/slide32.xml><?xml version="1.0" encoding="utf-8"?>
-<p:sld xmlns:a="http://schemas.openxmlformats.org/drawingml/2006/main" xmlns:r="http://schemas.openxmlformats.org/officeDocument/2006/relationships" xmlns:p="http://schemas.openxmlformats.org/presentationml/2006/main">
-  <p:cSld>
-    <p:spTree>
-      <p:nvGrpSpPr>
-        <p:cNvPr id="1" name=""/>
-        <p:cNvGrpSpPr/>
-        <p:nvPr/>
-      </p:nvGrpSpPr>
-      <p:grpSpPr>
-        <a:xfrm>
-          <a:off x="0" y="0"/>
-          <a:ext cx="0" cy="0"/>
-          <a:chOff x="0" y="0"/>
-          <a:chExt cx="0" cy="0"/>
-        </a:xfrm>
-      </p:grpSpPr>
-      <p:sp>
-        <p:nvSpPr>
-          <p:cNvPr id="3" name="Content Placeholder 2">
-            <a:extLst>
-              <a:ext uri="{FF2B5EF4-FFF2-40B4-BE49-F238E27FC236}">
-                <a16:creationId xmlns:a16="http://schemas.microsoft.com/office/drawing/2014/main" id="{60D0E6AD-1B44-42BF-BC04-6D808547B5C5}"/>
-              </a:ext>
-            </a:extLst>
-          </p:cNvPr>
-          <p:cNvSpPr>
-            <a:spLocks noGrp="1"/>
-          </p:cNvSpPr>
-          <p:nvPr>
-            <p:ph idx="1"/>
-          </p:nvPr>
-        </p:nvSpPr>
-        <p:spPr>
-          <a:xfrm>
-            <a:off x="838200" y="365124"/>
-            <a:ext cx="5257800" cy="6365459"/>
-          </a:xfrm>
-        </p:spPr>
-        <p:txBody>
-          <a:bodyPr>
-            <a:normAutofit fontScale="92500" lnSpcReduction="20000"/>
-          </a:bodyPr>
-          <a:lstStyle/>
-          <a:p>
-            <a:pPr marL="0" indent="0">
-              <a:buNone/>
-            </a:pPr>
-            <a:r>
-              <a:rPr lang="en-US" sz="1400" dirty="0"/>
-              <a:t>void callback(char* topic, byte* message, unsigned int length) {</a:t>
-            </a:r>
-          </a:p>
-          <a:p>
-            <a:pPr marL="0" indent="0">
-              <a:buNone/>
-            </a:pPr>
-            <a:r>
-              <a:rPr lang="en-US" sz="1400" dirty="0"/>
-              <a:t>  </a:t>
-            </a:r>
-            <a:r>
-              <a:rPr lang="en-US" sz="1400" dirty="0" err="1"/>
-              <a:t>Serial.print</a:t>
-            </a:r>
-            <a:r>
-              <a:rPr lang="en-US" sz="1400" dirty="0"/>
-              <a:t>("Message arrived on topic: ");</a:t>
-            </a:r>
-          </a:p>
-          <a:p>
-            <a:pPr marL="0" indent="0">
-              <a:buNone/>
-            </a:pPr>
-            <a:r>
-              <a:rPr lang="en-US" sz="1400" dirty="0"/>
-              <a:t>  </a:t>
-            </a:r>
-            <a:r>
-              <a:rPr lang="en-US" sz="1400" dirty="0" err="1"/>
-              <a:t>Serial.print</a:t>
-            </a:r>
-            <a:r>
-              <a:rPr lang="en-US" sz="1400" dirty="0"/>
-              <a:t>(topic);</a:t>
-            </a:r>
-          </a:p>
-          <a:p>
-            <a:pPr marL="0" indent="0">
-              <a:buNone/>
-            </a:pPr>
-            <a:r>
-              <a:rPr lang="en-US" sz="1400" dirty="0"/>
-              <a:t>  </a:t>
-            </a:r>
-            <a:r>
-              <a:rPr lang="en-US" sz="1400" dirty="0" err="1"/>
-              <a:t>Serial.print</a:t>
-            </a:r>
-            <a:r>
-              <a:rPr lang="en-US" sz="1400" dirty="0"/>
-              <a:t>(". Message: ");</a:t>
-            </a:r>
-          </a:p>
-          <a:p>
-            <a:pPr marL="0" indent="0">
-              <a:buNone/>
-            </a:pPr>
-            <a:r>
-              <a:rPr lang="en-US" sz="1400" dirty="0"/>
-              <a:t>  String </a:t>
-            </a:r>
-            <a:r>
-              <a:rPr lang="en-US" sz="1400" dirty="0" err="1"/>
-              <a:t>messageTemp</a:t>
-            </a:r>
-            <a:r>
-              <a:rPr lang="en-US" sz="1400" dirty="0"/>
-              <a:t>;  </a:t>
-            </a:r>
-          </a:p>
-          <a:p>
-            <a:pPr marL="0" indent="0">
-              <a:buNone/>
-            </a:pPr>
-            <a:r>
-              <a:rPr lang="en-US" sz="1400" dirty="0"/>
-              <a:t>  for (int </a:t>
-            </a:r>
-            <a:r>
-              <a:rPr lang="en-US" sz="1400" dirty="0" err="1"/>
-              <a:t>i</a:t>
-            </a:r>
-            <a:r>
-              <a:rPr lang="en-US" sz="1400" dirty="0"/>
-              <a:t> = 0; </a:t>
-            </a:r>
-            <a:r>
-              <a:rPr lang="en-US" sz="1400" dirty="0" err="1"/>
-              <a:t>i</a:t>
-            </a:r>
-            <a:r>
-              <a:rPr lang="en-US" sz="1400" dirty="0"/>
-              <a:t> &lt; length; </a:t>
-            </a:r>
-            <a:r>
-              <a:rPr lang="en-US" sz="1400" dirty="0" err="1"/>
-              <a:t>i</a:t>
-            </a:r>
-            <a:r>
-              <a:rPr lang="en-US" sz="1400" dirty="0"/>
-              <a:t>++) {</a:t>
-            </a:r>
-          </a:p>
-          <a:p>
-            <a:pPr marL="0" indent="0">
-              <a:buNone/>
-            </a:pPr>
-            <a:r>
-              <a:rPr lang="en-US" sz="1400" dirty="0"/>
-              <a:t>    </a:t>
-            </a:r>
-            <a:r>
-              <a:rPr lang="en-US" sz="1400" dirty="0" err="1"/>
-              <a:t>Serial.print</a:t>
-            </a:r>
-            <a:r>
-              <a:rPr lang="en-US" sz="1400" dirty="0"/>
-              <a:t>((char)message[</a:t>
-            </a:r>
-            <a:r>
-              <a:rPr lang="en-US" sz="1400" dirty="0" err="1"/>
-              <a:t>i</a:t>
-            </a:r>
-            <a:r>
-              <a:rPr lang="en-US" sz="1400" dirty="0"/>
-              <a:t>]);</a:t>
-            </a:r>
-          </a:p>
-          <a:p>
-            <a:pPr marL="0" indent="0">
-              <a:buNone/>
-            </a:pPr>
-            <a:r>
-              <a:rPr lang="en-US" sz="1400" dirty="0"/>
-              <a:t>    </a:t>
-            </a:r>
-            <a:r>
-              <a:rPr lang="en-US" sz="1400" dirty="0" err="1"/>
-              <a:t>messageTemp</a:t>
-            </a:r>
-            <a:r>
-              <a:rPr lang="en-US" sz="1400" dirty="0"/>
-              <a:t> += (char)message[</a:t>
-            </a:r>
-            <a:r>
-              <a:rPr lang="en-US" sz="1400" dirty="0" err="1"/>
-              <a:t>i</a:t>
-            </a:r>
-            <a:r>
-              <a:rPr lang="en-US" sz="1400" dirty="0"/>
-              <a:t>];</a:t>
-            </a:r>
-          </a:p>
-          <a:p>
-            <a:pPr marL="0" indent="0">
-              <a:buNone/>
-            </a:pPr>
-            <a:r>
-              <a:rPr lang="en-US" sz="1400" dirty="0"/>
-              <a:t>  }</a:t>
-            </a:r>
-          </a:p>
-          <a:p>
-            <a:pPr marL="0" indent="0">
-              <a:buNone/>
-            </a:pPr>
-            <a:r>
-              <a:rPr lang="en-US" sz="1400" dirty="0"/>
-              <a:t>  </a:t>
-            </a:r>
-            <a:r>
-              <a:rPr lang="en-US" sz="1400" dirty="0" err="1"/>
-              <a:t>Serial.println</a:t>
-            </a:r>
-            <a:r>
-              <a:rPr lang="en-US" sz="1400" dirty="0"/>
-              <a:t>();</a:t>
-            </a:r>
-          </a:p>
-          <a:p>
-            <a:pPr marL="0" indent="0">
-              <a:buNone/>
-            </a:pPr>
-            <a:r>
-              <a:rPr lang="en-US" sz="1400" dirty="0"/>
-              <a:t>  </a:t>
-            </a:r>
-          </a:p>
-          <a:p>
-            <a:pPr marL="0" indent="0">
-              <a:buNone/>
-            </a:pPr>
-            <a:r>
-              <a:rPr lang="en-US" sz="1400" dirty="0"/>
-              <a:t>  if (String(topic) == "button1_send") {</a:t>
-            </a:r>
-          </a:p>
-          <a:p>
-            <a:pPr marL="0" indent="0">
-              <a:buNone/>
-            </a:pPr>
-            <a:r>
-              <a:rPr lang="en-US" sz="1400" dirty="0"/>
-              <a:t>    </a:t>
-            </a:r>
-            <a:r>
-              <a:rPr lang="en-US" sz="1400" dirty="0" err="1"/>
-              <a:t>Serial.print</a:t>
-            </a:r>
-            <a:r>
-              <a:rPr lang="en-US" sz="1400" dirty="0"/>
-              <a:t>("Changing output to ");</a:t>
-            </a:r>
-          </a:p>
-          <a:p>
-            <a:pPr marL="0" indent="0">
-              <a:buNone/>
-            </a:pPr>
-            <a:r>
-              <a:rPr lang="en-US" sz="1400" dirty="0"/>
-              <a:t>    if(</a:t>
-            </a:r>
-            <a:r>
-              <a:rPr lang="en-US" sz="1400" dirty="0" err="1"/>
-              <a:t>messageTemp</a:t>
-            </a:r>
-            <a:r>
-              <a:rPr lang="en-US" sz="1400" dirty="0"/>
-              <a:t> == "on"){</a:t>
-            </a:r>
-          </a:p>
-          <a:p>
-            <a:pPr marL="0" indent="0">
-              <a:buNone/>
-            </a:pPr>
-            <a:r>
-              <a:rPr lang="en-US" sz="1400" dirty="0"/>
-              <a:t>      </a:t>
-            </a:r>
-            <a:r>
-              <a:rPr lang="en-US" sz="1400" dirty="0" err="1"/>
-              <a:t>Serial.println</a:t>
-            </a:r>
-            <a:r>
-              <a:rPr lang="en-US" sz="1400" dirty="0"/>
-              <a:t>("ON");</a:t>
-            </a:r>
-          </a:p>
-          <a:p>
-            <a:pPr marL="0" indent="0">
-              <a:buNone/>
-            </a:pPr>
-            <a:r>
-              <a:rPr lang="en-US" sz="1400" dirty="0"/>
-              <a:t>      </a:t>
-            </a:r>
-            <a:r>
-              <a:rPr lang="en-US" sz="1400" dirty="0" err="1"/>
-              <a:t>digitalWrite</a:t>
-            </a:r>
-            <a:r>
-              <a:rPr lang="en-US" sz="1400" dirty="0"/>
-              <a:t>(led1_pin, HIGH);</a:t>
-            </a:r>
-          </a:p>
-          <a:p>
-            <a:pPr marL="0" indent="0">
-              <a:buNone/>
-            </a:pPr>
-            <a:r>
-              <a:rPr lang="en-US" sz="1400" dirty="0"/>
-              <a:t>    }</a:t>
-            </a:r>
-          </a:p>
-          <a:p>
-            <a:pPr marL="0" indent="0">
-              <a:buNone/>
-            </a:pPr>
-            <a:r>
-              <a:rPr lang="en-US" sz="1400" dirty="0"/>
-              <a:t>    else if(</a:t>
-            </a:r>
-            <a:r>
-              <a:rPr lang="en-US" sz="1400" dirty="0" err="1"/>
-              <a:t>messageTemp</a:t>
-            </a:r>
-            <a:r>
-              <a:rPr lang="en-US" sz="1400" dirty="0"/>
-              <a:t> == "off"){</a:t>
-            </a:r>
-          </a:p>
-          <a:p>
-            <a:pPr marL="0" indent="0">
-              <a:buNone/>
-            </a:pPr>
-            <a:r>
-              <a:rPr lang="en-US" sz="1400" dirty="0"/>
-              <a:t>      </a:t>
-            </a:r>
-            <a:r>
-              <a:rPr lang="en-US" sz="1400" dirty="0" err="1"/>
-              <a:t>Serial.println</a:t>
-            </a:r>
-            <a:r>
-              <a:rPr lang="en-US" sz="1400" dirty="0"/>
-              <a:t>("OFF");</a:t>
-            </a:r>
-          </a:p>
-          <a:p>
-            <a:pPr marL="0" indent="0">
-              <a:buNone/>
-            </a:pPr>
-            <a:r>
-              <a:rPr lang="en-US" sz="1400" dirty="0"/>
-              <a:t>      </a:t>
-            </a:r>
-            <a:r>
-              <a:rPr lang="en-US" sz="1400" dirty="0" err="1"/>
-              <a:t>digitalWrite</a:t>
-            </a:r>
-            <a:r>
-              <a:rPr lang="en-US" sz="1400" dirty="0"/>
-              <a:t>(led1_pin, LOW);</a:t>
-            </a:r>
-          </a:p>
-          <a:p>
-            <a:pPr marL="0" indent="0">
-              <a:buNone/>
-            </a:pPr>
-            <a:r>
-              <a:rPr lang="en-US" sz="1400" dirty="0"/>
-              <a:t>    }</a:t>
-            </a:r>
-          </a:p>
-          <a:p>
-            <a:pPr marL="0" indent="0">
-              <a:buNone/>
-            </a:pPr>
-            <a:r>
-              <a:rPr lang="en-US" sz="1400" dirty="0"/>
-              <a:t>  }</a:t>
-            </a:r>
-          </a:p>
-          <a:p>
-            <a:pPr marL="0" indent="0">
-              <a:buNone/>
-            </a:pPr>
-            <a:r>
-              <a:rPr lang="en-US" sz="1400" dirty="0"/>
-              <a:t>}</a:t>
-            </a:r>
-          </a:p>
-        </p:txBody>
-      </p:sp>
-      <p:sp>
-        <p:nvSpPr>
-          <p:cNvPr id="5" name="TextBox 4">
-            <a:extLst>
-              <a:ext uri="{FF2B5EF4-FFF2-40B4-BE49-F238E27FC236}">
-                <a16:creationId xmlns:a16="http://schemas.microsoft.com/office/drawing/2014/main" id="{D9109B06-8272-4A38-8488-9F17F55C5AC5}"/>
-              </a:ext>
-            </a:extLst>
-          </p:cNvPr>
-          <p:cNvSpPr txBox="1"/>
-          <p:nvPr/>
-        </p:nvSpPr>
-        <p:spPr>
-          <a:xfrm>
-            <a:off x="6096000" y="889843"/>
-            <a:ext cx="6093500" cy="5078313"/>
-          </a:xfrm>
-          <a:prstGeom prst="rect">
-            <a:avLst/>
-          </a:prstGeom>
-          <a:noFill/>
-        </p:spPr>
-        <p:txBody>
-          <a:bodyPr wrap="square">
-            <a:spAutoFit/>
-          </a:bodyPr>
-          <a:lstStyle/>
-          <a:p>
-            <a:r>
-              <a:rPr lang="en-US" dirty="0"/>
-              <a:t>void reconnect() {</a:t>
-            </a:r>
-          </a:p>
-          <a:p>
-            <a:r>
-              <a:rPr lang="en-US" dirty="0"/>
-              <a:t>  while (!</a:t>
-            </a:r>
-            <a:r>
-              <a:rPr lang="en-US" dirty="0" err="1"/>
-              <a:t>client.connected</a:t>
-            </a:r>
-            <a:r>
-              <a:rPr lang="en-US" dirty="0"/>
-              <a:t>()) {</a:t>
-            </a:r>
-          </a:p>
-          <a:p>
-            <a:r>
-              <a:rPr lang="en-US" dirty="0"/>
-              <a:t>    </a:t>
-            </a:r>
-            <a:r>
-              <a:rPr lang="en-US" dirty="0" err="1"/>
-              <a:t>Serial.print</a:t>
-            </a:r>
-            <a:r>
-              <a:rPr lang="en-US" dirty="0"/>
-              <a:t>("Attempting MQTT connection...");</a:t>
-            </a:r>
-          </a:p>
-          <a:p>
-            <a:r>
-              <a:rPr lang="en-US" dirty="0"/>
-              <a:t>    if (</a:t>
-            </a:r>
-            <a:r>
-              <a:rPr lang="en-US" dirty="0" err="1"/>
-              <a:t>client.connect</a:t>
-            </a:r>
-            <a:r>
-              <a:rPr lang="en-US" dirty="0"/>
-              <a:t>("ESP32Client")) {</a:t>
-            </a:r>
-          </a:p>
-          <a:p>
-            <a:r>
-              <a:rPr lang="en-US" dirty="0"/>
-              <a:t>      </a:t>
-            </a:r>
-            <a:r>
-              <a:rPr lang="en-US" dirty="0" err="1"/>
-              <a:t>Serial.println</a:t>
-            </a:r>
-            <a:r>
-              <a:rPr lang="en-US" dirty="0"/>
-              <a:t>("connected");</a:t>
-            </a:r>
-          </a:p>
-          <a:p>
-            <a:endParaRPr lang="en-US" dirty="0"/>
-          </a:p>
-          <a:p>
-            <a:r>
-              <a:rPr lang="en-US" dirty="0"/>
-              <a:t>      </a:t>
-            </a:r>
-            <a:r>
-              <a:rPr lang="en-US" dirty="0" err="1"/>
-              <a:t>client.subscribe</a:t>
-            </a:r>
-            <a:r>
-              <a:rPr lang="en-US" dirty="0"/>
-              <a:t>("button1_send");</a:t>
-            </a:r>
-          </a:p>
-          <a:p>
-            <a:r>
-              <a:rPr lang="en-US" dirty="0"/>
-              <a:t>      </a:t>
-            </a:r>
-            <a:r>
-              <a:rPr lang="en-US" dirty="0" err="1"/>
-              <a:t>client.subscribe</a:t>
-            </a:r>
-            <a:r>
-              <a:rPr lang="en-US" dirty="0"/>
-              <a:t>("button2_send");</a:t>
-            </a:r>
-          </a:p>
-          <a:p>
-            <a:r>
-              <a:rPr lang="en-US" dirty="0"/>
-              <a:t>      </a:t>
-            </a:r>
-            <a:r>
-              <a:rPr lang="en-US" dirty="0" err="1"/>
-              <a:t>client.subscribe</a:t>
-            </a:r>
-            <a:r>
-              <a:rPr lang="en-US" dirty="0"/>
-              <a:t>("button3_send");</a:t>
-            </a:r>
-          </a:p>
-          <a:p>
-            <a:r>
-              <a:rPr lang="en-US" dirty="0"/>
-              <a:t>      </a:t>
-            </a:r>
-            <a:r>
-              <a:rPr lang="en-US" dirty="0" err="1"/>
-              <a:t>client.subscribe</a:t>
-            </a:r>
-            <a:r>
-              <a:rPr lang="en-US" dirty="0"/>
-              <a:t>("</a:t>
-            </a:r>
-            <a:r>
-              <a:rPr lang="en-US" dirty="0" err="1"/>
-              <a:t>analog_send</a:t>
-            </a:r>
-            <a:r>
-              <a:rPr lang="en-US" dirty="0"/>
-              <a:t>");</a:t>
-            </a:r>
-          </a:p>
-          <a:p>
-            <a:r>
-              <a:rPr lang="en-US" dirty="0"/>
-              <a:t>    } else {</a:t>
-            </a:r>
-          </a:p>
-          <a:p>
-            <a:r>
-              <a:rPr lang="en-US" dirty="0"/>
-              <a:t>      </a:t>
-            </a:r>
-            <a:r>
-              <a:rPr lang="en-US" dirty="0" err="1"/>
-              <a:t>Serial.print</a:t>
-            </a:r>
-            <a:r>
-              <a:rPr lang="en-US" dirty="0"/>
-              <a:t>("failed, </a:t>
-            </a:r>
-            <a:r>
-              <a:rPr lang="en-US" dirty="0" err="1"/>
-              <a:t>rc</a:t>
-            </a:r>
-            <a:r>
-              <a:rPr lang="en-US" dirty="0"/>
-              <a:t>=");</a:t>
-            </a:r>
-          </a:p>
-          <a:p>
-            <a:r>
-              <a:rPr lang="en-US" dirty="0"/>
-              <a:t>      </a:t>
-            </a:r>
-            <a:r>
-              <a:rPr lang="en-US" dirty="0" err="1"/>
-              <a:t>Serial.print</a:t>
-            </a:r>
-            <a:r>
-              <a:rPr lang="en-US" dirty="0"/>
-              <a:t>(</a:t>
-            </a:r>
-            <a:r>
-              <a:rPr lang="en-US" dirty="0" err="1"/>
-              <a:t>client.state</a:t>
-            </a:r>
-            <a:r>
-              <a:rPr lang="en-US" dirty="0"/>
-              <a:t>());</a:t>
-            </a:r>
-          </a:p>
-          <a:p>
-            <a:r>
-              <a:rPr lang="en-US" dirty="0"/>
-              <a:t>      </a:t>
-            </a:r>
-            <a:r>
-              <a:rPr lang="en-US" dirty="0" err="1"/>
-              <a:t>Serial.println</a:t>
-            </a:r>
-            <a:r>
-              <a:rPr lang="en-US" dirty="0"/>
-              <a:t>(" try again in 5 seconds");</a:t>
-            </a:r>
-          </a:p>
-          <a:p>
-            <a:r>
-              <a:rPr lang="en-US" dirty="0"/>
-              <a:t>      delay(5000);</a:t>
-            </a:r>
-          </a:p>
-          <a:p>
-            <a:r>
-              <a:rPr lang="en-US" dirty="0"/>
-              <a:t>    }</a:t>
-            </a:r>
-          </a:p>
-          <a:p>
-            <a:r>
-              <a:rPr lang="en-US" dirty="0"/>
-              <a:t>  }</a:t>
-            </a:r>
-          </a:p>
-          <a:p>
-            <a:r>
-              <a:rPr lang="en-US" dirty="0"/>
-              <a:t>}</a:t>
-            </a:r>
-          </a:p>
-        </p:txBody>
-      </p:sp>
-    </p:spTree>
-    <p:extLst>
-      <p:ext uri="{BB962C8B-B14F-4D97-AF65-F5344CB8AC3E}">
-        <p14:creationId xmlns:p14="http://schemas.microsoft.com/office/powerpoint/2010/main" val="3809683968"/>
-      </p:ext>
-    </p:extLst>
-  </p:cSld>
-  <p:clrMapOvr>
-    <a:masterClrMapping/>
-  </p:clrMapOvr>
-</p:sld>
-</file>
-
 <file path=ppt/slides/slide33.xml><?xml version="1.0" encoding="utf-8"?>
 <p:sld xmlns:a="http://schemas.openxmlformats.org/drawingml/2006/main" xmlns:r="http://schemas.openxmlformats.org/officeDocument/2006/relationships" xmlns:p="http://schemas.openxmlformats.org/presentationml/2006/main">
   <p:cSld>
@@ -12196,10 +11691,10 @@
       </p:grpSpPr>
       <p:sp>
         <p:nvSpPr>
-          <p:cNvPr id="2" name="Title 1">
-            <a:extLst>
-              <a:ext uri="{FF2B5EF4-FFF2-40B4-BE49-F238E27FC236}">
-                <a16:creationId xmlns:a16="http://schemas.microsoft.com/office/drawing/2014/main" id="{93A997F4-5FF7-4A49-B89D-197C1899E2CB}"/>
+          <p:cNvPr id="3" name="Content Placeholder 2">
+            <a:extLst>
+              <a:ext uri="{FF2B5EF4-FFF2-40B4-BE49-F238E27FC236}">
+                <a16:creationId xmlns:a16="http://schemas.microsoft.com/office/drawing/2014/main" id="{60D0E6AD-1B44-42BF-BC04-6D808547B5C5}"/>
               </a:ext>
             </a:extLst>
           </p:cNvPr>
@@ -12207,15 +11702,378 @@
             <a:spLocks noGrp="1"/>
           </p:cNvSpPr>
           <p:nvPr>
-            <p:ph type="title"/>
+            <p:ph idx="1"/>
           </p:nvPr>
         </p:nvSpPr>
-        <p:spPr/>
-        <p:txBody>
-          <a:bodyPr/>
+        <p:spPr>
+          <a:xfrm>
+            <a:off x="838200" y="365124"/>
+            <a:ext cx="5257800" cy="6365459"/>
+          </a:xfrm>
+        </p:spPr>
+        <p:txBody>
+          <a:bodyPr>
+            <a:normAutofit fontScale="92500" lnSpcReduction="20000"/>
+          </a:bodyPr>
           <a:lstStyle/>
           <a:p>
-            <a:endParaRPr lang="en-US"/>
+            <a:pPr marL="0" indent="0">
+              <a:buNone/>
+            </a:pPr>
+            <a:r>
+              <a:rPr lang="en-US" sz="1400" dirty="0"/>
+              <a:t>void callback(char* topic, byte* message, unsigned int length) {</a:t>
+            </a:r>
+          </a:p>
+          <a:p>
+            <a:pPr marL="0" indent="0">
+              <a:buNone/>
+            </a:pPr>
+            <a:r>
+              <a:rPr lang="en-US" sz="1400" dirty="0"/>
+              <a:t>  </a:t>
+            </a:r>
+            <a:r>
+              <a:rPr lang="en-US" sz="1400" dirty="0" err="1"/>
+              <a:t>Serial.print</a:t>
+            </a:r>
+            <a:r>
+              <a:rPr lang="en-US" sz="1400" dirty="0"/>
+              <a:t>("Message arrived on topic: ");</a:t>
+            </a:r>
+          </a:p>
+          <a:p>
+            <a:pPr marL="0" indent="0">
+              <a:buNone/>
+            </a:pPr>
+            <a:r>
+              <a:rPr lang="en-US" sz="1400" dirty="0"/>
+              <a:t>  </a:t>
+            </a:r>
+            <a:r>
+              <a:rPr lang="en-US" sz="1400" dirty="0" err="1"/>
+              <a:t>Serial.print</a:t>
+            </a:r>
+            <a:r>
+              <a:rPr lang="en-US" sz="1400" dirty="0"/>
+              <a:t>(topic);</a:t>
+            </a:r>
+          </a:p>
+          <a:p>
+            <a:pPr marL="0" indent="0">
+              <a:buNone/>
+            </a:pPr>
+            <a:r>
+              <a:rPr lang="en-US" sz="1400" dirty="0"/>
+              <a:t>  </a:t>
+            </a:r>
+            <a:r>
+              <a:rPr lang="en-US" sz="1400" dirty="0" err="1"/>
+              <a:t>Serial.print</a:t>
+            </a:r>
+            <a:r>
+              <a:rPr lang="en-US" sz="1400" dirty="0"/>
+              <a:t>(". Message: ");</a:t>
+            </a:r>
+          </a:p>
+          <a:p>
+            <a:pPr marL="0" indent="0">
+              <a:buNone/>
+            </a:pPr>
+            <a:r>
+              <a:rPr lang="en-US" sz="1400" dirty="0"/>
+              <a:t>  String </a:t>
+            </a:r>
+            <a:r>
+              <a:rPr lang="en-US" sz="1400" dirty="0" err="1"/>
+              <a:t>messageTemp</a:t>
+            </a:r>
+            <a:r>
+              <a:rPr lang="en-US" sz="1400" dirty="0"/>
+              <a:t>;  </a:t>
+            </a:r>
+          </a:p>
+          <a:p>
+            <a:pPr marL="0" indent="0">
+              <a:buNone/>
+            </a:pPr>
+            <a:r>
+              <a:rPr lang="en-US" sz="1400" dirty="0"/>
+              <a:t>  for (int </a:t>
+            </a:r>
+            <a:r>
+              <a:rPr lang="en-US" sz="1400" dirty="0" err="1"/>
+              <a:t>i</a:t>
+            </a:r>
+            <a:r>
+              <a:rPr lang="en-US" sz="1400" dirty="0"/>
+              <a:t> = 0; </a:t>
+            </a:r>
+            <a:r>
+              <a:rPr lang="en-US" sz="1400" dirty="0" err="1"/>
+              <a:t>i</a:t>
+            </a:r>
+            <a:r>
+              <a:rPr lang="en-US" sz="1400" dirty="0"/>
+              <a:t> &lt; length; </a:t>
+            </a:r>
+            <a:r>
+              <a:rPr lang="en-US" sz="1400" dirty="0" err="1"/>
+              <a:t>i</a:t>
+            </a:r>
+            <a:r>
+              <a:rPr lang="en-US" sz="1400" dirty="0"/>
+              <a:t>++) {</a:t>
+            </a:r>
+          </a:p>
+          <a:p>
+            <a:pPr marL="0" indent="0">
+              <a:buNone/>
+            </a:pPr>
+            <a:r>
+              <a:rPr lang="en-US" sz="1400" dirty="0"/>
+              <a:t>    </a:t>
+            </a:r>
+            <a:r>
+              <a:rPr lang="en-US" sz="1400" dirty="0" err="1"/>
+              <a:t>Serial.print</a:t>
+            </a:r>
+            <a:r>
+              <a:rPr lang="en-US" sz="1400" dirty="0"/>
+              <a:t>((char)message[</a:t>
+            </a:r>
+            <a:r>
+              <a:rPr lang="en-US" sz="1400" dirty="0" err="1"/>
+              <a:t>i</a:t>
+            </a:r>
+            <a:r>
+              <a:rPr lang="en-US" sz="1400" dirty="0"/>
+              <a:t>]);</a:t>
+            </a:r>
+          </a:p>
+          <a:p>
+            <a:pPr marL="0" indent="0">
+              <a:buNone/>
+            </a:pPr>
+            <a:r>
+              <a:rPr lang="en-US" sz="1400" dirty="0"/>
+              <a:t>    </a:t>
+            </a:r>
+            <a:r>
+              <a:rPr lang="en-US" sz="1400" dirty="0" err="1"/>
+              <a:t>messageTemp</a:t>
+            </a:r>
+            <a:r>
+              <a:rPr lang="en-US" sz="1400" dirty="0"/>
+              <a:t> += (char)message[</a:t>
+            </a:r>
+            <a:r>
+              <a:rPr lang="en-US" sz="1400" dirty="0" err="1"/>
+              <a:t>i</a:t>
+            </a:r>
+            <a:r>
+              <a:rPr lang="en-US" sz="1400" dirty="0"/>
+              <a:t>];</a:t>
+            </a:r>
+          </a:p>
+          <a:p>
+            <a:pPr marL="0" indent="0">
+              <a:buNone/>
+            </a:pPr>
+            <a:r>
+              <a:rPr lang="en-US" sz="1400" dirty="0"/>
+              <a:t>  }</a:t>
+            </a:r>
+          </a:p>
+          <a:p>
+            <a:pPr marL="0" indent="0">
+              <a:buNone/>
+            </a:pPr>
+            <a:r>
+              <a:rPr lang="en-US" sz="1400" dirty="0"/>
+              <a:t>  </a:t>
+            </a:r>
+            <a:r>
+              <a:rPr lang="en-US" sz="1400" dirty="0" err="1"/>
+              <a:t>Serial.println</a:t>
+            </a:r>
+            <a:r>
+              <a:rPr lang="en-US" sz="1400" dirty="0"/>
+              <a:t>();</a:t>
+            </a:r>
+          </a:p>
+          <a:p>
+            <a:pPr marL="0" indent="0">
+              <a:buNone/>
+            </a:pPr>
+            <a:r>
+              <a:rPr lang="en-US" sz="1400" dirty="0"/>
+              <a:t>  </a:t>
+            </a:r>
+          </a:p>
+          <a:p>
+            <a:pPr marL="0" indent="0">
+              <a:buNone/>
+            </a:pPr>
+            <a:r>
+              <a:rPr lang="en-US" sz="1400" dirty="0"/>
+              <a:t>  if (String(topic) == "button1_send") {</a:t>
+            </a:r>
+          </a:p>
+          <a:p>
+            <a:pPr marL="0" indent="0">
+              <a:buNone/>
+            </a:pPr>
+            <a:r>
+              <a:rPr lang="en-US" sz="1400" dirty="0"/>
+              <a:t>    </a:t>
+            </a:r>
+            <a:r>
+              <a:rPr lang="en-US" sz="1400" dirty="0" err="1"/>
+              <a:t>Serial.print</a:t>
+            </a:r>
+            <a:r>
+              <a:rPr lang="en-US" sz="1400" dirty="0"/>
+              <a:t>("Changing output to ");</a:t>
+            </a:r>
+          </a:p>
+          <a:p>
+            <a:pPr marL="0" indent="0">
+              <a:buNone/>
+            </a:pPr>
+            <a:r>
+              <a:rPr lang="en-US" sz="1400" dirty="0"/>
+              <a:t>    if(</a:t>
+            </a:r>
+            <a:r>
+              <a:rPr lang="en-US" sz="1400" dirty="0" err="1"/>
+              <a:t>messageTemp</a:t>
+            </a:r>
+            <a:r>
+              <a:rPr lang="en-US" sz="1400" dirty="0"/>
+              <a:t> == "on"){</a:t>
+            </a:r>
+          </a:p>
+          <a:p>
+            <a:pPr marL="0" indent="0">
+              <a:buNone/>
+            </a:pPr>
+            <a:r>
+              <a:rPr lang="en-US" sz="1400" dirty="0"/>
+              <a:t>      </a:t>
+            </a:r>
+            <a:r>
+              <a:rPr lang="en-US" sz="1400" dirty="0" err="1"/>
+              <a:t>Serial.println</a:t>
+            </a:r>
+            <a:r>
+              <a:rPr lang="en-US" sz="1400" dirty="0"/>
+              <a:t>("ON");</a:t>
+            </a:r>
+          </a:p>
+          <a:p>
+            <a:pPr marL="0" indent="0">
+              <a:buNone/>
+            </a:pPr>
+            <a:r>
+              <a:rPr lang="en-US" sz="1400" dirty="0"/>
+              <a:t>      </a:t>
+            </a:r>
+            <a:r>
+              <a:rPr lang="en-US" sz="1400" dirty="0" err="1"/>
+              <a:t>digitalWrite</a:t>
+            </a:r>
+            <a:r>
+              <a:rPr lang="en-US" sz="1400" dirty="0"/>
+              <a:t>(led1_pin, HIGH);</a:t>
+            </a:r>
+          </a:p>
+          <a:p>
+            <a:pPr marL="0" indent="0">
+              <a:buNone/>
+            </a:pPr>
+            <a:r>
+              <a:rPr lang="en-US" sz="1400" dirty="0"/>
+              <a:t>    }</a:t>
+            </a:r>
+          </a:p>
+          <a:p>
+            <a:pPr marL="0" indent="0">
+              <a:buNone/>
+            </a:pPr>
+            <a:r>
+              <a:rPr lang="en-US" sz="1400" dirty="0"/>
+              <a:t>    else if(</a:t>
+            </a:r>
+            <a:r>
+              <a:rPr lang="en-US" sz="1400" dirty="0" err="1"/>
+              <a:t>messageTemp</a:t>
+            </a:r>
+            <a:r>
+              <a:rPr lang="en-US" sz="1400" dirty="0"/>
+              <a:t> == "off"){</a:t>
+            </a:r>
+          </a:p>
+          <a:p>
+            <a:pPr marL="0" indent="0">
+              <a:buNone/>
+            </a:pPr>
+            <a:r>
+              <a:rPr lang="en-US" sz="1400" dirty="0"/>
+              <a:t>      </a:t>
+            </a:r>
+            <a:r>
+              <a:rPr lang="en-US" sz="1400" dirty="0" err="1"/>
+              <a:t>Serial.println</a:t>
+            </a:r>
+            <a:r>
+              <a:rPr lang="en-US" sz="1400" dirty="0"/>
+              <a:t>("OFF");</a:t>
+            </a:r>
+          </a:p>
+          <a:p>
+            <a:pPr marL="0" indent="0">
+              <a:buNone/>
+            </a:pPr>
+            <a:r>
+              <a:rPr lang="en-US" sz="1400" dirty="0"/>
+              <a:t>      </a:t>
+            </a:r>
+            <a:r>
+              <a:rPr lang="en-US" sz="1400" dirty="0" err="1"/>
+              <a:t>digitalWrite</a:t>
+            </a:r>
+            <a:r>
+              <a:rPr lang="en-US" sz="1400" dirty="0"/>
+              <a:t>(led1_pin, LOW);</a:t>
+            </a:r>
+          </a:p>
+          <a:p>
+            <a:pPr marL="0" indent="0">
+              <a:buNone/>
+            </a:pPr>
+            <a:r>
+              <a:rPr lang="en-US" sz="1400" dirty="0"/>
+              <a:t>    }</a:t>
+            </a:r>
+          </a:p>
+          <a:p>
+            <a:pPr marL="0" indent="0">
+              <a:buNone/>
+            </a:pPr>
+            <a:r>
+              <a:rPr lang="en-US" sz="1400" dirty="0"/>
+              <a:t>  }</a:t>
+            </a:r>
+          </a:p>
+          <a:p>
+            <a:pPr marL="0" indent="0">
+              <a:buNone/>
+            </a:pPr>
+            <a:r>
+              <a:rPr lang="en-US" sz="1400" dirty="0"/>
+              <a:t>}</a:t>
+            </a:r>
           </a:p>
         </p:txBody>
       </p:sp>
@@ -12224,7 +12082,7 @@
           <p:cNvPr id="5" name="TextBox 4">
             <a:extLst>
               <a:ext uri="{FF2B5EF4-FFF2-40B4-BE49-F238E27FC236}">
-                <a16:creationId xmlns:a16="http://schemas.microsoft.com/office/drawing/2014/main" id="{E6DB0920-63B5-4713-A26D-3E9E73768649}"/>
+                <a16:creationId xmlns:a16="http://schemas.microsoft.com/office/drawing/2014/main" id="{D9109B06-8272-4A38-8488-9F17F55C5AC5}"/>
               </a:ext>
             </a:extLst>
           </p:cNvPr>
@@ -12233,8 +12091,8 @@
         </p:nvSpPr>
         <p:spPr>
           <a:xfrm>
-            <a:off x="838200" y="2245558"/>
-            <a:ext cx="6093500" cy="4247317"/>
+            <a:off x="6096000" y="889843"/>
+            <a:ext cx="6093500" cy="5078313"/>
           </a:xfrm>
           <a:prstGeom prst="rect">
             <a:avLst/>
@@ -12249,13 +12107,13 @@
           <a:p>
             <a:r>
               <a:rPr lang="en-US" dirty="0"/>
-              <a:t>void loop() {</a:t>
-            </a:r>
-          </a:p>
-          <a:p>
-            <a:r>
-              <a:rPr lang="en-US" dirty="0"/>
-              <a:t>  if (!</a:t>
+              <a:t>void reconnect() {</a:t>
+            </a:r>
+          </a:p>
+          <a:p>
+            <a:r>
+              <a:rPr lang="en-US" dirty="0"/>
+              <a:t>  while (!</a:t>
             </a:r>
             <a:r>
               <a:rPr lang="en-US" dirty="0" err="1"/>
@@ -12269,27 +12127,43 @@
           <a:p>
             <a:r>
               <a:rPr lang="en-US" dirty="0"/>
-              <a:t>    reconnect();</a:t>
-            </a:r>
-          </a:p>
-          <a:p>
-            <a:r>
-              <a:rPr lang="en-US" dirty="0"/>
-              <a:t>  }</a:t>
-            </a:r>
-          </a:p>
-          <a:p>
-            <a:r>
-              <a:rPr lang="en-US" dirty="0"/>
-              <a:t>  </a:t>
-            </a:r>
-            <a:r>
-              <a:rPr lang="en-US" dirty="0" err="1"/>
-              <a:t>client.loop</a:t>
-            </a:r>
-            <a:r>
-              <a:rPr lang="en-US" dirty="0"/>
-              <a:t>();</a:t>
+              <a:t>    </a:t>
+            </a:r>
+            <a:r>
+              <a:rPr lang="en-US" dirty="0" err="1"/>
+              <a:t>Serial.print</a:t>
+            </a:r>
+            <a:r>
+              <a:rPr lang="en-US" dirty="0"/>
+              <a:t>("Attempting MQTT connection...");</a:t>
+            </a:r>
+          </a:p>
+          <a:p>
+            <a:r>
+              <a:rPr lang="en-US" dirty="0"/>
+              <a:t>    if (</a:t>
+            </a:r>
+            <a:r>
+              <a:rPr lang="en-US" dirty="0" err="1"/>
+              <a:t>client.connect</a:t>
+            </a:r>
+            <a:r>
+              <a:rPr lang="en-US" dirty="0"/>
+              <a:t>("ESP32Client")) {</a:t>
+            </a:r>
+          </a:p>
+          <a:p>
+            <a:r>
+              <a:rPr lang="en-US" dirty="0"/>
+              <a:t>      </a:t>
+            </a:r>
+            <a:r>
+              <a:rPr lang="en-US" dirty="0" err="1"/>
+              <a:t>Serial.println</a:t>
+            </a:r>
+            <a:r>
+              <a:rPr lang="en-US" dirty="0"/>
+              <a:t>("connected");</a:t>
             </a:r>
           </a:p>
           <a:p>
@@ -12298,85 +12172,57 @@
           <a:p>
             <a:r>
               <a:rPr lang="en-US" dirty="0"/>
-              <a:t>  </a:t>
-            </a:r>
-            <a:r>
-              <a:rPr lang="en-US" dirty="0" err="1"/>
-              <a:t>ledcWrite</a:t>
-            </a:r>
-            <a:r>
-              <a:rPr lang="en-US" dirty="0"/>
-              <a:t>(0, </a:t>
-            </a:r>
-            <a:r>
-              <a:rPr lang="en-US" dirty="0" err="1"/>
-              <a:t>pwm_value</a:t>
-            </a:r>
-            <a:r>
-              <a:rPr lang="en-US" dirty="0"/>
-              <a:t>);</a:t>
-            </a:r>
-          </a:p>
-          <a:p>
-            <a:r>
-              <a:rPr lang="en-US" dirty="0"/>
-              <a:t>  long now = </a:t>
-            </a:r>
-            <a:r>
-              <a:rPr lang="en-US" dirty="0" err="1"/>
-              <a:t>millis</a:t>
-            </a:r>
-            <a:r>
-              <a:rPr lang="en-US" dirty="0"/>
-              <a:t>();</a:t>
-            </a:r>
-          </a:p>
-          <a:p>
-            <a:r>
-              <a:rPr lang="en-US" dirty="0"/>
-              <a:t>  if (now - </a:t>
-            </a:r>
-            <a:r>
-              <a:rPr lang="en-US" dirty="0" err="1"/>
-              <a:t>lastMsg</a:t>
-            </a:r>
-            <a:r>
-              <a:rPr lang="en-US" dirty="0"/>
-              <a:t> &gt; 1000) {</a:t>
-            </a:r>
-          </a:p>
-          <a:p>
-            <a:r>
-              <a:rPr lang="en-US" dirty="0"/>
-              <a:t>    </a:t>
-            </a:r>
-            <a:r>
-              <a:rPr lang="en-US" dirty="0" err="1"/>
-              <a:t>lastMsg</a:t>
-            </a:r>
-            <a:r>
-              <a:rPr lang="en-US" dirty="0"/>
-              <a:t> = now;</a:t>
-            </a:r>
-          </a:p>
-          <a:p>
-            <a:r>
-              <a:rPr lang="en-US" dirty="0"/>
-              <a:t>    analog = </a:t>
-            </a:r>
-            <a:r>
-              <a:rPr lang="en-US" dirty="0" err="1"/>
-              <a:t>analogRead</a:t>
-            </a:r>
-            <a:r>
-              <a:rPr lang="en-US" dirty="0"/>
-              <a:t>(35);   </a:t>
-            </a:r>
-          </a:p>
-          <a:p>
-            <a:r>
-              <a:rPr lang="en-US" dirty="0"/>
-              <a:t>    char </a:t>
+              <a:t>      </a:t>
+            </a:r>
+            <a:r>
+              <a:rPr lang="en-US" dirty="0" err="1"/>
+              <a:t>client.subscribe</a:t>
+            </a:r>
+            <a:r>
+              <a:rPr lang="en-US" dirty="0"/>
+              <a:t>("button1_send");</a:t>
+            </a:r>
+          </a:p>
+          <a:p>
+            <a:r>
+              <a:rPr lang="en-US" dirty="0"/>
+              <a:t>      </a:t>
+            </a:r>
+            <a:r>
+              <a:rPr lang="en-US" dirty="0" err="1"/>
+              <a:t>client.subscribe</a:t>
+            </a:r>
+            <a:r>
+              <a:rPr lang="en-US" dirty="0"/>
+              <a:t>("button2_send");</a:t>
+            </a:r>
+          </a:p>
+          <a:p>
+            <a:r>
+              <a:rPr lang="en-US" dirty="0"/>
+              <a:t>      </a:t>
+            </a:r>
+            <a:r>
+              <a:rPr lang="en-US" dirty="0" err="1"/>
+              <a:t>client.subscribe</a:t>
+            </a:r>
+            <a:r>
+              <a:rPr lang="en-US" dirty="0"/>
+              <a:t>("button3_send");</a:t>
+            </a:r>
+          </a:p>
+          <a:p>
+            <a:r>
+              <a:rPr lang="en-US" dirty="0"/>
+              <a:t>      </a:t>
+            </a:r>
+            <a:r>
+              <a:rPr lang="en-US" dirty="0" err="1"/>
+              <a:t>client.subscribe</a:t>
+            </a:r>
+            <a:r>
+              <a:rPr lang="en-US" dirty="0"/>
+              <a:t>("</a:t>
             </a:r>
             <a:r>
               <a:rPr lang="en-US" dirty="0" err="1"/>
@@ -12384,114 +12230,13 @@
             </a:r>
             <a:r>
               <a:rPr lang="en-US" dirty="0"/>
-              <a:t>[8];</a:t>
-            </a:r>
-          </a:p>
-          <a:p>
-            <a:r>
-              <a:rPr lang="en-US" dirty="0"/>
-              <a:t>    </a:t>
-            </a:r>
-            <a:r>
-              <a:rPr lang="en-US" dirty="0" err="1"/>
-              <a:t>dtostrf</a:t>
-            </a:r>
-            <a:r>
-              <a:rPr lang="en-US" dirty="0"/>
-              <a:t>(analog, 1, 2, </a:t>
-            </a:r>
-            <a:r>
-              <a:rPr lang="en-US" dirty="0" err="1"/>
-              <a:t>analog_send</a:t>
-            </a:r>
-            <a:r>
-              <a:rPr lang="en-US" dirty="0"/>
-              <a:t>);</a:t>
-            </a:r>
-          </a:p>
-          <a:p>
-            <a:r>
-              <a:rPr lang="en-US" dirty="0"/>
-              <a:t>    </a:t>
-            </a:r>
-            <a:r>
-              <a:rPr lang="en-US" dirty="0" err="1"/>
-              <a:t>client.publish</a:t>
-            </a:r>
-            <a:r>
-              <a:rPr lang="en-US" dirty="0"/>
-              <a:t>("</a:t>
-            </a:r>
-            <a:r>
-              <a:rPr lang="en-US" dirty="0" err="1"/>
-              <a:t>potensiometer</a:t>
-            </a:r>
-            <a:r>
-              <a:rPr lang="en-US" dirty="0"/>
-              <a:t>", </a:t>
-            </a:r>
-            <a:r>
-              <a:rPr lang="en-US" dirty="0" err="1"/>
-              <a:t>analog_send</a:t>
-            </a:r>
-            <a:r>
-              <a:rPr lang="en-US" dirty="0"/>
-              <a:t>);</a:t>
-            </a:r>
-          </a:p>
-          <a:p>
-            <a:r>
-              <a:rPr lang="en-US" dirty="0"/>
-              <a:t>    </a:t>
-            </a:r>
-          </a:p>
-        </p:txBody>
-      </p:sp>
-      <p:sp>
-        <p:nvSpPr>
-          <p:cNvPr id="7" name="TextBox 6">
-            <a:extLst>
-              <a:ext uri="{FF2B5EF4-FFF2-40B4-BE49-F238E27FC236}">
-                <a16:creationId xmlns:a16="http://schemas.microsoft.com/office/drawing/2014/main" id="{6C4879A9-A625-4AB3-83A5-E6F743EA1044}"/>
-              </a:ext>
-            </a:extLst>
-          </p:cNvPr>
-          <p:cNvSpPr txBox="1"/>
-          <p:nvPr/>
-        </p:nvSpPr>
-        <p:spPr>
-          <a:xfrm>
-            <a:off x="6931700" y="2522557"/>
-            <a:ext cx="6093500" cy="3970318"/>
-          </a:xfrm>
-          <a:prstGeom prst="rect">
-            <a:avLst/>
-          </a:prstGeom>
-          <a:noFill/>
-        </p:spPr>
-        <p:txBody>
-          <a:bodyPr wrap="square">
-            <a:spAutoFit/>
-          </a:bodyPr>
-          <a:lstStyle/>
-          <a:p>
-            <a:r>
-              <a:rPr lang="en-US" dirty="0"/>
-              <a:t>button1_state = !</a:t>
-            </a:r>
-            <a:r>
-              <a:rPr lang="en-US" dirty="0" err="1"/>
-              <a:t>digitalRead</a:t>
-            </a:r>
-            <a:r>
-              <a:rPr lang="en-US" dirty="0"/>
-              <a:t>(button1_pin);</a:t>
-            </a:r>
-          </a:p>
-          <a:p>
-            <a:r>
-              <a:rPr lang="en-US" dirty="0"/>
-              <a:t>    if (button1_state == 1){</a:t>
+              <a:t>");</a:t>
+            </a:r>
+          </a:p>
+          <a:p>
+            <a:r>
+              <a:rPr lang="en-US" dirty="0"/>
+              <a:t>    } else {</a:t>
             </a:r>
           </a:p>
           <a:p>
@@ -12501,17 +12246,19 @@
             </a:r>
             <a:r>
               <a:rPr lang="en-US" dirty="0" err="1"/>
-              <a:t>client.publish</a:t>
-            </a:r>
-            <a:r>
-              <a:rPr lang="en-US" dirty="0"/>
-              <a:t>("sensor1", "on");</a:t>
-            </a:r>
-          </a:p>
-          <a:p>
-            <a:r>
-              <a:rPr lang="en-US" dirty="0"/>
-              <a:t>    } else{</a:t>
+              <a:t>Serial.print</a:t>
+            </a:r>
+            <a:r>
+              <a:rPr lang="en-US" dirty="0"/>
+              <a:t>("failed, </a:t>
+            </a:r>
+            <a:r>
+              <a:rPr lang="en-US" dirty="0" err="1"/>
+              <a:t>rc</a:t>
+            </a:r>
+            <a:r>
+              <a:rPr lang="en-US" dirty="0"/>
+              <a:t>=");</a:t>
             </a:r>
           </a:p>
           <a:p>
@@ -12521,37 +12268,19 @@
             </a:r>
             <a:r>
               <a:rPr lang="en-US" dirty="0" err="1"/>
-              <a:t>client.publish</a:t>
-            </a:r>
-            <a:r>
-              <a:rPr lang="en-US" dirty="0"/>
-              <a:t>("sensor1", "off");</a:t>
-            </a:r>
-          </a:p>
-          <a:p>
-            <a:r>
-              <a:rPr lang="en-US" dirty="0"/>
-              <a:t>    }</a:t>
-            </a:r>
-          </a:p>
-          <a:p>
-            <a:r>
-              <a:rPr lang="en-US" dirty="0"/>
-              <a:t>    button2_state = !</a:t>
-            </a:r>
-            <a:r>
-              <a:rPr lang="en-US" dirty="0" err="1"/>
-              <a:t>digitalRead</a:t>
-            </a:r>
-            <a:r>
-              <a:rPr lang="en-US" dirty="0"/>
-              <a:t>(button2_pin);</a:t>
-            </a:r>
-          </a:p>
-          <a:p>
-            <a:r>
-              <a:rPr lang="en-US" dirty="0"/>
-              <a:t>    if (button2_state == 1){</a:t>
+              <a:t>Serial.print</a:t>
+            </a:r>
+            <a:r>
+              <a:rPr lang="en-US" dirty="0"/>
+              <a:t>(</a:t>
+            </a:r>
+            <a:r>
+              <a:rPr lang="en-US" dirty="0" err="1"/>
+              <a:t>client.state</a:t>
+            </a:r>
+            <a:r>
+              <a:rPr lang="en-US" dirty="0"/>
+              <a:t>());</a:t>
             </a:r>
           </a:p>
           <a:p>
@@ -12561,31 +12290,17 @@
             </a:r>
             <a:r>
               <a:rPr lang="en-US" dirty="0" err="1"/>
-              <a:t>client.publish</a:t>
-            </a:r>
-            <a:r>
-              <a:rPr lang="en-US" dirty="0"/>
-              <a:t>("sensor2", "on");</a:t>
-            </a:r>
-          </a:p>
-          <a:p>
-            <a:r>
-              <a:rPr lang="en-US" dirty="0"/>
-              <a:t>    } else{</a:t>
-            </a:r>
-          </a:p>
-          <a:p>
-            <a:r>
-              <a:rPr lang="en-US" dirty="0"/>
-              <a:t>      </a:t>
-            </a:r>
-            <a:r>
-              <a:rPr lang="en-US" dirty="0" err="1"/>
-              <a:t>client.publish</a:t>
-            </a:r>
-            <a:r>
-              <a:rPr lang="en-US" dirty="0"/>
-              <a:t>("sensor2", "off");</a:t>
+              <a:t>Serial.println</a:t>
+            </a:r>
+            <a:r>
+              <a:rPr lang="en-US" dirty="0"/>
+              <a:t>(" try again in 5 seconds");</a:t>
+            </a:r>
+          </a:p>
+          <a:p>
+            <a:r>
+              <a:rPr lang="en-US" dirty="0"/>
+              <a:t>      delay(5000);</a:t>
             </a:r>
           </a:p>
           <a:p>
@@ -12611,7 +12326,7 @@
     </p:spTree>
     <p:extLst>
       <p:ext uri="{BB962C8B-B14F-4D97-AF65-F5344CB8AC3E}">
-        <p14:creationId xmlns:p14="http://schemas.microsoft.com/office/powerpoint/2010/main" val="1959567703"/>
+        <p14:creationId xmlns:p14="http://schemas.microsoft.com/office/powerpoint/2010/main" val="3809683968"/>
       </p:ext>
     </p:extLst>
   </p:cSld>
@@ -12643,7 +12358,7 @@
           <p:cNvPr id="2" name="Title 1">
             <a:extLst>
               <a:ext uri="{FF2B5EF4-FFF2-40B4-BE49-F238E27FC236}">
-                <a16:creationId xmlns:a16="http://schemas.microsoft.com/office/drawing/2014/main" id="{CC0CC6C6-2396-44D7-B8A7-53A9F42A8C53}"/>
+                <a16:creationId xmlns:a16="http://schemas.microsoft.com/office/drawing/2014/main" id="{93A997F4-5FF7-4A49-B89D-197C1899E2CB}"/>
               </a:ext>
             </a:extLst>
           </p:cNvPr>
@@ -12654,35 +12369,408 @@
             <p:ph type="title"/>
           </p:nvPr>
         </p:nvSpPr>
+        <p:spPr/>
+        <p:txBody>
+          <a:bodyPr/>
+          <a:lstStyle/>
+          <a:p>
+            <a:endParaRPr lang="en-US"/>
+          </a:p>
+        </p:txBody>
+      </p:sp>
+      <p:sp>
+        <p:nvSpPr>
+          <p:cNvPr id="5" name="TextBox 4">
+            <a:extLst>
+              <a:ext uri="{FF2B5EF4-FFF2-40B4-BE49-F238E27FC236}">
+                <a16:creationId xmlns:a16="http://schemas.microsoft.com/office/drawing/2014/main" id="{E6DB0920-63B5-4713-A26D-3E9E73768649}"/>
+              </a:ext>
+            </a:extLst>
+          </p:cNvPr>
+          <p:cNvSpPr txBox="1"/>
+          <p:nvPr/>
+        </p:nvSpPr>
         <p:spPr>
           <a:xfrm>
-            <a:off x="838200" y="2766218"/>
-            <a:ext cx="10515600" cy="1325563"/>
+            <a:off x="838200" y="2245558"/>
+            <a:ext cx="6093500" cy="4247317"/>
           </a:xfrm>
+          <a:prstGeom prst="rect">
+            <a:avLst/>
+          </a:prstGeom>
+          <a:noFill/>
         </p:spPr>
         <p:txBody>
-          <a:bodyPr/>
+          <a:bodyPr wrap="square">
+            <a:spAutoFit/>
+          </a:bodyPr>
           <a:lstStyle/>
           <a:p>
-            <a:pPr algn="ctr"/>
-            <a:r>
-              <a:rPr lang="en-US" dirty="0"/>
-              <a:t>Let’s see the result </a:t>
-            </a:r>
-            <a:r>
-              <a:rPr lang="en-US" dirty="0">
-                <a:sym typeface="Wingdings" panose="05000000000000000000" pitchFamily="2" charset="2"/>
-              </a:rPr>
-              <a:t></a:t>
-            </a:r>
+            <a:r>
+              <a:rPr lang="en-US" dirty="0"/>
+              <a:t>void loop() {</a:t>
+            </a:r>
+          </a:p>
+          <a:p>
+            <a:r>
+              <a:rPr lang="en-US" dirty="0"/>
+              <a:t>  if (!</a:t>
+            </a:r>
+            <a:r>
+              <a:rPr lang="en-US" dirty="0" err="1"/>
+              <a:t>client.connected</a:t>
+            </a:r>
+            <a:r>
+              <a:rPr lang="en-US" dirty="0"/>
+              <a:t>()) {</a:t>
+            </a:r>
+          </a:p>
+          <a:p>
+            <a:r>
+              <a:rPr lang="en-US" dirty="0"/>
+              <a:t>    reconnect();</a:t>
+            </a:r>
+          </a:p>
+          <a:p>
+            <a:r>
+              <a:rPr lang="en-US" dirty="0"/>
+              <a:t>  }</a:t>
+            </a:r>
+          </a:p>
+          <a:p>
+            <a:r>
+              <a:rPr lang="en-US" dirty="0"/>
+              <a:t>  </a:t>
+            </a:r>
+            <a:r>
+              <a:rPr lang="en-US" dirty="0" err="1"/>
+              <a:t>client.loop</a:t>
+            </a:r>
+            <a:r>
+              <a:rPr lang="en-US" dirty="0"/>
+              <a:t>();</a:t>
+            </a:r>
+          </a:p>
+          <a:p>
             <a:endParaRPr lang="en-US" dirty="0"/>
+          </a:p>
+          <a:p>
+            <a:r>
+              <a:rPr lang="en-US" dirty="0"/>
+              <a:t>  </a:t>
+            </a:r>
+            <a:r>
+              <a:rPr lang="en-US" dirty="0" err="1"/>
+              <a:t>ledcWrite</a:t>
+            </a:r>
+            <a:r>
+              <a:rPr lang="en-US" dirty="0"/>
+              <a:t>(0, </a:t>
+            </a:r>
+            <a:r>
+              <a:rPr lang="en-US" dirty="0" err="1"/>
+              <a:t>pwm_value</a:t>
+            </a:r>
+            <a:r>
+              <a:rPr lang="en-US" dirty="0"/>
+              <a:t>);</a:t>
+            </a:r>
+          </a:p>
+          <a:p>
+            <a:r>
+              <a:rPr lang="en-US" dirty="0"/>
+              <a:t>  long now = </a:t>
+            </a:r>
+            <a:r>
+              <a:rPr lang="en-US" dirty="0" err="1"/>
+              <a:t>millis</a:t>
+            </a:r>
+            <a:r>
+              <a:rPr lang="en-US" dirty="0"/>
+              <a:t>();</a:t>
+            </a:r>
+          </a:p>
+          <a:p>
+            <a:r>
+              <a:rPr lang="en-US" dirty="0"/>
+              <a:t>  if (now - </a:t>
+            </a:r>
+            <a:r>
+              <a:rPr lang="en-US" dirty="0" err="1"/>
+              <a:t>lastMsg</a:t>
+            </a:r>
+            <a:r>
+              <a:rPr lang="en-US" dirty="0"/>
+              <a:t> &gt; 1000) {</a:t>
+            </a:r>
+          </a:p>
+          <a:p>
+            <a:r>
+              <a:rPr lang="en-US" dirty="0"/>
+              <a:t>    </a:t>
+            </a:r>
+            <a:r>
+              <a:rPr lang="en-US" dirty="0" err="1"/>
+              <a:t>lastMsg</a:t>
+            </a:r>
+            <a:r>
+              <a:rPr lang="en-US" dirty="0"/>
+              <a:t> = now;</a:t>
+            </a:r>
+          </a:p>
+          <a:p>
+            <a:r>
+              <a:rPr lang="en-US" dirty="0"/>
+              <a:t>    analog = </a:t>
+            </a:r>
+            <a:r>
+              <a:rPr lang="en-US" dirty="0" err="1"/>
+              <a:t>analogRead</a:t>
+            </a:r>
+            <a:r>
+              <a:rPr lang="en-US" dirty="0"/>
+              <a:t>(35);   </a:t>
+            </a:r>
+          </a:p>
+          <a:p>
+            <a:r>
+              <a:rPr lang="en-US" dirty="0"/>
+              <a:t>    char </a:t>
+            </a:r>
+            <a:r>
+              <a:rPr lang="en-US" dirty="0" err="1"/>
+              <a:t>analog_send</a:t>
+            </a:r>
+            <a:r>
+              <a:rPr lang="en-US" dirty="0"/>
+              <a:t>[8];</a:t>
+            </a:r>
+          </a:p>
+          <a:p>
+            <a:r>
+              <a:rPr lang="en-US" dirty="0"/>
+              <a:t>    </a:t>
+            </a:r>
+            <a:r>
+              <a:rPr lang="en-US" dirty="0" err="1"/>
+              <a:t>dtostrf</a:t>
+            </a:r>
+            <a:r>
+              <a:rPr lang="en-US" dirty="0"/>
+              <a:t>(analog, 1, 2, </a:t>
+            </a:r>
+            <a:r>
+              <a:rPr lang="en-US" dirty="0" err="1"/>
+              <a:t>analog_send</a:t>
+            </a:r>
+            <a:r>
+              <a:rPr lang="en-US" dirty="0"/>
+              <a:t>);</a:t>
+            </a:r>
+          </a:p>
+          <a:p>
+            <a:r>
+              <a:rPr lang="en-US" dirty="0"/>
+              <a:t>    </a:t>
+            </a:r>
+            <a:r>
+              <a:rPr lang="en-US" dirty="0" err="1"/>
+              <a:t>client.publish</a:t>
+            </a:r>
+            <a:r>
+              <a:rPr lang="en-US" dirty="0"/>
+              <a:t>("</a:t>
+            </a:r>
+            <a:r>
+              <a:rPr lang="en-US" dirty="0" err="1"/>
+              <a:t>potensiometer</a:t>
+            </a:r>
+            <a:r>
+              <a:rPr lang="en-US" dirty="0"/>
+              <a:t>", </a:t>
+            </a:r>
+            <a:r>
+              <a:rPr lang="en-US" dirty="0" err="1"/>
+              <a:t>analog_send</a:t>
+            </a:r>
+            <a:r>
+              <a:rPr lang="en-US" dirty="0"/>
+              <a:t>);</a:t>
+            </a:r>
+          </a:p>
+          <a:p>
+            <a:r>
+              <a:rPr lang="en-US" dirty="0"/>
+              <a:t>    </a:t>
+            </a:r>
+          </a:p>
+        </p:txBody>
+      </p:sp>
+      <p:sp>
+        <p:nvSpPr>
+          <p:cNvPr id="7" name="TextBox 6">
+            <a:extLst>
+              <a:ext uri="{FF2B5EF4-FFF2-40B4-BE49-F238E27FC236}">
+                <a16:creationId xmlns:a16="http://schemas.microsoft.com/office/drawing/2014/main" id="{6C4879A9-A625-4AB3-83A5-E6F743EA1044}"/>
+              </a:ext>
+            </a:extLst>
+          </p:cNvPr>
+          <p:cNvSpPr txBox="1"/>
+          <p:nvPr/>
+        </p:nvSpPr>
+        <p:spPr>
+          <a:xfrm>
+            <a:off x="6931700" y="2522557"/>
+            <a:ext cx="6093500" cy="3970318"/>
+          </a:xfrm>
+          <a:prstGeom prst="rect">
+            <a:avLst/>
+          </a:prstGeom>
+          <a:noFill/>
+        </p:spPr>
+        <p:txBody>
+          <a:bodyPr wrap="square">
+            <a:spAutoFit/>
+          </a:bodyPr>
+          <a:lstStyle/>
+          <a:p>
+            <a:r>
+              <a:rPr lang="en-US" dirty="0"/>
+              <a:t>button1_state = !</a:t>
+            </a:r>
+            <a:r>
+              <a:rPr lang="en-US" dirty="0" err="1"/>
+              <a:t>digitalRead</a:t>
+            </a:r>
+            <a:r>
+              <a:rPr lang="en-US" dirty="0"/>
+              <a:t>(button1_pin);</a:t>
+            </a:r>
+          </a:p>
+          <a:p>
+            <a:r>
+              <a:rPr lang="en-US" dirty="0"/>
+              <a:t>    if (button1_state == 1){</a:t>
+            </a:r>
+          </a:p>
+          <a:p>
+            <a:r>
+              <a:rPr lang="en-US" dirty="0"/>
+              <a:t>      </a:t>
+            </a:r>
+            <a:r>
+              <a:rPr lang="en-US" dirty="0" err="1"/>
+              <a:t>client.publish</a:t>
+            </a:r>
+            <a:r>
+              <a:rPr lang="en-US" dirty="0"/>
+              <a:t>("sensor1", "on");</a:t>
+            </a:r>
+          </a:p>
+          <a:p>
+            <a:r>
+              <a:rPr lang="en-US" dirty="0"/>
+              <a:t>    } else{</a:t>
+            </a:r>
+          </a:p>
+          <a:p>
+            <a:r>
+              <a:rPr lang="en-US" dirty="0"/>
+              <a:t>      </a:t>
+            </a:r>
+            <a:r>
+              <a:rPr lang="en-US" dirty="0" err="1"/>
+              <a:t>client.publish</a:t>
+            </a:r>
+            <a:r>
+              <a:rPr lang="en-US" dirty="0"/>
+              <a:t>("sensor1", "off");</a:t>
+            </a:r>
+          </a:p>
+          <a:p>
+            <a:r>
+              <a:rPr lang="en-US" dirty="0"/>
+              <a:t>    }</a:t>
+            </a:r>
+          </a:p>
+          <a:p>
+            <a:r>
+              <a:rPr lang="en-US" dirty="0"/>
+              <a:t>    button2_state = !</a:t>
+            </a:r>
+            <a:r>
+              <a:rPr lang="en-US" dirty="0" err="1"/>
+              <a:t>digitalRead</a:t>
+            </a:r>
+            <a:r>
+              <a:rPr lang="en-US" dirty="0"/>
+              <a:t>(button2_pin);</a:t>
+            </a:r>
+          </a:p>
+          <a:p>
+            <a:r>
+              <a:rPr lang="en-US" dirty="0"/>
+              <a:t>    if (button2_state == 1){</a:t>
+            </a:r>
+          </a:p>
+          <a:p>
+            <a:r>
+              <a:rPr lang="en-US" dirty="0"/>
+              <a:t>      </a:t>
+            </a:r>
+            <a:r>
+              <a:rPr lang="en-US" dirty="0" err="1"/>
+              <a:t>client.publish</a:t>
+            </a:r>
+            <a:r>
+              <a:rPr lang="en-US" dirty="0"/>
+              <a:t>("sensor2", "on");</a:t>
+            </a:r>
+          </a:p>
+          <a:p>
+            <a:r>
+              <a:rPr lang="en-US" dirty="0"/>
+              <a:t>    } else{</a:t>
+            </a:r>
+          </a:p>
+          <a:p>
+            <a:r>
+              <a:rPr lang="en-US" dirty="0"/>
+              <a:t>      </a:t>
+            </a:r>
+            <a:r>
+              <a:rPr lang="en-US" dirty="0" err="1"/>
+              <a:t>client.publish</a:t>
+            </a:r>
+            <a:r>
+              <a:rPr lang="en-US" dirty="0"/>
+              <a:t>("sensor2", "off");</a:t>
+            </a:r>
+          </a:p>
+          <a:p>
+            <a:r>
+              <a:rPr lang="en-US" dirty="0"/>
+              <a:t>    }</a:t>
+            </a:r>
+          </a:p>
+          <a:p>
+            <a:r>
+              <a:rPr lang="en-US" dirty="0"/>
+              <a:t>  }</a:t>
+            </a:r>
+          </a:p>
+          <a:p>
+            <a:r>
+              <a:rPr lang="en-US" dirty="0"/>
+              <a:t>}</a:t>
+            </a:r>
           </a:p>
         </p:txBody>
       </p:sp>
     </p:spTree>
     <p:extLst>
       <p:ext uri="{BB962C8B-B14F-4D97-AF65-F5344CB8AC3E}">
-        <p14:creationId xmlns:p14="http://schemas.microsoft.com/office/powerpoint/2010/main" val="1742826534"/>
+        <p14:creationId xmlns:p14="http://schemas.microsoft.com/office/powerpoint/2010/main" val="1959567703"/>
       </p:ext>
     </p:extLst>
   </p:cSld>
@@ -12714,6 +12802,77 @@
           <p:cNvPr id="2" name="Title 1">
             <a:extLst>
               <a:ext uri="{FF2B5EF4-FFF2-40B4-BE49-F238E27FC236}">
+                <a16:creationId xmlns:a16="http://schemas.microsoft.com/office/drawing/2014/main" id="{CC0CC6C6-2396-44D7-B8A7-53A9F42A8C53}"/>
+              </a:ext>
+            </a:extLst>
+          </p:cNvPr>
+          <p:cNvSpPr>
+            <a:spLocks noGrp="1"/>
+          </p:cNvSpPr>
+          <p:nvPr>
+            <p:ph type="title"/>
+          </p:nvPr>
+        </p:nvSpPr>
+        <p:spPr>
+          <a:xfrm>
+            <a:off x="838200" y="2766218"/>
+            <a:ext cx="10515600" cy="1325563"/>
+          </a:xfrm>
+        </p:spPr>
+        <p:txBody>
+          <a:bodyPr/>
+          <a:lstStyle/>
+          <a:p>
+            <a:pPr algn="ctr"/>
+            <a:r>
+              <a:rPr lang="en-US" dirty="0"/>
+              <a:t>Let’s see the result </a:t>
+            </a:r>
+            <a:r>
+              <a:rPr lang="en-US" dirty="0">
+                <a:sym typeface="Wingdings" panose="05000000000000000000" pitchFamily="2" charset="2"/>
+              </a:rPr>
+              <a:t></a:t>
+            </a:r>
+            <a:endParaRPr lang="en-US" dirty="0"/>
+          </a:p>
+        </p:txBody>
+      </p:sp>
+    </p:spTree>
+    <p:extLst>
+      <p:ext uri="{BB962C8B-B14F-4D97-AF65-F5344CB8AC3E}">
+        <p14:creationId xmlns:p14="http://schemas.microsoft.com/office/powerpoint/2010/main" val="1742826534"/>
+      </p:ext>
+    </p:extLst>
+  </p:cSld>
+  <p:clrMapOvr>
+    <a:masterClrMapping/>
+  </p:clrMapOvr>
+</p:sld>
+</file>
+
+<file path=ppt/slides/slide36.xml><?xml version="1.0" encoding="utf-8"?>
+<p:sld xmlns:a="http://schemas.openxmlformats.org/drawingml/2006/main" xmlns:r="http://schemas.openxmlformats.org/officeDocument/2006/relationships" xmlns:p="http://schemas.openxmlformats.org/presentationml/2006/main">
+  <p:cSld>
+    <p:spTree>
+      <p:nvGrpSpPr>
+        <p:cNvPr id="1" name=""/>
+        <p:cNvGrpSpPr/>
+        <p:nvPr/>
+      </p:nvGrpSpPr>
+      <p:grpSpPr>
+        <a:xfrm>
+          <a:off x="0" y="0"/>
+          <a:ext cx="0" cy="0"/>
+          <a:chOff x="0" y="0"/>
+          <a:chExt cx="0" cy="0"/>
+        </a:xfrm>
+      </p:grpSpPr>
+      <p:sp>
+        <p:nvSpPr>
+          <p:cNvPr id="2" name="Title 1">
+            <a:extLst>
+              <a:ext uri="{FF2B5EF4-FFF2-40B4-BE49-F238E27FC236}">
                 <a16:creationId xmlns:a16="http://schemas.microsoft.com/office/drawing/2014/main" id="{C501565E-B7E4-4731-B1FB-95451E40D2A4}"/>
               </a:ext>
             </a:extLst>
@@ -12763,7 +12922,7 @@
 </p:sld>
 </file>
 
-<file path=ppt/slides/slide36.xml><?xml version="1.0" encoding="utf-8"?>
+<file path=ppt/slides/slide37.xml><?xml version="1.0" encoding="utf-8"?>
 <p:sld xmlns:a="http://schemas.openxmlformats.org/drawingml/2006/main" xmlns:r="http://schemas.openxmlformats.org/officeDocument/2006/relationships" xmlns:p="http://schemas.openxmlformats.org/presentationml/2006/main">
   <p:cSld>
     <p:spTree>
@@ -12875,7 +13034,7 @@
 </p:sld>
 </file>
 
-<file path=ppt/slides/slide37.xml><?xml version="1.0" encoding="utf-8"?>
+<file path=ppt/slides/slide38.xml><?xml version="1.0" encoding="utf-8"?>
 <p:sld xmlns:a="http://schemas.openxmlformats.org/drawingml/2006/main" xmlns:r="http://schemas.openxmlformats.org/officeDocument/2006/relationships" xmlns:p="http://schemas.openxmlformats.org/presentationml/2006/main">
   <p:cSld>
     <p:spTree>
@@ -13017,6 +13176,173 @@
           <p:cNvPr id="2" name="Title 1">
             <a:extLst>
               <a:ext uri="{FF2B5EF4-FFF2-40B4-BE49-F238E27FC236}">
+                <a16:creationId xmlns:a16="http://schemas.microsoft.com/office/drawing/2014/main" id="{8B5FA535-4A78-4224-9277-290B6156CF4A}"/>
+              </a:ext>
+            </a:extLst>
+          </p:cNvPr>
+          <p:cNvSpPr>
+            <a:spLocks noGrp="1"/>
+          </p:cNvSpPr>
+          <p:nvPr>
+            <p:ph type="title"/>
+          </p:nvPr>
+        </p:nvSpPr>
+        <p:spPr/>
+        <p:txBody>
+          <a:bodyPr/>
+          <a:lstStyle/>
+          <a:p>
+            <a:r>
+              <a:rPr lang="en-US" dirty="0"/>
+              <a:t>File links</a:t>
+            </a:r>
+          </a:p>
+        </p:txBody>
+      </p:sp>
+      <p:sp>
+        <p:nvSpPr>
+          <p:cNvPr id="3" name="Content Placeholder 2">
+            <a:extLst>
+              <a:ext uri="{FF2B5EF4-FFF2-40B4-BE49-F238E27FC236}">
+                <a16:creationId xmlns:a16="http://schemas.microsoft.com/office/drawing/2014/main" id="{5D7CCB04-0198-4A83-A7BA-7884908EDAB5}"/>
+              </a:ext>
+            </a:extLst>
+          </p:cNvPr>
+          <p:cNvSpPr>
+            <a:spLocks noGrp="1"/>
+          </p:cNvSpPr>
+          <p:nvPr>
+            <p:ph idx="1"/>
+          </p:nvPr>
+        </p:nvSpPr>
+        <p:spPr>
+          <a:xfrm>
+            <a:off x="838200" y="1825625"/>
+            <a:ext cx="10515600" cy="2941247"/>
+          </a:xfrm>
+        </p:spPr>
+        <p:txBody>
+          <a:bodyPr>
+            <a:normAutofit fontScale="85000" lnSpcReduction="20000"/>
+          </a:bodyPr>
+          <a:lstStyle/>
+          <a:p>
+            <a:pPr marL="0" indent="0">
+              <a:buNone/>
+            </a:pPr>
+            <a:r>
+              <a:rPr lang="en-US" dirty="0"/>
+              <a:t>Ppt, example code</a:t>
+            </a:r>
+          </a:p>
+          <a:p>
+            <a:pPr marL="0" indent="0">
+              <a:buNone/>
+            </a:pPr>
+            <a:endParaRPr lang="en-US" dirty="0">
+              <a:hlinkClick r:id="rId2">
+                <a:extLst>
+                  <a:ext uri="{A12FA001-AC4F-418D-AE19-62706E023703}">
+                    <ahyp:hlinkClr xmlns:ahyp="http://schemas.microsoft.com/office/drawing/2018/hyperlinkcolor" val="tx"/>
+                  </a:ext>
+                </a:extLst>
+              </a:hlinkClick>
+            </a:endParaRPr>
+          </a:p>
+          <a:p>
+            <a:r>
+              <a:rPr lang="en-US" dirty="0">
+                <a:solidFill>
+                  <a:srgbClr val="0563C1"/>
+                </a:solidFill>
+                <a:hlinkClick r:id="rId2">
+                  <a:extLst>
+                    <a:ext uri="{A12FA001-AC4F-418D-AE19-62706E023703}">
+                      <ahyp:hlinkClr xmlns:ahyp="http://schemas.microsoft.com/office/drawing/2018/hyperlinkcolor" val="tx"/>
+                    </a:ext>
+                  </a:extLst>
+                </a:hlinkClick>
+              </a:rPr>
+              <a:t>https://github.com/muhammadhusni777/ARDUMEKA-MQTT-GUI</a:t>
+            </a:r>
+            <a:endParaRPr lang="en-US" dirty="0">
+              <a:solidFill>
+                <a:srgbClr val="0563C1"/>
+              </a:solidFill>
+            </a:endParaRPr>
+          </a:p>
+          <a:p>
+            <a:endParaRPr lang="en-US" dirty="0">
+              <a:solidFill>
+                <a:srgbClr val="0563C1"/>
+              </a:solidFill>
+            </a:endParaRPr>
+          </a:p>
+          <a:p>
+            <a:endParaRPr lang="en-US" dirty="0">
+              <a:solidFill>
+                <a:srgbClr val="0563C1"/>
+              </a:solidFill>
+            </a:endParaRPr>
+          </a:p>
+          <a:p>
+            <a:pPr marL="0" indent="0">
+              <a:buNone/>
+            </a:pPr>
+            <a:r>
+              <a:rPr lang="en-US" dirty="0"/>
+              <a:t>Software tools</a:t>
+            </a:r>
+          </a:p>
+          <a:p>
+            <a:r>
+              <a:rPr lang="en-US" dirty="0">
+                <a:hlinkClick r:id="rId3"/>
+              </a:rPr>
+              <a:t>https://drive.google.com/drive/folders/1eKmwfIYVEk9dNEoskVgPkrd7ihbXmtxf?usp=sharing</a:t>
+            </a:r>
+            <a:endParaRPr lang="en-US" dirty="0"/>
+          </a:p>
+          <a:p>
+            <a:endParaRPr lang="en-US" dirty="0"/>
+          </a:p>
+        </p:txBody>
+      </p:sp>
+    </p:spTree>
+    <p:extLst>
+      <p:ext uri="{BB962C8B-B14F-4D97-AF65-F5344CB8AC3E}">
+        <p14:creationId xmlns:p14="http://schemas.microsoft.com/office/powerpoint/2010/main" val="2712698717"/>
+      </p:ext>
+    </p:extLst>
+  </p:cSld>
+  <p:clrMapOvr>
+    <a:masterClrMapping/>
+  </p:clrMapOvr>
+</p:sld>
+</file>
+
+<file path=ppt/slides/slide5.xml><?xml version="1.0" encoding="utf-8"?>
+<p:sld xmlns:a="http://schemas.openxmlformats.org/drawingml/2006/main" xmlns:r="http://schemas.openxmlformats.org/officeDocument/2006/relationships" xmlns:p="http://schemas.openxmlformats.org/presentationml/2006/main">
+  <p:cSld>
+    <p:spTree>
+      <p:nvGrpSpPr>
+        <p:cNvPr id="1" name=""/>
+        <p:cNvGrpSpPr/>
+        <p:nvPr/>
+      </p:nvGrpSpPr>
+      <p:grpSpPr>
+        <a:xfrm>
+          <a:off x="0" y="0"/>
+          <a:ext cx="0" cy="0"/>
+          <a:chOff x="0" y="0"/>
+          <a:chExt cx="0" cy="0"/>
+        </a:xfrm>
+      </p:grpSpPr>
+      <p:sp>
+        <p:nvSpPr>
+          <p:cNvPr id="2" name="Title 1">
+            <a:extLst>
+              <a:ext uri="{FF2B5EF4-FFF2-40B4-BE49-F238E27FC236}">
                 <a16:creationId xmlns:a16="http://schemas.microsoft.com/office/drawing/2014/main" id="{A8559FDD-1A36-442E-A832-D8263B65D626}"/>
               </a:ext>
             </a:extLst>
@@ -13097,7 +13423,7 @@
 </p:sld>
 </file>
 
-<file path=ppt/slides/slide5.xml><?xml version="1.0" encoding="utf-8"?>
+<file path=ppt/slides/slide6.xml><?xml version="1.0" encoding="utf-8"?>
 <p:sld xmlns:a="http://schemas.openxmlformats.org/drawingml/2006/main" xmlns:r="http://schemas.openxmlformats.org/officeDocument/2006/relationships" xmlns:p="http://schemas.openxmlformats.org/presentationml/2006/main">
   <p:cSld>
     <p:spTree>
@@ -13245,7 +13571,7 @@
 </p:sld>
 </file>
 
-<file path=ppt/slides/slide6.xml><?xml version="1.0" encoding="utf-8"?>
+<file path=ppt/slides/slide7.xml><?xml version="1.0" encoding="utf-8"?>
 <p:sld xmlns:a="http://schemas.openxmlformats.org/drawingml/2006/main" xmlns:r="http://schemas.openxmlformats.org/officeDocument/2006/relationships" xmlns:p="http://schemas.openxmlformats.org/presentationml/2006/main">
   <p:cSld>
     <p:spTree>
@@ -13330,7 +13656,7 @@
 </p:sld>
 </file>
 
-<file path=ppt/slides/slide7.xml><?xml version="1.0" encoding="utf-8"?>
+<file path=ppt/slides/slide8.xml><?xml version="1.0" encoding="utf-8"?>
 <p:sld xmlns:a="http://schemas.openxmlformats.org/drawingml/2006/main" xmlns:r="http://schemas.openxmlformats.org/officeDocument/2006/relationships" xmlns:p="http://schemas.openxmlformats.org/presentationml/2006/main">
   <p:cSld>
     <p:spTree>
@@ -13415,106 +13741,6 @@
 </p:sld>
 </file>
 
-<file path=ppt/slides/slide8.xml><?xml version="1.0" encoding="utf-8"?>
-<p:sld xmlns:a="http://schemas.openxmlformats.org/drawingml/2006/main" xmlns:r="http://schemas.openxmlformats.org/officeDocument/2006/relationships" xmlns:p="http://schemas.openxmlformats.org/presentationml/2006/main">
-  <p:cSld>
-    <p:spTree>
-      <p:nvGrpSpPr>
-        <p:cNvPr id="1" name=""/>
-        <p:cNvGrpSpPr/>
-        <p:nvPr/>
-      </p:nvGrpSpPr>
-      <p:grpSpPr>
-        <a:xfrm>
-          <a:off x="0" y="0"/>
-          <a:ext cx="0" cy="0"/>
-          <a:chOff x="0" y="0"/>
-          <a:chExt cx="0" cy="0"/>
-        </a:xfrm>
-      </p:grpSpPr>
-      <p:sp>
-        <p:nvSpPr>
-          <p:cNvPr id="2" name="Title 1">
-            <a:extLst>
-              <a:ext uri="{FF2B5EF4-FFF2-40B4-BE49-F238E27FC236}">
-                <a16:creationId xmlns:a16="http://schemas.microsoft.com/office/drawing/2014/main" id="{8496A251-0A68-4515-AB51-4B2B1FC2D7C7}"/>
-              </a:ext>
-            </a:extLst>
-          </p:cNvPr>
-          <p:cNvSpPr>
-            <a:spLocks noGrp="1"/>
-          </p:cNvSpPr>
-          <p:nvPr>
-            <p:ph type="title"/>
-          </p:nvPr>
-        </p:nvSpPr>
-        <p:spPr>
-          <a:xfrm>
-            <a:off x="838200" y="1729230"/>
-            <a:ext cx="10515600" cy="1325563"/>
-          </a:xfrm>
-        </p:spPr>
-        <p:txBody>
-          <a:bodyPr/>
-          <a:lstStyle/>
-          <a:p>
-            <a:pPr algn="ctr"/>
-            <a:r>
-              <a:rPr lang="en-US" dirty="0"/>
-              <a:t>SPACE AVAILABLE</a:t>
-            </a:r>
-          </a:p>
-        </p:txBody>
-      </p:sp>
-      <p:sp>
-        <p:nvSpPr>
-          <p:cNvPr id="3" name="Content Placeholder 2">
-            <a:extLst>
-              <a:ext uri="{FF2B5EF4-FFF2-40B4-BE49-F238E27FC236}">
-                <a16:creationId xmlns:a16="http://schemas.microsoft.com/office/drawing/2014/main" id="{FA46ED6D-AE9F-42E8-83A7-964A183A0144}"/>
-              </a:ext>
-            </a:extLst>
-          </p:cNvPr>
-          <p:cNvSpPr>
-            <a:spLocks noGrp="1"/>
-          </p:cNvSpPr>
-          <p:nvPr>
-            <p:ph idx="1"/>
-          </p:nvPr>
-        </p:nvSpPr>
-        <p:spPr>
-          <a:xfrm>
-            <a:off x="838200" y="5576341"/>
-            <a:ext cx="10515600" cy="600622"/>
-          </a:xfrm>
-        </p:spPr>
-        <p:txBody>
-          <a:bodyPr/>
-          <a:lstStyle/>
-          <a:p>
-            <a:pPr marL="0" indent="0" algn="ctr">
-              <a:buNone/>
-            </a:pPr>
-            <a:r>
-              <a:rPr lang="en-US" dirty="0"/>
-              <a:t>https://linktr.ee/ardumeka</a:t>
-            </a:r>
-          </a:p>
-        </p:txBody>
-      </p:sp>
-    </p:spTree>
-    <p:extLst>
-      <p:ext uri="{BB962C8B-B14F-4D97-AF65-F5344CB8AC3E}">
-        <p14:creationId xmlns:p14="http://schemas.microsoft.com/office/powerpoint/2010/main" val="2987041790"/>
-      </p:ext>
-    </p:extLst>
-  </p:cSld>
-  <p:clrMapOvr>
-    <a:masterClrMapping/>
-  </p:clrMapOvr>
-</p:sld>
-</file>
-
 <file path=ppt/slides/slide9.xml><?xml version="1.0" encoding="utf-8"?>
 <p:sld xmlns:a="http://schemas.openxmlformats.org/drawingml/2006/main" xmlns:r="http://schemas.openxmlformats.org/officeDocument/2006/relationships" xmlns:p="http://schemas.openxmlformats.org/presentationml/2006/main">
   <p:cSld>
@@ -13537,7 +13763,7 @@
           <p:cNvPr id="2" name="Title 1">
             <a:extLst>
               <a:ext uri="{FF2B5EF4-FFF2-40B4-BE49-F238E27FC236}">
-                <a16:creationId xmlns:a16="http://schemas.microsoft.com/office/drawing/2014/main" id="{9BB7E845-AA75-454C-BC6B-B017BD2048AE}"/>
+                <a16:creationId xmlns:a16="http://schemas.microsoft.com/office/drawing/2014/main" id="{8496A251-0A68-4515-AB51-4B2B1FC2D7C7}"/>
               </a:ext>
             </a:extLst>
           </p:cNvPr>
@@ -13550,7 +13776,7 @@
         </p:nvSpPr>
         <p:spPr>
           <a:xfrm>
-            <a:off x="29307" y="0"/>
+            <a:off x="838200" y="1729230"/>
             <a:ext cx="10515600" cy="1325563"/>
           </a:xfrm>
         </p:spPr>
@@ -13558,104 +13784,46 @@
           <a:bodyPr/>
           <a:lstStyle/>
           <a:p>
-            <a:r>
-              <a:rPr lang="en-US" dirty="0"/>
-              <a:t>Today Workshop Project with PyQt5</a:t>
-            </a:r>
-          </a:p>
-        </p:txBody>
-      </p:sp>
-      <p:pic>
-        <p:nvPicPr>
-          <p:cNvPr id="4" name="Picture 3">
-            <a:extLst>
-              <a:ext uri="{FF2B5EF4-FFF2-40B4-BE49-F238E27FC236}">
-                <a16:creationId xmlns:a16="http://schemas.microsoft.com/office/drawing/2014/main" id="{E516324D-4303-4AE2-A3BA-0A42B276ACE1}"/>
-              </a:ext>
-            </a:extLst>
-          </p:cNvPr>
-          <p:cNvPicPr>
-            <a:picLocks noChangeAspect="1"/>
-          </p:cNvPicPr>
-          <p:nvPr/>
-        </p:nvPicPr>
-        <p:blipFill>
-          <a:blip r:embed="rId2"/>
-          <a:stretch>
-            <a:fillRect/>
-          </a:stretch>
-        </p:blipFill>
+            <a:pPr algn="ctr"/>
+            <a:r>
+              <a:rPr lang="en-US" dirty="0"/>
+              <a:t>SPACE AVAILABLE</a:t>
+            </a:r>
+          </a:p>
+        </p:txBody>
+      </p:sp>
+      <p:sp>
+        <p:nvSpPr>
+          <p:cNvPr id="3" name="Content Placeholder 2">
+            <a:extLst>
+              <a:ext uri="{FF2B5EF4-FFF2-40B4-BE49-F238E27FC236}">
+                <a16:creationId xmlns:a16="http://schemas.microsoft.com/office/drawing/2014/main" id="{FA46ED6D-AE9F-42E8-83A7-964A183A0144}"/>
+              </a:ext>
+            </a:extLst>
+          </p:cNvPr>
+          <p:cNvSpPr>
+            <a:spLocks noGrp="1"/>
+          </p:cNvSpPr>
+          <p:nvPr>
+            <p:ph idx="1"/>
+          </p:nvPr>
+        </p:nvSpPr>
         <p:spPr>
           <a:xfrm>
-            <a:off x="5441429" y="4107305"/>
-            <a:ext cx="6711239" cy="2750695"/>
+            <a:off x="838200" y="5576341"/>
+            <a:ext cx="10515600" cy="600622"/>
           </a:xfrm>
-          <a:prstGeom prst="rect">
-            <a:avLst/>
-          </a:prstGeom>
         </p:spPr>
-      </p:pic>
-      <p:pic>
-        <p:nvPicPr>
-          <p:cNvPr id="5" name="Picture 4">
-            <a:extLst>
-              <a:ext uri="{FF2B5EF4-FFF2-40B4-BE49-F238E27FC236}">
-                <a16:creationId xmlns:a16="http://schemas.microsoft.com/office/drawing/2014/main" id="{978839AF-A4AC-495F-A040-B0EA48A6FEDA}"/>
-              </a:ext>
-            </a:extLst>
-          </p:cNvPr>
-          <p:cNvPicPr>
-            <a:picLocks noChangeAspect="1"/>
-          </p:cNvPicPr>
-          <p:nvPr/>
-        </p:nvPicPr>
-        <p:blipFill>
-          <a:blip r:embed="rId3"/>
-          <a:stretch>
-            <a:fillRect/>
-          </a:stretch>
-        </p:blipFill>
-        <p:spPr>
-          <a:xfrm>
-            <a:off x="29307" y="973628"/>
-            <a:ext cx="5336720" cy="3358529"/>
-          </a:xfrm>
-          <a:prstGeom prst="rect">
-            <a:avLst/>
-          </a:prstGeom>
-        </p:spPr>
-      </p:pic>
-      <p:sp>
-        <p:nvSpPr>
-          <p:cNvPr id="6" name="TextBox 5">
-            <a:extLst>
-              <a:ext uri="{FF2B5EF4-FFF2-40B4-BE49-F238E27FC236}">
-                <a16:creationId xmlns:a16="http://schemas.microsoft.com/office/drawing/2014/main" id="{8C780E7C-A188-4F27-B10C-3E9E97F62427}"/>
-              </a:ext>
-            </a:extLst>
-          </p:cNvPr>
-          <p:cNvSpPr txBox="1"/>
-          <p:nvPr/>
-        </p:nvSpPr>
-        <p:spPr>
-          <a:xfrm>
-            <a:off x="5366027" y="3737973"/>
-            <a:ext cx="6205926" cy="369332"/>
-          </a:xfrm>
-          <a:prstGeom prst="rect">
-            <a:avLst/>
-          </a:prstGeom>
-          <a:noFill/>
-        </p:spPr>
-        <p:txBody>
-          <a:bodyPr wrap="square">
-            <a:spAutoFit/>
-          </a:bodyPr>
+        <p:txBody>
+          <a:bodyPr/>
           <a:lstStyle/>
           <a:p>
-            <a:r>
-              <a:rPr lang="en-US" dirty="0"/>
-              <a:t>https://wokwi.com/projects/345223004701065810</a:t>
+            <a:pPr marL="0" indent="0" algn="ctr">
+              <a:buNone/>
+            </a:pPr>
+            <a:r>
+              <a:rPr lang="en-US" dirty="0"/>
+              <a:t>https://linktr.ee/ardumeka</a:t>
             </a:r>
           </a:p>
         </p:txBody>
@@ -13663,7 +13831,7 @@
     </p:spTree>
     <p:extLst>
       <p:ext uri="{BB962C8B-B14F-4D97-AF65-F5344CB8AC3E}">
-        <p14:creationId xmlns:p14="http://schemas.microsoft.com/office/powerpoint/2010/main" val="154114275"/>
+        <p14:creationId xmlns:p14="http://schemas.microsoft.com/office/powerpoint/2010/main" val="2987041790"/>
       </p:ext>
     </p:extLst>
   </p:cSld>

--- a/Presentasi.pptx
+++ b/Presentasi.pptx
@@ -43,6 +43,7 @@
     <p:sldId id="332" r:id="rId37"/>
     <p:sldId id="350" r:id="rId38"/>
     <p:sldId id="351" r:id="rId39"/>
+    <p:sldId id="367" r:id="rId40"/>
   </p:sldIdLst>
   <p:sldSz cx="12192000" cy="6858000"/>
   <p:notesSz cx="6858000" cy="9144000"/>
@@ -296,7 +297,7 @@
           <a:p>
             <a:fld id="{B6F6FC65-606F-4741-9B24-075F4F9447DA}" type="datetimeFigureOut">
               <a:rPr lang="en-US" smtClean="0"/>
-              <a:t>10/14/2022</a:t>
+              <a:t>10/15/2022</a:t>
             </a:fld>
             <a:endParaRPr lang="en-US"/>
           </a:p>
@@ -494,7 +495,7 @@
           <a:p>
             <a:fld id="{B6F6FC65-606F-4741-9B24-075F4F9447DA}" type="datetimeFigureOut">
               <a:rPr lang="en-US" smtClean="0"/>
-              <a:t>10/14/2022</a:t>
+              <a:t>10/15/2022</a:t>
             </a:fld>
             <a:endParaRPr lang="en-US"/>
           </a:p>
@@ -702,7 +703,7 @@
           <a:p>
             <a:fld id="{B6F6FC65-606F-4741-9B24-075F4F9447DA}" type="datetimeFigureOut">
               <a:rPr lang="en-US" smtClean="0"/>
-              <a:t>10/14/2022</a:t>
+              <a:t>10/15/2022</a:t>
             </a:fld>
             <a:endParaRPr lang="en-US"/>
           </a:p>
@@ -900,7 +901,7 @@
           <a:p>
             <a:fld id="{B6F6FC65-606F-4741-9B24-075F4F9447DA}" type="datetimeFigureOut">
               <a:rPr lang="en-US" smtClean="0"/>
-              <a:t>10/14/2022</a:t>
+              <a:t>10/15/2022</a:t>
             </a:fld>
             <a:endParaRPr lang="en-US"/>
           </a:p>
@@ -1175,7 +1176,7 @@
           <a:p>
             <a:fld id="{B6F6FC65-606F-4741-9B24-075F4F9447DA}" type="datetimeFigureOut">
               <a:rPr lang="en-US" smtClean="0"/>
-              <a:t>10/14/2022</a:t>
+              <a:t>10/15/2022</a:t>
             </a:fld>
             <a:endParaRPr lang="en-US"/>
           </a:p>
@@ -1440,7 +1441,7 @@
           <a:p>
             <a:fld id="{B6F6FC65-606F-4741-9B24-075F4F9447DA}" type="datetimeFigureOut">
               <a:rPr lang="en-US" smtClean="0"/>
-              <a:t>10/14/2022</a:t>
+              <a:t>10/15/2022</a:t>
             </a:fld>
             <a:endParaRPr lang="en-US"/>
           </a:p>
@@ -1852,7 +1853,7 @@
           <a:p>
             <a:fld id="{B6F6FC65-606F-4741-9B24-075F4F9447DA}" type="datetimeFigureOut">
               <a:rPr lang="en-US" smtClean="0"/>
-              <a:t>10/14/2022</a:t>
+              <a:t>10/15/2022</a:t>
             </a:fld>
             <a:endParaRPr lang="en-US"/>
           </a:p>
@@ -1993,7 +1994,7 @@
           <a:p>
             <a:fld id="{B6F6FC65-606F-4741-9B24-075F4F9447DA}" type="datetimeFigureOut">
               <a:rPr lang="en-US" smtClean="0"/>
-              <a:t>10/14/2022</a:t>
+              <a:t>10/15/2022</a:t>
             </a:fld>
             <a:endParaRPr lang="en-US"/>
           </a:p>
@@ -2106,7 +2107,7 @@
           <a:p>
             <a:fld id="{B6F6FC65-606F-4741-9B24-075F4F9447DA}" type="datetimeFigureOut">
               <a:rPr lang="en-US" smtClean="0"/>
-              <a:t>10/14/2022</a:t>
+              <a:t>10/15/2022</a:t>
             </a:fld>
             <a:endParaRPr lang="en-US"/>
           </a:p>
@@ -2417,7 +2418,7 @@
           <a:p>
             <a:fld id="{B6F6FC65-606F-4741-9B24-075F4F9447DA}" type="datetimeFigureOut">
               <a:rPr lang="en-US" smtClean="0"/>
-              <a:t>10/14/2022</a:t>
+              <a:t>10/15/2022</a:t>
             </a:fld>
             <a:endParaRPr lang="en-US"/>
           </a:p>
@@ -2705,7 +2706,7 @@
           <a:p>
             <a:fld id="{B6F6FC65-606F-4741-9B24-075F4F9447DA}" type="datetimeFigureOut">
               <a:rPr lang="en-US" smtClean="0"/>
-              <a:t>10/14/2022</a:t>
+              <a:t>10/15/2022</a:t>
             </a:fld>
             <a:endParaRPr lang="en-US"/>
           </a:p>
@@ -2946,7 +2947,7 @@
           <a:p>
             <a:fld id="{B6F6FC65-606F-4741-9B24-075F4F9447DA}" type="datetimeFigureOut">
               <a:rPr lang="en-US" smtClean="0"/>
-              <a:t>10/14/2022</a:t>
+              <a:t>10/15/2022</a:t>
             </a:fld>
             <a:endParaRPr lang="en-US"/>
           </a:p>
@@ -13154,6 +13155,116 @@
 </p:sld>
 </file>
 
+<file path=ppt/slides/slide39.xml><?xml version="1.0" encoding="utf-8"?>
+<p:sld xmlns:a="http://schemas.openxmlformats.org/drawingml/2006/main" xmlns:r="http://schemas.openxmlformats.org/officeDocument/2006/relationships" xmlns:p="http://schemas.openxmlformats.org/presentationml/2006/main">
+  <p:cSld>
+    <p:spTree>
+      <p:nvGrpSpPr>
+        <p:cNvPr id="1" name=""/>
+        <p:cNvGrpSpPr/>
+        <p:nvPr/>
+      </p:nvGrpSpPr>
+      <p:grpSpPr>
+        <a:xfrm>
+          <a:off x="0" y="0"/>
+          <a:ext cx="0" cy="0"/>
+          <a:chOff x="0" y="0"/>
+          <a:chExt cx="0" cy="0"/>
+        </a:xfrm>
+      </p:grpSpPr>
+      <p:sp>
+        <p:nvSpPr>
+          <p:cNvPr id="2" name="Title 1">
+            <a:extLst>
+              <a:ext uri="{FF2B5EF4-FFF2-40B4-BE49-F238E27FC236}">
+                <a16:creationId xmlns:a16="http://schemas.microsoft.com/office/drawing/2014/main" id="{BD5826B0-D7C3-4032-A563-51256D792915}"/>
+              </a:ext>
+            </a:extLst>
+          </p:cNvPr>
+          <p:cNvSpPr>
+            <a:spLocks noGrp="1"/>
+          </p:cNvSpPr>
+          <p:nvPr>
+            <p:ph type="title"/>
+          </p:nvPr>
+        </p:nvSpPr>
+        <p:spPr/>
+        <p:txBody>
+          <a:bodyPr/>
+          <a:lstStyle/>
+          <a:p>
+            <a:endParaRPr lang="en-US"/>
+          </a:p>
+        </p:txBody>
+      </p:sp>
+      <p:sp>
+        <p:nvSpPr>
+          <p:cNvPr id="3" name="Content Placeholder 2">
+            <a:extLst>
+              <a:ext uri="{FF2B5EF4-FFF2-40B4-BE49-F238E27FC236}">
+                <a16:creationId xmlns:a16="http://schemas.microsoft.com/office/drawing/2014/main" id="{F198CCB9-D758-40BC-A973-1822751BC69C}"/>
+              </a:ext>
+            </a:extLst>
+          </p:cNvPr>
+          <p:cNvSpPr>
+            <a:spLocks noGrp="1"/>
+          </p:cNvSpPr>
+          <p:nvPr>
+            <p:ph idx="1"/>
+          </p:nvPr>
+        </p:nvSpPr>
+        <p:spPr/>
+        <p:txBody>
+          <a:bodyPr/>
+          <a:lstStyle/>
+          <a:p>
+            <a:endParaRPr lang="en-US"/>
+          </a:p>
+        </p:txBody>
+      </p:sp>
+      <p:pic>
+        <p:nvPicPr>
+          <p:cNvPr id="5" name="Picture 4">
+            <a:extLst>
+              <a:ext uri="{FF2B5EF4-FFF2-40B4-BE49-F238E27FC236}">
+                <a16:creationId xmlns:a16="http://schemas.microsoft.com/office/drawing/2014/main" id="{304B228B-896A-4169-89FF-82813F79633E}"/>
+              </a:ext>
+            </a:extLst>
+          </p:cNvPr>
+          <p:cNvPicPr>
+            <a:picLocks noChangeAspect="1"/>
+          </p:cNvPicPr>
+          <p:nvPr/>
+        </p:nvPicPr>
+        <p:blipFill>
+          <a:blip r:embed="rId2"/>
+          <a:stretch>
+            <a:fillRect/>
+          </a:stretch>
+        </p:blipFill>
+        <p:spPr>
+          <a:xfrm>
+            <a:off x="1133319" y="0"/>
+            <a:ext cx="9715500" cy="5572125"/>
+          </a:xfrm>
+          <a:prstGeom prst="rect">
+            <a:avLst/>
+          </a:prstGeom>
+        </p:spPr>
+      </p:pic>
+    </p:spTree>
+    <p:extLst>
+      <p:ext uri="{BB962C8B-B14F-4D97-AF65-F5344CB8AC3E}">
+        <p14:creationId xmlns:p14="http://schemas.microsoft.com/office/powerpoint/2010/main" val="3851483393"/>
+      </p:ext>
+    </p:extLst>
+  </p:cSld>
+  <p:clrMapOvr>
+    <a:masterClrMapping/>
+  </p:clrMapOvr>
+</p:sld>
+</file>
+
 <file path=ppt/slides/slide4.xml><?xml version="1.0" encoding="utf-8"?>
 <p:sld xmlns:a="http://schemas.openxmlformats.org/drawingml/2006/main" xmlns:r="http://schemas.openxmlformats.org/officeDocument/2006/relationships" xmlns:p="http://schemas.openxmlformats.org/presentationml/2006/main">
   <p:cSld>

--- a/Presentasi.pptx
+++ b/Presentasi.pptx
@@ -9,41 +9,42 @@
     <p:sldId id="300" r:id="rId3"/>
     <p:sldId id="355" r:id="rId4"/>
     <p:sldId id="366" r:id="rId5"/>
-    <p:sldId id="358" r:id="rId6"/>
-    <p:sldId id="361" r:id="rId7"/>
-    <p:sldId id="360" r:id="rId8"/>
-    <p:sldId id="359" r:id="rId9"/>
-    <p:sldId id="357" r:id="rId10"/>
-    <p:sldId id="305" r:id="rId11"/>
-    <p:sldId id="308" r:id="rId12"/>
-    <p:sldId id="309" r:id="rId13"/>
-    <p:sldId id="310" r:id="rId14"/>
-    <p:sldId id="311" r:id="rId15"/>
-    <p:sldId id="314" r:id="rId16"/>
-    <p:sldId id="312" r:id="rId17"/>
-    <p:sldId id="313" r:id="rId18"/>
-    <p:sldId id="315" r:id="rId19"/>
-    <p:sldId id="316" r:id="rId20"/>
-    <p:sldId id="317" r:id="rId21"/>
-    <p:sldId id="318" r:id="rId22"/>
-    <p:sldId id="319" r:id="rId23"/>
-    <p:sldId id="320" r:id="rId24"/>
-    <p:sldId id="323" r:id="rId25"/>
-    <p:sldId id="324" r:id="rId26"/>
-    <p:sldId id="325" r:id="rId27"/>
-    <p:sldId id="354" r:id="rId28"/>
-    <p:sldId id="326" r:id="rId29"/>
-    <p:sldId id="327" r:id="rId30"/>
-    <p:sldId id="356" r:id="rId31"/>
-    <p:sldId id="363" r:id="rId32"/>
-    <p:sldId id="362" r:id="rId33"/>
-    <p:sldId id="364" r:id="rId34"/>
-    <p:sldId id="365" r:id="rId35"/>
-    <p:sldId id="352" r:id="rId36"/>
-    <p:sldId id="332" r:id="rId37"/>
-    <p:sldId id="350" r:id="rId38"/>
-    <p:sldId id="351" r:id="rId39"/>
-    <p:sldId id="367" r:id="rId40"/>
+    <p:sldId id="368" r:id="rId6"/>
+    <p:sldId id="358" r:id="rId7"/>
+    <p:sldId id="361" r:id="rId8"/>
+    <p:sldId id="360" r:id="rId9"/>
+    <p:sldId id="359" r:id="rId10"/>
+    <p:sldId id="357" r:id="rId11"/>
+    <p:sldId id="305" r:id="rId12"/>
+    <p:sldId id="308" r:id="rId13"/>
+    <p:sldId id="309" r:id="rId14"/>
+    <p:sldId id="310" r:id="rId15"/>
+    <p:sldId id="311" r:id="rId16"/>
+    <p:sldId id="314" r:id="rId17"/>
+    <p:sldId id="312" r:id="rId18"/>
+    <p:sldId id="313" r:id="rId19"/>
+    <p:sldId id="315" r:id="rId20"/>
+    <p:sldId id="316" r:id="rId21"/>
+    <p:sldId id="317" r:id="rId22"/>
+    <p:sldId id="318" r:id="rId23"/>
+    <p:sldId id="319" r:id="rId24"/>
+    <p:sldId id="320" r:id="rId25"/>
+    <p:sldId id="323" r:id="rId26"/>
+    <p:sldId id="324" r:id="rId27"/>
+    <p:sldId id="325" r:id="rId28"/>
+    <p:sldId id="354" r:id="rId29"/>
+    <p:sldId id="326" r:id="rId30"/>
+    <p:sldId id="327" r:id="rId31"/>
+    <p:sldId id="356" r:id="rId32"/>
+    <p:sldId id="363" r:id="rId33"/>
+    <p:sldId id="362" r:id="rId34"/>
+    <p:sldId id="364" r:id="rId35"/>
+    <p:sldId id="365" r:id="rId36"/>
+    <p:sldId id="352" r:id="rId37"/>
+    <p:sldId id="332" r:id="rId38"/>
+    <p:sldId id="350" r:id="rId39"/>
+    <p:sldId id="351" r:id="rId40"/>
+    <p:sldId id="367" r:id="rId41"/>
   </p:sldIdLst>
   <p:sldSz cx="12192000" cy="6858000"/>
   <p:notesSz cx="6858000" cy="9144000"/>
@@ -3697,7 +3698,7 @@
           <p:cNvPr id="2" name="Title 1">
             <a:extLst>
               <a:ext uri="{FF2B5EF4-FFF2-40B4-BE49-F238E27FC236}">
-                <a16:creationId xmlns:a16="http://schemas.microsoft.com/office/drawing/2014/main" id="{9BB7E845-AA75-454C-BC6B-B017BD2048AE}"/>
+                <a16:creationId xmlns:a16="http://schemas.microsoft.com/office/drawing/2014/main" id="{8496A251-0A68-4515-AB51-4B2B1FC2D7C7}"/>
               </a:ext>
             </a:extLst>
           </p:cNvPr>
@@ -3710,7 +3711,7 @@
         </p:nvSpPr>
         <p:spPr>
           <a:xfrm>
-            <a:off x="29307" y="0"/>
+            <a:off x="838200" y="1729230"/>
             <a:ext cx="10515600" cy="1325563"/>
           </a:xfrm>
         </p:spPr>
@@ -3718,104 +3719,46 @@
           <a:bodyPr/>
           <a:lstStyle/>
           <a:p>
-            <a:r>
-              <a:rPr lang="en-US" dirty="0"/>
-              <a:t>Today Workshop Project with PyQt5</a:t>
-            </a:r>
-          </a:p>
-        </p:txBody>
-      </p:sp>
-      <p:pic>
-        <p:nvPicPr>
-          <p:cNvPr id="4" name="Picture 3">
-            <a:extLst>
-              <a:ext uri="{FF2B5EF4-FFF2-40B4-BE49-F238E27FC236}">
-                <a16:creationId xmlns:a16="http://schemas.microsoft.com/office/drawing/2014/main" id="{E516324D-4303-4AE2-A3BA-0A42B276ACE1}"/>
-              </a:ext>
-            </a:extLst>
-          </p:cNvPr>
-          <p:cNvPicPr>
-            <a:picLocks noChangeAspect="1"/>
-          </p:cNvPicPr>
-          <p:nvPr/>
-        </p:nvPicPr>
-        <p:blipFill>
-          <a:blip r:embed="rId2"/>
-          <a:stretch>
-            <a:fillRect/>
-          </a:stretch>
-        </p:blipFill>
+            <a:pPr algn="ctr"/>
+            <a:r>
+              <a:rPr lang="en-US" dirty="0"/>
+              <a:t>SPACE AVAILABLE</a:t>
+            </a:r>
+          </a:p>
+        </p:txBody>
+      </p:sp>
+      <p:sp>
+        <p:nvSpPr>
+          <p:cNvPr id="3" name="Content Placeholder 2">
+            <a:extLst>
+              <a:ext uri="{FF2B5EF4-FFF2-40B4-BE49-F238E27FC236}">
+                <a16:creationId xmlns:a16="http://schemas.microsoft.com/office/drawing/2014/main" id="{FA46ED6D-AE9F-42E8-83A7-964A183A0144}"/>
+              </a:ext>
+            </a:extLst>
+          </p:cNvPr>
+          <p:cNvSpPr>
+            <a:spLocks noGrp="1"/>
+          </p:cNvSpPr>
+          <p:nvPr>
+            <p:ph idx="1"/>
+          </p:nvPr>
+        </p:nvSpPr>
         <p:spPr>
           <a:xfrm>
-            <a:off x="5441429" y="4107305"/>
-            <a:ext cx="6711239" cy="2750695"/>
+            <a:off x="838200" y="5576341"/>
+            <a:ext cx="10515600" cy="600622"/>
           </a:xfrm>
-          <a:prstGeom prst="rect">
-            <a:avLst/>
-          </a:prstGeom>
         </p:spPr>
-      </p:pic>
-      <p:pic>
-        <p:nvPicPr>
-          <p:cNvPr id="5" name="Picture 4">
-            <a:extLst>
-              <a:ext uri="{FF2B5EF4-FFF2-40B4-BE49-F238E27FC236}">
-                <a16:creationId xmlns:a16="http://schemas.microsoft.com/office/drawing/2014/main" id="{978839AF-A4AC-495F-A040-B0EA48A6FEDA}"/>
-              </a:ext>
-            </a:extLst>
-          </p:cNvPr>
-          <p:cNvPicPr>
-            <a:picLocks noChangeAspect="1"/>
-          </p:cNvPicPr>
-          <p:nvPr/>
-        </p:nvPicPr>
-        <p:blipFill>
-          <a:blip r:embed="rId3"/>
-          <a:stretch>
-            <a:fillRect/>
-          </a:stretch>
-        </p:blipFill>
-        <p:spPr>
-          <a:xfrm>
-            <a:off x="29307" y="973628"/>
-            <a:ext cx="5336720" cy="3358529"/>
-          </a:xfrm>
-          <a:prstGeom prst="rect">
-            <a:avLst/>
-          </a:prstGeom>
-        </p:spPr>
-      </p:pic>
-      <p:sp>
-        <p:nvSpPr>
-          <p:cNvPr id="6" name="TextBox 5">
-            <a:extLst>
-              <a:ext uri="{FF2B5EF4-FFF2-40B4-BE49-F238E27FC236}">
-                <a16:creationId xmlns:a16="http://schemas.microsoft.com/office/drawing/2014/main" id="{8C780E7C-A188-4F27-B10C-3E9E97F62427}"/>
-              </a:ext>
-            </a:extLst>
-          </p:cNvPr>
-          <p:cNvSpPr txBox="1"/>
-          <p:nvPr/>
-        </p:nvSpPr>
-        <p:spPr>
-          <a:xfrm>
-            <a:off x="5366027" y="3737973"/>
-            <a:ext cx="6205926" cy="369332"/>
-          </a:xfrm>
-          <a:prstGeom prst="rect">
-            <a:avLst/>
-          </a:prstGeom>
-          <a:noFill/>
-        </p:spPr>
-        <p:txBody>
-          <a:bodyPr wrap="square">
-            <a:spAutoFit/>
-          </a:bodyPr>
+        <p:txBody>
+          <a:bodyPr/>
           <a:lstStyle/>
           <a:p>
-            <a:r>
-              <a:rPr lang="en-US" dirty="0"/>
-              <a:t>https://wokwi.com/projects/345223004701065810</a:t>
+            <a:pPr marL="0" indent="0" algn="ctr">
+              <a:buNone/>
+            </a:pPr>
+            <a:r>
+              <a:rPr lang="en-US" dirty="0"/>
+              <a:t>https://linktr.ee/ardumeka</a:t>
             </a:r>
           </a:p>
         </p:txBody>
@@ -3823,7 +3766,7 @@
     </p:spTree>
     <p:extLst>
       <p:ext uri="{BB962C8B-B14F-4D97-AF65-F5344CB8AC3E}">
-        <p14:creationId xmlns:p14="http://schemas.microsoft.com/office/powerpoint/2010/main" val="154114275"/>
+        <p14:creationId xmlns:p14="http://schemas.microsoft.com/office/powerpoint/2010/main" val="2987041790"/>
       </p:ext>
     </p:extLst>
   </p:cSld>
@@ -3855,6 +3798,164 @@
           <p:cNvPr id="2" name="Title 1">
             <a:extLst>
               <a:ext uri="{FF2B5EF4-FFF2-40B4-BE49-F238E27FC236}">
+                <a16:creationId xmlns:a16="http://schemas.microsoft.com/office/drawing/2014/main" id="{9BB7E845-AA75-454C-BC6B-B017BD2048AE}"/>
+              </a:ext>
+            </a:extLst>
+          </p:cNvPr>
+          <p:cNvSpPr>
+            <a:spLocks noGrp="1"/>
+          </p:cNvSpPr>
+          <p:nvPr>
+            <p:ph type="title"/>
+          </p:nvPr>
+        </p:nvSpPr>
+        <p:spPr>
+          <a:xfrm>
+            <a:off x="29307" y="0"/>
+            <a:ext cx="10515600" cy="1325563"/>
+          </a:xfrm>
+        </p:spPr>
+        <p:txBody>
+          <a:bodyPr/>
+          <a:lstStyle/>
+          <a:p>
+            <a:r>
+              <a:rPr lang="en-US" dirty="0"/>
+              <a:t>Today Workshop Project with PyQt5</a:t>
+            </a:r>
+          </a:p>
+        </p:txBody>
+      </p:sp>
+      <p:pic>
+        <p:nvPicPr>
+          <p:cNvPr id="4" name="Picture 3">
+            <a:extLst>
+              <a:ext uri="{FF2B5EF4-FFF2-40B4-BE49-F238E27FC236}">
+                <a16:creationId xmlns:a16="http://schemas.microsoft.com/office/drawing/2014/main" id="{E516324D-4303-4AE2-A3BA-0A42B276ACE1}"/>
+              </a:ext>
+            </a:extLst>
+          </p:cNvPr>
+          <p:cNvPicPr>
+            <a:picLocks noChangeAspect="1"/>
+          </p:cNvPicPr>
+          <p:nvPr/>
+        </p:nvPicPr>
+        <p:blipFill>
+          <a:blip r:embed="rId2"/>
+          <a:stretch>
+            <a:fillRect/>
+          </a:stretch>
+        </p:blipFill>
+        <p:spPr>
+          <a:xfrm>
+            <a:off x="5441429" y="4107305"/>
+            <a:ext cx="6711239" cy="2750695"/>
+          </a:xfrm>
+          <a:prstGeom prst="rect">
+            <a:avLst/>
+          </a:prstGeom>
+        </p:spPr>
+      </p:pic>
+      <p:pic>
+        <p:nvPicPr>
+          <p:cNvPr id="5" name="Picture 4">
+            <a:extLst>
+              <a:ext uri="{FF2B5EF4-FFF2-40B4-BE49-F238E27FC236}">
+                <a16:creationId xmlns:a16="http://schemas.microsoft.com/office/drawing/2014/main" id="{978839AF-A4AC-495F-A040-B0EA48A6FEDA}"/>
+              </a:ext>
+            </a:extLst>
+          </p:cNvPr>
+          <p:cNvPicPr>
+            <a:picLocks noChangeAspect="1"/>
+          </p:cNvPicPr>
+          <p:nvPr/>
+        </p:nvPicPr>
+        <p:blipFill>
+          <a:blip r:embed="rId3"/>
+          <a:stretch>
+            <a:fillRect/>
+          </a:stretch>
+        </p:blipFill>
+        <p:spPr>
+          <a:xfrm>
+            <a:off x="29307" y="973628"/>
+            <a:ext cx="5336720" cy="3358529"/>
+          </a:xfrm>
+          <a:prstGeom prst="rect">
+            <a:avLst/>
+          </a:prstGeom>
+        </p:spPr>
+      </p:pic>
+      <p:sp>
+        <p:nvSpPr>
+          <p:cNvPr id="6" name="TextBox 5">
+            <a:extLst>
+              <a:ext uri="{FF2B5EF4-FFF2-40B4-BE49-F238E27FC236}">
+                <a16:creationId xmlns:a16="http://schemas.microsoft.com/office/drawing/2014/main" id="{8C780E7C-A188-4F27-B10C-3E9E97F62427}"/>
+              </a:ext>
+            </a:extLst>
+          </p:cNvPr>
+          <p:cNvSpPr txBox="1"/>
+          <p:nvPr/>
+        </p:nvSpPr>
+        <p:spPr>
+          <a:xfrm>
+            <a:off x="5366027" y="3737973"/>
+            <a:ext cx="6205926" cy="369332"/>
+          </a:xfrm>
+          <a:prstGeom prst="rect">
+            <a:avLst/>
+          </a:prstGeom>
+          <a:noFill/>
+        </p:spPr>
+        <p:txBody>
+          <a:bodyPr wrap="square">
+            <a:spAutoFit/>
+          </a:bodyPr>
+          <a:lstStyle/>
+          <a:p>
+            <a:r>
+              <a:rPr lang="en-US" dirty="0"/>
+              <a:t>https://wokwi.com/projects/345223004701065810</a:t>
+            </a:r>
+          </a:p>
+        </p:txBody>
+      </p:sp>
+    </p:spTree>
+    <p:extLst>
+      <p:ext uri="{BB962C8B-B14F-4D97-AF65-F5344CB8AC3E}">
+        <p14:creationId xmlns:p14="http://schemas.microsoft.com/office/powerpoint/2010/main" val="154114275"/>
+      </p:ext>
+    </p:extLst>
+  </p:cSld>
+  <p:clrMapOvr>
+    <a:masterClrMapping/>
+  </p:clrMapOvr>
+</p:sld>
+</file>
+
+<file path=ppt/slides/slide12.xml><?xml version="1.0" encoding="utf-8"?>
+<p:sld xmlns:a="http://schemas.openxmlformats.org/drawingml/2006/main" xmlns:r="http://schemas.openxmlformats.org/officeDocument/2006/relationships" xmlns:p="http://schemas.openxmlformats.org/presentationml/2006/main">
+  <p:cSld>
+    <p:spTree>
+      <p:nvGrpSpPr>
+        <p:cNvPr id="1" name=""/>
+        <p:cNvGrpSpPr/>
+        <p:nvPr/>
+      </p:nvGrpSpPr>
+      <p:grpSpPr>
+        <a:xfrm>
+          <a:off x="0" y="0"/>
+          <a:ext cx="0" cy="0"/>
+          <a:chOff x="0" y="0"/>
+          <a:chExt cx="0" cy="0"/>
+        </a:xfrm>
+      </p:grpSpPr>
+      <p:sp>
+        <p:nvSpPr>
+          <p:cNvPr id="2" name="Title 1">
+            <a:extLst>
+              <a:ext uri="{FF2B5EF4-FFF2-40B4-BE49-F238E27FC236}">
                 <a16:creationId xmlns:a16="http://schemas.microsoft.com/office/drawing/2014/main" id="{1628637C-528C-418A-A756-CF0E6D7CF834}"/>
               </a:ext>
             </a:extLst>
@@ -4011,7 +4112,7 @@
 </p:sld>
 </file>
 
-<file path=ppt/slides/slide12.xml><?xml version="1.0" encoding="utf-8"?>
+<file path=ppt/slides/slide13.xml><?xml version="1.0" encoding="utf-8"?>
 <p:sld xmlns:a="http://schemas.openxmlformats.org/drawingml/2006/main" xmlns:r="http://schemas.openxmlformats.org/officeDocument/2006/relationships" xmlns:p="http://schemas.openxmlformats.org/presentationml/2006/main">
   <p:cSld>
     <p:spTree>
@@ -4099,7 +4200,7 @@
 </p:sld>
 </file>
 
-<file path=ppt/slides/slide13.xml><?xml version="1.0" encoding="utf-8"?>
+<file path=ppt/slides/slide14.xml><?xml version="1.0" encoding="utf-8"?>
 <p:sld xmlns:a="http://schemas.openxmlformats.org/drawingml/2006/main" xmlns:r="http://schemas.openxmlformats.org/officeDocument/2006/relationships" xmlns:p="http://schemas.openxmlformats.org/presentationml/2006/main">
   <p:cSld>
     <p:spTree>
@@ -4630,7 +4731,7 @@
 </p:sld>
 </file>
 
-<file path=ppt/slides/slide14.xml><?xml version="1.0" encoding="utf-8"?>
+<file path=ppt/slides/slide15.xml><?xml version="1.0" encoding="utf-8"?>
 <p:sld xmlns:a="http://schemas.openxmlformats.org/drawingml/2006/main" xmlns:r="http://schemas.openxmlformats.org/officeDocument/2006/relationships" xmlns:p="http://schemas.openxmlformats.org/presentationml/2006/main">
   <p:cSld>
     <p:spTree>
@@ -5193,7 +5294,7 @@
 </p:sld>
 </file>
 
-<file path=ppt/slides/slide15.xml><?xml version="1.0" encoding="utf-8"?>
+<file path=ppt/slides/slide16.xml><?xml version="1.0" encoding="utf-8"?>
 <p:sld xmlns:a="http://schemas.openxmlformats.org/drawingml/2006/main" xmlns:r="http://schemas.openxmlformats.org/officeDocument/2006/relationships" xmlns:p="http://schemas.openxmlformats.org/presentationml/2006/main">
   <p:cSld>
     <p:spTree>
@@ -5340,374 +5441,6 @@
 </p:sld>
 </file>
 
-<file path=ppt/slides/slide16.xml><?xml version="1.0" encoding="utf-8"?>
-<p:sld xmlns:a="http://schemas.openxmlformats.org/drawingml/2006/main" xmlns:r="http://schemas.openxmlformats.org/officeDocument/2006/relationships" xmlns:p="http://schemas.openxmlformats.org/presentationml/2006/main">
-  <p:cSld>
-    <p:spTree>
-      <p:nvGrpSpPr>
-        <p:cNvPr id="1" name=""/>
-        <p:cNvGrpSpPr/>
-        <p:nvPr/>
-      </p:nvGrpSpPr>
-      <p:grpSpPr>
-        <a:xfrm>
-          <a:off x="0" y="0"/>
-          <a:ext cx="0" cy="0"/>
-          <a:chOff x="0" y="0"/>
-          <a:chExt cx="0" cy="0"/>
-        </a:xfrm>
-      </p:grpSpPr>
-      <p:sp>
-        <p:nvSpPr>
-          <p:cNvPr id="2" name="Title 1">
-            <a:extLst>
-              <a:ext uri="{FF2B5EF4-FFF2-40B4-BE49-F238E27FC236}">
-                <a16:creationId xmlns:a16="http://schemas.microsoft.com/office/drawing/2014/main" id="{E6A46310-5501-4904-A60E-6158D3AC0704}"/>
-              </a:ext>
-            </a:extLst>
-          </p:cNvPr>
-          <p:cNvSpPr>
-            <a:spLocks noGrp="1"/>
-          </p:cNvSpPr>
-          <p:nvPr>
-            <p:ph type="title"/>
-          </p:nvPr>
-        </p:nvSpPr>
-        <p:spPr>
-          <a:xfrm>
-            <a:off x="838200" y="365126"/>
-            <a:ext cx="10515600" cy="704019"/>
-          </a:xfrm>
-        </p:spPr>
-        <p:txBody>
-          <a:bodyPr/>
-          <a:lstStyle/>
-          <a:p>
-            <a:r>
-              <a:rPr lang="en-US" dirty="0"/>
-              <a:t>Python base code</a:t>
-            </a:r>
-          </a:p>
-        </p:txBody>
-      </p:sp>
-      <p:sp>
-        <p:nvSpPr>
-          <p:cNvPr id="3" name="Content Placeholder 2">
-            <a:extLst>
-              <a:ext uri="{FF2B5EF4-FFF2-40B4-BE49-F238E27FC236}">
-                <a16:creationId xmlns:a16="http://schemas.microsoft.com/office/drawing/2014/main" id="{A14155E4-1E6D-4BE0-806C-B01FDC22631F}"/>
-              </a:ext>
-            </a:extLst>
-          </p:cNvPr>
-          <p:cNvSpPr>
-            <a:spLocks noGrp="1"/>
-          </p:cNvSpPr>
-          <p:nvPr>
-            <p:ph idx="1"/>
-          </p:nvPr>
-        </p:nvSpPr>
-        <p:spPr>
-          <a:xfrm>
-            <a:off x="838200" y="1237956"/>
-            <a:ext cx="10515600" cy="5514535"/>
-          </a:xfrm>
-        </p:spPr>
-        <p:txBody>
-          <a:bodyPr>
-            <a:normAutofit fontScale="55000" lnSpcReduction="20000"/>
-          </a:bodyPr>
-          <a:lstStyle/>
-          <a:p>
-            <a:pPr marL="0" indent="0">
-              <a:buNone/>
-            </a:pPr>
-            <a:r>
-              <a:rPr lang="en-US" dirty="0"/>
-              <a:t>from PyQt5.QtCore import * </a:t>
-            </a:r>
-          </a:p>
-          <a:p>
-            <a:pPr marL="0" indent="0">
-              <a:buNone/>
-            </a:pPr>
-            <a:r>
-              <a:rPr lang="en-US" dirty="0"/>
-              <a:t>from PyQt5.QtGui import * </a:t>
-            </a:r>
-          </a:p>
-          <a:p>
-            <a:pPr marL="0" indent="0">
-              <a:buNone/>
-            </a:pPr>
-            <a:r>
-              <a:rPr lang="en-US" dirty="0"/>
-              <a:t>from PyQt5.QtQml import * </a:t>
-            </a:r>
-          </a:p>
-          <a:p>
-            <a:pPr marL="0" indent="0">
-              <a:buNone/>
-            </a:pPr>
-            <a:r>
-              <a:rPr lang="en-US" dirty="0"/>
-              <a:t>from PyQt5.QtWidgets import *</a:t>
-            </a:r>
-          </a:p>
-          <a:p>
-            <a:pPr marL="0" indent="0">
-              <a:buNone/>
-            </a:pPr>
-            <a:r>
-              <a:rPr lang="en-US" dirty="0"/>
-              <a:t>from PyQt5.QtQuick import *  </a:t>
-            </a:r>
-          </a:p>
-          <a:p>
-            <a:pPr marL="0" indent="0">
-              <a:buNone/>
-            </a:pPr>
-            <a:r>
-              <a:rPr lang="en-US" dirty="0"/>
-              <a:t>import sys</a:t>
-            </a:r>
-          </a:p>
-          <a:p>
-            <a:pPr marL="0" indent="0">
-              <a:buNone/>
-            </a:pPr>
-            <a:endParaRPr lang="en-US" dirty="0"/>
-          </a:p>
-          <a:p>
-            <a:pPr marL="0" indent="0">
-              <a:buNone/>
-            </a:pPr>
-            <a:r>
-              <a:rPr lang="en-US" dirty="0"/>
-              <a:t>class table(</a:t>
-            </a:r>
-            <a:r>
-              <a:rPr lang="en-US" dirty="0" err="1"/>
-              <a:t>QObject</a:t>
-            </a:r>
-            <a:r>
-              <a:rPr lang="en-US" dirty="0"/>
-              <a:t>):    </a:t>
-            </a:r>
-          </a:p>
-          <a:p>
-            <a:pPr marL="0" indent="0">
-              <a:buNone/>
-            </a:pPr>
-            <a:r>
-              <a:rPr lang="en-US" dirty="0"/>
-              <a:t>    def __</a:t>
-            </a:r>
-            <a:r>
-              <a:rPr lang="en-US" dirty="0" err="1"/>
-              <a:t>init</a:t>
-            </a:r>
-            <a:r>
-              <a:rPr lang="en-US" dirty="0"/>
-              <a:t>__(self, parent = None):</a:t>
-            </a:r>
-          </a:p>
-          <a:p>
-            <a:pPr marL="0" indent="0">
-              <a:buNone/>
-            </a:pPr>
-            <a:r>
-              <a:rPr lang="en-US" dirty="0"/>
-              <a:t>        super().__</a:t>
-            </a:r>
-            <a:r>
-              <a:rPr lang="en-US" dirty="0" err="1"/>
-              <a:t>init</a:t>
-            </a:r>
-            <a:r>
-              <a:rPr lang="en-US" dirty="0"/>
-              <a:t>__(parent)</a:t>
-            </a:r>
-          </a:p>
-          <a:p>
-            <a:pPr marL="0" indent="0">
-              <a:buNone/>
-            </a:pPr>
-            <a:r>
-              <a:rPr lang="en-US" dirty="0"/>
-              <a:t>        </a:t>
-            </a:r>
-            <a:r>
-              <a:rPr lang="en-US" dirty="0" err="1"/>
-              <a:t>self.app</a:t>
-            </a:r>
-            <a:r>
-              <a:rPr lang="en-US" dirty="0"/>
-              <a:t> = </a:t>
-            </a:r>
-            <a:r>
-              <a:rPr lang="en-US" dirty="0" err="1"/>
-              <a:t>QApplication</a:t>
-            </a:r>
-            <a:r>
-              <a:rPr lang="en-US" dirty="0"/>
-              <a:t>(</a:t>
-            </a:r>
-            <a:r>
-              <a:rPr lang="en-US" dirty="0" err="1"/>
-              <a:t>sys.argv</a:t>
-            </a:r>
-            <a:r>
-              <a:rPr lang="en-US" dirty="0"/>
-              <a:t>)</a:t>
-            </a:r>
-          </a:p>
-          <a:p>
-            <a:pPr marL="0" indent="0">
-              <a:buNone/>
-            </a:pPr>
-            <a:r>
-              <a:rPr lang="en-US" dirty="0"/>
-              <a:t>        </a:t>
-            </a:r>
-            <a:r>
-              <a:rPr lang="en-US" dirty="0" err="1"/>
-              <a:t>self.engine</a:t>
-            </a:r>
-            <a:r>
-              <a:rPr lang="en-US" dirty="0"/>
-              <a:t> = </a:t>
-            </a:r>
-            <a:r>
-              <a:rPr lang="en-US" dirty="0" err="1"/>
-              <a:t>QQmlApplicationEngine</a:t>
-            </a:r>
-            <a:r>
-              <a:rPr lang="en-US" dirty="0"/>
-              <a:t>(self)</a:t>
-            </a:r>
-          </a:p>
-          <a:p>
-            <a:pPr marL="0" indent="0">
-              <a:buNone/>
-            </a:pPr>
-            <a:r>
-              <a:rPr lang="en-US" dirty="0"/>
-              <a:t>        </a:t>
-            </a:r>
-            <a:r>
-              <a:rPr lang="en-US" dirty="0" err="1"/>
-              <a:t>self.engine.rootContext</a:t>
-            </a:r>
-            <a:r>
-              <a:rPr lang="en-US" dirty="0"/>
-              <a:t>().</a:t>
-            </a:r>
-            <a:r>
-              <a:rPr lang="en-US" dirty="0" err="1"/>
-              <a:t>setContextProperty</a:t>
-            </a:r>
-            <a:r>
-              <a:rPr lang="en-US" dirty="0"/>
-              <a:t>("backend", self)    </a:t>
-            </a:r>
-          </a:p>
-          <a:p>
-            <a:pPr marL="0" indent="0">
-              <a:buNone/>
-            </a:pPr>
-            <a:r>
-              <a:rPr lang="en-US" dirty="0"/>
-              <a:t>        </a:t>
-            </a:r>
-            <a:r>
-              <a:rPr lang="en-US" dirty="0" err="1"/>
-              <a:t>self.engine.load</a:t>
-            </a:r>
-            <a:r>
-              <a:rPr lang="en-US" dirty="0"/>
-              <a:t>(</a:t>
-            </a:r>
-            <a:r>
-              <a:rPr lang="en-US" dirty="0" err="1"/>
-              <a:t>QUrl</a:t>
-            </a:r>
-            <a:r>
-              <a:rPr lang="en-US" dirty="0"/>
-              <a:t>("</a:t>
-            </a:r>
-            <a:r>
-              <a:rPr lang="en-US" dirty="0" err="1"/>
-              <a:t>main.qml</a:t>
-            </a:r>
-            <a:r>
-              <a:rPr lang="en-US" dirty="0"/>
-              <a:t>"))</a:t>
-            </a:r>
-          </a:p>
-          <a:p>
-            <a:pPr marL="0" indent="0">
-              <a:buNone/>
-            </a:pPr>
-            <a:r>
-              <a:rPr lang="en-US" dirty="0"/>
-              <a:t>        </a:t>
-            </a:r>
-            <a:r>
-              <a:rPr lang="en-US" dirty="0" err="1"/>
-              <a:t>sys.exit</a:t>
-            </a:r>
-            <a:r>
-              <a:rPr lang="en-US" dirty="0"/>
-              <a:t>(</a:t>
-            </a:r>
-            <a:r>
-              <a:rPr lang="en-US" dirty="0" err="1"/>
-              <a:t>self.app.exec</a:t>
-            </a:r>
-            <a:r>
-              <a:rPr lang="en-US" dirty="0"/>
-              <a:t>_())</a:t>
-            </a:r>
-          </a:p>
-          <a:p>
-            <a:pPr marL="0" indent="0">
-              <a:buNone/>
-            </a:pPr>
-            <a:endParaRPr lang="en-US" dirty="0"/>
-          </a:p>
-          <a:p>
-            <a:pPr marL="0" indent="0">
-              <a:buNone/>
-            </a:pPr>
-            <a:r>
-              <a:rPr lang="en-US" dirty="0"/>
-              <a:t>if __name__ == "__main__":</a:t>
-            </a:r>
-          </a:p>
-          <a:p>
-            <a:pPr marL="0" indent="0">
-              <a:buNone/>
-            </a:pPr>
-            <a:r>
-              <a:rPr lang="en-US" dirty="0"/>
-              <a:t>    main = table()</a:t>
-            </a:r>
-          </a:p>
-        </p:txBody>
-      </p:sp>
-    </p:spTree>
-    <p:extLst>
-      <p:ext uri="{BB962C8B-B14F-4D97-AF65-F5344CB8AC3E}">
-        <p14:creationId xmlns:p14="http://schemas.microsoft.com/office/powerpoint/2010/main" val="2234570661"/>
-      </p:ext>
-    </p:extLst>
-  </p:cSld>
-  <p:clrMapOvr>
-    <a:masterClrMapping/>
-  </p:clrMapOvr>
-</p:sld>
-</file>
-
 <file path=ppt/slides/slide17.xml><?xml version="1.0" encoding="utf-8"?>
 <p:sld xmlns:a="http://schemas.openxmlformats.org/drawingml/2006/main" xmlns:r="http://schemas.openxmlformats.org/officeDocument/2006/relationships" xmlns:p="http://schemas.openxmlformats.org/presentationml/2006/main">
   <p:cSld>
@@ -5730,7 +5463,7 @@
           <p:cNvPr id="2" name="Title 1">
             <a:extLst>
               <a:ext uri="{FF2B5EF4-FFF2-40B4-BE49-F238E27FC236}">
-                <a16:creationId xmlns:a16="http://schemas.microsoft.com/office/drawing/2014/main" id="{1F5B5A94-21DF-44CF-A8EF-0F28CC9CA421}"/>
+                <a16:creationId xmlns:a16="http://schemas.microsoft.com/office/drawing/2014/main" id="{E6A46310-5501-4904-A60E-6158D3AC0704}"/>
               </a:ext>
             </a:extLst>
           </p:cNvPr>
@@ -5743,8 +5476,8 @@
         </p:nvSpPr>
         <p:spPr>
           <a:xfrm>
-            <a:off x="838200" y="365125"/>
-            <a:ext cx="10515600" cy="816561"/>
+            <a:off x="838200" y="365126"/>
+            <a:ext cx="10515600" cy="704019"/>
           </a:xfrm>
         </p:spPr>
         <p:txBody>
@@ -5752,12 +5485,8 @@
           <a:lstStyle/>
           <a:p>
             <a:r>
-              <a:rPr lang="en-US" dirty="0" err="1"/>
-              <a:t>Qml</a:t>
-            </a:r>
-            <a:r>
-              <a:rPr lang="en-US" dirty="0"/>
-              <a:t> base code</a:t>
+              <a:rPr lang="en-US" dirty="0"/>
+              <a:t>Python base code</a:t>
             </a:r>
           </a:p>
         </p:txBody>
@@ -5767,7 +5496,7 @@
           <p:cNvPr id="3" name="Content Placeholder 2">
             <a:extLst>
               <a:ext uri="{FF2B5EF4-FFF2-40B4-BE49-F238E27FC236}">
-                <a16:creationId xmlns:a16="http://schemas.microsoft.com/office/drawing/2014/main" id="{9D4E04F6-5B08-4904-B97B-A37AD4A5FB04}"/>
+                <a16:creationId xmlns:a16="http://schemas.microsoft.com/office/drawing/2014/main" id="{A14155E4-1E6D-4BE0-806C-B01FDC22631F}"/>
               </a:ext>
             </a:extLst>
           </p:cNvPr>
@@ -5780,13 +5509,13 @@
         </p:nvSpPr>
         <p:spPr>
           <a:xfrm>
-            <a:off x="838200" y="1308295"/>
-            <a:ext cx="5042095" cy="4868668"/>
+            <a:off x="838200" y="1237956"/>
+            <a:ext cx="10515600" cy="5514535"/>
           </a:xfrm>
         </p:spPr>
         <p:txBody>
           <a:bodyPr>
-            <a:normAutofit fontScale="62500" lnSpcReduction="20000"/>
+            <a:normAutofit fontScale="55000" lnSpcReduction="20000"/>
           </a:bodyPr>
           <a:lstStyle/>
           <a:p>
@@ -5795,193 +5524,58 @@
             </a:pPr>
             <a:r>
               <a:rPr lang="en-US" dirty="0"/>
-              <a:t>import </a:t>
-            </a:r>
-            <a:r>
-              <a:rPr lang="en-US" dirty="0" err="1"/>
-              <a:t>QtQuick</a:t>
-            </a:r>
-            <a:r>
-              <a:rPr lang="en-US" dirty="0"/>
-              <a:t> 2.12</a:t>
-            </a:r>
-          </a:p>
-          <a:p>
-            <a:pPr marL="0" indent="0">
-              <a:buNone/>
-            </a:pPr>
-            <a:r>
-              <a:rPr lang="en-US" dirty="0"/>
-              <a:t>import </a:t>
-            </a:r>
-            <a:r>
-              <a:rPr lang="en-US" dirty="0" err="1"/>
-              <a:t>QtQuick.Window</a:t>
-            </a:r>
-            <a:r>
-              <a:rPr lang="en-US" dirty="0"/>
-              <a:t> 2.13</a:t>
-            </a:r>
-          </a:p>
-          <a:p>
-            <a:pPr marL="0" indent="0">
-              <a:buNone/>
-            </a:pPr>
-            <a:r>
-              <a:rPr lang="en-US" dirty="0"/>
-              <a:t>import </a:t>
-            </a:r>
-            <a:r>
-              <a:rPr lang="en-US" dirty="0" err="1"/>
-              <a:t>QtQuick.Controls</a:t>
-            </a:r>
-            <a:r>
-              <a:rPr lang="en-US" dirty="0"/>
-              <a:t> 2.0</a:t>
-            </a:r>
-          </a:p>
-          <a:p>
-            <a:pPr marL="0" indent="0">
-              <a:buNone/>
-            </a:pPr>
-            <a:r>
-              <a:rPr lang="en-US" dirty="0"/>
-              <a:t>import </a:t>
-            </a:r>
-            <a:r>
-              <a:rPr lang="en-US" dirty="0" err="1"/>
-              <a:t>QtQuick.Controls.Styles</a:t>
-            </a:r>
-            <a:r>
-              <a:rPr lang="en-US" dirty="0"/>
-              <a:t> 1.4</a:t>
-            </a:r>
-          </a:p>
-          <a:p>
-            <a:pPr marL="0" indent="0">
-              <a:buNone/>
-            </a:pPr>
-            <a:r>
-              <a:rPr lang="en-US" dirty="0"/>
-              <a:t>import </a:t>
-            </a:r>
-            <a:r>
-              <a:rPr lang="en-US" dirty="0" err="1"/>
-              <a:t>QtQuick.Extras</a:t>
-            </a:r>
-            <a:r>
-              <a:rPr lang="en-US" dirty="0"/>
-              <a:t> 1.4</a:t>
-            </a:r>
-          </a:p>
-          <a:p>
-            <a:pPr marL="0" indent="0">
-              <a:buNone/>
-            </a:pPr>
-            <a:r>
-              <a:rPr lang="en-US" dirty="0"/>
-              <a:t>import </a:t>
-            </a:r>
-            <a:r>
-              <a:rPr lang="en-US" dirty="0" err="1"/>
-              <a:t>QtQuick.Extras.Private</a:t>
-            </a:r>
-            <a:r>
-              <a:rPr lang="en-US" dirty="0"/>
-              <a:t> 1.0</a:t>
-            </a:r>
-          </a:p>
-          <a:p>
-            <a:pPr marL="0" indent="0">
-              <a:buNone/>
-            </a:pPr>
-            <a:r>
-              <a:rPr lang="en-US" dirty="0"/>
-              <a:t>Window {</a:t>
-            </a:r>
-          </a:p>
-          <a:p>
-            <a:pPr marL="0" indent="0">
-              <a:buNone/>
-            </a:pPr>
-            <a:r>
-              <a:rPr lang="en-US" dirty="0"/>
-              <a:t>	id : root</a:t>
-            </a:r>
-          </a:p>
-          <a:p>
-            <a:pPr marL="0" indent="0">
-              <a:buNone/>
-            </a:pPr>
-            <a:r>
-              <a:rPr lang="en-US" dirty="0"/>
-              <a:t>	width: 400</a:t>
-            </a:r>
-          </a:p>
-          <a:p>
-            <a:pPr marL="0" indent="0">
-              <a:buNone/>
-            </a:pPr>
-            <a:r>
-              <a:rPr lang="en-US" dirty="0"/>
-              <a:t>	height: 400</a:t>
-            </a:r>
-          </a:p>
-          <a:p>
-            <a:pPr marL="0" indent="0">
-              <a:buNone/>
-            </a:pPr>
-            <a:r>
-              <a:rPr lang="en-US" dirty="0"/>
-              <a:t>	title:"</a:t>
-            </a:r>
-            <a:r>
-              <a:rPr lang="en-US" dirty="0" err="1"/>
-              <a:t>membuat</a:t>
-            </a:r>
-            <a:r>
-              <a:rPr lang="en-US" dirty="0"/>
-              <a:t> windows"</a:t>
-            </a:r>
-          </a:p>
-          <a:p>
-            <a:pPr marL="0" indent="0">
-              <a:buNone/>
-            </a:pPr>
-            <a:r>
-              <a:rPr lang="en-US" dirty="0"/>
-              <a:t>	color : "pink"</a:t>
-            </a:r>
-          </a:p>
-          <a:p>
-            <a:pPr marL="0" indent="0">
-              <a:buNone/>
-            </a:pPr>
-            <a:r>
-              <a:rPr lang="en-US" dirty="0"/>
-              <a:t>    	visible: true</a:t>
-            </a:r>
-          </a:p>
-          <a:p>
-            <a:pPr marL="0" indent="0">
-              <a:buNone/>
-            </a:pPr>
-            <a:r>
-              <a:rPr lang="en-US" dirty="0"/>
-              <a:t>    	//flags: </a:t>
-            </a:r>
-            <a:r>
-              <a:rPr lang="en-US" dirty="0" err="1"/>
-              <a:t>Qt.WindowMaximized</a:t>
-            </a:r>
-            <a:r>
-              <a:rPr lang="en-US" dirty="0"/>
-              <a:t> //</a:t>
-            </a:r>
-            <a:r>
-              <a:rPr lang="en-US" dirty="0" err="1"/>
-              <a:t>Qt.Dialog</a:t>
-            </a:r>
+              <a:t>from PyQt5.QtCore import * </a:t>
+            </a:r>
+          </a:p>
+          <a:p>
+            <a:pPr marL="0" indent="0">
+              <a:buNone/>
+            </a:pPr>
+            <a:r>
+              <a:rPr lang="en-US" dirty="0"/>
+              <a:t>from PyQt5.QtGui import * </a:t>
+            </a:r>
+          </a:p>
+          <a:p>
+            <a:pPr marL="0" indent="0">
+              <a:buNone/>
+            </a:pPr>
+            <a:r>
+              <a:rPr lang="en-US" dirty="0"/>
+              <a:t>from PyQt5.QtQml import * </a:t>
+            </a:r>
+          </a:p>
+          <a:p>
+            <a:pPr marL="0" indent="0">
+              <a:buNone/>
+            </a:pPr>
+            <a:r>
+              <a:rPr lang="en-US" dirty="0"/>
+              <a:t>from PyQt5.QtWidgets import *</a:t>
+            </a:r>
+          </a:p>
+          <a:p>
+            <a:pPr marL="0" indent="0">
+              <a:buNone/>
+            </a:pPr>
+            <a:r>
+              <a:rPr lang="en-US" dirty="0"/>
+              <a:t>from PyQt5.QtQuick import *  </a:t>
+            </a:r>
+          </a:p>
+          <a:p>
+            <a:pPr marL="0" indent="0">
+              <a:buNone/>
+            </a:pPr>
+            <a:r>
+              <a:rPr lang="en-US" dirty="0"/>
+              <a:t>import sys</a:t>
+            </a:r>
+          </a:p>
+          <a:p>
+            <a:pPr marL="0" indent="0">
+              <a:buNone/>
+            </a:pPr>
             <a:endParaRPr lang="en-US" dirty="0"/>
           </a:p>
           <a:p>
@@ -5990,7 +5584,214 @@
             </a:pPr>
             <a:r>
               <a:rPr lang="en-US" dirty="0"/>
-              <a:t>}</a:t>
+              <a:t>class table(</a:t>
+            </a:r>
+            <a:r>
+              <a:rPr lang="en-US" dirty="0" err="1"/>
+              <a:t>QObject</a:t>
+            </a:r>
+            <a:r>
+              <a:rPr lang="en-US" dirty="0"/>
+              <a:t>):    </a:t>
+            </a:r>
+          </a:p>
+          <a:p>
+            <a:pPr marL="0" indent="0">
+              <a:buNone/>
+            </a:pPr>
+            <a:r>
+              <a:rPr lang="en-US" dirty="0"/>
+              <a:t>    def __</a:t>
+            </a:r>
+            <a:r>
+              <a:rPr lang="en-US" dirty="0" err="1"/>
+              <a:t>init</a:t>
+            </a:r>
+            <a:r>
+              <a:rPr lang="en-US" dirty="0"/>
+              <a:t>__(self, parent = None):</a:t>
+            </a:r>
+          </a:p>
+          <a:p>
+            <a:pPr marL="0" indent="0">
+              <a:buNone/>
+            </a:pPr>
+            <a:r>
+              <a:rPr lang="en-US" dirty="0"/>
+              <a:t>        super().__</a:t>
+            </a:r>
+            <a:r>
+              <a:rPr lang="en-US" dirty="0" err="1"/>
+              <a:t>init</a:t>
+            </a:r>
+            <a:r>
+              <a:rPr lang="en-US" dirty="0"/>
+              <a:t>__(parent)</a:t>
+            </a:r>
+          </a:p>
+          <a:p>
+            <a:pPr marL="0" indent="0">
+              <a:buNone/>
+            </a:pPr>
+            <a:r>
+              <a:rPr lang="en-US" dirty="0"/>
+              <a:t>        </a:t>
+            </a:r>
+            <a:r>
+              <a:rPr lang="en-US" dirty="0" err="1"/>
+              <a:t>self.app</a:t>
+            </a:r>
+            <a:r>
+              <a:rPr lang="en-US" dirty="0"/>
+              <a:t> = </a:t>
+            </a:r>
+            <a:r>
+              <a:rPr lang="en-US" dirty="0" err="1"/>
+              <a:t>QApplication</a:t>
+            </a:r>
+            <a:r>
+              <a:rPr lang="en-US" dirty="0"/>
+              <a:t>(</a:t>
+            </a:r>
+            <a:r>
+              <a:rPr lang="en-US" dirty="0" err="1"/>
+              <a:t>sys.argv</a:t>
+            </a:r>
+            <a:r>
+              <a:rPr lang="en-US" dirty="0"/>
+              <a:t>)</a:t>
+            </a:r>
+          </a:p>
+          <a:p>
+            <a:pPr marL="0" indent="0">
+              <a:buNone/>
+            </a:pPr>
+            <a:r>
+              <a:rPr lang="en-US" dirty="0"/>
+              <a:t>        </a:t>
+            </a:r>
+            <a:r>
+              <a:rPr lang="en-US" dirty="0" err="1"/>
+              <a:t>self.engine</a:t>
+            </a:r>
+            <a:r>
+              <a:rPr lang="en-US" dirty="0"/>
+              <a:t> = </a:t>
+            </a:r>
+            <a:r>
+              <a:rPr lang="en-US" dirty="0" err="1"/>
+              <a:t>QQmlApplicationEngine</a:t>
+            </a:r>
+            <a:r>
+              <a:rPr lang="en-US" dirty="0"/>
+              <a:t>(self)</a:t>
+            </a:r>
+          </a:p>
+          <a:p>
+            <a:pPr marL="0" indent="0">
+              <a:buNone/>
+            </a:pPr>
+            <a:r>
+              <a:rPr lang="en-US" dirty="0"/>
+              <a:t>        </a:t>
+            </a:r>
+            <a:r>
+              <a:rPr lang="en-US" dirty="0" err="1"/>
+              <a:t>self.engine.rootContext</a:t>
+            </a:r>
+            <a:r>
+              <a:rPr lang="en-US" dirty="0"/>
+              <a:t>().</a:t>
+            </a:r>
+            <a:r>
+              <a:rPr lang="en-US" dirty="0" err="1"/>
+              <a:t>setContextProperty</a:t>
+            </a:r>
+            <a:r>
+              <a:rPr lang="en-US" dirty="0"/>
+              <a:t>("backend", self)    </a:t>
+            </a:r>
+          </a:p>
+          <a:p>
+            <a:pPr marL="0" indent="0">
+              <a:buNone/>
+            </a:pPr>
+            <a:r>
+              <a:rPr lang="en-US" dirty="0"/>
+              <a:t>        </a:t>
+            </a:r>
+            <a:r>
+              <a:rPr lang="en-US" dirty="0" err="1"/>
+              <a:t>self.engine.load</a:t>
+            </a:r>
+            <a:r>
+              <a:rPr lang="en-US" dirty="0"/>
+              <a:t>(</a:t>
+            </a:r>
+            <a:r>
+              <a:rPr lang="en-US" dirty="0" err="1"/>
+              <a:t>QUrl</a:t>
+            </a:r>
+            <a:r>
+              <a:rPr lang="en-US" dirty="0"/>
+              <a:t>("</a:t>
+            </a:r>
+            <a:r>
+              <a:rPr lang="en-US" dirty="0" err="1"/>
+              <a:t>main.qml</a:t>
+            </a:r>
+            <a:r>
+              <a:rPr lang="en-US" dirty="0"/>
+              <a:t>"))</a:t>
+            </a:r>
+          </a:p>
+          <a:p>
+            <a:pPr marL="0" indent="0">
+              <a:buNone/>
+            </a:pPr>
+            <a:r>
+              <a:rPr lang="en-US" dirty="0"/>
+              <a:t>        </a:t>
+            </a:r>
+            <a:r>
+              <a:rPr lang="en-US" dirty="0" err="1"/>
+              <a:t>sys.exit</a:t>
+            </a:r>
+            <a:r>
+              <a:rPr lang="en-US" dirty="0"/>
+              <a:t>(</a:t>
+            </a:r>
+            <a:r>
+              <a:rPr lang="en-US" dirty="0" err="1"/>
+              <a:t>self.app.exec</a:t>
+            </a:r>
+            <a:r>
+              <a:rPr lang="en-US" dirty="0"/>
+              <a:t>_())</a:t>
+            </a:r>
+          </a:p>
+          <a:p>
+            <a:pPr marL="0" indent="0">
+              <a:buNone/>
+            </a:pPr>
+            <a:endParaRPr lang="en-US" dirty="0"/>
+          </a:p>
+          <a:p>
+            <a:pPr marL="0" indent="0">
+              <a:buNone/>
+            </a:pPr>
+            <a:r>
+              <a:rPr lang="en-US" dirty="0"/>
+              <a:t>if __name__ == "__main__":</a:t>
+            </a:r>
+          </a:p>
+          <a:p>
+            <a:pPr marL="0" indent="0">
+              <a:buNone/>
+            </a:pPr>
+            <a:r>
+              <a:rPr lang="en-US" dirty="0"/>
+              <a:t>    main = table()</a:t>
             </a:r>
           </a:p>
         </p:txBody>
@@ -5998,7 +5799,7 @@
     </p:spTree>
     <p:extLst>
       <p:ext uri="{BB962C8B-B14F-4D97-AF65-F5344CB8AC3E}">
-        <p14:creationId xmlns:p14="http://schemas.microsoft.com/office/powerpoint/2010/main" val="427793397"/>
+        <p14:creationId xmlns:p14="http://schemas.microsoft.com/office/powerpoint/2010/main" val="2234570661"/>
       </p:ext>
     </p:extLst>
   </p:cSld>
@@ -6030,7 +5831,7 @@
           <p:cNvPr id="2" name="Title 1">
             <a:extLst>
               <a:ext uri="{FF2B5EF4-FFF2-40B4-BE49-F238E27FC236}">
-                <a16:creationId xmlns:a16="http://schemas.microsoft.com/office/drawing/2014/main" id="{28243225-0724-4A13-9746-C3B70F8D480B}"/>
+                <a16:creationId xmlns:a16="http://schemas.microsoft.com/office/drawing/2014/main" id="{1F5B5A94-21DF-44CF-A8EF-0F28CC9CA421}"/>
               </a:ext>
             </a:extLst>
           </p:cNvPr>
@@ -6041,14 +5842,23 @@
             <p:ph type="title"/>
           </p:nvPr>
         </p:nvSpPr>
-        <p:spPr/>
+        <p:spPr>
+          <a:xfrm>
+            <a:off x="838200" y="365125"/>
+            <a:ext cx="10515600" cy="816561"/>
+          </a:xfrm>
+        </p:spPr>
         <p:txBody>
           <a:bodyPr/>
           <a:lstStyle/>
           <a:p>
             <a:r>
-              <a:rPr lang="en-US" dirty="0"/>
-              <a:t>Experiment </a:t>
+              <a:rPr lang="en-US" dirty="0" err="1"/>
+              <a:t>Qml</a:t>
+            </a:r>
+            <a:r>
+              <a:rPr lang="en-US" dirty="0"/>
+              <a:t> base code</a:t>
             </a:r>
           </a:p>
         </p:txBody>
@@ -6058,7 +5868,7 @@
           <p:cNvPr id="3" name="Content Placeholder 2">
             <a:extLst>
               <a:ext uri="{FF2B5EF4-FFF2-40B4-BE49-F238E27FC236}">
-                <a16:creationId xmlns:a16="http://schemas.microsoft.com/office/drawing/2014/main" id="{599A20BE-790C-42F4-A2FC-EA1EE5FBD13D}"/>
+                <a16:creationId xmlns:a16="http://schemas.microsoft.com/office/drawing/2014/main" id="{9D4E04F6-5B08-4904-B97B-A37AD4A5FB04}"/>
               </a:ext>
             </a:extLst>
           </p:cNvPr>
@@ -6069,32 +5879,227 @@
             <p:ph idx="1"/>
           </p:nvPr>
         </p:nvSpPr>
-        <p:spPr/>
-        <p:txBody>
-          <a:bodyPr/>
+        <p:spPr>
+          <a:xfrm>
+            <a:off x="838200" y="1308295"/>
+            <a:ext cx="5042095" cy="4868668"/>
+          </a:xfrm>
+        </p:spPr>
+        <p:txBody>
+          <a:bodyPr>
+            <a:normAutofit fontScale="62500" lnSpcReduction="20000"/>
+          </a:bodyPr>
           <a:lstStyle/>
           <a:p>
-            <a:pPr marL="0" indent="0" algn="ctr">
-              <a:buNone/>
-            </a:pPr>
-            <a:r>
-              <a:rPr lang="en-US" dirty="0"/>
-              <a:t>Make your windows with your favorite color </a:t>
-            </a:r>
-            <a:r>
-              <a:rPr lang="en-US" dirty="0">
-                <a:sym typeface="Wingdings" panose="05000000000000000000" pitchFamily="2" charset="2"/>
-              </a:rPr>
-              <a:t></a:t>
+            <a:pPr marL="0" indent="0">
+              <a:buNone/>
+            </a:pPr>
+            <a:r>
+              <a:rPr lang="en-US" dirty="0"/>
+              <a:t>import </a:t>
+            </a:r>
+            <a:r>
+              <a:rPr lang="en-US" dirty="0" err="1"/>
+              <a:t>QtQuick</a:t>
+            </a:r>
+            <a:r>
+              <a:rPr lang="en-US" dirty="0"/>
+              <a:t> 2.12</a:t>
+            </a:r>
+          </a:p>
+          <a:p>
+            <a:pPr marL="0" indent="0">
+              <a:buNone/>
+            </a:pPr>
+            <a:r>
+              <a:rPr lang="en-US" dirty="0"/>
+              <a:t>import </a:t>
+            </a:r>
+            <a:r>
+              <a:rPr lang="en-US" dirty="0" err="1"/>
+              <a:t>QtQuick.Window</a:t>
+            </a:r>
+            <a:r>
+              <a:rPr lang="en-US" dirty="0"/>
+              <a:t> 2.13</a:t>
+            </a:r>
+          </a:p>
+          <a:p>
+            <a:pPr marL="0" indent="0">
+              <a:buNone/>
+            </a:pPr>
+            <a:r>
+              <a:rPr lang="en-US" dirty="0"/>
+              <a:t>import </a:t>
+            </a:r>
+            <a:r>
+              <a:rPr lang="en-US" dirty="0" err="1"/>
+              <a:t>QtQuick.Controls</a:t>
+            </a:r>
+            <a:r>
+              <a:rPr lang="en-US" dirty="0"/>
+              <a:t> 2.0</a:t>
+            </a:r>
+          </a:p>
+          <a:p>
+            <a:pPr marL="0" indent="0">
+              <a:buNone/>
+            </a:pPr>
+            <a:r>
+              <a:rPr lang="en-US" dirty="0"/>
+              <a:t>import </a:t>
+            </a:r>
+            <a:r>
+              <a:rPr lang="en-US" dirty="0" err="1"/>
+              <a:t>QtQuick.Controls.Styles</a:t>
+            </a:r>
+            <a:r>
+              <a:rPr lang="en-US" dirty="0"/>
+              <a:t> 1.4</a:t>
+            </a:r>
+          </a:p>
+          <a:p>
+            <a:pPr marL="0" indent="0">
+              <a:buNone/>
+            </a:pPr>
+            <a:r>
+              <a:rPr lang="en-US" dirty="0"/>
+              <a:t>import </a:t>
+            </a:r>
+            <a:r>
+              <a:rPr lang="en-US" dirty="0" err="1"/>
+              <a:t>QtQuick.Extras</a:t>
+            </a:r>
+            <a:r>
+              <a:rPr lang="en-US" dirty="0"/>
+              <a:t> 1.4</a:t>
+            </a:r>
+          </a:p>
+          <a:p>
+            <a:pPr marL="0" indent="0">
+              <a:buNone/>
+            </a:pPr>
+            <a:r>
+              <a:rPr lang="en-US" dirty="0"/>
+              <a:t>import </a:t>
+            </a:r>
+            <a:r>
+              <a:rPr lang="en-US" dirty="0" err="1"/>
+              <a:t>QtQuick.Extras.Private</a:t>
+            </a:r>
+            <a:r>
+              <a:rPr lang="en-US" dirty="0"/>
+              <a:t> 1.0</a:t>
+            </a:r>
+          </a:p>
+          <a:p>
+            <a:pPr marL="0" indent="0">
+              <a:buNone/>
+            </a:pPr>
+            <a:r>
+              <a:rPr lang="en-US" dirty="0"/>
+              <a:t>Window {</a:t>
+            </a:r>
+          </a:p>
+          <a:p>
+            <a:pPr marL="0" indent="0">
+              <a:buNone/>
+            </a:pPr>
+            <a:r>
+              <a:rPr lang="en-US" dirty="0"/>
+              <a:t>	id : root</a:t>
+            </a:r>
+          </a:p>
+          <a:p>
+            <a:pPr marL="0" indent="0">
+              <a:buNone/>
+            </a:pPr>
+            <a:r>
+              <a:rPr lang="en-US" dirty="0"/>
+              <a:t>	width: 400</a:t>
+            </a:r>
+          </a:p>
+          <a:p>
+            <a:pPr marL="0" indent="0">
+              <a:buNone/>
+            </a:pPr>
+            <a:r>
+              <a:rPr lang="en-US" dirty="0"/>
+              <a:t>	height: 400</a:t>
+            </a:r>
+          </a:p>
+          <a:p>
+            <a:pPr marL="0" indent="0">
+              <a:buNone/>
+            </a:pPr>
+            <a:r>
+              <a:rPr lang="en-US" dirty="0"/>
+              <a:t>	title:"</a:t>
+            </a:r>
+            <a:r>
+              <a:rPr lang="en-US" dirty="0" err="1"/>
+              <a:t>membuat</a:t>
+            </a:r>
+            <a:r>
+              <a:rPr lang="en-US" dirty="0"/>
+              <a:t> windows"</a:t>
+            </a:r>
+          </a:p>
+          <a:p>
+            <a:pPr marL="0" indent="0">
+              <a:buNone/>
+            </a:pPr>
+            <a:r>
+              <a:rPr lang="en-US" dirty="0"/>
+              <a:t>	color : "pink"</a:t>
+            </a:r>
+          </a:p>
+          <a:p>
+            <a:pPr marL="0" indent="0">
+              <a:buNone/>
+            </a:pPr>
+            <a:r>
+              <a:rPr lang="en-US" dirty="0"/>
+              <a:t>    	visible: true</a:t>
+            </a:r>
+          </a:p>
+          <a:p>
+            <a:pPr marL="0" indent="0">
+              <a:buNone/>
+            </a:pPr>
+            <a:r>
+              <a:rPr lang="en-US" dirty="0"/>
+              <a:t>    	//flags: </a:t>
+            </a:r>
+            <a:r>
+              <a:rPr lang="en-US" dirty="0" err="1"/>
+              <a:t>Qt.WindowMaximized</a:t>
+            </a:r>
+            <a:r>
+              <a:rPr lang="en-US" dirty="0"/>
+              <a:t> //</a:t>
+            </a:r>
+            <a:r>
+              <a:rPr lang="en-US" dirty="0" err="1"/>
+              <a:t>Qt.Dialog</a:t>
             </a:r>
             <a:endParaRPr lang="en-US" dirty="0"/>
+          </a:p>
+          <a:p>
+            <a:pPr marL="0" indent="0">
+              <a:buNone/>
+            </a:pPr>
+            <a:r>
+              <a:rPr lang="en-US" dirty="0"/>
+              <a:t>}</a:t>
+            </a:r>
           </a:p>
         </p:txBody>
       </p:sp>
     </p:spTree>
     <p:extLst>
       <p:ext uri="{BB962C8B-B14F-4D97-AF65-F5344CB8AC3E}">
-        <p14:creationId xmlns:p14="http://schemas.microsoft.com/office/powerpoint/2010/main" val="383370706"/>
+        <p14:creationId xmlns:p14="http://schemas.microsoft.com/office/powerpoint/2010/main" val="427793397"/>
       </p:ext>
     </p:extLst>
   </p:cSld>
@@ -6126,7 +6131,7 @@
           <p:cNvPr id="2" name="Title 1">
             <a:extLst>
               <a:ext uri="{FF2B5EF4-FFF2-40B4-BE49-F238E27FC236}">
-                <a16:creationId xmlns:a16="http://schemas.microsoft.com/office/drawing/2014/main" id="{1F5662B5-7664-42EB-8AD1-54A8247D26DC}"/>
+                <a16:creationId xmlns:a16="http://schemas.microsoft.com/office/drawing/2014/main" id="{28243225-0724-4A13-9746-C3B70F8D480B}"/>
               </a:ext>
             </a:extLst>
           </p:cNvPr>
@@ -6144,99 +6149,53 @@
           <a:p>
             <a:r>
               <a:rPr lang="en-US" dirty="0"/>
-              <a:t>Little tricks =&gt; color </a:t>
-            </a:r>
-            <a:r>
-              <a:rPr lang="en-US" dirty="0" err="1"/>
-              <a:t>pallete</a:t>
+              <a:t>Experiment </a:t>
+            </a:r>
+          </a:p>
+        </p:txBody>
+      </p:sp>
+      <p:sp>
+        <p:nvSpPr>
+          <p:cNvPr id="3" name="Content Placeholder 2">
+            <a:extLst>
+              <a:ext uri="{FF2B5EF4-FFF2-40B4-BE49-F238E27FC236}">
+                <a16:creationId xmlns:a16="http://schemas.microsoft.com/office/drawing/2014/main" id="{599A20BE-790C-42F4-A2FC-EA1EE5FBD13D}"/>
+              </a:ext>
+            </a:extLst>
+          </p:cNvPr>
+          <p:cNvSpPr>
+            <a:spLocks noGrp="1"/>
+          </p:cNvSpPr>
+          <p:nvPr>
+            <p:ph idx="1"/>
+          </p:nvPr>
+        </p:nvSpPr>
+        <p:spPr/>
+        <p:txBody>
+          <a:bodyPr/>
+          <a:lstStyle/>
+          <a:p>
+            <a:pPr marL="0" indent="0" algn="ctr">
+              <a:buNone/>
+            </a:pPr>
+            <a:r>
+              <a:rPr lang="en-US" dirty="0"/>
+              <a:t>Make your windows with your favorite color </a:t>
+            </a:r>
+            <a:r>
+              <a:rPr lang="en-US" dirty="0">
+                <a:sym typeface="Wingdings" panose="05000000000000000000" pitchFamily="2" charset="2"/>
+              </a:rPr>
+              <a:t></a:t>
             </a:r>
             <a:endParaRPr lang="en-US" dirty="0"/>
-          </a:p>
-        </p:txBody>
-      </p:sp>
-      <p:pic>
-        <p:nvPicPr>
-          <p:cNvPr id="1026" name="Picture 2" descr="Color Palettes for Web, Digital, Blog &amp; Graphic Design with Hexadecimal  Codes - Wondernote">
-            <a:extLst>
-              <a:ext uri="{FF2B5EF4-FFF2-40B4-BE49-F238E27FC236}">
-                <a16:creationId xmlns:a16="http://schemas.microsoft.com/office/drawing/2014/main" id="{A1F4B965-23BF-4791-9B52-F6BA26A6E74F}"/>
-              </a:ext>
-            </a:extLst>
-          </p:cNvPr>
-          <p:cNvPicPr>
-            <a:picLocks noChangeAspect="1" noChangeArrowheads="1"/>
-          </p:cNvPicPr>
-          <p:nvPr/>
-        </p:nvPicPr>
-        <p:blipFill rotWithShape="1">
-          <a:blip r:embed="rId2">
-            <a:extLst>
-              <a:ext uri="{28A0092B-C50C-407E-A947-70E740481C1C}">
-                <a14:useLocalDpi xmlns:a14="http://schemas.microsoft.com/office/drawing/2010/main" val="0"/>
-              </a:ext>
-            </a:extLst>
-          </a:blip>
-          <a:srcRect b="18968"/>
-          <a:stretch/>
-        </p:blipFill>
-        <p:spPr bwMode="auto">
-          <a:xfrm>
-            <a:off x="1390356" y="1406769"/>
-            <a:ext cx="4349261" cy="5286457"/>
-          </a:xfrm>
-          <a:prstGeom prst="rect">
-            <a:avLst/>
-          </a:prstGeom>
-          <a:noFill/>
-          <a:extLst>
-            <a:ext uri="{909E8E84-426E-40DD-AFC4-6F175D3DCCD1}">
-              <a14:hiddenFill xmlns:a14="http://schemas.microsoft.com/office/drawing/2010/main">
-                <a:solidFill>
-                  <a:srgbClr val="FFFFFF"/>
-                </a:solidFill>
-              </a14:hiddenFill>
-            </a:ext>
-          </a:extLst>
-        </p:spPr>
-      </p:pic>
-      <p:sp>
-        <p:nvSpPr>
-          <p:cNvPr id="4" name="Rectangle 3">
-            <a:extLst>
-              <a:ext uri="{FF2B5EF4-FFF2-40B4-BE49-F238E27FC236}">
-                <a16:creationId xmlns:a16="http://schemas.microsoft.com/office/drawing/2014/main" id="{86F69EA1-7D9D-4EEC-86CF-12701FC5CF0A}"/>
-              </a:ext>
-            </a:extLst>
-          </p:cNvPr>
-          <p:cNvSpPr/>
-          <p:nvPr/>
-        </p:nvSpPr>
-        <p:spPr>
-          <a:xfrm>
-            <a:off x="6951391" y="3751124"/>
-            <a:ext cx="2722477" cy="523220"/>
-          </a:xfrm>
-          <a:prstGeom prst="rect">
-            <a:avLst/>
-          </a:prstGeom>
-        </p:spPr>
-        <p:txBody>
-          <a:bodyPr wrap="none">
-            <a:spAutoFit/>
-          </a:bodyPr>
-          <a:lstStyle/>
-          <a:p>
-            <a:r>
-              <a:rPr lang="en-US" sz="2800" dirty="0"/>
-              <a:t>color : “#FF96C5"</a:t>
-            </a:r>
           </a:p>
         </p:txBody>
       </p:sp>
     </p:spTree>
     <p:extLst>
       <p:ext uri="{BB962C8B-B14F-4D97-AF65-F5344CB8AC3E}">
-        <p14:creationId xmlns:p14="http://schemas.microsoft.com/office/powerpoint/2010/main" val="3915875222"/>
+        <p14:creationId xmlns:p14="http://schemas.microsoft.com/office/powerpoint/2010/main" val="383370706"/>
       </p:ext>
     </p:extLst>
   </p:cSld>
@@ -6546,6 +6505,148 @@
           <p:cNvPr id="2" name="Title 1">
             <a:extLst>
               <a:ext uri="{FF2B5EF4-FFF2-40B4-BE49-F238E27FC236}">
+                <a16:creationId xmlns:a16="http://schemas.microsoft.com/office/drawing/2014/main" id="{1F5662B5-7664-42EB-8AD1-54A8247D26DC}"/>
+              </a:ext>
+            </a:extLst>
+          </p:cNvPr>
+          <p:cNvSpPr>
+            <a:spLocks noGrp="1"/>
+          </p:cNvSpPr>
+          <p:nvPr>
+            <p:ph type="title"/>
+          </p:nvPr>
+        </p:nvSpPr>
+        <p:spPr/>
+        <p:txBody>
+          <a:bodyPr/>
+          <a:lstStyle/>
+          <a:p>
+            <a:r>
+              <a:rPr lang="en-US" dirty="0"/>
+              <a:t>Little tricks =&gt; color </a:t>
+            </a:r>
+            <a:r>
+              <a:rPr lang="en-US" dirty="0" err="1"/>
+              <a:t>pallete</a:t>
+            </a:r>
+            <a:endParaRPr lang="en-US" dirty="0"/>
+          </a:p>
+        </p:txBody>
+      </p:sp>
+      <p:pic>
+        <p:nvPicPr>
+          <p:cNvPr id="1026" name="Picture 2" descr="Color Palettes for Web, Digital, Blog &amp; Graphic Design with Hexadecimal  Codes - Wondernote">
+            <a:extLst>
+              <a:ext uri="{FF2B5EF4-FFF2-40B4-BE49-F238E27FC236}">
+                <a16:creationId xmlns:a16="http://schemas.microsoft.com/office/drawing/2014/main" id="{A1F4B965-23BF-4791-9B52-F6BA26A6E74F}"/>
+              </a:ext>
+            </a:extLst>
+          </p:cNvPr>
+          <p:cNvPicPr>
+            <a:picLocks noChangeAspect="1" noChangeArrowheads="1"/>
+          </p:cNvPicPr>
+          <p:nvPr/>
+        </p:nvPicPr>
+        <p:blipFill rotWithShape="1">
+          <a:blip r:embed="rId2">
+            <a:extLst>
+              <a:ext uri="{28A0092B-C50C-407E-A947-70E740481C1C}">
+                <a14:useLocalDpi xmlns:a14="http://schemas.microsoft.com/office/drawing/2010/main" val="0"/>
+              </a:ext>
+            </a:extLst>
+          </a:blip>
+          <a:srcRect b="18968"/>
+          <a:stretch/>
+        </p:blipFill>
+        <p:spPr bwMode="auto">
+          <a:xfrm>
+            <a:off x="1390356" y="1406769"/>
+            <a:ext cx="4349261" cy="5286457"/>
+          </a:xfrm>
+          <a:prstGeom prst="rect">
+            <a:avLst/>
+          </a:prstGeom>
+          <a:noFill/>
+          <a:extLst>
+            <a:ext uri="{909E8E84-426E-40DD-AFC4-6F175D3DCCD1}">
+              <a14:hiddenFill xmlns:a14="http://schemas.microsoft.com/office/drawing/2010/main">
+                <a:solidFill>
+                  <a:srgbClr val="FFFFFF"/>
+                </a:solidFill>
+              </a14:hiddenFill>
+            </a:ext>
+          </a:extLst>
+        </p:spPr>
+      </p:pic>
+      <p:sp>
+        <p:nvSpPr>
+          <p:cNvPr id="4" name="Rectangle 3">
+            <a:extLst>
+              <a:ext uri="{FF2B5EF4-FFF2-40B4-BE49-F238E27FC236}">
+                <a16:creationId xmlns:a16="http://schemas.microsoft.com/office/drawing/2014/main" id="{86F69EA1-7D9D-4EEC-86CF-12701FC5CF0A}"/>
+              </a:ext>
+            </a:extLst>
+          </p:cNvPr>
+          <p:cNvSpPr/>
+          <p:nvPr/>
+        </p:nvSpPr>
+        <p:spPr>
+          <a:xfrm>
+            <a:off x="6951391" y="3751124"/>
+            <a:ext cx="2722477" cy="523220"/>
+          </a:xfrm>
+          <a:prstGeom prst="rect">
+            <a:avLst/>
+          </a:prstGeom>
+        </p:spPr>
+        <p:txBody>
+          <a:bodyPr wrap="none">
+            <a:spAutoFit/>
+          </a:bodyPr>
+          <a:lstStyle/>
+          <a:p>
+            <a:r>
+              <a:rPr lang="en-US" sz="2800" dirty="0"/>
+              <a:t>color : “#FF96C5"</a:t>
+            </a:r>
+          </a:p>
+        </p:txBody>
+      </p:sp>
+    </p:spTree>
+    <p:extLst>
+      <p:ext uri="{BB962C8B-B14F-4D97-AF65-F5344CB8AC3E}">
+        <p14:creationId xmlns:p14="http://schemas.microsoft.com/office/powerpoint/2010/main" val="3915875222"/>
+      </p:ext>
+    </p:extLst>
+  </p:cSld>
+  <p:clrMapOvr>
+    <a:masterClrMapping/>
+  </p:clrMapOvr>
+</p:sld>
+</file>
+
+<file path=ppt/slides/slide21.xml><?xml version="1.0" encoding="utf-8"?>
+<p:sld xmlns:a="http://schemas.openxmlformats.org/drawingml/2006/main" xmlns:r="http://schemas.openxmlformats.org/officeDocument/2006/relationships" xmlns:p="http://schemas.openxmlformats.org/presentationml/2006/main">
+  <p:cSld>
+    <p:spTree>
+      <p:nvGrpSpPr>
+        <p:cNvPr id="1" name=""/>
+        <p:cNvGrpSpPr/>
+        <p:nvPr/>
+      </p:nvGrpSpPr>
+      <p:grpSpPr>
+        <a:xfrm>
+          <a:off x="0" y="0"/>
+          <a:ext cx="0" cy="0"/>
+          <a:chOff x="0" y="0"/>
+          <a:chExt cx="0" cy="0"/>
+        </a:xfrm>
+      </p:grpSpPr>
+      <p:sp>
+        <p:nvSpPr>
+          <p:cNvPr id="2" name="Title 1">
+            <a:extLst>
+              <a:ext uri="{FF2B5EF4-FFF2-40B4-BE49-F238E27FC236}">
                 <a16:creationId xmlns:a16="http://schemas.microsoft.com/office/drawing/2014/main" id="{BEF00A21-8F01-4C6C-A233-F5DF655A5638}"/>
               </a:ext>
             </a:extLst>
@@ -6768,7 +6869,7 @@
 </p:sld>
 </file>
 
-<file path=ppt/slides/slide21.xml><?xml version="1.0" encoding="utf-8"?>
+<file path=ppt/slides/slide22.xml><?xml version="1.0" encoding="utf-8"?>
 <p:sld xmlns:a="http://schemas.openxmlformats.org/drawingml/2006/main" xmlns:r="http://schemas.openxmlformats.org/officeDocument/2006/relationships" xmlns:p="http://schemas.openxmlformats.org/presentationml/2006/main">
   <p:cSld>
     <p:spTree>
@@ -7057,7 +7158,7 @@
 </p:sld>
 </file>
 
-<file path=ppt/slides/slide22.xml><?xml version="1.0" encoding="utf-8"?>
+<file path=ppt/slides/slide23.xml><?xml version="1.0" encoding="utf-8"?>
 <p:sld xmlns:a="http://schemas.openxmlformats.org/drawingml/2006/main" xmlns:r="http://schemas.openxmlformats.org/officeDocument/2006/relationships" xmlns:p="http://schemas.openxmlformats.org/presentationml/2006/main">
   <p:cSld>
     <p:spTree>
@@ -7267,7 +7368,7 @@
 </p:sld>
 </file>
 
-<file path=ppt/slides/slide23.xml><?xml version="1.0" encoding="utf-8"?>
+<file path=ppt/slides/slide24.xml><?xml version="1.0" encoding="utf-8"?>
 <p:sld xmlns:a="http://schemas.openxmlformats.org/drawingml/2006/main" xmlns:r="http://schemas.openxmlformats.org/officeDocument/2006/relationships" xmlns:p="http://schemas.openxmlformats.org/presentationml/2006/main">
   <p:cSld>
     <p:spTree>
@@ -7449,7 +7550,7 @@
 </p:sld>
 </file>
 
-<file path=ppt/slides/slide24.xml><?xml version="1.0" encoding="utf-8"?>
+<file path=ppt/slides/slide25.xml><?xml version="1.0" encoding="utf-8"?>
 <p:sld xmlns:a="http://schemas.openxmlformats.org/drawingml/2006/main" xmlns:r="http://schemas.openxmlformats.org/officeDocument/2006/relationships" xmlns:p="http://schemas.openxmlformats.org/presentationml/2006/main">
   <p:cSld>
     <p:spTree>
@@ -7726,7 +7827,7 @@
 </p:sld>
 </file>
 
-<file path=ppt/slides/slide25.xml><?xml version="1.0" encoding="utf-8"?>
+<file path=ppt/slides/slide26.xml><?xml version="1.0" encoding="utf-8"?>
 <p:sld xmlns:a="http://schemas.openxmlformats.org/drawingml/2006/main" xmlns:r="http://schemas.openxmlformats.org/officeDocument/2006/relationships" xmlns:p="http://schemas.openxmlformats.org/presentationml/2006/main">
   <p:cSld>
     <p:spTree>
@@ -8016,7 +8117,7 @@
 </p:sld>
 </file>
 
-<file path=ppt/slides/slide26.xml><?xml version="1.0" encoding="utf-8"?>
+<file path=ppt/slides/slide27.xml><?xml version="1.0" encoding="utf-8"?>
 <p:sld xmlns:a="http://schemas.openxmlformats.org/drawingml/2006/main" xmlns:r="http://schemas.openxmlformats.org/officeDocument/2006/relationships" xmlns:p="http://schemas.openxmlformats.org/presentationml/2006/main">
   <p:cSld>
     <p:spTree>
@@ -8270,7 +8371,7 @@
 </p:sld>
 </file>
 
-<file path=ppt/slides/slide27.xml><?xml version="1.0" encoding="utf-8"?>
+<file path=ppt/slides/slide28.xml><?xml version="1.0" encoding="utf-8"?>
 <p:sld xmlns:a="http://schemas.openxmlformats.org/drawingml/2006/main" xmlns:r="http://schemas.openxmlformats.org/officeDocument/2006/relationships" xmlns:p="http://schemas.openxmlformats.org/presentationml/2006/main">
   <p:cSld>
     <p:spTree>
@@ -8450,495 +8551,6 @@
 </p:sld>
 </file>
 
-<file path=ppt/slides/slide28.xml><?xml version="1.0" encoding="utf-8"?>
-<p:sld xmlns:a="http://schemas.openxmlformats.org/drawingml/2006/main" xmlns:r="http://schemas.openxmlformats.org/officeDocument/2006/relationships" xmlns:p="http://schemas.openxmlformats.org/presentationml/2006/main">
-  <p:cSld>
-    <p:spTree>
-      <p:nvGrpSpPr>
-        <p:cNvPr id="1" name=""/>
-        <p:cNvGrpSpPr/>
-        <p:nvPr/>
-      </p:nvGrpSpPr>
-      <p:grpSpPr>
-        <a:xfrm>
-          <a:off x="0" y="0"/>
-          <a:ext cx="0" cy="0"/>
-          <a:chOff x="0" y="0"/>
-          <a:chExt cx="0" cy="0"/>
-        </a:xfrm>
-      </p:grpSpPr>
-      <p:sp>
-        <p:nvSpPr>
-          <p:cNvPr id="2" name="Title 1">
-            <a:extLst>
-              <a:ext uri="{FF2B5EF4-FFF2-40B4-BE49-F238E27FC236}">
-                <a16:creationId xmlns:a16="http://schemas.microsoft.com/office/drawing/2014/main" id="{E28BD334-6775-4F22-9C61-81E21DEA7859}"/>
-              </a:ext>
-            </a:extLst>
-          </p:cNvPr>
-          <p:cNvSpPr>
-            <a:spLocks noGrp="1"/>
-          </p:cNvSpPr>
-          <p:nvPr>
-            <p:ph type="title"/>
-          </p:nvPr>
-        </p:nvSpPr>
-        <p:spPr/>
-        <p:txBody>
-          <a:bodyPr/>
-          <a:lstStyle/>
-          <a:p>
-            <a:r>
-              <a:rPr lang="en-US" dirty="0"/>
-              <a:t>Integrate python with </a:t>
-            </a:r>
-            <a:r>
-              <a:rPr lang="en-US" dirty="0" err="1"/>
-              <a:t>qml</a:t>
-            </a:r>
-            <a:endParaRPr lang="en-US" dirty="0"/>
-          </a:p>
-        </p:txBody>
-      </p:sp>
-      <p:sp>
-        <p:nvSpPr>
-          <p:cNvPr id="4" name="Rectangle 3">
-            <a:extLst>
-              <a:ext uri="{FF2B5EF4-FFF2-40B4-BE49-F238E27FC236}">
-                <a16:creationId xmlns:a16="http://schemas.microsoft.com/office/drawing/2014/main" id="{9A0808E9-4F53-4CA9-9449-BA68C83ED0A3}"/>
-              </a:ext>
-            </a:extLst>
-          </p:cNvPr>
-          <p:cNvSpPr/>
-          <p:nvPr/>
-        </p:nvSpPr>
-        <p:spPr>
-          <a:xfrm>
-            <a:off x="0" y="1843326"/>
-            <a:ext cx="6363286" cy="4801314"/>
-          </a:xfrm>
-          <a:prstGeom prst="rect">
-            <a:avLst/>
-          </a:prstGeom>
-        </p:spPr>
-        <p:txBody>
-          <a:bodyPr wrap="square">
-            <a:spAutoFit/>
-          </a:bodyPr>
-          <a:lstStyle/>
-          <a:p>
-            <a:r>
-              <a:rPr lang="en-US" dirty="0"/>
-              <a:t>class table(</a:t>
-            </a:r>
-            <a:r>
-              <a:rPr lang="en-US" dirty="0" err="1"/>
-              <a:t>QObject</a:t>
-            </a:r>
-            <a:r>
-              <a:rPr lang="en-US" dirty="0"/>
-              <a:t>):    </a:t>
-            </a:r>
-          </a:p>
-          <a:p>
-            <a:r>
-              <a:rPr lang="en-US" dirty="0"/>
-              <a:t>    def __</a:t>
-            </a:r>
-            <a:r>
-              <a:rPr lang="en-US" dirty="0" err="1"/>
-              <a:t>init</a:t>
-            </a:r>
-            <a:r>
-              <a:rPr lang="en-US" dirty="0"/>
-              <a:t>__(self, parent = None):</a:t>
-            </a:r>
-          </a:p>
-          <a:p>
-            <a:r>
-              <a:rPr lang="en-US" dirty="0"/>
-              <a:t>        super().__</a:t>
-            </a:r>
-            <a:r>
-              <a:rPr lang="en-US" dirty="0" err="1"/>
-              <a:t>init</a:t>
-            </a:r>
-            <a:r>
-              <a:rPr lang="en-US" dirty="0"/>
-              <a:t>__(parent)</a:t>
-            </a:r>
-          </a:p>
-          <a:p>
-            <a:r>
-              <a:rPr lang="en-US" dirty="0"/>
-              <a:t>        </a:t>
-            </a:r>
-            <a:r>
-              <a:rPr lang="en-US" dirty="0" err="1"/>
-              <a:t>self.app</a:t>
-            </a:r>
-            <a:r>
-              <a:rPr lang="en-US" dirty="0"/>
-              <a:t> = </a:t>
-            </a:r>
-            <a:r>
-              <a:rPr lang="en-US" dirty="0" err="1"/>
-              <a:t>QApplication</a:t>
-            </a:r>
-            <a:r>
-              <a:rPr lang="en-US" dirty="0"/>
-              <a:t>(</a:t>
-            </a:r>
-            <a:r>
-              <a:rPr lang="en-US" dirty="0" err="1"/>
-              <a:t>sys.argv</a:t>
-            </a:r>
-            <a:r>
-              <a:rPr lang="en-US" dirty="0"/>
-              <a:t>)</a:t>
-            </a:r>
-          </a:p>
-          <a:p>
-            <a:r>
-              <a:rPr lang="en-US" dirty="0"/>
-              <a:t>        </a:t>
-            </a:r>
-            <a:r>
-              <a:rPr lang="en-US" dirty="0" err="1"/>
-              <a:t>self.engine</a:t>
-            </a:r>
-            <a:r>
-              <a:rPr lang="en-US" dirty="0"/>
-              <a:t> = </a:t>
-            </a:r>
-            <a:r>
-              <a:rPr lang="en-US" dirty="0" err="1"/>
-              <a:t>QQmlApplicationEngine</a:t>
-            </a:r>
-            <a:r>
-              <a:rPr lang="en-US" dirty="0"/>
-              <a:t>(self)</a:t>
-            </a:r>
-          </a:p>
-          <a:p>
-            <a:r>
-              <a:rPr lang="en-US" dirty="0"/>
-              <a:t>        </a:t>
-            </a:r>
-            <a:r>
-              <a:rPr lang="en-US" dirty="0" err="1"/>
-              <a:t>self.engine.rootContext</a:t>
-            </a:r>
-            <a:r>
-              <a:rPr lang="en-US" dirty="0"/>
-              <a:t>().</a:t>
-            </a:r>
-            <a:r>
-              <a:rPr lang="en-US" dirty="0" err="1"/>
-              <a:t>setContextProperty</a:t>
-            </a:r>
-            <a:r>
-              <a:rPr lang="en-US" dirty="0"/>
-              <a:t>("backend", self)    </a:t>
-            </a:r>
-          </a:p>
-          <a:p>
-            <a:r>
-              <a:rPr lang="en-US" dirty="0"/>
-              <a:t>        </a:t>
-            </a:r>
-            <a:r>
-              <a:rPr lang="en-US" dirty="0" err="1"/>
-              <a:t>self.engine.load</a:t>
-            </a:r>
-            <a:r>
-              <a:rPr lang="en-US" dirty="0"/>
-              <a:t>(</a:t>
-            </a:r>
-            <a:r>
-              <a:rPr lang="en-US" dirty="0" err="1"/>
-              <a:t>QUrl</a:t>
-            </a:r>
-            <a:r>
-              <a:rPr lang="en-US" dirty="0"/>
-              <a:t>("</a:t>
-            </a:r>
-            <a:r>
-              <a:rPr lang="en-US" dirty="0" err="1"/>
-              <a:t>main.qml</a:t>
-            </a:r>
-            <a:r>
-              <a:rPr lang="en-US" dirty="0"/>
-              <a:t>"))</a:t>
-            </a:r>
-          </a:p>
-          <a:p>
-            <a:r>
-              <a:rPr lang="en-US" dirty="0"/>
-              <a:t>   </a:t>
-            </a:r>
-          </a:p>
-          <a:p>
-            <a:r>
-              <a:rPr lang="en-US" dirty="0"/>
-              <a:t>    ##############TOMBOL QML  KE PYTHON ##########</a:t>
-            </a:r>
-          </a:p>
-          <a:p>
-            <a:r>
-              <a:rPr lang="en-US" dirty="0"/>
-              <a:t>    @</a:t>
-            </a:r>
-            <a:r>
-              <a:rPr lang="en-US" dirty="0" err="1"/>
-              <a:t>pyqtSlot</a:t>
-            </a:r>
-            <a:r>
-              <a:rPr lang="en-US" dirty="0"/>
-              <a:t>(str)</a:t>
-            </a:r>
-          </a:p>
-          <a:p>
-            <a:r>
-              <a:rPr lang="en-US" dirty="0"/>
-              <a:t>    def button1(self, message):</a:t>
-            </a:r>
-          </a:p>
-          <a:p>
-            <a:r>
-              <a:rPr lang="en-US" dirty="0"/>
-              <a:t>        print(message)</a:t>
-            </a:r>
-          </a:p>
-          <a:p>
-            <a:r>
-              <a:rPr lang="en-US" dirty="0"/>
-              <a:t>    ##########SLIDER QML KE PYTHON###################</a:t>
-            </a:r>
-          </a:p>
-          <a:p>
-            <a:r>
-              <a:rPr lang="en-US" dirty="0"/>
-              <a:t>    @</a:t>
-            </a:r>
-            <a:r>
-              <a:rPr lang="en-US" dirty="0" err="1"/>
-              <a:t>pyqtSlot</a:t>
-            </a:r>
-            <a:r>
-              <a:rPr lang="en-US" dirty="0"/>
-              <a:t>(str)</a:t>
-            </a:r>
-          </a:p>
-          <a:p>
-            <a:r>
-              <a:rPr lang="en-US" dirty="0"/>
-              <a:t>    def </a:t>
-            </a:r>
-            <a:r>
-              <a:rPr lang="en-US" dirty="0" err="1"/>
-              <a:t>analog_output</a:t>
-            </a:r>
-            <a:r>
-              <a:rPr lang="en-US" dirty="0"/>
-              <a:t>(self, message):</a:t>
-            </a:r>
-          </a:p>
-          <a:p>
-            <a:r>
-              <a:rPr lang="en-US" dirty="0"/>
-              <a:t>        print(message)</a:t>
-            </a:r>
-          </a:p>
-          <a:p>
-            <a:endParaRPr lang="en-US" dirty="0"/>
-          </a:p>
-        </p:txBody>
-      </p:sp>
-      <p:sp>
-        <p:nvSpPr>
-          <p:cNvPr id="5" name="Rectangle 4">
-            <a:extLst>
-              <a:ext uri="{FF2B5EF4-FFF2-40B4-BE49-F238E27FC236}">
-                <a16:creationId xmlns:a16="http://schemas.microsoft.com/office/drawing/2014/main" id="{799D9FA0-9BAF-4B0D-B7DC-C9C603EC2255}"/>
-              </a:ext>
-            </a:extLst>
-          </p:cNvPr>
-          <p:cNvSpPr/>
-          <p:nvPr/>
-        </p:nvSpPr>
-        <p:spPr>
-          <a:xfrm>
-            <a:off x="7289410" y="2787968"/>
-            <a:ext cx="5005754" cy="2031325"/>
-          </a:xfrm>
-          <a:prstGeom prst="rect">
-            <a:avLst/>
-          </a:prstGeom>
-        </p:spPr>
-        <p:txBody>
-          <a:bodyPr wrap="square">
-            <a:spAutoFit/>
-          </a:bodyPr>
-          <a:lstStyle/>
-          <a:p>
-            <a:r>
-              <a:rPr lang="en-US" dirty="0"/>
-              <a:t>Button {</a:t>
-            </a:r>
-          </a:p>
-          <a:p>
-            <a:r>
-              <a:rPr lang="en-US" dirty="0"/>
-              <a:t>…….</a:t>
-            </a:r>
-          </a:p>
-          <a:p>
-            <a:r>
-              <a:rPr lang="en-US" dirty="0" err="1"/>
-              <a:t>onClicked</a:t>
-            </a:r>
-            <a:r>
-              <a:rPr lang="en-US" dirty="0"/>
-              <a:t>:{</a:t>
-            </a:r>
-          </a:p>
-          <a:p>
-            <a:r>
-              <a:rPr lang="en-US" dirty="0"/>
-              <a:t>						backend.button1("clicked")</a:t>
-            </a:r>
-          </a:p>
-          <a:p>
-            <a:r>
-              <a:rPr lang="en-US" dirty="0"/>
-              <a:t>	}</a:t>
-            </a:r>
-          </a:p>
-          <a:p>
-            <a:r>
-              <a:rPr lang="en-US" dirty="0"/>
-              <a:t>}</a:t>
-            </a:r>
-          </a:p>
-        </p:txBody>
-      </p:sp>
-      <p:sp>
-        <p:nvSpPr>
-          <p:cNvPr id="6" name="TextBox 5">
-            <a:extLst>
-              <a:ext uri="{FF2B5EF4-FFF2-40B4-BE49-F238E27FC236}">
-                <a16:creationId xmlns:a16="http://schemas.microsoft.com/office/drawing/2014/main" id="{A398516F-451E-4B42-B3CA-789E2751EBFA}"/>
-              </a:ext>
-            </a:extLst>
-          </p:cNvPr>
-          <p:cNvSpPr txBox="1"/>
-          <p:nvPr/>
-        </p:nvSpPr>
-        <p:spPr>
-          <a:xfrm>
-            <a:off x="4475870" y="1367522"/>
-            <a:ext cx="5627077" cy="646331"/>
-          </a:xfrm>
-          <a:prstGeom prst="rect">
-            <a:avLst/>
-          </a:prstGeom>
-          <a:noFill/>
-        </p:spPr>
-        <p:txBody>
-          <a:bodyPr wrap="square" rtlCol="0">
-            <a:spAutoFit/>
-          </a:bodyPr>
-          <a:lstStyle/>
-          <a:p>
-            <a:r>
-              <a:rPr lang="en-US" sz="3600" dirty="0"/>
-              <a:t>Python &lt;= QML</a:t>
-            </a:r>
-          </a:p>
-        </p:txBody>
-      </p:sp>
-      <p:sp>
-        <p:nvSpPr>
-          <p:cNvPr id="7" name="Rectangle 6">
-            <a:extLst>
-              <a:ext uri="{FF2B5EF4-FFF2-40B4-BE49-F238E27FC236}">
-                <a16:creationId xmlns:a16="http://schemas.microsoft.com/office/drawing/2014/main" id="{100BA234-DFBC-4BAE-A725-CAFE967C38E3}"/>
-              </a:ext>
-            </a:extLst>
-          </p:cNvPr>
-          <p:cNvSpPr/>
-          <p:nvPr/>
-        </p:nvSpPr>
-        <p:spPr>
-          <a:xfrm>
-            <a:off x="7289409" y="4900910"/>
-            <a:ext cx="5005754" cy="2031325"/>
-          </a:xfrm>
-          <a:prstGeom prst="rect">
-            <a:avLst/>
-          </a:prstGeom>
-        </p:spPr>
-        <p:txBody>
-          <a:bodyPr wrap="square">
-            <a:spAutoFit/>
-          </a:bodyPr>
-          <a:lstStyle/>
-          <a:p>
-            <a:r>
-              <a:rPr lang="en-US" dirty="0"/>
-              <a:t>Slider {</a:t>
-            </a:r>
-          </a:p>
-          <a:p>
-            <a:r>
-              <a:rPr lang="en-US" dirty="0"/>
-              <a:t>…….</a:t>
-            </a:r>
-          </a:p>
-          <a:p>
-            <a:r>
-              <a:rPr lang="en-US" dirty="0" err="1"/>
-              <a:t>onValueChanged</a:t>
-            </a:r>
-            <a:r>
-              <a:rPr lang="en-US" dirty="0"/>
-              <a:t>:{</a:t>
-            </a:r>
-          </a:p>
-          <a:p>
-            <a:r>
-              <a:rPr lang="en-US" dirty="0"/>
-              <a:t>						backend.button1("clicked")</a:t>
-            </a:r>
-          </a:p>
-          <a:p>
-            <a:r>
-              <a:rPr lang="en-US" dirty="0"/>
-              <a:t>	}</a:t>
-            </a:r>
-          </a:p>
-          <a:p>
-            <a:r>
-              <a:rPr lang="en-US" dirty="0"/>
-              <a:t>}</a:t>
-            </a:r>
-          </a:p>
-        </p:txBody>
-      </p:sp>
-    </p:spTree>
-    <p:extLst>
-      <p:ext uri="{BB962C8B-B14F-4D97-AF65-F5344CB8AC3E}">
-        <p14:creationId xmlns:p14="http://schemas.microsoft.com/office/powerpoint/2010/main" val="2309618137"/>
-      </p:ext>
-    </p:extLst>
-  </p:cSld>
-  <p:clrMapOvr>
-    <a:masterClrMapping/>
-  </p:clrMapOvr>
-</p:sld>
-</file>
-
 <file path=ppt/slides/slide29.xml><?xml version="1.0" encoding="utf-8"?>
 <p:sld xmlns:a="http://schemas.openxmlformats.org/drawingml/2006/main" xmlns:r="http://schemas.openxmlformats.org/officeDocument/2006/relationships" xmlns:p="http://schemas.openxmlformats.org/presentationml/2006/main">
   <p:cSld>
@@ -8961,7 +8573,7 @@
           <p:cNvPr id="2" name="Title 1">
             <a:extLst>
               <a:ext uri="{FF2B5EF4-FFF2-40B4-BE49-F238E27FC236}">
-                <a16:creationId xmlns:a16="http://schemas.microsoft.com/office/drawing/2014/main" id="{D5308188-859F-4FE5-8630-A993D0DCC06F}"/>
+                <a16:creationId xmlns:a16="http://schemas.microsoft.com/office/drawing/2014/main" id="{E28BD334-6775-4F22-9C61-81E21DEA7859}"/>
               </a:ext>
             </a:extLst>
           </p:cNvPr>
@@ -8991,10 +8603,333 @@
       </p:sp>
       <p:sp>
         <p:nvSpPr>
-          <p:cNvPr id="4" name="TextBox 3">
-            <a:extLst>
-              <a:ext uri="{FF2B5EF4-FFF2-40B4-BE49-F238E27FC236}">
-                <a16:creationId xmlns:a16="http://schemas.microsoft.com/office/drawing/2014/main" id="{45C5B499-C43D-46D5-B5EC-0175AE4106F7}"/>
+          <p:cNvPr id="4" name="Rectangle 3">
+            <a:extLst>
+              <a:ext uri="{FF2B5EF4-FFF2-40B4-BE49-F238E27FC236}">
+                <a16:creationId xmlns:a16="http://schemas.microsoft.com/office/drawing/2014/main" id="{9A0808E9-4F53-4CA9-9449-BA68C83ED0A3}"/>
+              </a:ext>
+            </a:extLst>
+          </p:cNvPr>
+          <p:cNvSpPr/>
+          <p:nvPr/>
+        </p:nvSpPr>
+        <p:spPr>
+          <a:xfrm>
+            <a:off x="0" y="1843326"/>
+            <a:ext cx="6363286" cy="4801314"/>
+          </a:xfrm>
+          <a:prstGeom prst="rect">
+            <a:avLst/>
+          </a:prstGeom>
+        </p:spPr>
+        <p:txBody>
+          <a:bodyPr wrap="square">
+            <a:spAutoFit/>
+          </a:bodyPr>
+          <a:lstStyle/>
+          <a:p>
+            <a:r>
+              <a:rPr lang="en-US" dirty="0"/>
+              <a:t>class table(</a:t>
+            </a:r>
+            <a:r>
+              <a:rPr lang="en-US" dirty="0" err="1"/>
+              <a:t>QObject</a:t>
+            </a:r>
+            <a:r>
+              <a:rPr lang="en-US" dirty="0"/>
+              <a:t>):    </a:t>
+            </a:r>
+          </a:p>
+          <a:p>
+            <a:r>
+              <a:rPr lang="en-US" dirty="0"/>
+              <a:t>    def __</a:t>
+            </a:r>
+            <a:r>
+              <a:rPr lang="en-US" dirty="0" err="1"/>
+              <a:t>init</a:t>
+            </a:r>
+            <a:r>
+              <a:rPr lang="en-US" dirty="0"/>
+              <a:t>__(self, parent = None):</a:t>
+            </a:r>
+          </a:p>
+          <a:p>
+            <a:r>
+              <a:rPr lang="en-US" dirty="0"/>
+              <a:t>        super().__</a:t>
+            </a:r>
+            <a:r>
+              <a:rPr lang="en-US" dirty="0" err="1"/>
+              <a:t>init</a:t>
+            </a:r>
+            <a:r>
+              <a:rPr lang="en-US" dirty="0"/>
+              <a:t>__(parent)</a:t>
+            </a:r>
+          </a:p>
+          <a:p>
+            <a:r>
+              <a:rPr lang="en-US" dirty="0"/>
+              <a:t>        </a:t>
+            </a:r>
+            <a:r>
+              <a:rPr lang="en-US" dirty="0" err="1"/>
+              <a:t>self.app</a:t>
+            </a:r>
+            <a:r>
+              <a:rPr lang="en-US" dirty="0"/>
+              <a:t> = </a:t>
+            </a:r>
+            <a:r>
+              <a:rPr lang="en-US" dirty="0" err="1"/>
+              <a:t>QApplication</a:t>
+            </a:r>
+            <a:r>
+              <a:rPr lang="en-US" dirty="0"/>
+              <a:t>(</a:t>
+            </a:r>
+            <a:r>
+              <a:rPr lang="en-US" dirty="0" err="1"/>
+              <a:t>sys.argv</a:t>
+            </a:r>
+            <a:r>
+              <a:rPr lang="en-US" dirty="0"/>
+              <a:t>)</a:t>
+            </a:r>
+          </a:p>
+          <a:p>
+            <a:r>
+              <a:rPr lang="en-US" dirty="0"/>
+              <a:t>        </a:t>
+            </a:r>
+            <a:r>
+              <a:rPr lang="en-US" dirty="0" err="1"/>
+              <a:t>self.engine</a:t>
+            </a:r>
+            <a:r>
+              <a:rPr lang="en-US" dirty="0"/>
+              <a:t> = </a:t>
+            </a:r>
+            <a:r>
+              <a:rPr lang="en-US" dirty="0" err="1"/>
+              <a:t>QQmlApplicationEngine</a:t>
+            </a:r>
+            <a:r>
+              <a:rPr lang="en-US" dirty="0"/>
+              <a:t>(self)</a:t>
+            </a:r>
+          </a:p>
+          <a:p>
+            <a:r>
+              <a:rPr lang="en-US" dirty="0"/>
+              <a:t>        </a:t>
+            </a:r>
+            <a:r>
+              <a:rPr lang="en-US" dirty="0" err="1"/>
+              <a:t>self.engine.rootContext</a:t>
+            </a:r>
+            <a:r>
+              <a:rPr lang="en-US" dirty="0"/>
+              <a:t>().</a:t>
+            </a:r>
+            <a:r>
+              <a:rPr lang="en-US" dirty="0" err="1"/>
+              <a:t>setContextProperty</a:t>
+            </a:r>
+            <a:r>
+              <a:rPr lang="en-US" dirty="0"/>
+              <a:t>("backend", self)    </a:t>
+            </a:r>
+          </a:p>
+          <a:p>
+            <a:r>
+              <a:rPr lang="en-US" dirty="0"/>
+              <a:t>        </a:t>
+            </a:r>
+            <a:r>
+              <a:rPr lang="en-US" dirty="0" err="1"/>
+              <a:t>self.engine.load</a:t>
+            </a:r>
+            <a:r>
+              <a:rPr lang="en-US" dirty="0"/>
+              <a:t>(</a:t>
+            </a:r>
+            <a:r>
+              <a:rPr lang="en-US" dirty="0" err="1"/>
+              <a:t>QUrl</a:t>
+            </a:r>
+            <a:r>
+              <a:rPr lang="en-US" dirty="0"/>
+              <a:t>("</a:t>
+            </a:r>
+            <a:r>
+              <a:rPr lang="en-US" dirty="0" err="1"/>
+              <a:t>main.qml</a:t>
+            </a:r>
+            <a:r>
+              <a:rPr lang="en-US" dirty="0"/>
+              <a:t>"))</a:t>
+            </a:r>
+          </a:p>
+          <a:p>
+            <a:r>
+              <a:rPr lang="en-US" dirty="0"/>
+              <a:t>   </a:t>
+            </a:r>
+          </a:p>
+          <a:p>
+            <a:r>
+              <a:rPr lang="en-US" dirty="0"/>
+              <a:t>    ##############TOMBOL QML  KE PYTHON ##########</a:t>
+            </a:r>
+          </a:p>
+          <a:p>
+            <a:r>
+              <a:rPr lang="en-US" dirty="0"/>
+              <a:t>    @</a:t>
+            </a:r>
+            <a:r>
+              <a:rPr lang="en-US" dirty="0" err="1"/>
+              <a:t>pyqtSlot</a:t>
+            </a:r>
+            <a:r>
+              <a:rPr lang="en-US" dirty="0"/>
+              <a:t>(str)</a:t>
+            </a:r>
+          </a:p>
+          <a:p>
+            <a:r>
+              <a:rPr lang="en-US" dirty="0"/>
+              <a:t>    def button1(self, message):</a:t>
+            </a:r>
+          </a:p>
+          <a:p>
+            <a:r>
+              <a:rPr lang="en-US" dirty="0"/>
+              <a:t>        print(message)</a:t>
+            </a:r>
+          </a:p>
+          <a:p>
+            <a:r>
+              <a:rPr lang="en-US" dirty="0"/>
+              <a:t>    ##########SLIDER QML KE PYTHON###################</a:t>
+            </a:r>
+          </a:p>
+          <a:p>
+            <a:r>
+              <a:rPr lang="en-US" dirty="0"/>
+              <a:t>    @</a:t>
+            </a:r>
+            <a:r>
+              <a:rPr lang="en-US" dirty="0" err="1"/>
+              <a:t>pyqtSlot</a:t>
+            </a:r>
+            <a:r>
+              <a:rPr lang="en-US" dirty="0"/>
+              <a:t>(str)</a:t>
+            </a:r>
+          </a:p>
+          <a:p>
+            <a:r>
+              <a:rPr lang="en-US" dirty="0"/>
+              <a:t>    def </a:t>
+            </a:r>
+            <a:r>
+              <a:rPr lang="en-US" dirty="0" err="1"/>
+              <a:t>analog_output</a:t>
+            </a:r>
+            <a:r>
+              <a:rPr lang="en-US" dirty="0"/>
+              <a:t>(self, message):</a:t>
+            </a:r>
+          </a:p>
+          <a:p>
+            <a:r>
+              <a:rPr lang="en-US" dirty="0"/>
+              <a:t>        print(message)</a:t>
+            </a:r>
+          </a:p>
+          <a:p>
+            <a:endParaRPr lang="en-US" dirty="0"/>
+          </a:p>
+        </p:txBody>
+      </p:sp>
+      <p:sp>
+        <p:nvSpPr>
+          <p:cNvPr id="5" name="Rectangle 4">
+            <a:extLst>
+              <a:ext uri="{FF2B5EF4-FFF2-40B4-BE49-F238E27FC236}">
+                <a16:creationId xmlns:a16="http://schemas.microsoft.com/office/drawing/2014/main" id="{799D9FA0-9BAF-4B0D-B7DC-C9C603EC2255}"/>
+              </a:ext>
+            </a:extLst>
+          </p:cNvPr>
+          <p:cNvSpPr/>
+          <p:nvPr/>
+        </p:nvSpPr>
+        <p:spPr>
+          <a:xfrm>
+            <a:off x="7289410" y="2787968"/>
+            <a:ext cx="5005754" cy="2031325"/>
+          </a:xfrm>
+          <a:prstGeom prst="rect">
+            <a:avLst/>
+          </a:prstGeom>
+        </p:spPr>
+        <p:txBody>
+          <a:bodyPr wrap="square">
+            <a:spAutoFit/>
+          </a:bodyPr>
+          <a:lstStyle/>
+          <a:p>
+            <a:r>
+              <a:rPr lang="en-US" dirty="0"/>
+              <a:t>Button {</a:t>
+            </a:r>
+          </a:p>
+          <a:p>
+            <a:r>
+              <a:rPr lang="en-US" dirty="0"/>
+              <a:t>…….</a:t>
+            </a:r>
+          </a:p>
+          <a:p>
+            <a:r>
+              <a:rPr lang="en-US" dirty="0" err="1"/>
+              <a:t>onClicked</a:t>
+            </a:r>
+            <a:r>
+              <a:rPr lang="en-US" dirty="0"/>
+              <a:t>:{</a:t>
+            </a:r>
+          </a:p>
+          <a:p>
+            <a:r>
+              <a:rPr lang="en-US" dirty="0"/>
+              <a:t>						backend.button1("clicked")</a:t>
+            </a:r>
+          </a:p>
+          <a:p>
+            <a:r>
+              <a:rPr lang="en-US" dirty="0"/>
+              <a:t>	}</a:t>
+            </a:r>
+          </a:p>
+          <a:p>
+            <a:r>
+              <a:rPr lang="en-US" dirty="0"/>
+              <a:t>}</a:t>
+            </a:r>
+          </a:p>
+        </p:txBody>
+      </p:sp>
+      <p:sp>
+        <p:nvSpPr>
+          <p:cNvPr id="6" name="TextBox 5">
+            <a:extLst>
+              <a:ext uri="{FF2B5EF4-FFF2-40B4-BE49-F238E27FC236}">
+                <a16:creationId xmlns:a16="http://schemas.microsoft.com/office/drawing/2014/main" id="{A398516F-451E-4B42-B3CA-789E2751EBFA}"/>
               </a:ext>
             </a:extLst>
           </p:cNvPr>
@@ -9019,17 +8954,17 @@
           <a:p>
             <a:r>
               <a:rPr lang="en-US" sz="3600" dirty="0"/>
-              <a:t>Python =&gt; QML</a:t>
-            </a:r>
-          </a:p>
-        </p:txBody>
-      </p:sp>
-      <p:sp>
-        <p:nvSpPr>
-          <p:cNvPr id="5" name="Rectangle 4">
-            <a:extLst>
-              <a:ext uri="{FF2B5EF4-FFF2-40B4-BE49-F238E27FC236}">
-                <a16:creationId xmlns:a16="http://schemas.microsoft.com/office/drawing/2014/main" id="{481E72FB-15FC-48A6-8374-205A192BED8A}"/>
+              <a:t>Python &lt;= QML</a:t>
+            </a:r>
+          </a:p>
+        </p:txBody>
+      </p:sp>
+      <p:sp>
+        <p:nvSpPr>
+          <p:cNvPr id="7" name="Rectangle 6">
+            <a:extLst>
+              <a:ext uri="{FF2B5EF4-FFF2-40B4-BE49-F238E27FC236}">
+                <a16:creationId xmlns:a16="http://schemas.microsoft.com/office/drawing/2014/main" id="{100BA234-DFBC-4BAE-A725-CAFE967C38E3}"/>
               </a:ext>
             </a:extLst>
           </p:cNvPr>
@@ -9038,8 +8973,8 @@
         </p:nvSpPr>
         <p:spPr>
           <a:xfrm>
-            <a:off x="6451210" y="2693085"/>
-            <a:ext cx="5740790" cy="2585323"/>
+            <a:off x="7289409" y="4900910"/>
+            <a:ext cx="5005754" cy="2031325"/>
           </a:xfrm>
           <a:prstGeom prst="rect">
             <a:avLst/>
@@ -9053,78 +8988,29 @@
           <a:p>
             <a:r>
               <a:rPr lang="en-US" dirty="0"/>
-              <a:t>Timer{</a:t>
-            </a:r>
-          </a:p>
-          <a:p>
-            <a:r>
-              <a:rPr lang="en-US" dirty="0"/>
-              <a:t>		</a:t>
-            </a:r>
-            <a:r>
-              <a:rPr lang="en-US" dirty="0" err="1"/>
-              <a:t>id:transferdata</a:t>
-            </a:r>
-            <a:endParaRPr lang="en-US" dirty="0"/>
-          </a:p>
-          <a:p>
-            <a:r>
-              <a:rPr lang="en-US" dirty="0"/>
-              <a:t>		interval: 50</a:t>
-            </a:r>
-          </a:p>
-          <a:p>
-            <a:r>
-              <a:rPr lang="en-US" dirty="0"/>
-              <a:t>		repeat: true</a:t>
-            </a:r>
-          </a:p>
-          <a:p>
-            <a:r>
-              <a:rPr lang="en-US" dirty="0"/>
-              <a:t>		running: true</a:t>
-            </a:r>
-          </a:p>
-          <a:p>
-            <a:r>
-              <a:rPr lang="en-US" dirty="0"/>
-              <a:t>		</a:t>
-            </a:r>
-            <a:r>
-              <a:rPr lang="en-US" dirty="0" err="1"/>
-              <a:t>onTriggered</a:t>
-            </a:r>
-            <a:r>
-              <a:rPr lang="en-US" dirty="0"/>
-              <a:t>: {</a:t>
-            </a:r>
-          </a:p>
-          <a:p>
-            <a:r>
-              <a:rPr lang="en-US" dirty="0"/>
-              <a:t>		</a:t>
-            </a:r>
-            <a:r>
-              <a:rPr lang="en-US" dirty="0" err="1"/>
-              <a:t>pot_val.text</a:t>
-            </a:r>
-            <a:r>
-              <a:rPr lang="en-US" dirty="0"/>
-              <a:t> = </a:t>
-            </a:r>
-            <a:r>
-              <a:rPr lang="en-US" dirty="0" err="1"/>
-              <a:t>backend.get_analog</a:t>
-            </a:r>
-            <a:r>
-              <a:rPr lang="en-US" dirty="0"/>
-              <a:t>()</a:t>
-            </a:r>
-          </a:p>
-          <a:p>
-            <a:r>
-              <a:rPr lang="en-US" dirty="0"/>
-              <a:t>		}</a:t>
+              <a:t>Slider {</a:t>
+            </a:r>
+          </a:p>
+          <a:p>
+            <a:r>
+              <a:rPr lang="en-US" dirty="0"/>
+              <a:t>…….</a:t>
+            </a:r>
+          </a:p>
+          <a:p>
+            <a:r>
+              <a:rPr lang="en-US" dirty="0" err="1"/>
+              <a:t>onValueChanged</a:t>
+            </a:r>
+            <a:r>
+              <a:rPr lang="en-US" dirty="0"/>
+              <a:t>:{</a:t>
+            </a:r>
+          </a:p>
+          <a:p>
+            <a:r>
+              <a:rPr lang="en-US" dirty="0"/>
+              <a:t>						backend.button1("clicked")</a:t>
             </a:r>
           </a:p>
           <a:p>
@@ -9133,66 +9019,10 @@
               <a:t>	}</a:t>
             </a:r>
           </a:p>
-        </p:txBody>
-      </p:sp>
-      <p:sp>
-        <p:nvSpPr>
-          <p:cNvPr id="6" name="Rectangle 5">
-            <a:extLst>
-              <a:ext uri="{FF2B5EF4-FFF2-40B4-BE49-F238E27FC236}">
-                <a16:creationId xmlns:a16="http://schemas.microsoft.com/office/drawing/2014/main" id="{7AE42608-495A-41FE-BE8E-D9FA3E008F5B}"/>
-              </a:ext>
-            </a:extLst>
-          </p:cNvPr>
-          <p:cNvSpPr/>
-          <p:nvPr/>
-        </p:nvSpPr>
-        <p:spPr>
-          <a:xfrm>
-            <a:off x="355210" y="3524081"/>
-            <a:ext cx="6096000" cy="923330"/>
-          </a:xfrm>
-          <a:prstGeom prst="rect">
-            <a:avLst/>
-          </a:prstGeom>
-        </p:spPr>
-        <p:txBody>
-          <a:bodyPr>
-            <a:spAutoFit/>
-          </a:bodyPr>
-          <a:lstStyle/>
-          <a:p>
-            <a:r>
-              <a:rPr lang="en-US" dirty="0"/>
-              <a:t>##########KIRIM DATA ANALOG KE GAUGE##############</a:t>
-            </a:r>
-          </a:p>
-          <a:p>
-            <a:r>
-              <a:rPr lang="en-US" dirty="0"/>
-              <a:t>    @</a:t>
-            </a:r>
-            <a:r>
-              <a:rPr lang="en-US" dirty="0" err="1"/>
-              <a:t>pyqtSlot</a:t>
-            </a:r>
-            <a:r>
-              <a:rPr lang="en-US" dirty="0"/>
-              <a:t>(result=float)</a:t>
-            </a:r>
-          </a:p>
-          <a:p>
-            <a:r>
-              <a:rPr lang="en-US" dirty="0"/>
-              <a:t>    def </a:t>
-            </a:r>
-            <a:r>
-              <a:rPr lang="en-US" dirty="0" err="1"/>
-              <a:t>get_analog</a:t>
-            </a:r>
-            <a:r>
-              <a:rPr lang="en-US" dirty="0"/>
-              <a:t>(self):  return analog</a:t>
+          <a:p>
+            <a:r>
+              <a:rPr lang="en-US" dirty="0"/>
+              <a:t>}</a:t>
             </a:r>
           </a:p>
         </p:txBody>
@@ -9200,7 +9030,7 @@
     </p:spTree>
     <p:extLst>
       <p:ext uri="{BB962C8B-B14F-4D97-AF65-F5344CB8AC3E}">
-        <p14:creationId xmlns:p14="http://schemas.microsoft.com/office/powerpoint/2010/main" val="629500011"/>
+        <p14:creationId xmlns:p14="http://schemas.microsoft.com/office/powerpoint/2010/main" val="2309618137"/>
       </p:ext>
     </p:extLst>
   </p:cSld>
@@ -9329,6 +9159,277 @@
 </file>
 
 <file path=ppt/slides/slide30.xml><?xml version="1.0" encoding="utf-8"?>
+<p:sld xmlns:a="http://schemas.openxmlformats.org/drawingml/2006/main" xmlns:r="http://schemas.openxmlformats.org/officeDocument/2006/relationships" xmlns:p="http://schemas.openxmlformats.org/presentationml/2006/main">
+  <p:cSld>
+    <p:spTree>
+      <p:nvGrpSpPr>
+        <p:cNvPr id="1" name=""/>
+        <p:cNvGrpSpPr/>
+        <p:nvPr/>
+      </p:nvGrpSpPr>
+      <p:grpSpPr>
+        <a:xfrm>
+          <a:off x="0" y="0"/>
+          <a:ext cx="0" cy="0"/>
+          <a:chOff x="0" y="0"/>
+          <a:chExt cx="0" cy="0"/>
+        </a:xfrm>
+      </p:grpSpPr>
+      <p:sp>
+        <p:nvSpPr>
+          <p:cNvPr id="2" name="Title 1">
+            <a:extLst>
+              <a:ext uri="{FF2B5EF4-FFF2-40B4-BE49-F238E27FC236}">
+                <a16:creationId xmlns:a16="http://schemas.microsoft.com/office/drawing/2014/main" id="{D5308188-859F-4FE5-8630-A993D0DCC06F}"/>
+              </a:ext>
+            </a:extLst>
+          </p:cNvPr>
+          <p:cNvSpPr>
+            <a:spLocks noGrp="1"/>
+          </p:cNvSpPr>
+          <p:nvPr>
+            <p:ph type="title"/>
+          </p:nvPr>
+        </p:nvSpPr>
+        <p:spPr/>
+        <p:txBody>
+          <a:bodyPr/>
+          <a:lstStyle/>
+          <a:p>
+            <a:r>
+              <a:rPr lang="en-US" dirty="0"/>
+              <a:t>Integrate python with </a:t>
+            </a:r>
+            <a:r>
+              <a:rPr lang="en-US" dirty="0" err="1"/>
+              <a:t>qml</a:t>
+            </a:r>
+            <a:endParaRPr lang="en-US" dirty="0"/>
+          </a:p>
+        </p:txBody>
+      </p:sp>
+      <p:sp>
+        <p:nvSpPr>
+          <p:cNvPr id="4" name="TextBox 3">
+            <a:extLst>
+              <a:ext uri="{FF2B5EF4-FFF2-40B4-BE49-F238E27FC236}">
+                <a16:creationId xmlns:a16="http://schemas.microsoft.com/office/drawing/2014/main" id="{45C5B499-C43D-46D5-B5EC-0175AE4106F7}"/>
+              </a:ext>
+            </a:extLst>
+          </p:cNvPr>
+          <p:cNvSpPr txBox="1"/>
+          <p:nvPr/>
+        </p:nvSpPr>
+        <p:spPr>
+          <a:xfrm>
+            <a:off x="4475870" y="1367522"/>
+            <a:ext cx="5627077" cy="646331"/>
+          </a:xfrm>
+          <a:prstGeom prst="rect">
+            <a:avLst/>
+          </a:prstGeom>
+          <a:noFill/>
+        </p:spPr>
+        <p:txBody>
+          <a:bodyPr wrap="square" rtlCol="0">
+            <a:spAutoFit/>
+          </a:bodyPr>
+          <a:lstStyle/>
+          <a:p>
+            <a:r>
+              <a:rPr lang="en-US" sz="3600" dirty="0"/>
+              <a:t>Python =&gt; QML</a:t>
+            </a:r>
+          </a:p>
+        </p:txBody>
+      </p:sp>
+      <p:sp>
+        <p:nvSpPr>
+          <p:cNvPr id="5" name="Rectangle 4">
+            <a:extLst>
+              <a:ext uri="{FF2B5EF4-FFF2-40B4-BE49-F238E27FC236}">
+                <a16:creationId xmlns:a16="http://schemas.microsoft.com/office/drawing/2014/main" id="{481E72FB-15FC-48A6-8374-205A192BED8A}"/>
+              </a:ext>
+            </a:extLst>
+          </p:cNvPr>
+          <p:cNvSpPr/>
+          <p:nvPr/>
+        </p:nvSpPr>
+        <p:spPr>
+          <a:xfrm>
+            <a:off x="6451210" y="2693085"/>
+            <a:ext cx="5740790" cy="2585323"/>
+          </a:xfrm>
+          <a:prstGeom prst="rect">
+            <a:avLst/>
+          </a:prstGeom>
+        </p:spPr>
+        <p:txBody>
+          <a:bodyPr wrap="square">
+            <a:spAutoFit/>
+          </a:bodyPr>
+          <a:lstStyle/>
+          <a:p>
+            <a:r>
+              <a:rPr lang="en-US" dirty="0"/>
+              <a:t>Timer{</a:t>
+            </a:r>
+          </a:p>
+          <a:p>
+            <a:r>
+              <a:rPr lang="en-US" dirty="0"/>
+              <a:t>		</a:t>
+            </a:r>
+            <a:r>
+              <a:rPr lang="en-US" dirty="0" err="1"/>
+              <a:t>id:transferdata</a:t>
+            </a:r>
+            <a:endParaRPr lang="en-US" dirty="0"/>
+          </a:p>
+          <a:p>
+            <a:r>
+              <a:rPr lang="en-US" dirty="0"/>
+              <a:t>		interval: 50</a:t>
+            </a:r>
+          </a:p>
+          <a:p>
+            <a:r>
+              <a:rPr lang="en-US" dirty="0"/>
+              <a:t>		repeat: true</a:t>
+            </a:r>
+          </a:p>
+          <a:p>
+            <a:r>
+              <a:rPr lang="en-US" dirty="0"/>
+              <a:t>		running: true</a:t>
+            </a:r>
+          </a:p>
+          <a:p>
+            <a:r>
+              <a:rPr lang="en-US" dirty="0"/>
+              <a:t>		</a:t>
+            </a:r>
+            <a:r>
+              <a:rPr lang="en-US" dirty="0" err="1"/>
+              <a:t>onTriggered</a:t>
+            </a:r>
+            <a:r>
+              <a:rPr lang="en-US" dirty="0"/>
+              <a:t>: {</a:t>
+            </a:r>
+          </a:p>
+          <a:p>
+            <a:r>
+              <a:rPr lang="en-US" dirty="0"/>
+              <a:t>		</a:t>
+            </a:r>
+            <a:r>
+              <a:rPr lang="en-US" dirty="0" err="1"/>
+              <a:t>pot_val.text</a:t>
+            </a:r>
+            <a:r>
+              <a:rPr lang="en-US" dirty="0"/>
+              <a:t> = </a:t>
+            </a:r>
+            <a:r>
+              <a:rPr lang="en-US" dirty="0" err="1"/>
+              <a:t>backend.get_analog</a:t>
+            </a:r>
+            <a:r>
+              <a:rPr lang="en-US" dirty="0"/>
+              <a:t>()</a:t>
+            </a:r>
+          </a:p>
+          <a:p>
+            <a:r>
+              <a:rPr lang="en-US" dirty="0"/>
+              <a:t>		}</a:t>
+            </a:r>
+          </a:p>
+          <a:p>
+            <a:r>
+              <a:rPr lang="en-US" dirty="0"/>
+              <a:t>	}</a:t>
+            </a:r>
+          </a:p>
+        </p:txBody>
+      </p:sp>
+      <p:sp>
+        <p:nvSpPr>
+          <p:cNvPr id="6" name="Rectangle 5">
+            <a:extLst>
+              <a:ext uri="{FF2B5EF4-FFF2-40B4-BE49-F238E27FC236}">
+                <a16:creationId xmlns:a16="http://schemas.microsoft.com/office/drawing/2014/main" id="{7AE42608-495A-41FE-BE8E-D9FA3E008F5B}"/>
+              </a:ext>
+            </a:extLst>
+          </p:cNvPr>
+          <p:cNvSpPr/>
+          <p:nvPr/>
+        </p:nvSpPr>
+        <p:spPr>
+          <a:xfrm>
+            <a:off x="355210" y="3524081"/>
+            <a:ext cx="6096000" cy="923330"/>
+          </a:xfrm>
+          <a:prstGeom prst="rect">
+            <a:avLst/>
+          </a:prstGeom>
+        </p:spPr>
+        <p:txBody>
+          <a:bodyPr>
+            <a:spAutoFit/>
+          </a:bodyPr>
+          <a:lstStyle/>
+          <a:p>
+            <a:r>
+              <a:rPr lang="en-US" dirty="0"/>
+              <a:t>##########KIRIM DATA ANALOG KE GAUGE##############</a:t>
+            </a:r>
+          </a:p>
+          <a:p>
+            <a:r>
+              <a:rPr lang="en-US" dirty="0"/>
+              <a:t>    @</a:t>
+            </a:r>
+            <a:r>
+              <a:rPr lang="en-US" dirty="0" err="1"/>
+              <a:t>pyqtSlot</a:t>
+            </a:r>
+            <a:r>
+              <a:rPr lang="en-US" dirty="0"/>
+              <a:t>(result=float)</a:t>
+            </a:r>
+          </a:p>
+          <a:p>
+            <a:r>
+              <a:rPr lang="en-US" dirty="0"/>
+              <a:t>    def </a:t>
+            </a:r>
+            <a:r>
+              <a:rPr lang="en-US" dirty="0" err="1"/>
+              <a:t>get_analog</a:t>
+            </a:r>
+            <a:r>
+              <a:rPr lang="en-US" dirty="0"/>
+              <a:t>(self):  return analog</a:t>
+            </a:r>
+          </a:p>
+        </p:txBody>
+      </p:sp>
+    </p:spTree>
+    <p:extLst>
+      <p:ext uri="{BB962C8B-B14F-4D97-AF65-F5344CB8AC3E}">
+        <p14:creationId xmlns:p14="http://schemas.microsoft.com/office/powerpoint/2010/main" val="629500011"/>
+      </p:ext>
+    </p:extLst>
+  </p:cSld>
+  <p:clrMapOvr>
+    <a:masterClrMapping/>
+  </p:clrMapOvr>
+</p:sld>
+</file>
+
+<file path=ppt/slides/slide31.xml><?xml version="1.0" encoding="utf-8"?>
 <p:sld xmlns:a="http://schemas.openxmlformats.org/drawingml/2006/main" xmlns:r="http://schemas.openxmlformats.org/officeDocument/2006/relationships" xmlns:p="http://schemas.openxmlformats.org/presentationml/2006/main">
   <p:cSld>
     <p:spTree>
@@ -10302,7 +10403,7 @@
 </p:sld>
 </file>
 
-<file path=ppt/slides/slide31.xml><?xml version="1.0" encoding="utf-8"?>
+<file path=ppt/slides/slide32.xml><?xml version="1.0" encoding="utf-8"?>
 <p:sld xmlns:a="http://schemas.openxmlformats.org/drawingml/2006/main" xmlns:r="http://schemas.openxmlformats.org/officeDocument/2006/relationships" xmlns:p="http://schemas.openxmlformats.org/presentationml/2006/main">
   <p:cSld>
     <p:spTree>
@@ -10930,7 +11031,7 @@
 </p:sld>
 </file>
 
-<file path=ppt/slides/slide32.xml><?xml version="1.0" encoding="utf-8"?>
+<file path=ppt/slides/slide33.xml><?xml version="1.0" encoding="utf-8"?>
 <p:sld xmlns:a="http://schemas.openxmlformats.org/drawingml/2006/main" xmlns:r="http://schemas.openxmlformats.org/officeDocument/2006/relationships" xmlns:p="http://schemas.openxmlformats.org/presentationml/2006/main">
   <p:cSld>
     <p:spTree>
@@ -11673,670 +11774,6 @@
 </p:sld>
 </file>
 
-<file path=ppt/slides/slide33.xml><?xml version="1.0" encoding="utf-8"?>
-<p:sld xmlns:a="http://schemas.openxmlformats.org/drawingml/2006/main" xmlns:r="http://schemas.openxmlformats.org/officeDocument/2006/relationships" xmlns:p="http://schemas.openxmlformats.org/presentationml/2006/main">
-  <p:cSld>
-    <p:spTree>
-      <p:nvGrpSpPr>
-        <p:cNvPr id="1" name=""/>
-        <p:cNvGrpSpPr/>
-        <p:nvPr/>
-      </p:nvGrpSpPr>
-      <p:grpSpPr>
-        <a:xfrm>
-          <a:off x="0" y="0"/>
-          <a:ext cx="0" cy="0"/>
-          <a:chOff x="0" y="0"/>
-          <a:chExt cx="0" cy="0"/>
-        </a:xfrm>
-      </p:grpSpPr>
-      <p:sp>
-        <p:nvSpPr>
-          <p:cNvPr id="3" name="Content Placeholder 2">
-            <a:extLst>
-              <a:ext uri="{FF2B5EF4-FFF2-40B4-BE49-F238E27FC236}">
-                <a16:creationId xmlns:a16="http://schemas.microsoft.com/office/drawing/2014/main" id="{60D0E6AD-1B44-42BF-BC04-6D808547B5C5}"/>
-              </a:ext>
-            </a:extLst>
-          </p:cNvPr>
-          <p:cNvSpPr>
-            <a:spLocks noGrp="1"/>
-          </p:cNvSpPr>
-          <p:nvPr>
-            <p:ph idx="1"/>
-          </p:nvPr>
-        </p:nvSpPr>
-        <p:spPr>
-          <a:xfrm>
-            <a:off x="838200" y="365124"/>
-            <a:ext cx="5257800" cy="6365459"/>
-          </a:xfrm>
-        </p:spPr>
-        <p:txBody>
-          <a:bodyPr>
-            <a:normAutofit fontScale="92500" lnSpcReduction="20000"/>
-          </a:bodyPr>
-          <a:lstStyle/>
-          <a:p>
-            <a:pPr marL="0" indent="0">
-              <a:buNone/>
-            </a:pPr>
-            <a:r>
-              <a:rPr lang="en-US" sz="1400" dirty="0"/>
-              <a:t>void callback(char* topic, byte* message, unsigned int length) {</a:t>
-            </a:r>
-          </a:p>
-          <a:p>
-            <a:pPr marL="0" indent="0">
-              <a:buNone/>
-            </a:pPr>
-            <a:r>
-              <a:rPr lang="en-US" sz="1400" dirty="0"/>
-              <a:t>  </a:t>
-            </a:r>
-            <a:r>
-              <a:rPr lang="en-US" sz="1400" dirty="0" err="1"/>
-              <a:t>Serial.print</a:t>
-            </a:r>
-            <a:r>
-              <a:rPr lang="en-US" sz="1400" dirty="0"/>
-              <a:t>("Message arrived on topic: ");</a:t>
-            </a:r>
-          </a:p>
-          <a:p>
-            <a:pPr marL="0" indent="0">
-              <a:buNone/>
-            </a:pPr>
-            <a:r>
-              <a:rPr lang="en-US" sz="1400" dirty="0"/>
-              <a:t>  </a:t>
-            </a:r>
-            <a:r>
-              <a:rPr lang="en-US" sz="1400" dirty="0" err="1"/>
-              <a:t>Serial.print</a:t>
-            </a:r>
-            <a:r>
-              <a:rPr lang="en-US" sz="1400" dirty="0"/>
-              <a:t>(topic);</a:t>
-            </a:r>
-          </a:p>
-          <a:p>
-            <a:pPr marL="0" indent="0">
-              <a:buNone/>
-            </a:pPr>
-            <a:r>
-              <a:rPr lang="en-US" sz="1400" dirty="0"/>
-              <a:t>  </a:t>
-            </a:r>
-            <a:r>
-              <a:rPr lang="en-US" sz="1400" dirty="0" err="1"/>
-              <a:t>Serial.print</a:t>
-            </a:r>
-            <a:r>
-              <a:rPr lang="en-US" sz="1400" dirty="0"/>
-              <a:t>(". Message: ");</a:t>
-            </a:r>
-          </a:p>
-          <a:p>
-            <a:pPr marL="0" indent="0">
-              <a:buNone/>
-            </a:pPr>
-            <a:r>
-              <a:rPr lang="en-US" sz="1400" dirty="0"/>
-              <a:t>  String </a:t>
-            </a:r>
-            <a:r>
-              <a:rPr lang="en-US" sz="1400" dirty="0" err="1"/>
-              <a:t>messageTemp</a:t>
-            </a:r>
-            <a:r>
-              <a:rPr lang="en-US" sz="1400" dirty="0"/>
-              <a:t>;  </a:t>
-            </a:r>
-          </a:p>
-          <a:p>
-            <a:pPr marL="0" indent="0">
-              <a:buNone/>
-            </a:pPr>
-            <a:r>
-              <a:rPr lang="en-US" sz="1400" dirty="0"/>
-              <a:t>  for (int </a:t>
-            </a:r>
-            <a:r>
-              <a:rPr lang="en-US" sz="1400" dirty="0" err="1"/>
-              <a:t>i</a:t>
-            </a:r>
-            <a:r>
-              <a:rPr lang="en-US" sz="1400" dirty="0"/>
-              <a:t> = 0; </a:t>
-            </a:r>
-            <a:r>
-              <a:rPr lang="en-US" sz="1400" dirty="0" err="1"/>
-              <a:t>i</a:t>
-            </a:r>
-            <a:r>
-              <a:rPr lang="en-US" sz="1400" dirty="0"/>
-              <a:t> &lt; length; </a:t>
-            </a:r>
-            <a:r>
-              <a:rPr lang="en-US" sz="1400" dirty="0" err="1"/>
-              <a:t>i</a:t>
-            </a:r>
-            <a:r>
-              <a:rPr lang="en-US" sz="1400" dirty="0"/>
-              <a:t>++) {</a:t>
-            </a:r>
-          </a:p>
-          <a:p>
-            <a:pPr marL="0" indent="0">
-              <a:buNone/>
-            </a:pPr>
-            <a:r>
-              <a:rPr lang="en-US" sz="1400" dirty="0"/>
-              <a:t>    </a:t>
-            </a:r>
-            <a:r>
-              <a:rPr lang="en-US" sz="1400" dirty="0" err="1"/>
-              <a:t>Serial.print</a:t>
-            </a:r>
-            <a:r>
-              <a:rPr lang="en-US" sz="1400" dirty="0"/>
-              <a:t>((char)message[</a:t>
-            </a:r>
-            <a:r>
-              <a:rPr lang="en-US" sz="1400" dirty="0" err="1"/>
-              <a:t>i</a:t>
-            </a:r>
-            <a:r>
-              <a:rPr lang="en-US" sz="1400" dirty="0"/>
-              <a:t>]);</a:t>
-            </a:r>
-          </a:p>
-          <a:p>
-            <a:pPr marL="0" indent="0">
-              <a:buNone/>
-            </a:pPr>
-            <a:r>
-              <a:rPr lang="en-US" sz="1400" dirty="0"/>
-              <a:t>    </a:t>
-            </a:r>
-            <a:r>
-              <a:rPr lang="en-US" sz="1400" dirty="0" err="1"/>
-              <a:t>messageTemp</a:t>
-            </a:r>
-            <a:r>
-              <a:rPr lang="en-US" sz="1400" dirty="0"/>
-              <a:t> += (char)message[</a:t>
-            </a:r>
-            <a:r>
-              <a:rPr lang="en-US" sz="1400" dirty="0" err="1"/>
-              <a:t>i</a:t>
-            </a:r>
-            <a:r>
-              <a:rPr lang="en-US" sz="1400" dirty="0"/>
-              <a:t>];</a:t>
-            </a:r>
-          </a:p>
-          <a:p>
-            <a:pPr marL="0" indent="0">
-              <a:buNone/>
-            </a:pPr>
-            <a:r>
-              <a:rPr lang="en-US" sz="1400" dirty="0"/>
-              <a:t>  }</a:t>
-            </a:r>
-          </a:p>
-          <a:p>
-            <a:pPr marL="0" indent="0">
-              <a:buNone/>
-            </a:pPr>
-            <a:r>
-              <a:rPr lang="en-US" sz="1400" dirty="0"/>
-              <a:t>  </a:t>
-            </a:r>
-            <a:r>
-              <a:rPr lang="en-US" sz="1400" dirty="0" err="1"/>
-              <a:t>Serial.println</a:t>
-            </a:r>
-            <a:r>
-              <a:rPr lang="en-US" sz="1400" dirty="0"/>
-              <a:t>();</a:t>
-            </a:r>
-          </a:p>
-          <a:p>
-            <a:pPr marL="0" indent="0">
-              <a:buNone/>
-            </a:pPr>
-            <a:r>
-              <a:rPr lang="en-US" sz="1400" dirty="0"/>
-              <a:t>  </a:t>
-            </a:r>
-          </a:p>
-          <a:p>
-            <a:pPr marL="0" indent="0">
-              <a:buNone/>
-            </a:pPr>
-            <a:r>
-              <a:rPr lang="en-US" sz="1400" dirty="0"/>
-              <a:t>  if (String(topic) == "button1_send") {</a:t>
-            </a:r>
-          </a:p>
-          <a:p>
-            <a:pPr marL="0" indent="0">
-              <a:buNone/>
-            </a:pPr>
-            <a:r>
-              <a:rPr lang="en-US" sz="1400" dirty="0"/>
-              <a:t>    </a:t>
-            </a:r>
-            <a:r>
-              <a:rPr lang="en-US" sz="1400" dirty="0" err="1"/>
-              <a:t>Serial.print</a:t>
-            </a:r>
-            <a:r>
-              <a:rPr lang="en-US" sz="1400" dirty="0"/>
-              <a:t>("Changing output to ");</a:t>
-            </a:r>
-          </a:p>
-          <a:p>
-            <a:pPr marL="0" indent="0">
-              <a:buNone/>
-            </a:pPr>
-            <a:r>
-              <a:rPr lang="en-US" sz="1400" dirty="0"/>
-              <a:t>    if(</a:t>
-            </a:r>
-            <a:r>
-              <a:rPr lang="en-US" sz="1400" dirty="0" err="1"/>
-              <a:t>messageTemp</a:t>
-            </a:r>
-            <a:r>
-              <a:rPr lang="en-US" sz="1400" dirty="0"/>
-              <a:t> == "on"){</a:t>
-            </a:r>
-          </a:p>
-          <a:p>
-            <a:pPr marL="0" indent="0">
-              <a:buNone/>
-            </a:pPr>
-            <a:r>
-              <a:rPr lang="en-US" sz="1400" dirty="0"/>
-              <a:t>      </a:t>
-            </a:r>
-            <a:r>
-              <a:rPr lang="en-US" sz="1400" dirty="0" err="1"/>
-              <a:t>Serial.println</a:t>
-            </a:r>
-            <a:r>
-              <a:rPr lang="en-US" sz="1400" dirty="0"/>
-              <a:t>("ON");</a:t>
-            </a:r>
-          </a:p>
-          <a:p>
-            <a:pPr marL="0" indent="0">
-              <a:buNone/>
-            </a:pPr>
-            <a:r>
-              <a:rPr lang="en-US" sz="1400" dirty="0"/>
-              <a:t>      </a:t>
-            </a:r>
-            <a:r>
-              <a:rPr lang="en-US" sz="1400" dirty="0" err="1"/>
-              <a:t>digitalWrite</a:t>
-            </a:r>
-            <a:r>
-              <a:rPr lang="en-US" sz="1400" dirty="0"/>
-              <a:t>(led1_pin, HIGH);</a:t>
-            </a:r>
-          </a:p>
-          <a:p>
-            <a:pPr marL="0" indent="0">
-              <a:buNone/>
-            </a:pPr>
-            <a:r>
-              <a:rPr lang="en-US" sz="1400" dirty="0"/>
-              <a:t>    }</a:t>
-            </a:r>
-          </a:p>
-          <a:p>
-            <a:pPr marL="0" indent="0">
-              <a:buNone/>
-            </a:pPr>
-            <a:r>
-              <a:rPr lang="en-US" sz="1400" dirty="0"/>
-              <a:t>    else if(</a:t>
-            </a:r>
-            <a:r>
-              <a:rPr lang="en-US" sz="1400" dirty="0" err="1"/>
-              <a:t>messageTemp</a:t>
-            </a:r>
-            <a:r>
-              <a:rPr lang="en-US" sz="1400" dirty="0"/>
-              <a:t> == "off"){</a:t>
-            </a:r>
-          </a:p>
-          <a:p>
-            <a:pPr marL="0" indent="0">
-              <a:buNone/>
-            </a:pPr>
-            <a:r>
-              <a:rPr lang="en-US" sz="1400" dirty="0"/>
-              <a:t>      </a:t>
-            </a:r>
-            <a:r>
-              <a:rPr lang="en-US" sz="1400" dirty="0" err="1"/>
-              <a:t>Serial.println</a:t>
-            </a:r>
-            <a:r>
-              <a:rPr lang="en-US" sz="1400" dirty="0"/>
-              <a:t>("OFF");</a:t>
-            </a:r>
-          </a:p>
-          <a:p>
-            <a:pPr marL="0" indent="0">
-              <a:buNone/>
-            </a:pPr>
-            <a:r>
-              <a:rPr lang="en-US" sz="1400" dirty="0"/>
-              <a:t>      </a:t>
-            </a:r>
-            <a:r>
-              <a:rPr lang="en-US" sz="1400" dirty="0" err="1"/>
-              <a:t>digitalWrite</a:t>
-            </a:r>
-            <a:r>
-              <a:rPr lang="en-US" sz="1400" dirty="0"/>
-              <a:t>(led1_pin, LOW);</a:t>
-            </a:r>
-          </a:p>
-          <a:p>
-            <a:pPr marL="0" indent="0">
-              <a:buNone/>
-            </a:pPr>
-            <a:r>
-              <a:rPr lang="en-US" sz="1400" dirty="0"/>
-              <a:t>    }</a:t>
-            </a:r>
-          </a:p>
-          <a:p>
-            <a:pPr marL="0" indent="0">
-              <a:buNone/>
-            </a:pPr>
-            <a:r>
-              <a:rPr lang="en-US" sz="1400" dirty="0"/>
-              <a:t>  }</a:t>
-            </a:r>
-          </a:p>
-          <a:p>
-            <a:pPr marL="0" indent="0">
-              <a:buNone/>
-            </a:pPr>
-            <a:r>
-              <a:rPr lang="en-US" sz="1400" dirty="0"/>
-              <a:t>}</a:t>
-            </a:r>
-          </a:p>
-        </p:txBody>
-      </p:sp>
-      <p:sp>
-        <p:nvSpPr>
-          <p:cNvPr id="5" name="TextBox 4">
-            <a:extLst>
-              <a:ext uri="{FF2B5EF4-FFF2-40B4-BE49-F238E27FC236}">
-                <a16:creationId xmlns:a16="http://schemas.microsoft.com/office/drawing/2014/main" id="{D9109B06-8272-4A38-8488-9F17F55C5AC5}"/>
-              </a:ext>
-            </a:extLst>
-          </p:cNvPr>
-          <p:cNvSpPr txBox="1"/>
-          <p:nvPr/>
-        </p:nvSpPr>
-        <p:spPr>
-          <a:xfrm>
-            <a:off x="6096000" y="889843"/>
-            <a:ext cx="6093500" cy="5078313"/>
-          </a:xfrm>
-          <a:prstGeom prst="rect">
-            <a:avLst/>
-          </a:prstGeom>
-          <a:noFill/>
-        </p:spPr>
-        <p:txBody>
-          <a:bodyPr wrap="square">
-            <a:spAutoFit/>
-          </a:bodyPr>
-          <a:lstStyle/>
-          <a:p>
-            <a:r>
-              <a:rPr lang="en-US" dirty="0"/>
-              <a:t>void reconnect() {</a:t>
-            </a:r>
-          </a:p>
-          <a:p>
-            <a:r>
-              <a:rPr lang="en-US" dirty="0"/>
-              <a:t>  while (!</a:t>
-            </a:r>
-            <a:r>
-              <a:rPr lang="en-US" dirty="0" err="1"/>
-              <a:t>client.connected</a:t>
-            </a:r>
-            <a:r>
-              <a:rPr lang="en-US" dirty="0"/>
-              <a:t>()) {</a:t>
-            </a:r>
-          </a:p>
-          <a:p>
-            <a:r>
-              <a:rPr lang="en-US" dirty="0"/>
-              <a:t>    </a:t>
-            </a:r>
-            <a:r>
-              <a:rPr lang="en-US" dirty="0" err="1"/>
-              <a:t>Serial.print</a:t>
-            </a:r>
-            <a:r>
-              <a:rPr lang="en-US" dirty="0"/>
-              <a:t>("Attempting MQTT connection...");</a:t>
-            </a:r>
-          </a:p>
-          <a:p>
-            <a:r>
-              <a:rPr lang="en-US" dirty="0"/>
-              <a:t>    if (</a:t>
-            </a:r>
-            <a:r>
-              <a:rPr lang="en-US" dirty="0" err="1"/>
-              <a:t>client.connect</a:t>
-            </a:r>
-            <a:r>
-              <a:rPr lang="en-US" dirty="0"/>
-              <a:t>("ESP32Client")) {</a:t>
-            </a:r>
-          </a:p>
-          <a:p>
-            <a:r>
-              <a:rPr lang="en-US" dirty="0"/>
-              <a:t>      </a:t>
-            </a:r>
-            <a:r>
-              <a:rPr lang="en-US" dirty="0" err="1"/>
-              <a:t>Serial.println</a:t>
-            </a:r>
-            <a:r>
-              <a:rPr lang="en-US" dirty="0"/>
-              <a:t>("connected");</a:t>
-            </a:r>
-          </a:p>
-          <a:p>
-            <a:endParaRPr lang="en-US" dirty="0"/>
-          </a:p>
-          <a:p>
-            <a:r>
-              <a:rPr lang="en-US" dirty="0"/>
-              <a:t>      </a:t>
-            </a:r>
-            <a:r>
-              <a:rPr lang="en-US" dirty="0" err="1"/>
-              <a:t>client.subscribe</a:t>
-            </a:r>
-            <a:r>
-              <a:rPr lang="en-US" dirty="0"/>
-              <a:t>("button1_send");</a:t>
-            </a:r>
-          </a:p>
-          <a:p>
-            <a:r>
-              <a:rPr lang="en-US" dirty="0"/>
-              <a:t>      </a:t>
-            </a:r>
-            <a:r>
-              <a:rPr lang="en-US" dirty="0" err="1"/>
-              <a:t>client.subscribe</a:t>
-            </a:r>
-            <a:r>
-              <a:rPr lang="en-US" dirty="0"/>
-              <a:t>("button2_send");</a:t>
-            </a:r>
-          </a:p>
-          <a:p>
-            <a:r>
-              <a:rPr lang="en-US" dirty="0"/>
-              <a:t>      </a:t>
-            </a:r>
-            <a:r>
-              <a:rPr lang="en-US" dirty="0" err="1"/>
-              <a:t>client.subscribe</a:t>
-            </a:r>
-            <a:r>
-              <a:rPr lang="en-US" dirty="0"/>
-              <a:t>("button3_send");</a:t>
-            </a:r>
-          </a:p>
-          <a:p>
-            <a:r>
-              <a:rPr lang="en-US" dirty="0"/>
-              <a:t>      </a:t>
-            </a:r>
-            <a:r>
-              <a:rPr lang="en-US" dirty="0" err="1"/>
-              <a:t>client.subscribe</a:t>
-            </a:r>
-            <a:r>
-              <a:rPr lang="en-US" dirty="0"/>
-              <a:t>("</a:t>
-            </a:r>
-            <a:r>
-              <a:rPr lang="en-US" dirty="0" err="1"/>
-              <a:t>analog_send</a:t>
-            </a:r>
-            <a:r>
-              <a:rPr lang="en-US" dirty="0"/>
-              <a:t>");</a:t>
-            </a:r>
-          </a:p>
-          <a:p>
-            <a:r>
-              <a:rPr lang="en-US" dirty="0"/>
-              <a:t>    } else {</a:t>
-            </a:r>
-          </a:p>
-          <a:p>
-            <a:r>
-              <a:rPr lang="en-US" dirty="0"/>
-              <a:t>      </a:t>
-            </a:r>
-            <a:r>
-              <a:rPr lang="en-US" dirty="0" err="1"/>
-              <a:t>Serial.print</a:t>
-            </a:r>
-            <a:r>
-              <a:rPr lang="en-US" dirty="0"/>
-              <a:t>("failed, </a:t>
-            </a:r>
-            <a:r>
-              <a:rPr lang="en-US" dirty="0" err="1"/>
-              <a:t>rc</a:t>
-            </a:r>
-            <a:r>
-              <a:rPr lang="en-US" dirty="0"/>
-              <a:t>=");</a:t>
-            </a:r>
-          </a:p>
-          <a:p>
-            <a:r>
-              <a:rPr lang="en-US" dirty="0"/>
-              <a:t>      </a:t>
-            </a:r>
-            <a:r>
-              <a:rPr lang="en-US" dirty="0" err="1"/>
-              <a:t>Serial.print</a:t>
-            </a:r>
-            <a:r>
-              <a:rPr lang="en-US" dirty="0"/>
-              <a:t>(</a:t>
-            </a:r>
-            <a:r>
-              <a:rPr lang="en-US" dirty="0" err="1"/>
-              <a:t>client.state</a:t>
-            </a:r>
-            <a:r>
-              <a:rPr lang="en-US" dirty="0"/>
-              <a:t>());</a:t>
-            </a:r>
-          </a:p>
-          <a:p>
-            <a:r>
-              <a:rPr lang="en-US" dirty="0"/>
-              <a:t>      </a:t>
-            </a:r>
-            <a:r>
-              <a:rPr lang="en-US" dirty="0" err="1"/>
-              <a:t>Serial.println</a:t>
-            </a:r>
-            <a:r>
-              <a:rPr lang="en-US" dirty="0"/>
-              <a:t>(" try again in 5 seconds");</a:t>
-            </a:r>
-          </a:p>
-          <a:p>
-            <a:r>
-              <a:rPr lang="en-US" dirty="0"/>
-              <a:t>      delay(5000);</a:t>
-            </a:r>
-          </a:p>
-          <a:p>
-            <a:r>
-              <a:rPr lang="en-US" dirty="0"/>
-              <a:t>    }</a:t>
-            </a:r>
-          </a:p>
-          <a:p>
-            <a:r>
-              <a:rPr lang="en-US" dirty="0"/>
-              <a:t>  }</a:t>
-            </a:r>
-          </a:p>
-          <a:p>
-            <a:r>
-              <a:rPr lang="en-US" dirty="0"/>
-              <a:t>}</a:t>
-            </a:r>
-          </a:p>
-        </p:txBody>
-      </p:sp>
-    </p:spTree>
-    <p:extLst>
-      <p:ext uri="{BB962C8B-B14F-4D97-AF65-F5344CB8AC3E}">
-        <p14:creationId xmlns:p14="http://schemas.microsoft.com/office/powerpoint/2010/main" val="3809683968"/>
-      </p:ext>
-    </p:extLst>
-  </p:cSld>
-  <p:clrMapOvr>
-    <a:masterClrMapping/>
-  </p:clrMapOvr>
-</p:sld>
-</file>
-
 <file path=ppt/slides/slide34.xml><?xml version="1.0" encoding="utf-8"?>
 <p:sld xmlns:a="http://schemas.openxmlformats.org/drawingml/2006/main" xmlns:r="http://schemas.openxmlformats.org/officeDocument/2006/relationships" xmlns:p="http://schemas.openxmlformats.org/presentationml/2006/main">
   <p:cSld>
@@ -12356,10 +11793,10 @@
       </p:grpSpPr>
       <p:sp>
         <p:nvSpPr>
-          <p:cNvPr id="2" name="Title 1">
-            <a:extLst>
-              <a:ext uri="{FF2B5EF4-FFF2-40B4-BE49-F238E27FC236}">
-                <a16:creationId xmlns:a16="http://schemas.microsoft.com/office/drawing/2014/main" id="{93A997F4-5FF7-4A49-B89D-197C1899E2CB}"/>
+          <p:cNvPr id="3" name="Content Placeholder 2">
+            <a:extLst>
+              <a:ext uri="{FF2B5EF4-FFF2-40B4-BE49-F238E27FC236}">
+                <a16:creationId xmlns:a16="http://schemas.microsoft.com/office/drawing/2014/main" id="{60D0E6AD-1B44-42BF-BC04-6D808547B5C5}"/>
               </a:ext>
             </a:extLst>
           </p:cNvPr>
@@ -12367,15 +11804,378 @@
             <a:spLocks noGrp="1"/>
           </p:cNvSpPr>
           <p:nvPr>
-            <p:ph type="title"/>
+            <p:ph idx="1"/>
           </p:nvPr>
         </p:nvSpPr>
-        <p:spPr/>
-        <p:txBody>
-          <a:bodyPr/>
+        <p:spPr>
+          <a:xfrm>
+            <a:off x="838200" y="365124"/>
+            <a:ext cx="5257800" cy="6365459"/>
+          </a:xfrm>
+        </p:spPr>
+        <p:txBody>
+          <a:bodyPr>
+            <a:normAutofit fontScale="92500" lnSpcReduction="20000"/>
+          </a:bodyPr>
           <a:lstStyle/>
           <a:p>
-            <a:endParaRPr lang="en-US"/>
+            <a:pPr marL="0" indent="0">
+              <a:buNone/>
+            </a:pPr>
+            <a:r>
+              <a:rPr lang="en-US" sz="1400" dirty="0"/>
+              <a:t>void callback(char* topic, byte* message, unsigned int length) {</a:t>
+            </a:r>
+          </a:p>
+          <a:p>
+            <a:pPr marL="0" indent="0">
+              <a:buNone/>
+            </a:pPr>
+            <a:r>
+              <a:rPr lang="en-US" sz="1400" dirty="0"/>
+              <a:t>  </a:t>
+            </a:r>
+            <a:r>
+              <a:rPr lang="en-US" sz="1400" dirty="0" err="1"/>
+              <a:t>Serial.print</a:t>
+            </a:r>
+            <a:r>
+              <a:rPr lang="en-US" sz="1400" dirty="0"/>
+              <a:t>("Message arrived on topic: ");</a:t>
+            </a:r>
+          </a:p>
+          <a:p>
+            <a:pPr marL="0" indent="0">
+              <a:buNone/>
+            </a:pPr>
+            <a:r>
+              <a:rPr lang="en-US" sz="1400" dirty="0"/>
+              <a:t>  </a:t>
+            </a:r>
+            <a:r>
+              <a:rPr lang="en-US" sz="1400" dirty="0" err="1"/>
+              <a:t>Serial.print</a:t>
+            </a:r>
+            <a:r>
+              <a:rPr lang="en-US" sz="1400" dirty="0"/>
+              <a:t>(topic);</a:t>
+            </a:r>
+          </a:p>
+          <a:p>
+            <a:pPr marL="0" indent="0">
+              <a:buNone/>
+            </a:pPr>
+            <a:r>
+              <a:rPr lang="en-US" sz="1400" dirty="0"/>
+              <a:t>  </a:t>
+            </a:r>
+            <a:r>
+              <a:rPr lang="en-US" sz="1400" dirty="0" err="1"/>
+              <a:t>Serial.print</a:t>
+            </a:r>
+            <a:r>
+              <a:rPr lang="en-US" sz="1400" dirty="0"/>
+              <a:t>(". Message: ");</a:t>
+            </a:r>
+          </a:p>
+          <a:p>
+            <a:pPr marL="0" indent="0">
+              <a:buNone/>
+            </a:pPr>
+            <a:r>
+              <a:rPr lang="en-US" sz="1400" dirty="0"/>
+              <a:t>  String </a:t>
+            </a:r>
+            <a:r>
+              <a:rPr lang="en-US" sz="1400" dirty="0" err="1"/>
+              <a:t>messageTemp</a:t>
+            </a:r>
+            <a:r>
+              <a:rPr lang="en-US" sz="1400" dirty="0"/>
+              <a:t>;  </a:t>
+            </a:r>
+          </a:p>
+          <a:p>
+            <a:pPr marL="0" indent="0">
+              <a:buNone/>
+            </a:pPr>
+            <a:r>
+              <a:rPr lang="en-US" sz="1400" dirty="0"/>
+              <a:t>  for (int </a:t>
+            </a:r>
+            <a:r>
+              <a:rPr lang="en-US" sz="1400" dirty="0" err="1"/>
+              <a:t>i</a:t>
+            </a:r>
+            <a:r>
+              <a:rPr lang="en-US" sz="1400" dirty="0"/>
+              <a:t> = 0; </a:t>
+            </a:r>
+            <a:r>
+              <a:rPr lang="en-US" sz="1400" dirty="0" err="1"/>
+              <a:t>i</a:t>
+            </a:r>
+            <a:r>
+              <a:rPr lang="en-US" sz="1400" dirty="0"/>
+              <a:t> &lt; length; </a:t>
+            </a:r>
+            <a:r>
+              <a:rPr lang="en-US" sz="1400" dirty="0" err="1"/>
+              <a:t>i</a:t>
+            </a:r>
+            <a:r>
+              <a:rPr lang="en-US" sz="1400" dirty="0"/>
+              <a:t>++) {</a:t>
+            </a:r>
+          </a:p>
+          <a:p>
+            <a:pPr marL="0" indent="0">
+              <a:buNone/>
+            </a:pPr>
+            <a:r>
+              <a:rPr lang="en-US" sz="1400" dirty="0"/>
+              <a:t>    </a:t>
+            </a:r>
+            <a:r>
+              <a:rPr lang="en-US" sz="1400" dirty="0" err="1"/>
+              <a:t>Serial.print</a:t>
+            </a:r>
+            <a:r>
+              <a:rPr lang="en-US" sz="1400" dirty="0"/>
+              <a:t>((char)message[</a:t>
+            </a:r>
+            <a:r>
+              <a:rPr lang="en-US" sz="1400" dirty="0" err="1"/>
+              <a:t>i</a:t>
+            </a:r>
+            <a:r>
+              <a:rPr lang="en-US" sz="1400" dirty="0"/>
+              <a:t>]);</a:t>
+            </a:r>
+          </a:p>
+          <a:p>
+            <a:pPr marL="0" indent="0">
+              <a:buNone/>
+            </a:pPr>
+            <a:r>
+              <a:rPr lang="en-US" sz="1400" dirty="0"/>
+              <a:t>    </a:t>
+            </a:r>
+            <a:r>
+              <a:rPr lang="en-US" sz="1400" dirty="0" err="1"/>
+              <a:t>messageTemp</a:t>
+            </a:r>
+            <a:r>
+              <a:rPr lang="en-US" sz="1400" dirty="0"/>
+              <a:t> += (char)message[</a:t>
+            </a:r>
+            <a:r>
+              <a:rPr lang="en-US" sz="1400" dirty="0" err="1"/>
+              <a:t>i</a:t>
+            </a:r>
+            <a:r>
+              <a:rPr lang="en-US" sz="1400" dirty="0"/>
+              <a:t>];</a:t>
+            </a:r>
+          </a:p>
+          <a:p>
+            <a:pPr marL="0" indent="0">
+              <a:buNone/>
+            </a:pPr>
+            <a:r>
+              <a:rPr lang="en-US" sz="1400" dirty="0"/>
+              <a:t>  }</a:t>
+            </a:r>
+          </a:p>
+          <a:p>
+            <a:pPr marL="0" indent="0">
+              <a:buNone/>
+            </a:pPr>
+            <a:r>
+              <a:rPr lang="en-US" sz="1400" dirty="0"/>
+              <a:t>  </a:t>
+            </a:r>
+            <a:r>
+              <a:rPr lang="en-US" sz="1400" dirty="0" err="1"/>
+              <a:t>Serial.println</a:t>
+            </a:r>
+            <a:r>
+              <a:rPr lang="en-US" sz="1400" dirty="0"/>
+              <a:t>();</a:t>
+            </a:r>
+          </a:p>
+          <a:p>
+            <a:pPr marL="0" indent="0">
+              <a:buNone/>
+            </a:pPr>
+            <a:r>
+              <a:rPr lang="en-US" sz="1400" dirty="0"/>
+              <a:t>  </a:t>
+            </a:r>
+          </a:p>
+          <a:p>
+            <a:pPr marL="0" indent="0">
+              <a:buNone/>
+            </a:pPr>
+            <a:r>
+              <a:rPr lang="en-US" sz="1400" dirty="0"/>
+              <a:t>  if (String(topic) == "button1_send") {</a:t>
+            </a:r>
+          </a:p>
+          <a:p>
+            <a:pPr marL="0" indent="0">
+              <a:buNone/>
+            </a:pPr>
+            <a:r>
+              <a:rPr lang="en-US" sz="1400" dirty="0"/>
+              <a:t>    </a:t>
+            </a:r>
+            <a:r>
+              <a:rPr lang="en-US" sz="1400" dirty="0" err="1"/>
+              <a:t>Serial.print</a:t>
+            </a:r>
+            <a:r>
+              <a:rPr lang="en-US" sz="1400" dirty="0"/>
+              <a:t>("Changing output to ");</a:t>
+            </a:r>
+          </a:p>
+          <a:p>
+            <a:pPr marL="0" indent="0">
+              <a:buNone/>
+            </a:pPr>
+            <a:r>
+              <a:rPr lang="en-US" sz="1400" dirty="0"/>
+              <a:t>    if(</a:t>
+            </a:r>
+            <a:r>
+              <a:rPr lang="en-US" sz="1400" dirty="0" err="1"/>
+              <a:t>messageTemp</a:t>
+            </a:r>
+            <a:r>
+              <a:rPr lang="en-US" sz="1400" dirty="0"/>
+              <a:t> == "on"){</a:t>
+            </a:r>
+          </a:p>
+          <a:p>
+            <a:pPr marL="0" indent="0">
+              <a:buNone/>
+            </a:pPr>
+            <a:r>
+              <a:rPr lang="en-US" sz="1400" dirty="0"/>
+              <a:t>      </a:t>
+            </a:r>
+            <a:r>
+              <a:rPr lang="en-US" sz="1400" dirty="0" err="1"/>
+              <a:t>Serial.println</a:t>
+            </a:r>
+            <a:r>
+              <a:rPr lang="en-US" sz="1400" dirty="0"/>
+              <a:t>("ON");</a:t>
+            </a:r>
+          </a:p>
+          <a:p>
+            <a:pPr marL="0" indent="0">
+              <a:buNone/>
+            </a:pPr>
+            <a:r>
+              <a:rPr lang="en-US" sz="1400" dirty="0"/>
+              <a:t>      </a:t>
+            </a:r>
+            <a:r>
+              <a:rPr lang="en-US" sz="1400" dirty="0" err="1"/>
+              <a:t>digitalWrite</a:t>
+            </a:r>
+            <a:r>
+              <a:rPr lang="en-US" sz="1400" dirty="0"/>
+              <a:t>(led1_pin, HIGH);</a:t>
+            </a:r>
+          </a:p>
+          <a:p>
+            <a:pPr marL="0" indent="0">
+              <a:buNone/>
+            </a:pPr>
+            <a:r>
+              <a:rPr lang="en-US" sz="1400" dirty="0"/>
+              <a:t>    }</a:t>
+            </a:r>
+          </a:p>
+          <a:p>
+            <a:pPr marL="0" indent="0">
+              <a:buNone/>
+            </a:pPr>
+            <a:r>
+              <a:rPr lang="en-US" sz="1400" dirty="0"/>
+              <a:t>    else if(</a:t>
+            </a:r>
+            <a:r>
+              <a:rPr lang="en-US" sz="1400" dirty="0" err="1"/>
+              <a:t>messageTemp</a:t>
+            </a:r>
+            <a:r>
+              <a:rPr lang="en-US" sz="1400" dirty="0"/>
+              <a:t> == "off"){</a:t>
+            </a:r>
+          </a:p>
+          <a:p>
+            <a:pPr marL="0" indent="0">
+              <a:buNone/>
+            </a:pPr>
+            <a:r>
+              <a:rPr lang="en-US" sz="1400" dirty="0"/>
+              <a:t>      </a:t>
+            </a:r>
+            <a:r>
+              <a:rPr lang="en-US" sz="1400" dirty="0" err="1"/>
+              <a:t>Serial.println</a:t>
+            </a:r>
+            <a:r>
+              <a:rPr lang="en-US" sz="1400" dirty="0"/>
+              <a:t>("OFF");</a:t>
+            </a:r>
+          </a:p>
+          <a:p>
+            <a:pPr marL="0" indent="0">
+              <a:buNone/>
+            </a:pPr>
+            <a:r>
+              <a:rPr lang="en-US" sz="1400" dirty="0"/>
+              <a:t>      </a:t>
+            </a:r>
+            <a:r>
+              <a:rPr lang="en-US" sz="1400" dirty="0" err="1"/>
+              <a:t>digitalWrite</a:t>
+            </a:r>
+            <a:r>
+              <a:rPr lang="en-US" sz="1400" dirty="0"/>
+              <a:t>(led1_pin, LOW);</a:t>
+            </a:r>
+          </a:p>
+          <a:p>
+            <a:pPr marL="0" indent="0">
+              <a:buNone/>
+            </a:pPr>
+            <a:r>
+              <a:rPr lang="en-US" sz="1400" dirty="0"/>
+              <a:t>    }</a:t>
+            </a:r>
+          </a:p>
+          <a:p>
+            <a:pPr marL="0" indent="0">
+              <a:buNone/>
+            </a:pPr>
+            <a:r>
+              <a:rPr lang="en-US" sz="1400" dirty="0"/>
+              <a:t>  }</a:t>
+            </a:r>
+          </a:p>
+          <a:p>
+            <a:pPr marL="0" indent="0">
+              <a:buNone/>
+            </a:pPr>
+            <a:r>
+              <a:rPr lang="en-US" sz="1400" dirty="0"/>
+              <a:t>}</a:t>
+            </a:r>
           </a:p>
         </p:txBody>
       </p:sp>
@@ -12384,7 +12184,7 @@
           <p:cNvPr id="5" name="TextBox 4">
             <a:extLst>
               <a:ext uri="{FF2B5EF4-FFF2-40B4-BE49-F238E27FC236}">
-                <a16:creationId xmlns:a16="http://schemas.microsoft.com/office/drawing/2014/main" id="{E6DB0920-63B5-4713-A26D-3E9E73768649}"/>
+                <a16:creationId xmlns:a16="http://schemas.microsoft.com/office/drawing/2014/main" id="{D9109B06-8272-4A38-8488-9F17F55C5AC5}"/>
               </a:ext>
             </a:extLst>
           </p:cNvPr>
@@ -12393,8 +12193,8 @@
         </p:nvSpPr>
         <p:spPr>
           <a:xfrm>
-            <a:off x="838200" y="2245558"/>
-            <a:ext cx="6093500" cy="4247317"/>
+            <a:off x="6096000" y="889843"/>
+            <a:ext cx="6093500" cy="5078313"/>
           </a:xfrm>
           <a:prstGeom prst="rect">
             <a:avLst/>
@@ -12409,13 +12209,13 @@
           <a:p>
             <a:r>
               <a:rPr lang="en-US" dirty="0"/>
-              <a:t>void loop() {</a:t>
-            </a:r>
-          </a:p>
-          <a:p>
-            <a:r>
-              <a:rPr lang="en-US" dirty="0"/>
-              <a:t>  if (!</a:t>
+              <a:t>void reconnect() {</a:t>
+            </a:r>
+          </a:p>
+          <a:p>
+            <a:r>
+              <a:rPr lang="en-US" dirty="0"/>
+              <a:t>  while (!</a:t>
             </a:r>
             <a:r>
               <a:rPr lang="en-US" dirty="0" err="1"/>
@@ -12429,27 +12229,43 @@
           <a:p>
             <a:r>
               <a:rPr lang="en-US" dirty="0"/>
-              <a:t>    reconnect();</a:t>
-            </a:r>
-          </a:p>
-          <a:p>
-            <a:r>
-              <a:rPr lang="en-US" dirty="0"/>
-              <a:t>  }</a:t>
-            </a:r>
-          </a:p>
-          <a:p>
-            <a:r>
-              <a:rPr lang="en-US" dirty="0"/>
-              <a:t>  </a:t>
-            </a:r>
-            <a:r>
-              <a:rPr lang="en-US" dirty="0" err="1"/>
-              <a:t>client.loop</a:t>
-            </a:r>
-            <a:r>
-              <a:rPr lang="en-US" dirty="0"/>
-              <a:t>();</a:t>
+              <a:t>    </a:t>
+            </a:r>
+            <a:r>
+              <a:rPr lang="en-US" dirty="0" err="1"/>
+              <a:t>Serial.print</a:t>
+            </a:r>
+            <a:r>
+              <a:rPr lang="en-US" dirty="0"/>
+              <a:t>("Attempting MQTT connection...");</a:t>
+            </a:r>
+          </a:p>
+          <a:p>
+            <a:r>
+              <a:rPr lang="en-US" dirty="0"/>
+              <a:t>    if (</a:t>
+            </a:r>
+            <a:r>
+              <a:rPr lang="en-US" dirty="0" err="1"/>
+              <a:t>client.connect</a:t>
+            </a:r>
+            <a:r>
+              <a:rPr lang="en-US" dirty="0"/>
+              <a:t>("ESP32Client")) {</a:t>
+            </a:r>
+          </a:p>
+          <a:p>
+            <a:r>
+              <a:rPr lang="en-US" dirty="0"/>
+              <a:t>      </a:t>
+            </a:r>
+            <a:r>
+              <a:rPr lang="en-US" dirty="0" err="1"/>
+              <a:t>Serial.println</a:t>
+            </a:r>
+            <a:r>
+              <a:rPr lang="en-US" dirty="0"/>
+              <a:t>("connected");</a:t>
             </a:r>
           </a:p>
           <a:p>
@@ -12458,85 +12274,57 @@
           <a:p>
             <a:r>
               <a:rPr lang="en-US" dirty="0"/>
-              <a:t>  </a:t>
-            </a:r>
-            <a:r>
-              <a:rPr lang="en-US" dirty="0" err="1"/>
-              <a:t>ledcWrite</a:t>
-            </a:r>
-            <a:r>
-              <a:rPr lang="en-US" dirty="0"/>
-              <a:t>(0, </a:t>
-            </a:r>
-            <a:r>
-              <a:rPr lang="en-US" dirty="0" err="1"/>
-              <a:t>pwm_value</a:t>
-            </a:r>
-            <a:r>
-              <a:rPr lang="en-US" dirty="0"/>
-              <a:t>);</a:t>
-            </a:r>
-          </a:p>
-          <a:p>
-            <a:r>
-              <a:rPr lang="en-US" dirty="0"/>
-              <a:t>  long now = </a:t>
-            </a:r>
-            <a:r>
-              <a:rPr lang="en-US" dirty="0" err="1"/>
-              <a:t>millis</a:t>
-            </a:r>
-            <a:r>
-              <a:rPr lang="en-US" dirty="0"/>
-              <a:t>();</a:t>
-            </a:r>
-          </a:p>
-          <a:p>
-            <a:r>
-              <a:rPr lang="en-US" dirty="0"/>
-              <a:t>  if (now - </a:t>
-            </a:r>
-            <a:r>
-              <a:rPr lang="en-US" dirty="0" err="1"/>
-              <a:t>lastMsg</a:t>
-            </a:r>
-            <a:r>
-              <a:rPr lang="en-US" dirty="0"/>
-              <a:t> &gt; 1000) {</a:t>
-            </a:r>
-          </a:p>
-          <a:p>
-            <a:r>
-              <a:rPr lang="en-US" dirty="0"/>
-              <a:t>    </a:t>
-            </a:r>
-            <a:r>
-              <a:rPr lang="en-US" dirty="0" err="1"/>
-              <a:t>lastMsg</a:t>
-            </a:r>
-            <a:r>
-              <a:rPr lang="en-US" dirty="0"/>
-              <a:t> = now;</a:t>
-            </a:r>
-          </a:p>
-          <a:p>
-            <a:r>
-              <a:rPr lang="en-US" dirty="0"/>
-              <a:t>    analog = </a:t>
-            </a:r>
-            <a:r>
-              <a:rPr lang="en-US" dirty="0" err="1"/>
-              <a:t>analogRead</a:t>
-            </a:r>
-            <a:r>
-              <a:rPr lang="en-US" dirty="0"/>
-              <a:t>(35);   </a:t>
-            </a:r>
-          </a:p>
-          <a:p>
-            <a:r>
-              <a:rPr lang="en-US" dirty="0"/>
-              <a:t>    char </a:t>
+              <a:t>      </a:t>
+            </a:r>
+            <a:r>
+              <a:rPr lang="en-US" dirty="0" err="1"/>
+              <a:t>client.subscribe</a:t>
+            </a:r>
+            <a:r>
+              <a:rPr lang="en-US" dirty="0"/>
+              <a:t>("button1_send");</a:t>
+            </a:r>
+          </a:p>
+          <a:p>
+            <a:r>
+              <a:rPr lang="en-US" dirty="0"/>
+              <a:t>      </a:t>
+            </a:r>
+            <a:r>
+              <a:rPr lang="en-US" dirty="0" err="1"/>
+              <a:t>client.subscribe</a:t>
+            </a:r>
+            <a:r>
+              <a:rPr lang="en-US" dirty="0"/>
+              <a:t>("button2_send");</a:t>
+            </a:r>
+          </a:p>
+          <a:p>
+            <a:r>
+              <a:rPr lang="en-US" dirty="0"/>
+              <a:t>      </a:t>
+            </a:r>
+            <a:r>
+              <a:rPr lang="en-US" dirty="0" err="1"/>
+              <a:t>client.subscribe</a:t>
+            </a:r>
+            <a:r>
+              <a:rPr lang="en-US" dirty="0"/>
+              <a:t>("button3_send");</a:t>
+            </a:r>
+          </a:p>
+          <a:p>
+            <a:r>
+              <a:rPr lang="en-US" dirty="0"/>
+              <a:t>      </a:t>
+            </a:r>
+            <a:r>
+              <a:rPr lang="en-US" dirty="0" err="1"/>
+              <a:t>client.subscribe</a:t>
+            </a:r>
+            <a:r>
+              <a:rPr lang="en-US" dirty="0"/>
+              <a:t>("</a:t>
             </a:r>
             <a:r>
               <a:rPr lang="en-US" dirty="0" err="1"/>
@@ -12544,114 +12332,13 @@
             </a:r>
             <a:r>
               <a:rPr lang="en-US" dirty="0"/>
-              <a:t>[8];</a:t>
-            </a:r>
-          </a:p>
-          <a:p>
-            <a:r>
-              <a:rPr lang="en-US" dirty="0"/>
-              <a:t>    </a:t>
-            </a:r>
-            <a:r>
-              <a:rPr lang="en-US" dirty="0" err="1"/>
-              <a:t>dtostrf</a:t>
-            </a:r>
-            <a:r>
-              <a:rPr lang="en-US" dirty="0"/>
-              <a:t>(analog, 1, 2, </a:t>
-            </a:r>
-            <a:r>
-              <a:rPr lang="en-US" dirty="0" err="1"/>
-              <a:t>analog_send</a:t>
-            </a:r>
-            <a:r>
-              <a:rPr lang="en-US" dirty="0"/>
-              <a:t>);</a:t>
-            </a:r>
-          </a:p>
-          <a:p>
-            <a:r>
-              <a:rPr lang="en-US" dirty="0"/>
-              <a:t>    </a:t>
-            </a:r>
-            <a:r>
-              <a:rPr lang="en-US" dirty="0" err="1"/>
-              <a:t>client.publish</a:t>
-            </a:r>
-            <a:r>
-              <a:rPr lang="en-US" dirty="0"/>
-              <a:t>("</a:t>
-            </a:r>
-            <a:r>
-              <a:rPr lang="en-US" dirty="0" err="1"/>
-              <a:t>potensiometer</a:t>
-            </a:r>
-            <a:r>
-              <a:rPr lang="en-US" dirty="0"/>
-              <a:t>", </a:t>
-            </a:r>
-            <a:r>
-              <a:rPr lang="en-US" dirty="0" err="1"/>
-              <a:t>analog_send</a:t>
-            </a:r>
-            <a:r>
-              <a:rPr lang="en-US" dirty="0"/>
-              <a:t>);</a:t>
-            </a:r>
-          </a:p>
-          <a:p>
-            <a:r>
-              <a:rPr lang="en-US" dirty="0"/>
-              <a:t>    </a:t>
-            </a:r>
-          </a:p>
-        </p:txBody>
-      </p:sp>
-      <p:sp>
-        <p:nvSpPr>
-          <p:cNvPr id="7" name="TextBox 6">
-            <a:extLst>
-              <a:ext uri="{FF2B5EF4-FFF2-40B4-BE49-F238E27FC236}">
-                <a16:creationId xmlns:a16="http://schemas.microsoft.com/office/drawing/2014/main" id="{6C4879A9-A625-4AB3-83A5-E6F743EA1044}"/>
-              </a:ext>
-            </a:extLst>
-          </p:cNvPr>
-          <p:cNvSpPr txBox="1"/>
-          <p:nvPr/>
-        </p:nvSpPr>
-        <p:spPr>
-          <a:xfrm>
-            <a:off x="6931700" y="2522557"/>
-            <a:ext cx="6093500" cy="3970318"/>
-          </a:xfrm>
-          <a:prstGeom prst="rect">
-            <a:avLst/>
-          </a:prstGeom>
-          <a:noFill/>
-        </p:spPr>
-        <p:txBody>
-          <a:bodyPr wrap="square">
-            <a:spAutoFit/>
-          </a:bodyPr>
-          <a:lstStyle/>
-          <a:p>
-            <a:r>
-              <a:rPr lang="en-US" dirty="0"/>
-              <a:t>button1_state = !</a:t>
-            </a:r>
-            <a:r>
-              <a:rPr lang="en-US" dirty="0" err="1"/>
-              <a:t>digitalRead</a:t>
-            </a:r>
-            <a:r>
-              <a:rPr lang="en-US" dirty="0"/>
-              <a:t>(button1_pin);</a:t>
-            </a:r>
-          </a:p>
-          <a:p>
-            <a:r>
-              <a:rPr lang="en-US" dirty="0"/>
-              <a:t>    if (button1_state == 1){</a:t>
+              <a:t>");</a:t>
+            </a:r>
+          </a:p>
+          <a:p>
+            <a:r>
+              <a:rPr lang="en-US" dirty="0"/>
+              <a:t>    } else {</a:t>
             </a:r>
           </a:p>
           <a:p>
@@ -12661,17 +12348,19 @@
             </a:r>
             <a:r>
               <a:rPr lang="en-US" dirty="0" err="1"/>
-              <a:t>client.publish</a:t>
-            </a:r>
-            <a:r>
-              <a:rPr lang="en-US" dirty="0"/>
-              <a:t>("sensor1", "on");</a:t>
-            </a:r>
-          </a:p>
-          <a:p>
-            <a:r>
-              <a:rPr lang="en-US" dirty="0"/>
-              <a:t>    } else{</a:t>
+              <a:t>Serial.print</a:t>
+            </a:r>
+            <a:r>
+              <a:rPr lang="en-US" dirty="0"/>
+              <a:t>("failed, </a:t>
+            </a:r>
+            <a:r>
+              <a:rPr lang="en-US" dirty="0" err="1"/>
+              <a:t>rc</a:t>
+            </a:r>
+            <a:r>
+              <a:rPr lang="en-US" dirty="0"/>
+              <a:t>=");</a:t>
             </a:r>
           </a:p>
           <a:p>
@@ -12681,37 +12370,19 @@
             </a:r>
             <a:r>
               <a:rPr lang="en-US" dirty="0" err="1"/>
-              <a:t>client.publish</a:t>
-            </a:r>
-            <a:r>
-              <a:rPr lang="en-US" dirty="0"/>
-              <a:t>("sensor1", "off");</a:t>
-            </a:r>
-          </a:p>
-          <a:p>
-            <a:r>
-              <a:rPr lang="en-US" dirty="0"/>
-              <a:t>    }</a:t>
-            </a:r>
-          </a:p>
-          <a:p>
-            <a:r>
-              <a:rPr lang="en-US" dirty="0"/>
-              <a:t>    button2_state = !</a:t>
-            </a:r>
-            <a:r>
-              <a:rPr lang="en-US" dirty="0" err="1"/>
-              <a:t>digitalRead</a:t>
-            </a:r>
-            <a:r>
-              <a:rPr lang="en-US" dirty="0"/>
-              <a:t>(button2_pin);</a:t>
-            </a:r>
-          </a:p>
-          <a:p>
-            <a:r>
-              <a:rPr lang="en-US" dirty="0"/>
-              <a:t>    if (button2_state == 1){</a:t>
+              <a:t>Serial.print</a:t>
+            </a:r>
+            <a:r>
+              <a:rPr lang="en-US" dirty="0"/>
+              <a:t>(</a:t>
+            </a:r>
+            <a:r>
+              <a:rPr lang="en-US" dirty="0" err="1"/>
+              <a:t>client.state</a:t>
+            </a:r>
+            <a:r>
+              <a:rPr lang="en-US" dirty="0"/>
+              <a:t>());</a:t>
             </a:r>
           </a:p>
           <a:p>
@@ -12721,31 +12392,17 @@
             </a:r>
             <a:r>
               <a:rPr lang="en-US" dirty="0" err="1"/>
-              <a:t>client.publish</a:t>
-            </a:r>
-            <a:r>
-              <a:rPr lang="en-US" dirty="0"/>
-              <a:t>("sensor2", "on");</a:t>
-            </a:r>
-          </a:p>
-          <a:p>
-            <a:r>
-              <a:rPr lang="en-US" dirty="0"/>
-              <a:t>    } else{</a:t>
-            </a:r>
-          </a:p>
-          <a:p>
-            <a:r>
-              <a:rPr lang="en-US" dirty="0"/>
-              <a:t>      </a:t>
-            </a:r>
-            <a:r>
-              <a:rPr lang="en-US" dirty="0" err="1"/>
-              <a:t>client.publish</a:t>
-            </a:r>
-            <a:r>
-              <a:rPr lang="en-US" dirty="0"/>
-              <a:t>("sensor2", "off");</a:t>
+              <a:t>Serial.println</a:t>
+            </a:r>
+            <a:r>
+              <a:rPr lang="en-US" dirty="0"/>
+              <a:t>(" try again in 5 seconds");</a:t>
+            </a:r>
+          </a:p>
+          <a:p>
+            <a:r>
+              <a:rPr lang="en-US" dirty="0"/>
+              <a:t>      delay(5000);</a:t>
             </a:r>
           </a:p>
           <a:p>
@@ -12771,7 +12428,7 @@
     </p:spTree>
     <p:extLst>
       <p:ext uri="{BB962C8B-B14F-4D97-AF65-F5344CB8AC3E}">
-        <p14:creationId xmlns:p14="http://schemas.microsoft.com/office/powerpoint/2010/main" val="1959567703"/>
+        <p14:creationId xmlns:p14="http://schemas.microsoft.com/office/powerpoint/2010/main" val="3809683968"/>
       </p:ext>
     </p:extLst>
   </p:cSld>
@@ -12803,7 +12460,7 @@
           <p:cNvPr id="2" name="Title 1">
             <a:extLst>
               <a:ext uri="{FF2B5EF4-FFF2-40B4-BE49-F238E27FC236}">
-                <a16:creationId xmlns:a16="http://schemas.microsoft.com/office/drawing/2014/main" id="{CC0CC6C6-2396-44D7-B8A7-53A9F42A8C53}"/>
+                <a16:creationId xmlns:a16="http://schemas.microsoft.com/office/drawing/2014/main" id="{93A997F4-5FF7-4A49-B89D-197C1899E2CB}"/>
               </a:ext>
             </a:extLst>
           </p:cNvPr>
@@ -12814,35 +12471,408 @@
             <p:ph type="title"/>
           </p:nvPr>
         </p:nvSpPr>
+        <p:spPr/>
+        <p:txBody>
+          <a:bodyPr/>
+          <a:lstStyle/>
+          <a:p>
+            <a:endParaRPr lang="en-US"/>
+          </a:p>
+        </p:txBody>
+      </p:sp>
+      <p:sp>
+        <p:nvSpPr>
+          <p:cNvPr id="5" name="TextBox 4">
+            <a:extLst>
+              <a:ext uri="{FF2B5EF4-FFF2-40B4-BE49-F238E27FC236}">
+                <a16:creationId xmlns:a16="http://schemas.microsoft.com/office/drawing/2014/main" id="{E6DB0920-63B5-4713-A26D-3E9E73768649}"/>
+              </a:ext>
+            </a:extLst>
+          </p:cNvPr>
+          <p:cNvSpPr txBox="1"/>
+          <p:nvPr/>
+        </p:nvSpPr>
         <p:spPr>
           <a:xfrm>
-            <a:off x="838200" y="2766218"/>
-            <a:ext cx="10515600" cy="1325563"/>
+            <a:off x="838200" y="2245558"/>
+            <a:ext cx="6093500" cy="4247317"/>
           </a:xfrm>
+          <a:prstGeom prst="rect">
+            <a:avLst/>
+          </a:prstGeom>
+          <a:noFill/>
         </p:spPr>
         <p:txBody>
-          <a:bodyPr/>
+          <a:bodyPr wrap="square">
+            <a:spAutoFit/>
+          </a:bodyPr>
           <a:lstStyle/>
           <a:p>
-            <a:pPr algn="ctr"/>
-            <a:r>
-              <a:rPr lang="en-US" dirty="0"/>
-              <a:t>Let’s see the result </a:t>
-            </a:r>
-            <a:r>
-              <a:rPr lang="en-US" dirty="0">
-                <a:sym typeface="Wingdings" panose="05000000000000000000" pitchFamily="2" charset="2"/>
-              </a:rPr>
-              <a:t></a:t>
-            </a:r>
+            <a:r>
+              <a:rPr lang="en-US" dirty="0"/>
+              <a:t>void loop() {</a:t>
+            </a:r>
+          </a:p>
+          <a:p>
+            <a:r>
+              <a:rPr lang="en-US" dirty="0"/>
+              <a:t>  if (!</a:t>
+            </a:r>
+            <a:r>
+              <a:rPr lang="en-US" dirty="0" err="1"/>
+              <a:t>client.connected</a:t>
+            </a:r>
+            <a:r>
+              <a:rPr lang="en-US" dirty="0"/>
+              <a:t>()) {</a:t>
+            </a:r>
+          </a:p>
+          <a:p>
+            <a:r>
+              <a:rPr lang="en-US" dirty="0"/>
+              <a:t>    reconnect();</a:t>
+            </a:r>
+          </a:p>
+          <a:p>
+            <a:r>
+              <a:rPr lang="en-US" dirty="0"/>
+              <a:t>  }</a:t>
+            </a:r>
+          </a:p>
+          <a:p>
+            <a:r>
+              <a:rPr lang="en-US" dirty="0"/>
+              <a:t>  </a:t>
+            </a:r>
+            <a:r>
+              <a:rPr lang="en-US" dirty="0" err="1"/>
+              <a:t>client.loop</a:t>
+            </a:r>
+            <a:r>
+              <a:rPr lang="en-US" dirty="0"/>
+              <a:t>();</a:t>
+            </a:r>
+          </a:p>
+          <a:p>
             <a:endParaRPr lang="en-US" dirty="0"/>
+          </a:p>
+          <a:p>
+            <a:r>
+              <a:rPr lang="en-US" dirty="0"/>
+              <a:t>  </a:t>
+            </a:r>
+            <a:r>
+              <a:rPr lang="en-US" dirty="0" err="1"/>
+              <a:t>ledcWrite</a:t>
+            </a:r>
+            <a:r>
+              <a:rPr lang="en-US" dirty="0"/>
+              <a:t>(0, </a:t>
+            </a:r>
+            <a:r>
+              <a:rPr lang="en-US" dirty="0" err="1"/>
+              <a:t>pwm_value</a:t>
+            </a:r>
+            <a:r>
+              <a:rPr lang="en-US" dirty="0"/>
+              <a:t>);</a:t>
+            </a:r>
+          </a:p>
+          <a:p>
+            <a:r>
+              <a:rPr lang="en-US" dirty="0"/>
+              <a:t>  long now = </a:t>
+            </a:r>
+            <a:r>
+              <a:rPr lang="en-US" dirty="0" err="1"/>
+              <a:t>millis</a:t>
+            </a:r>
+            <a:r>
+              <a:rPr lang="en-US" dirty="0"/>
+              <a:t>();</a:t>
+            </a:r>
+          </a:p>
+          <a:p>
+            <a:r>
+              <a:rPr lang="en-US" dirty="0"/>
+              <a:t>  if (now - </a:t>
+            </a:r>
+            <a:r>
+              <a:rPr lang="en-US" dirty="0" err="1"/>
+              <a:t>lastMsg</a:t>
+            </a:r>
+            <a:r>
+              <a:rPr lang="en-US" dirty="0"/>
+              <a:t> &gt; 1000) {</a:t>
+            </a:r>
+          </a:p>
+          <a:p>
+            <a:r>
+              <a:rPr lang="en-US" dirty="0"/>
+              <a:t>    </a:t>
+            </a:r>
+            <a:r>
+              <a:rPr lang="en-US" dirty="0" err="1"/>
+              <a:t>lastMsg</a:t>
+            </a:r>
+            <a:r>
+              <a:rPr lang="en-US" dirty="0"/>
+              <a:t> = now;</a:t>
+            </a:r>
+          </a:p>
+          <a:p>
+            <a:r>
+              <a:rPr lang="en-US" dirty="0"/>
+              <a:t>    analog = </a:t>
+            </a:r>
+            <a:r>
+              <a:rPr lang="en-US" dirty="0" err="1"/>
+              <a:t>analogRead</a:t>
+            </a:r>
+            <a:r>
+              <a:rPr lang="en-US" dirty="0"/>
+              <a:t>(35);   </a:t>
+            </a:r>
+          </a:p>
+          <a:p>
+            <a:r>
+              <a:rPr lang="en-US" dirty="0"/>
+              <a:t>    char </a:t>
+            </a:r>
+            <a:r>
+              <a:rPr lang="en-US" dirty="0" err="1"/>
+              <a:t>analog_send</a:t>
+            </a:r>
+            <a:r>
+              <a:rPr lang="en-US" dirty="0"/>
+              <a:t>[8];</a:t>
+            </a:r>
+          </a:p>
+          <a:p>
+            <a:r>
+              <a:rPr lang="en-US" dirty="0"/>
+              <a:t>    </a:t>
+            </a:r>
+            <a:r>
+              <a:rPr lang="en-US" dirty="0" err="1"/>
+              <a:t>dtostrf</a:t>
+            </a:r>
+            <a:r>
+              <a:rPr lang="en-US" dirty="0"/>
+              <a:t>(analog, 1, 2, </a:t>
+            </a:r>
+            <a:r>
+              <a:rPr lang="en-US" dirty="0" err="1"/>
+              <a:t>analog_send</a:t>
+            </a:r>
+            <a:r>
+              <a:rPr lang="en-US" dirty="0"/>
+              <a:t>);</a:t>
+            </a:r>
+          </a:p>
+          <a:p>
+            <a:r>
+              <a:rPr lang="en-US" dirty="0"/>
+              <a:t>    </a:t>
+            </a:r>
+            <a:r>
+              <a:rPr lang="en-US" dirty="0" err="1"/>
+              <a:t>client.publish</a:t>
+            </a:r>
+            <a:r>
+              <a:rPr lang="en-US" dirty="0"/>
+              <a:t>("</a:t>
+            </a:r>
+            <a:r>
+              <a:rPr lang="en-US" dirty="0" err="1"/>
+              <a:t>potensiometer</a:t>
+            </a:r>
+            <a:r>
+              <a:rPr lang="en-US" dirty="0"/>
+              <a:t>", </a:t>
+            </a:r>
+            <a:r>
+              <a:rPr lang="en-US" dirty="0" err="1"/>
+              <a:t>analog_send</a:t>
+            </a:r>
+            <a:r>
+              <a:rPr lang="en-US" dirty="0"/>
+              <a:t>);</a:t>
+            </a:r>
+          </a:p>
+          <a:p>
+            <a:r>
+              <a:rPr lang="en-US" dirty="0"/>
+              <a:t>    </a:t>
+            </a:r>
+          </a:p>
+        </p:txBody>
+      </p:sp>
+      <p:sp>
+        <p:nvSpPr>
+          <p:cNvPr id="7" name="TextBox 6">
+            <a:extLst>
+              <a:ext uri="{FF2B5EF4-FFF2-40B4-BE49-F238E27FC236}">
+                <a16:creationId xmlns:a16="http://schemas.microsoft.com/office/drawing/2014/main" id="{6C4879A9-A625-4AB3-83A5-E6F743EA1044}"/>
+              </a:ext>
+            </a:extLst>
+          </p:cNvPr>
+          <p:cNvSpPr txBox="1"/>
+          <p:nvPr/>
+        </p:nvSpPr>
+        <p:spPr>
+          <a:xfrm>
+            <a:off x="6931700" y="2522557"/>
+            <a:ext cx="6093500" cy="3970318"/>
+          </a:xfrm>
+          <a:prstGeom prst="rect">
+            <a:avLst/>
+          </a:prstGeom>
+          <a:noFill/>
+        </p:spPr>
+        <p:txBody>
+          <a:bodyPr wrap="square">
+            <a:spAutoFit/>
+          </a:bodyPr>
+          <a:lstStyle/>
+          <a:p>
+            <a:r>
+              <a:rPr lang="en-US" dirty="0"/>
+              <a:t>button1_state = !</a:t>
+            </a:r>
+            <a:r>
+              <a:rPr lang="en-US" dirty="0" err="1"/>
+              <a:t>digitalRead</a:t>
+            </a:r>
+            <a:r>
+              <a:rPr lang="en-US" dirty="0"/>
+              <a:t>(button1_pin);</a:t>
+            </a:r>
+          </a:p>
+          <a:p>
+            <a:r>
+              <a:rPr lang="en-US" dirty="0"/>
+              <a:t>    if (button1_state == 1){</a:t>
+            </a:r>
+          </a:p>
+          <a:p>
+            <a:r>
+              <a:rPr lang="en-US" dirty="0"/>
+              <a:t>      </a:t>
+            </a:r>
+            <a:r>
+              <a:rPr lang="en-US" dirty="0" err="1"/>
+              <a:t>client.publish</a:t>
+            </a:r>
+            <a:r>
+              <a:rPr lang="en-US" dirty="0"/>
+              <a:t>("sensor1", "on");</a:t>
+            </a:r>
+          </a:p>
+          <a:p>
+            <a:r>
+              <a:rPr lang="en-US" dirty="0"/>
+              <a:t>    } else{</a:t>
+            </a:r>
+          </a:p>
+          <a:p>
+            <a:r>
+              <a:rPr lang="en-US" dirty="0"/>
+              <a:t>      </a:t>
+            </a:r>
+            <a:r>
+              <a:rPr lang="en-US" dirty="0" err="1"/>
+              <a:t>client.publish</a:t>
+            </a:r>
+            <a:r>
+              <a:rPr lang="en-US" dirty="0"/>
+              <a:t>("sensor1", "off");</a:t>
+            </a:r>
+          </a:p>
+          <a:p>
+            <a:r>
+              <a:rPr lang="en-US" dirty="0"/>
+              <a:t>    }</a:t>
+            </a:r>
+          </a:p>
+          <a:p>
+            <a:r>
+              <a:rPr lang="en-US" dirty="0"/>
+              <a:t>    button2_state = !</a:t>
+            </a:r>
+            <a:r>
+              <a:rPr lang="en-US" dirty="0" err="1"/>
+              <a:t>digitalRead</a:t>
+            </a:r>
+            <a:r>
+              <a:rPr lang="en-US" dirty="0"/>
+              <a:t>(button2_pin);</a:t>
+            </a:r>
+          </a:p>
+          <a:p>
+            <a:r>
+              <a:rPr lang="en-US" dirty="0"/>
+              <a:t>    if (button2_state == 1){</a:t>
+            </a:r>
+          </a:p>
+          <a:p>
+            <a:r>
+              <a:rPr lang="en-US" dirty="0"/>
+              <a:t>      </a:t>
+            </a:r>
+            <a:r>
+              <a:rPr lang="en-US" dirty="0" err="1"/>
+              <a:t>client.publish</a:t>
+            </a:r>
+            <a:r>
+              <a:rPr lang="en-US" dirty="0"/>
+              <a:t>("sensor2", "on");</a:t>
+            </a:r>
+          </a:p>
+          <a:p>
+            <a:r>
+              <a:rPr lang="en-US" dirty="0"/>
+              <a:t>    } else{</a:t>
+            </a:r>
+          </a:p>
+          <a:p>
+            <a:r>
+              <a:rPr lang="en-US" dirty="0"/>
+              <a:t>      </a:t>
+            </a:r>
+            <a:r>
+              <a:rPr lang="en-US" dirty="0" err="1"/>
+              <a:t>client.publish</a:t>
+            </a:r>
+            <a:r>
+              <a:rPr lang="en-US" dirty="0"/>
+              <a:t>("sensor2", "off");</a:t>
+            </a:r>
+          </a:p>
+          <a:p>
+            <a:r>
+              <a:rPr lang="en-US" dirty="0"/>
+              <a:t>    }</a:t>
+            </a:r>
+          </a:p>
+          <a:p>
+            <a:r>
+              <a:rPr lang="en-US" dirty="0"/>
+              <a:t>  }</a:t>
+            </a:r>
+          </a:p>
+          <a:p>
+            <a:r>
+              <a:rPr lang="en-US" dirty="0"/>
+              <a:t>}</a:t>
+            </a:r>
           </a:p>
         </p:txBody>
       </p:sp>
     </p:spTree>
     <p:extLst>
       <p:ext uri="{BB962C8B-B14F-4D97-AF65-F5344CB8AC3E}">
-        <p14:creationId xmlns:p14="http://schemas.microsoft.com/office/powerpoint/2010/main" val="1742826534"/>
+        <p14:creationId xmlns:p14="http://schemas.microsoft.com/office/powerpoint/2010/main" val="1959567703"/>
       </p:ext>
     </p:extLst>
   </p:cSld>
@@ -12874,6 +12904,77 @@
           <p:cNvPr id="2" name="Title 1">
             <a:extLst>
               <a:ext uri="{FF2B5EF4-FFF2-40B4-BE49-F238E27FC236}">
+                <a16:creationId xmlns:a16="http://schemas.microsoft.com/office/drawing/2014/main" id="{CC0CC6C6-2396-44D7-B8A7-53A9F42A8C53}"/>
+              </a:ext>
+            </a:extLst>
+          </p:cNvPr>
+          <p:cNvSpPr>
+            <a:spLocks noGrp="1"/>
+          </p:cNvSpPr>
+          <p:nvPr>
+            <p:ph type="title"/>
+          </p:nvPr>
+        </p:nvSpPr>
+        <p:spPr>
+          <a:xfrm>
+            <a:off x="838200" y="2766218"/>
+            <a:ext cx="10515600" cy="1325563"/>
+          </a:xfrm>
+        </p:spPr>
+        <p:txBody>
+          <a:bodyPr/>
+          <a:lstStyle/>
+          <a:p>
+            <a:pPr algn="ctr"/>
+            <a:r>
+              <a:rPr lang="en-US" dirty="0"/>
+              <a:t>Let’s see the result </a:t>
+            </a:r>
+            <a:r>
+              <a:rPr lang="en-US" dirty="0">
+                <a:sym typeface="Wingdings" panose="05000000000000000000" pitchFamily="2" charset="2"/>
+              </a:rPr>
+              <a:t></a:t>
+            </a:r>
+            <a:endParaRPr lang="en-US" dirty="0"/>
+          </a:p>
+        </p:txBody>
+      </p:sp>
+    </p:spTree>
+    <p:extLst>
+      <p:ext uri="{BB962C8B-B14F-4D97-AF65-F5344CB8AC3E}">
+        <p14:creationId xmlns:p14="http://schemas.microsoft.com/office/powerpoint/2010/main" val="1742826534"/>
+      </p:ext>
+    </p:extLst>
+  </p:cSld>
+  <p:clrMapOvr>
+    <a:masterClrMapping/>
+  </p:clrMapOvr>
+</p:sld>
+</file>
+
+<file path=ppt/slides/slide37.xml><?xml version="1.0" encoding="utf-8"?>
+<p:sld xmlns:a="http://schemas.openxmlformats.org/drawingml/2006/main" xmlns:r="http://schemas.openxmlformats.org/officeDocument/2006/relationships" xmlns:p="http://schemas.openxmlformats.org/presentationml/2006/main">
+  <p:cSld>
+    <p:spTree>
+      <p:nvGrpSpPr>
+        <p:cNvPr id="1" name=""/>
+        <p:cNvGrpSpPr/>
+        <p:nvPr/>
+      </p:nvGrpSpPr>
+      <p:grpSpPr>
+        <a:xfrm>
+          <a:off x="0" y="0"/>
+          <a:ext cx="0" cy="0"/>
+          <a:chOff x="0" y="0"/>
+          <a:chExt cx="0" cy="0"/>
+        </a:xfrm>
+      </p:grpSpPr>
+      <p:sp>
+        <p:nvSpPr>
+          <p:cNvPr id="2" name="Title 1">
+            <a:extLst>
+              <a:ext uri="{FF2B5EF4-FFF2-40B4-BE49-F238E27FC236}">
                 <a16:creationId xmlns:a16="http://schemas.microsoft.com/office/drawing/2014/main" id="{C501565E-B7E4-4731-B1FB-95451E40D2A4}"/>
               </a:ext>
             </a:extLst>
@@ -12923,7 +13024,7 @@
 </p:sld>
 </file>
 
-<file path=ppt/slides/slide37.xml><?xml version="1.0" encoding="utf-8"?>
+<file path=ppt/slides/slide38.xml><?xml version="1.0" encoding="utf-8"?>
 <p:sld xmlns:a="http://schemas.openxmlformats.org/drawingml/2006/main" xmlns:r="http://schemas.openxmlformats.org/officeDocument/2006/relationships" xmlns:p="http://schemas.openxmlformats.org/presentationml/2006/main">
   <p:cSld>
     <p:spTree>
@@ -13035,7 +13136,7 @@
 </p:sld>
 </file>
 
-<file path=ppt/slides/slide38.xml><?xml version="1.0" encoding="utf-8"?>
+<file path=ppt/slides/slide39.xml><?xml version="1.0" encoding="utf-8"?>
 <p:sld xmlns:a="http://schemas.openxmlformats.org/drawingml/2006/main" xmlns:r="http://schemas.openxmlformats.org/officeDocument/2006/relationships" xmlns:p="http://schemas.openxmlformats.org/presentationml/2006/main">
   <p:cSld>
     <p:spTree>
@@ -13155,7 +13256,190 @@
 </p:sld>
 </file>
 
-<file path=ppt/slides/slide39.xml><?xml version="1.0" encoding="utf-8"?>
+<file path=ppt/slides/slide4.xml><?xml version="1.0" encoding="utf-8"?>
+<p:sld xmlns:a="http://schemas.openxmlformats.org/drawingml/2006/main" xmlns:r="http://schemas.openxmlformats.org/officeDocument/2006/relationships" xmlns:p="http://schemas.openxmlformats.org/presentationml/2006/main">
+  <p:cSld>
+    <p:spTree>
+      <p:nvGrpSpPr>
+        <p:cNvPr id="1" name=""/>
+        <p:cNvGrpSpPr/>
+        <p:nvPr/>
+      </p:nvGrpSpPr>
+      <p:grpSpPr>
+        <a:xfrm>
+          <a:off x="0" y="0"/>
+          <a:ext cx="0" cy="0"/>
+          <a:chOff x="0" y="0"/>
+          <a:chExt cx="0" cy="0"/>
+        </a:xfrm>
+      </p:grpSpPr>
+      <p:sp>
+        <p:nvSpPr>
+          <p:cNvPr id="2" name="Title 1">
+            <a:extLst>
+              <a:ext uri="{FF2B5EF4-FFF2-40B4-BE49-F238E27FC236}">
+                <a16:creationId xmlns:a16="http://schemas.microsoft.com/office/drawing/2014/main" id="{8B5FA535-4A78-4224-9277-290B6156CF4A}"/>
+              </a:ext>
+            </a:extLst>
+          </p:cNvPr>
+          <p:cNvSpPr>
+            <a:spLocks noGrp="1"/>
+          </p:cNvSpPr>
+          <p:nvPr>
+            <p:ph type="title"/>
+          </p:nvPr>
+        </p:nvSpPr>
+        <p:spPr/>
+        <p:txBody>
+          <a:bodyPr/>
+          <a:lstStyle/>
+          <a:p>
+            <a:r>
+              <a:rPr lang="en-US" dirty="0"/>
+              <a:t>File links</a:t>
+            </a:r>
+          </a:p>
+        </p:txBody>
+      </p:sp>
+      <p:sp>
+        <p:nvSpPr>
+          <p:cNvPr id="3" name="Content Placeholder 2">
+            <a:extLst>
+              <a:ext uri="{FF2B5EF4-FFF2-40B4-BE49-F238E27FC236}">
+                <a16:creationId xmlns:a16="http://schemas.microsoft.com/office/drawing/2014/main" id="{5D7CCB04-0198-4A83-A7BA-7884908EDAB5}"/>
+              </a:ext>
+            </a:extLst>
+          </p:cNvPr>
+          <p:cNvSpPr>
+            <a:spLocks noGrp="1"/>
+          </p:cNvSpPr>
+          <p:nvPr>
+            <p:ph idx="1"/>
+          </p:nvPr>
+        </p:nvSpPr>
+        <p:spPr>
+          <a:xfrm>
+            <a:off x="838200" y="1825625"/>
+            <a:ext cx="10515600" cy="4470244"/>
+          </a:xfrm>
+        </p:spPr>
+        <p:txBody>
+          <a:bodyPr>
+            <a:normAutofit/>
+          </a:bodyPr>
+          <a:lstStyle/>
+          <a:p>
+            <a:pPr marL="0" indent="0">
+              <a:buNone/>
+            </a:pPr>
+            <a:r>
+              <a:rPr lang="en-US" dirty="0"/>
+              <a:t>Ppt, example code</a:t>
+            </a:r>
+          </a:p>
+          <a:p>
+            <a:pPr marL="0" indent="0">
+              <a:buNone/>
+            </a:pPr>
+            <a:r>
+              <a:rPr lang="en-US" dirty="0">
+                <a:solidFill>
+                  <a:srgbClr val="0563C1"/>
+                </a:solidFill>
+                <a:hlinkClick r:id="rId2">
+                  <a:extLst>
+                    <a:ext uri="{A12FA001-AC4F-418D-AE19-62706E023703}">
+                      <ahyp:hlinkClr xmlns:ahyp="http://schemas.microsoft.com/office/drawing/2018/hyperlinkcolor" val="tx"/>
+                    </a:ext>
+                  </a:extLst>
+                </a:hlinkClick>
+              </a:rPr>
+              <a:t>https://github.com/muhammadhusni777/ARDUMEKA-MQTT-GUI</a:t>
+            </a:r>
+            <a:endParaRPr lang="en-US" dirty="0">
+              <a:solidFill>
+                <a:srgbClr val="0563C1"/>
+              </a:solidFill>
+            </a:endParaRPr>
+          </a:p>
+          <a:p>
+            <a:pPr marL="0" indent="0">
+              <a:buNone/>
+            </a:pPr>
+            <a:endParaRPr lang="en-US" dirty="0">
+              <a:solidFill>
+                <a:srgbClr val="0563C1"/>
+              </a:solidFill>
+            </a:endParaRPr>
+          </a:p>
+          <a:p>
+            <a:pPr marL="0" indent="0">
+              <a:buNone/>
+            </a:pPr>
+            <a:r>
+              <a:rPr lang="en-US" dirty="0"/>
+              <a:t>Software tools</a:t>
+            </a:r>
+          </a:p>
+          <a:p>
+            <a:pPr marL="0" indent="0">
+              <a:buNone/>
+            </a:pPr>
+            <a:r>
+              <a:rPr lang="en-US" dirty="0">
+                <a:hlinkClick r:id="rId3"/>
+              </a:rPr>
+              <a:t>https://drive.google.com/drive/folders/1eKmwfIYVEk9dNEoskVgPkrd7ihbXmtxf?usp=sharing</a:t>
+            </a:r>
+            <a:endParaRPr lang="en-US" dirty="0"/>
+          </a:p>
+          <a:p>
+            <a:endParaRPr lang="en-US" dirty="0"/>
+          </a:p>
+          <a:p>
+            <a:pPr marL="0" indent="0">
+              <a:buNone/>
+            </a:pPr>
+            <a:r>
+              <a:rPr lang="en-US" dirty="0" err="1"/>
+              <a:t>Contoh</a:t>
+            </a:r>
+            <a:r>
+              <a:rPr lang="en-US" dirty="0"/>
+              <a:t> project</a:t>
+            </a:r>
+          </a:p>
+          <a:p>
+            <a:pPr marL="0" indent="0">
+              <a:buNone/>
+            </a:pPr>
+            <a:r>
+              <a:rPr lang="en-US" dirty="0">
+                <a:hlinkClick r:id="rId4"/>
+              </a:rPr>
+              <a:t>https://wokwi.com/projects/345223004701065810</a:t>
+            </a:r>
+            <a:r>
+              <a:rPr lang="en-US" dirty="0"/>
+              <a:t> </a:t>
+            </a:r>
+          </a:p>
+        </p:txBody>
+      </p:sp>
+    </p:spTree>
+    <p:extLst>
+      <p:ext uri="{BB962C8B-B14F-4D97-AF65-F5344CB8AC3E}">
+        <p14:creationId xmlns:p14="http://schemas.microsoft.com/office/powerpoint/2010/main" val="2712698717"/>
+      </p:ext>
+    </p:extLst>
+  </p:cSld>
+  <p:clrMapOvr>
+    <a:masterClrMapping/>
+  </p:clrMapOvr>
+</p:sld>
+</file>
+
+<file path=ppt/slides/slide40.xml><?xml version="1.0" encoding="utf-8"?>
 <p:sld xmlns:a="http://schemas.openxmlformats.org/drawingml/2006/main" xmlns:r="http://schemas.openxmlformats.org/officeDocument/2006/relationships" xmlns:p="http://schemas.openxmlformats.org/presentationml/2006/main">
   <p:cSld>
     <p:spTree>
@@ -13265,7 +13549,7 @@
 </p:sld>
 </file>
 
-<file path=ppt/slides/slide4.xml><?xml version="1.0" encoding="utf-8"?>
+<file path=ppt/slides/slide5.xml><?xml version="1.0" encoding="utf-8"?>
 <p:sld xmlns:a="http://schemas.openxmlformats.org/drawingml/2006/main" xmlns:r="http://schemas.openxmlformats.org/officeDocument/2006/relationships" xmlns:p="http://schemas.openxmlformats.org/presentationml/2006/main">
   <p:cSld>
     <p:spTree>
@@ -13287,7 +13571,7 @@
           <p:cNvPr id="2" name="Title 1">
             <a:extLst>
               <a:ext uri="{FF2B5EF4-FFF2-40B4-BE49-F238E27FC236}">
-                <a16:creationId xmlns:a16="http://schemas.microsoft.com/office/drawing/2014/main" id="{8B5FA535-4A78-4224-9277-290B6156CF4A}"/>
+                <a16:creationId xmlns:a16="http://schemas.microsoft.com/office/drawing/2014/main" id="{C1687D5C-1C9B-4730-ABC8-1E25377AEB51}"/>
               </a:ext>
             </a:extLst>
           </p:cNvPr>
@@ -13303,10 +13587,7 @@
           <a:bodyPr/>
           <a:lstStyle/>
           <a:p>
-            <a:r>
-              <a:rPr lang="en-US" dirty="0"/>
-              <a:t>File links</a:t>
-            </a:r>
+            <a:endParaRPr lang="en-US"/>
           </a:p>
         </p:txBody>
       </p:sp>
@@ -13315,7 +13596,7 @@
           <p:cNvPr id="3" name="Content Placeholder 2">
             <a:extLst>
               <a:ext uri="{FF2B5EF4-FFF2-40B4-BE49-F238E27FC236}">
-                <a16:creationId xmlns:a16="http://schemas.microsoft.com/office/drawing/2014/main" id="{5D7CCB04-0198-4A83-A7BA-7884908EDAB5}"/>
+                <a16:creationId xmlns:a16="http://schemas.microsoft.com/office/drawing/2014/main" id="{75EB35E4-5AB4-4AB2-AA48-92445320526B}"/>
               </a:ext>
             </a:extLst>
           </p:cNvPr>
@@ -13326,103 +13607,49 @@
             <p:ph idx="1"/>
           </p:nvPr>
         </p:nvSpPr>
+        <p:spPr/>
+        <p:txBody>
+          <a:bodyPr/>
+          <a:lstStyle/>
+          <a:p>
+            <a:endParaRPr lang="en-US"/>
+          </a:p>
+        </p:txBody>
+      </p:sp>
+      <p:pic>
+        <p:nvPicPr>
+          <p:cNvPr id="5" name="Picture 4">
+            <a:extLst>
+              <a:ext uri="{FF2B5EF4-FFF2-40B4-BE49-F238E27FC236}">
+                <a16:creationId xmlns:a16="http://schemas.microsoft.com/office/drawing/2014/main" id="{A26BB908-F4A6-4459-B24B-8DDF5B3E5086}"/>
+              </a:ext>
+            </a:extLst>
+          </p:cNvPr>
+          <p:cNvPicPr>
+            <a:picLocks noChangeAspect="1"/>
+          </p:cNvPicPr>
+          <p:nvPr/>
+        </p:nvPicPr>
+        <p:blipFill>
+          <a:blip r:embed="rId2"/>
+          <a:stretch>
+            <a:fillRect/>
+          </a:stretch>
+        </p:blipFill>
         <p:spPr>
           <a:xfrm>
-            <a:off x="838200" y="1825625"/>
-            <a:ext cx="10515600" cy="2941247"/>
+            <a:off x="838200" y="119921"/>
+            <a:ext cx="10551167" cy="6595921"/>
           </a:xfrm>
+          <a:prstGeom prst="rect">
+            <a:avLst/>
+          </a:prstGeom>
         </p:spPr>
-        <p:txBody>
-          <a:bodyPr>
-            <a:normAutofit fontScale="85000" lnSpcReduction="20000"/>
-          </a:bodyPr>
-          <a:lstStyle/>
-          <a:p>
-            <a:pPr marL="0" indent="0">
-              <a:buNone/>
-            </a:pPr>
-            <a:r>
-              <a:rPr lang="en-US" dirty="0"/>
-              <a:t>Ppt, example code</a:t>
-            </a:r>
-          </a:p>
-          <a:p>
-            <a:pPr marL="0" indent="0">
-              <a:buNone/>
-            </a:pPr>
-            <a:endParaRPr lang="en-US" dirty="0">
-              <a:hlinkClick r:id="rId2">
-                <a:extLst>
-                  <a:ext uri="{A12FA001-AC4F-418D-AE19-62706E023703}">
-                    <ahyp:hlinkClr xmlns:ahyp="http://schemas.microsoft.com/office/drawing/2018/hyperlinkcolor" val="tx"/>
-                  </a:ext>
-                </a:extLst>
-              </a:hlinkClick>
-            </a:endParaRPr>
-          </a:p>
-          <a:p>
-            <a:r>
-              <a:rPr lang="en-US" dirty="0">
-                <a:solidFill>
-                  <a:srgbClr val="0563C1"/>
-                </a:solidFill>
-                <a:hlinkClick r:id="rId2">
-                  <a:extLst>
-                    <a:ext uri="{A12FA001-AC4F-418D-AE19-62706E023703}">
-                      <ahyp:hlinkClr xmlns:ahyp="http://schemas.microsoft.com/office/drawing/2018/hyperlinkcolor" val="tx"/>
-                    </a:ext>
-                  </a:extLst>
-                </a:hlinkClick>
-              </a:rPr>
-              <a:t>https://github.com/muhammadhusni777/ARDUMEKA-MQTT-GUI</a:t>
-            </a:r>
-            <a:endParaRPr lang="en-US" dirty="0">
-              <a:solidFill>
-                <a:srgbClr val="0563C1"/>
-              </a:solidFill>
-            </a:endParaRPr>
-          </a:p>
-          <a:p>
-            <a:endParaRPr lang="en-US" dirty="0">
-              <a:solidFill>
-                <a:srgbClr val="0563C1"/>
-              </a:solidFill>
-            </a:endParaRPr>
-          </a:p>
-          <a:p>
-            <a:endParaRPr lang="en-US" dirty="0">
-              <a:solidFill>
-                <a:srgbClr val="0563C1"/>
-              </a:solidFill>
-            </a:endParaRPr>
-          </a:p>
-          <a:p>
-            <a:pPr marL="0" indent="0">
-              <a:buNone/>
-            </a:pPr>
-            <a:r>
-              <a:rPr lang="en-US" dirty="0"/>
-              <a:t>Software tools</a:t>
-            </a:r>
-          </a:p>
-          <a:p>
-            <a:r>
-              <a:rPr lang="en-US" dirty="0">
-                <a:hlinkClick r:id="rId3"/>
-              </a:rPr>
-              <a:t>https://drive.google.com/drive/folders/1eKmwfIYVEk9dNEoskVgPkrd7ihbXmtxf?usp=sharing</a:t>
-            </a:r>
-            <a:endParaRPr lang="en-US" dirty="0"/>
-          </a:p>
-          <a:p>
-            <a:endParaRPr lang="en-US" dirty="0"/>
-          </a:p>
-        </p:txBody>
-      </p:sp>
+      </p:pic>
     </p:spTree>
     <p:extLst>
       <p:ext uri="{BB962C8B-B14F-4D97-AF65-F5344CB8AC3E}">
-        <p14:creationId xmlns:p14="http://schemas.microsoft.com/office/powerpoint/2010/main" val="2712698717"/>
+        <p14:creationId xmlns:p14="http://schemas.microsoft.com/office/powerpoint/2010/main" val="1786335463"/>
       </p:ext>
     </p:extLst>
   </p:cSld>
@@ -13432,7 +13659,7 @@
 </p:sld>
 </file>
 
-<file path=ppt/slides/slide5.xml><?xml version="1.0" encoding="utf-8"?>
+<file path=ppt/slides/slide6.xml><?xml version="1.0" encoding="utf-8"?>
 <p:sld xmlns:a="http://schemas.openxmlformats.org/drawingml/2006/main" xmlns:r="http://schemas.openxmlformats.org/officeDocument/2006/relationships" xmlns:p="http://schemas.openxmlformats.org/presentationml/2006/main">
   <p:cSld>
     <p:spTree>
@@ -13534,7 +13761,7 @@
 </p:sld>
 </file>
 
-<file path=ppt/slides/slide6.xml><?xml version="1.0" encoding="utf-8"?>
+<file path=ppt/slides/slide7.xml><?xml version="1.0" encoding="utf-8"?>
 <p:sld xmlns:a="http://schemas.openxmlformats.org/drawingml/2006/main" xmlns:r="http://schemas.openxmlformats.org/officeDocument/2006/relationships" xmlns:p="http://schemas.openxmlformats.org/presentationml/2006/main">
   <p:cSld>
     <p:spTree>
@@ -13682,7 +13909,7 @@
 </p:sld>
 </file>
 
-<file path=ppt/slides/slide7.xml><?xml version="1.0" encoding="utf-8"?>
+<file path=ppt/slides/slide8.xml><?xml version="1.0" encoding="utf-8"?>
 <p:sld xmlns:a="http://schemas.openxmlformats.org/drawingml/2006/main" xmlns:r="http://schemas.openxmlformats.org/officeDocument/2006/relationships" xmlns:p="http://schemas.openxmlformats.org/presentationml/2006/main">
   <p:cSld>
     <p:spTree>
@@ -13767,7 +13994,7 @@
 </p:sld>
 </file>
 
-<file path=ppt/slides/slide8.xml><?xml version="1.0" encoding="utf-8"?>
+<file path=ppt/slides/slide9.xml><?xml version="1.0" encoding="utf-8"?>
 <p:sld xmlns:a="http://schemas.openxmlformats.org/drawingml/2006/main" xmlns:r="http://schemas.openxmlformats.org/officeDocument/2006/relationships" xmlns:p="http://schemas.openxmlformats.org/presentationml/2006/main">
   <p:cSld>
     <p:spTree>
@@ -13843,106 +14070,6 @@
     <p:extLst>
       <p:ext uri="{BB962C8B-B14F-4D97-AF65-F5344CB8AC3E}">
         <p14:creationId xmlns:p14="http://schemas.microsoft.com/office/powerpoint/2010/main" val="3244648346"/>
-      </p:ext>
-    </p:extLst>
-  </p:cSld>
-  <p:clrMapOvr>
-    <a:masterClrMapping/>
-  </p:clrMapOvr>
-</p:sld>
-</file>
-
-<file path=ppt/slides/slide9.xml><?xml version="1.0" encoding="utf-8"?>
-<p:sld xmlns:a="http://schemas.openxmlformats.org/drawingml/2006/main" xmlns:r="http://schemas.openxmlformats.org/officeDocument/2006/relationships" xmlns:p="http://schemas.openxmlformats.org/presentationml/2006/main">
-  <p:cSld>
-    <p:spTree>
-      <p:nvGrpSpPr>
-        <p:cNvPr id="1" name=""/>
-        <p:cNvGrpSpPr/>
-        <p:nvPr/>
-      </p:nvGrpSpPr>
-      <p:grpSpPr>
-        <a:xfrm>
-          <a:off x="0" y="0"/>
-          <a:ext cx="0" cy="0"/>
-          <a:chOff x="0" y="0"/>
-          <a:chExt cx="0" cy="0"/>
-        </a:xfrm>
-      </p:grpSpPr>
-      <p:sp>
-        <p:nvSpPr>
-          <p:cNvPr id="2" name="Title 1">
-            <a:extLst>
-              <a:ext uri="{FF2B5EF4-FFF2-40B4-BE49-F238E27FC236}">
-                <a16:creationId xmlns:a16="http://schemas.microsoft.com/office/drawing/2014/main" id="{8496A251-0A68-4515-AB51-4B2B1FC2D7C7}"/>
-              </a:ext>
-            </a:extLst>
-          </p:cNvPr>
-          <p:cNvSpPr>
-            <a:spLocks noGrp="1"/>
-          </p:cNvSpPr>
-          <p:nvPr>
-            <p:ph type="title"/>
-          </p:nvPr>
-        </p:nvSpPr>
-        <p:spPr>
-          <a:xfrm>
-            <a:off x="838200" y="1729230"/>
-            <a:ext cx="10515600" cy="1325563"/>
-          </a:xfrm>
-        </p:spPr>
-        <p:txBody>
-          <a:bodyPr/>
-          <a:lstStyle/>
-          <a:p>
-            <a:pPr algn="ctr"/>
-            <a:r>
-              <a:rPr lang="en-US" dirty="0"/>
-              <a:t>SPACE AVAILABLE</a:t>
-            </a:r>
-          </a:p>
-        </p:txBody>
-      </p:sp>
-      <p:sp>
-        <p:nvSpPr>
-          <p:cNvPr id="3" name="Content Placeholder 2">
-            <a:extLst>
-              <a:ext uri="{FF2B5EF4-FFF2-40B4-BE49-F238E27FC236}">
-                <a16:creationId xmlns:a16="http://schemas.microsoft.com/office/drawing/2014/main" id="{FA46ED6D-AE9F-42E8-83A7-964A183A0144}"/>
-              </a:ext>
-            </a:extLst>
-          </p:cNvPr>
-          <p:cNvSpPr>
-            <a:spLocks noGrp="1"/>
-          </p:cNvSpPr>
-          <p:nvPr>
-            <p:ph idx="1"/>
-          </p:nvPr>
-        </p:nvSpPr>
-        <p:spPr>
-          <a:xfrm>
-            <a:off x="838200" y="5576341"/>
-            <a:ext cx="10515600" cy="600622"/>
-          </a:xfrm>
-        </p:spPr>
-        <p:txBody>
-          <a:bodyPr/>
-          <a:lstStyle/>
-          <a:p>
-            <a:pPr marL="0" indent="0" algn="ctr">
-              <a:buNone/>
-            </a:pPr>
-            <a:r>
-              <a:rPr lang="en-US" dirty="0"/>
-              <a:t>https://linktr.ee/ardumeka</a:t>
-            </a:r>
-          </a:p>
-        </p:txBody>
-      </p:sp>
-    </p:spTree>
-    <p:extLst>
-      <p:ext uri="{BB962C8B-B14F-4D97-AF65-F5344CB8AC3E}">
-        <p14:creationId xmlns:p14="http://schemas.microsoft.com/office/powerpoint/2010/main" val="2987041790"/>
       </p:ext>
     </p:extLst>
   </p:cSld>
